--- a/doc/MidTerm/MidTerm.pptx
+++ b/doc/MidTerm/MidTerm.pptx
@@ -5,7 +5,7 @@
     <p:sldMasterId id="2147483673" r:id="rId1"/>
   </p:sldMasterIdLst>
   <p:notesMasterIdLst>
-    <p:notesMasterId r:id="rId8"/>
+    <p:notesMasterId r:id="rId7"/>
   </p:notesMasterIdLst>
   <p:sldIdLst>
     <p:sldId id="256" r:id="rId2"/>
@@ -13,7 +13,6 @@
     <p:sldId id="258" r:id="rId4"/>
     <p:sldId id="259" r:id="rId5"/>
     <p:sldId id="260" r:id="rId6"/>
-    <p:sldId id="261" r:id="rId7"/>
   </p:sldIdLst>
   <p:sldSz cx="9144000" cy="6858000" type="screen4x3"/>
   <p:notesSz cx="6858000" cy="9144000"/>
@@ -197,7 +196,7 @@
           <a:p>
             <a:fld id="{A6609C19-3333-F748-BFA8-3DC416911B5B}" type="datetimeFigureOut">
               <a:rPr lang="en-US" smtClean="0"/>
-              <a:t>3/21/13</a:t>
+              <a:t>3/31/13</a:t>
             </a:fld>
             <a:endParaRPr lang="en-US"/>
           </a:p>
@@ -865,101 +864,6 @@
 </p:notes>
 </file>
 
-<file path=ppt/notesSlides/notesSlide5.xml><?xml version="1.0" encoding="utf-8"?>
-<p:notes xmlns:a="http://schemas.openxmlformats.org/drawingml/2006/main" xmlns:r="http://schemas.openxmlformats.org/officeDocument/2006/relationships" xmlns:p="http://schemas.openxmlformats.org/presentationml/2006/main">
-  <p:cSld>
-    <p:spTree>
-      <p:nvGrpSpPr>
-        <p:cNvPr id="1" name=""/>
-        <p:cNvGrpSpPr/>
-        <p:nvPr/>
-      </p:nvGrpSpPr>
-      <p:grpSpPr>
-        <a:xfrm>
-          <a:off x="0" y="0"/>
-          <a:ext cx="0" cy="0"/>
-          <a:chOff x="0" y="0"/>
-          <a:chExt cx="0" cy="0"/>
-        </a:xfrm>
-      </p:grpSpPr>
-      <p:sp>
-        <p:nvSpPr>
-          <p:cNvPr id="2" name="Slide Image Placeholder 1"/>
-          <p:cNvSpPr>
-            <a:spLocks noGrp="1" noRot="1" noChangeAspect="1"/>
-          </p:cNvSpPr>
-          <p:nvPr>
-            <p:ph type="sldImg"/>
-          </p:nvPr>
-        </p:nvSpPr>
-        <p:spPr/>
-      </p:sp>
-      <p:sp>
-        <p:nvSpPr>
-          <p:cNvPr id="3" name="Notes Placeholder 2"/>
-          <p:cNvSpPr>
-            <a:spLocks noGrp="1"/>
-          </p:cNvSpPr>
-          <p:nvPr>
-            <p:ph type="body" idx="1"/>
-          </p:nvPr>
-        </p:nvSpPr>
-        <p:spPr/>
-        <p:txBody>
-          <a:bodyPr/>
-          <a:lstStyle/>
-          <a:p>
-            <a:r>
-              <a:rPr lang="en-US" sz="1200" kern="1200" dirty="0" smtClean="0">
-                <a:solidFill>
-                  <a:schemeClr val="tx1"/>
-                </a:solidFill>
-                <a:latin typeface="+mn-lt"/>
-                <a:ea typeface="+mn-ea"/>
-                <a:cs typeface="+mn-cs"/>
-              </a:rPr>
-              <a:t>Slide #2: Motivate your project by describing why its solution is important. Who would care if you are successful and why?</a:t>
-            </a:r>
-            <a:endParaRPr lang="en-US" dirty="0"/>
-          </a:p>
-        </p:txBody>
-      </p:sp>
-      <p:sp>
-        <p:nvSpPr>
-          <p:cNvPr id="4" name="Slide Number Placeholder 3"/>
-          <p:cNvSpPr>
-            <a:spLocks noGrp="1"/>
-          </p:cNvSpPr>
-          <p:nvPr>
-            <p:ph type="sldNum" sz="quarter" idx="10"/>
-          </p:nvPr>
-        </p:nvSpPr>
-        <p:spPr/>
-        <p:txBody>
-          <a:bodyPr/>
-          <a:lstStyle/>
-          <a:p>
-            <a:fld id="{437C7616-B134-0047-ABFF-A95E6FAEFE2A}" type="slidenum">
-              <a:rPr lang="en-US" smtClean="0"/>
-              <a:t>6</a:t>
-            </a:fld>
-            <a:endParaRPr lang="en-US"/>
-          </a:p>
-        </p:txBody>
-      </p:sp>
-    </p:spTree>
-    <p:extLst>
-      <p:ext uri="{BB962C8B-B14F-4D97-AF65-F5344CB8AC3E}">
-        <p14:creationId xmlns:p14="http://schemas.microsoft.com/office/powerpoint/2010/main" val="274700957"/>
-      </p:ext>
-    </p:extLst>
-  </p:cSld>
-  <p:clrMapOvr>
-    <a:masterClrMapping/>
-  </p:clrMapOvr>
-</p:notes>
-</file>
-
 <file path=ppt/slideLayouts/slideLayout1.xml><?xml version="1.0" encoding="utf-8"?>
 <p:sldLayout xmlns:a="http://schemas.openxmlformats.org/drawingml/2006/main" xmlns:r="http://schemas.openxmlformats.org/officeDocument/2006/relationships" xmlns:p="http://schemas.openxmlformats.org/presentationml/2006/main" type="title" preserve="1">
   <p:cSld name="Title Slide">
@@ -1141,7 +1045,7 @@
           <a:p>
             <a:fld id="{6B35E7C1-0930-394A-BB48-132AAC6FC298}" type="datetimeFigureOut">
               <a:rPr lang="en-US" smtClean="0"/>
-              <a:t>3/21/13</a:t>
+              <a:t>3/31/13</a:t>
             </a:fld>
             <a:endParaRPr lang="en-US"/>
           </a:p>
@@ -1311,7 +1215,7 @@
           <a:p>
             <a:fld id="{6B35E7C1-0930-394A-BB48-132AAC6FC298}" type="datetimeFigureOut">
               <a:rPr lang="en-US" smtClean="0"/>
-              <a:t>3/21/13</a:t>
+              <a:t>3/31/13</a:t>
             </a:fld>
             <a:endParaRPr lang="en-US"/>
           </a:p>
@@ -1491,7 +1395,7 @@
           <a:p>
             <a:fld id="{6B35E7C1-0930-394A-BB48-132AAC6FC298}" type="datetimeFigureOut">
               <a:rPr lang="en-US" smtClean="0"/>
-              <a:t>3/21/13</a:t>
+              <a:t>3/31/13</a:t>
             </a:fld>
             <a:endParaRPr lang="en-US"/>
           </a:p>
@@ -1661,7 +1565,7 @@
           <a:p>
             <a:fld id="{6B35E7C1-0930-394A-BB48-132AAC6FC298}" type="datetimeFigureOut">
               <a:rPr lang="en-US" smtClean="0"/>
-              <a:t>3/21/13</a:t>
+              <a:t>3/31/13</a:t>
             </a:fld>
             <a:endParaRPr lang="en-US"/>
           </a:p>
@@ -1907,7 +1811,7 @@
           <a:p>
             <a:fld id="{6B35E7C1-0930-394A-BB48-132AAC6FC298}" type="datetimeFigureOut">
               <a:rPr lang="en-US" smtClean="0"/>
-              <a:t>3/21/13</a:t>
+              <a:t>3/31/13</a:t>
             </a:fld>
             <a:endParaRPr lang="en-US"/>
           </a:p>
@@ -2195,7 +2099,7 @@
           <a:p>
             <a:fld id="{6B35E7C1-0930-394A-BB48-132AAC6FC298}" type="datetimeFigureOut">
               <a:rPr lang="en-US" smtClean="0"/>
-              <a:t>3/21/13</a:t>
+              <a:t>3/31/13</a:t>
             </a:fld>
             <a:endParaRPr lang="en-US"/>
           </a:p>
@@ -2617,7 +2521,7 @@
           <a:p>
             <a:fld id="{6B35E7C1-0930-394A-BB48-132AAC6FC298}" type="datetimeFigureOut">
               <a:rPr lang="en-US" smtClean="0"/>
-              <a:t>3/21/13</a:t>
+              <a:t>3/31/13</a:t>
             </a:fld>
             <a:endParaRPr lang="en-US"/>
           </a:p>
@@ -2735,7 +2639,7 @@
           <a:p>
             <a:fld id="{6B35E7C1-0930-394A-BB48-132AAC6FC298}" type="datetimeFigureOut">
               <a:rPr lang="en-US" smtClean="0"/>
-              <a:t>3/21/13</a:t>
+              <a:t>3/31/13</a:t>
             </a:fld>
             <a:endParaRPr lang="en-US"/>
           </a:p>
@@ -2830,7 +2734,7 @@
           <a:p>
             <a:fld id="{6B35E7C1-0930-394A-BB48-132AAC6FC298}" type="datetimeFigureOut">
               <a:rPr lang="en-US" smtClean="0"/>
-              <a:t>3/21/13</a:t>
+              <a:t>3/31/13</a:t>
             </a:fld>
             <a:endParaRPr lang="en-US"/>
           </a:p>
@@ -3107,7 +3011,7 @@
           <a:p>
             <a:fld id="{6B35E7C1-0930-394A-BB48-132AAC6FC298}" type="datetimeFigureOut">
               <a:rPr lang="en-US" smtClean="0"/>
-              <a:t>3/21/13</a:t>
+              <a:t>3/31/13</a:t>
             </a:fld>
             <a:endParaRPr lang="en-US"/>
           </a:p>
@@ -3364,7 +3268,7 @@
           <a:p>
             <a:fld id="{6B35E7C1-0930-394A-BB48-132AAC6FC298}" type="datetimeFigureOut">
               <a:rPr lang="en-US" smtClean="0"/>
-              <a:t>3/21/13</a:t>
+              <a:t>3/31/13</a:t>
             </a:fld>
             <a:endParaRPr lang="en-US"/>
           </a:p>
@@ -3583,7 +3487,7 @@
           <a:p>
             <a:fld id="{6B35E7C1-0930-394A-BB48-132AAC6FC298}" type="datetimeFigureOut">
               <a:rPr lang="en-US" smtClean="0"/>
-              <a:t>3/21/13</a:t>
+              <a:t>3/31/13</a:t>
             </a:fld>
             <a:endParaRPr lang="en-US"/>
           </a:p>
@@ -3970,7 +3874,9 @@
         </p:nvSpPr>
         <p:spPr/>
         <p:txBody>
-          <a:bodyPr/>
+          <a:bodyPr>
+            <a:normAutofit fontScale="90000"/>
+          </a:bodyPr>
           <a:lstStyle/>
           <a:p>
             <a:r>
@@ -4014,30 +3920,19 @@
           </a:p>
           <a:p>
             <a:r>
-              <a:rPr lang="en-US" altLang="zh-CN" sz="2500" dirty="0" smtClean="0">
-                <a:latin typeface="Segoe Light"/>
-                <a:cs typeface="Segoe Light"/>
-              </a:rPr>
-              <a:t>In Collaboration with </a:t>
-            </a:r>
-            <a:r>
-              <a:rPr lang="en-US" altLang="zh-CN" sz="2500" dirty="0" err="1" smtClean="0">
+              <a:rPr lang="en-US" sz="2500" dirty="0" err="1" smtClean="0">
                 <a:latin typeface="Segoe Light"/>
                 <a:cs typeface="Segoe Light"/>
               </a:rPr>
               <a:t>Ahir</a:t>
             </a:r>
             <a:r>
-              <a:rPr lang="en-US" altLang="zh-CN" sz="2500" dirty="0" smtClean="0">
+              <a:rPr lang="en-US" sz="2500" dirty="0" smtClean="0">
                 <a:latin typeface="Segoe Light"/>
                 <a:cs typeface="Segoe Light"/>
               </a:rPr>
               <a:t> Reddy</a:t>
             </a:r>
-            <a:endParaRPr lang="en-US" sz="2500" dirty="0">
-              <a:latin typeface="Segoe Light"/>
-              <a:cs typeface="Segoe Light"/>
-            </a:endParaRPr>
           </a:p>
         </p:txBody>
       </p:sp>
@@ -4336,10 +4231,6 @@
               </a:rPr>
               <a:t>* Not latency inside DC, rather a comparison to WAN</a:t>
             </a:r>
-            <a:endParaRPr lang="en-US" sz="1800" dirty="0" smtClean="0">
-              <a:latin typeface="Segoe Light"/>
-              <a:cs typeface="Segoe Light"/>
-            </a:endParaRPr>
           </a:p>
         </p:txBody>
       </p:sp>
@@ -5124,196 +5015,6 @@
     <p:extLst>
       <p:ext uri="{BB962C8B-B14F-4D97-AF65-F5344CB8AC3E}">
         <p14:creationId xmlns:p14="http://schemas.microsoft.com/office/powerpoint/2010/main" val="612411271"/>
-      </p:ext>
-    </p:extLst>
-  </p:cSld>
-  <p:clrMapOvr>
-    <a:masterClrMapping/>
-  </p:clrMapOvr>
-</p:sld>
-</file>
-
-<file path=ppt/slides/slide6.xml><?xml version="1.0" encoding="utf-8"?>
-<p:sld xmlns:a="http://schemas.openxmlformats.org/drawingml/2006/main" xmlns:r="http://schemas.openxmlformats.org/officeDocument/2006/relationships" xmlns:p="http://schemas.openxmlformats.org/presentationml/2006/main">
-  <p:cSld>
-    <p:spTree>
-      <p:nvGrpSpPr>
-        <p:cNvPr id="1" name=""/>
-        <p:cNvGrpSpPr/>
-        <p:nvPr/>
-      </p:nvGrpSpPr>
-      <p:grpSpPr>
-        <a:xfrm>
-          <a:off x="0" y="0"/>
-          <a:ext cx="0" cy="0"/>
-          <a:chOff x="0" y="0"/>
-          <a:chExt cx="0" cy="0"/>
-        </a:xfrm>
-      </p:grpSpPr>
-      <p:sp>
-        <p:nvSpPr>
-          <p:cNvPr id="2" name="Title 1"/>
-          <p:cNvSpPr>
-            <a:spLocks noGrp="1"/>
-          </p:cNvSpPr>
-          <p:nvPr>
-            <p:ph type="title"/>
-          </p:nvPr>
-        </p:nvSpPr>
-        <p:spPr>
-          <a:xfrm>
-            <a:off x="0" y="274638"/>
-            <a:ext cx="2749131" cy="744205"/>
-          </a:xfrm>
-        </p:spPr>
-        <p:txBody>
-          <a:bodyPr>
-            <a:normAutofit fontScale="90000"/>
-          </a:bodyPr>
-          <a:lstStyle/>
-          <a:p>
-            <a:r>
-              <a:rPr lang="en-US" dirty="0" smtClean="0">
-                <a:latin typeface="Segoe Light"/>
-                <a:cs typeface="Segoe Light"/>
-              </a:rPr>
-              <a:t>Milestone</a:t>
-            </a:r>
-            <a:endParaRPr lang="en-US" dirty="0">
-              <a:latin typeface="Segoe Light"/>
-              <a:cs typeface="Segoe Light"/>
-            </a:endParaRPr>
-          </a:p>
-        </p:txBody>
-      </p:sp>
-      <p:sp>
-        <p:nvSpPr>
-          <p:cNvPr id="3" name="Content Placeholder 2"/>
-          <p:cNvSpPr>
-            <a:spLocks noGrp="1"/>
-          </p:cNvSpPr>
-          <p:nvPr>
-            <p:ph idx="1"/>
-          </p:nvPr>
-        </p:nvSpPr>
-        <p:spPr>
-          <a:xfrm>
-            <a:off x="457200" y="1228194"/>
-            <a:ext cx="8229600" cy="4897970"/>
-          </a:xfrm>
-        </p:spPr>
-        <p:txBody>
-          <a:bodyPr>
-            <a:normAutofit/>
-          </a:bodyPr>
-          <a:lstStyle/>
-          <a:p>
-            <a:r>
-              <a:rPr lang="en-US" sz="2400" dirty="0">
-                <a:latin typeface="Segoe Light"/>
-                <a:cs typeface="Segoe Light"/>
-              </a:rPr>
-              <a:t>Apr. 5</a:t>
-            </a:r>
-          </a:p>
-          <a:p>
-            <a:pPr lvl="1"/>
-            <a:r>
-              <a:rPr lang="en-US" sz="2400" dirty="0" smtClean="0">
-                <a:latin typeface="Segoe Light"/>
-                <a:cs typeface="Segoe Light"/>
-              </a:rPr>
-              <a:t>Idea Validation by small scale experiments</a:t>
-            </a:r>
-          </a:p>
-          <a:p>
-            <a:pPr lvl="1"/>
-            <a:endParaRPr lang="en-US" sz="2400" dirty="0" smtClean="0">
-              <a:latin typeface="Segoe Light"/>
-              <a:cs typeface="Segoe Light"/>
-            </a:endParaRPr>
-          </a:p>
-          <a:p>
-            <a:r>
-              <a:rPr lang="en-US" sz="2400" dirty="0" smtClean="0">
-                <a:latin typeface="Segoe Light"/>
-                <a:cs typeface="Segoe Light"/>
-              </a:rPr>
-              <a:t>Apr. 10</a:t>
-            </a:r>
-          </a:p>
-          <a:p>
-            <a:pPr lvl="1"/>
-            <a:r>
-              <a:rPr lang="en-US" sz="2400" dirty="0" smtClean="0">
-                <a:latin typeface="Segoe Light"/>
-                <a:cs typeface="Segoe Light"/>
-              </a:rPr>
-              <a:t>Fully deployed WAN/DC/Cellular measurement probes</a:t>
-            </a:r>
-          </a:p>
-          <a:p>
-            <a:pPr lvl="1"/>
-            <a:endParaRPr lang="en-US" sz="2400" dirty="0">
-              <a:latin typeface="Segoe Light"/>
-              <a:cs typeface="Segoe Light"/>
-            </a:endParaRPr>
-          </a:p>
-          <a:p>
-            <a:r>
-              <a:rPr lang="en-US" sz="2400" dirty="0" smtClean="0">
-                <a:latin typeface="Segoe Light"/>
-                <a:cs typeface="Segoe Light"/>
-              </a:rPr>
-              <a:t>Apr. 24</a:t>
-            </a:r>
-          </a:p>
-          <a:p>
-            <a:pPr lvl="1"/>
-            <a:r>
-              <a:rPr lang="en-US" sz="2400" dirty="0" smtClean="0">
-                <a:latin typeface="Segoe Light"/>
-                <a:cs typeface="Segoe Light"/>
-              </a:rPr>
-              <a:t>Initial Analysis results</a:t>
-            </a:r>
-          </a:p>
-          <a:p>
-            <a:pPr lvl="1"/>
-            <a:endParaRPr lang="en-US" sz="2400" dirty="0">
-              <a:latin typeface="Segoe Light"/>
-              <a:cs typeface="Segoe Light"/>
-            </a:endParaRPr>
-          </a:p>
-          <a:p>
-            <a:r>
-              <a:rPr lang="en-US" sz="2400" dirty="0" smtClean="0">
-                <a:latin typeface="Segoe Light"/>
-                <a:cs typeface="Segoe Light"/>
-              </a:rPr>
-              <a:t>May 4</a:t>
-            </a:r>
-          </a:p>
-          <a:p>
-            <a:pPr lvl="1"/>
-            <a:r>
-              <a:rPr lang="en-US" sz="2400" dirty="0" smtClean="0">
-                <a:latin typeface="Segoe Light"/>
-                <a:cs typeface="Segoe Light"/>
-              </a:rPr>
-              <a:t>Wrap Up and report writing</a:t>
-            </a:r>
-            <a:endParaRPr lang="en-US" sz="2400" dirty="0" smtClean="0">
-              <a:latin typeface="Segoe Light"/>
-              <a:cs typeface="Segoe Light"/>
-            </a:endParaRPr>
-          </a:p>
-        </p:txBody>
-      </p:sp>
-    </p:spTree>
-    <p:extLst>
-      <p:ext uri="{BB962C8B-B14F-4D97-AF65-F5344CB8AC3E}">
-        <p14:creationId xmlns:p14="http://schemas.microsoft.com/office/powerpoint/2010/main" val="2647502237"/>
       </p:ext>
     </p:extLst>
   </p:cSld>

--- a/doc/MidTerm/MidTerm.pptx
+++ b/doc/MidTerm/MidTerm.pptx
@@ -5,7 +5,7 @@
     <p:sldMasterId id="2147483673" r:id="rId1"/>
   </p:sldMasterIdLst>
   <p:notesMasterIdLst>
-    <p:notesMasterId r:id="rId7"/>
+    <p:notesMasterId r:id="rId8"/>
   </p:notesMasterIdLst>
   <p:sldIdLst>
     <p:sldId id="256" r:id="rId2"/>
@@ -13,6 +13,7 @@
     <p:sldId id="258" r:id="rId4"/>
     <p:sldId id="259" r:id="rId5"/>
     <p:sldId id="260" r:id="rId6"/>
+    <p:sldId id="261" r:id="rId7"/>
   </p:sldIdLst>
   <p:sldSz cx="9144000" cy="6858000" type="screen4x3"/>
   <p:notesSz cx="6858000" cy="9144000"/>
@@ -846,6 +847,121 @@
             <a:fld id="{437C7616-B134-0047-ABFF-A95E6FAEFE2A}" type="slidenum">
               <a:rPr lang="en-US" smtClean="0"/>
               <a:t>5</a:t>
+            </a:fld>
+            <a:endParaRPr lang="en-US"/>
+          </a:p>
+        </p:txBody>
+      </p:sp>
+    </p:spTree>
+    <p:extLst>
+      <p:ext uri="{BB962C8B-B14F-4D97-AF65-F5344CB8AC3E}">
+        <p14:creationId xmlns:p14="http://schemas.microsoft.com/office/powerpoint/2010/main" val="274700957"/>
+      </p:ext>
+    </p:extLst>
+  </p:cSld>
+  <p:clrMapOvr>
+    <a:masterClrMapping/>
+  </p:clrMapOvr>
+</p:notes>
+</file>
+
+<file path=ppt/notesSlides/notesSlide5.xml><?xml version="1.0" encoding="utf-8"?>
+<p:notes xmlns:a="http://schemas.openxmlformats.org/drawingml/2006/main" xmlns:r="http://schemas.openxmlformats.org/officeDocument/2006/relationships" xmlns:p="http://schemas.openxmlformats.org/presentationml/2006/main">
+  <p:cSld>
+    <p:spTree>
+      <p:nvGrpSpPr>
+        <p:cNvPr id="1" name=""/>
+        <p:cNvGrpSpPr/>
+        <p:nvPr/>
+      </p:nvGrpSpPr>
+      <p:grpSpPr>
+        <a:xfrm>
+          <a:off x="0" y="0"/>
+          <a:ext cx="0" cy="0"/>
+          <a:chOff x="0" y="0"/>
+          <a:chExt cx="0" cy="0"/>
+        </a:xfrm>
+      </p:grpSpPr>
+      <p:sp>
+        <p:nvSpPr>
+          <p:cNvPr id="2" name="Slide Image Placeholder 1"/>
+          <p:cNvSpPr>
+            <a:spLocks noGrp="1" noRot="1" noChangeAspect="1"/>
+          </p:cNvSpPr>
+          <p:nvPr>
+            <p:ph type="sldImg"/>
+          </p:nvPr>
+        </p:nvSpPr>
+        <p:spPr/>
+      </p:sp>
+      <p:sp>
+        <p:nvSpPr>
+          <p:cNvPr id="3" name="Notes Placeholder 2"/>
+          <p:cNvSpPr>
+            <a:spLocks noGrp="1"/>
+          </p:cNvSpPr>
+          <p:nvPr>
+            <p:ph type="body" idx="1"/>
+          </p:nvPr>
+        </p:nvSpPr>
+        <p:spPr/>
+        <p:txBody>
+          <a:bodyPr/>
+          <a:lstStyle/>
+          <a:p>
+            <a:pPr marL="0" marR="0" indent="0" algn="l" defTabSz="457200" rtl="0" eaLnBrk="1" fontAlgn="auto" latinLnBrk="0" hangingPunct="1">
+              <a:lnSpc>
+                <a:spcPct val="100000"/>
+              </a:lnSpc>
+              <a:spcBef>
+                <a:spcPts val="0"/>
+              </a:spcBef>
+              <a:spcAft>
+                <a:spcPts val="0"/>
+              </a:spcAft>
+              <a:buClrTx/>
+              <a:buSzTx/>
+              <a:buFontTx/>
+              <a:buNone/>
+              <a:tabLst/>
+              <a:defRPr/>
+            </a:pPr>
+            <a:r>
+              <a:rPr lang="en-US" sz="1200" kern="1200" dirty="0" smtClean="0">
+                <a:solidFill>
+                  <a:schemeClr val="tx1"/>
+                </a:solidFill>
+                <a:latin typeface="+mn-lt"/>
+                <a:ea typeface="+mn-ea"/>
+                <a:cs typeface="+mn-cs"/>
+              </a:rPr>
+              <a:t>Slide #4: Briefly discuss your technical approach. What are you (hopefully) new ideas for solving your problem? What will be your evaluation approach (e.g., what is the figure of merit for your project and how will you go about measuring it?).</a:t>
+            </a:r>
+            <a:endParaRPr lang="en-US" dirty="0" smtClean="0"/>
+          </a:p>
+          <a:p>
+            <a:endParaRPr lang="en-US" dirty="0"/>
+          </a:p>
+        </p:txBody>
+      </p:sp>
+      <p:sp>
+        <p:nvSpPr>
+          <p:cNvPr id="4" name="Slide Number Placeholder 3"/>
+          <p:cNvSpPr>
+            <a:spLocks noGrp="1"/>
+          </p:cNvSpPr>
+          <p:nvPr>
+            <p:ph type="sldNum" sz="quarter" idx="10"/>
+          </p:nvPr>
+        </p:nvSpPr>
+        <p:spPr/>
+        <p:txBody>
+          <a:bodyPr/>
+          <a:lstStyle/>
+          <a:p>
+            <a:fld id="{437C7616-B134-0047-ABFF-A95E6FAEFE2A}" type="slidenum">
+              <a:rPr lang="en-US" smtClean="0"/>
+              <a:t>6</a:t>
             </a:fld>
             <a:endParaRPr lang="en-US"/>
           </a:p>
@@ -5015,6 +5131,200 @@
     <p:extLst>
       <p:ext uri="{BB962C8B-B14F-4D97-AF65-F5344CB8AC3E}">
         <p14:creationId xmlns:p14="http://schemas.microsoft.com/office/powerpoint/2010/main" val="612411271"/>
+      </p:ext>
+    </p:extLst>
+  </p:cSld>
+  <p:clrMapOvr>
+    <a:masterClrMapping/>
+  </p:clrMapOvr>
+</p:sld>
+</file>
+
+<file path=ppt/slides/slide6.xml><?xml version="1.0" encoding="utf-8"?>
+<p:sld xmlns:a="http://schemas.openxmlformats.org/drawingml/2006/main" xmlns:r="http://schemas.openxmlformats.org/officeDocument/2006/relationships" xmlns:p="http://schemas.openxmlformats.org/presentationml/2006/main">
+  <p:cSld>
+    <p:spTree>
+      <p:nvGrpSpPr>
+        <p:cNvPr id="1" name=""/>
+        <p:cNvGrpSpPr/>
+        <p:nvPr/>
+      </p:nvGrpSpPr>
+      <p:grpSpPr>
+        <a:xfrm>
+          <a:off x="0" y="0"/>
+          <a:ext cx="0" cy="0"/>
+          <a:chOff x="0" y="0"/>
+          <a:chExt cx="0" cy="0"/>
+        </a:xfrm>
+      </p:grpSpPr>
+      <p:sp>
+        <p:nvSpPr>
+          <p:cNvPr id="2" name="Title 1"/>
+          <p:cNvSpPr>
+            <a:spLocks noGrp="1"/>
+          </p:cNvSpPr>
+          <p:nvPr>
+            <p:ph type="title"/>
+          </p:nvPr>
+        </p:nvSpPr>
+        <p:spPr>
+          <a:xfrm>
+            <a:off x="0" y="274638"/>
+            <a:ext cx="2749131" cy="744205"/>
+          </a:xfrm>
+        </p:spPr>
+        <p:txBody>
+          <a:bodyPr>
+            <a:normAutofit fontScale="90000"/>
+          </a:bodyPr>
+          <a:lstStyle/>
+          <a:p>
+            <a:r>
+              <a:rPr lang="en-US" dirty="0" smtClean="0">
+                <a:latin typeface="Segoe Light"/>
+                <a:cs typeface="Segoe Light"/>
+              </a:rPr>
+              <a:t>Progress</a:t>
+            </a:r>
+            <a:endParaRPr lang="en-US" dirty="0">
+              <a:latin typeface="Segoe Light"/>
+              <a:cs typeface="Segoe Light"/>
+            </a:endParaRPr>
+          </a:p>
+        </p:txBody>
+      </p:sp>
+      <p:sp>
+        <p:nvSpPr>
+          <p:cNvPr id="3" name="Content Placeholder 2"/>
+          <p:cNvSpPr>
+            <a:spLocks noGrp="1"/>
+          </p:cNvSpPr>
+          <p:nvPr>
+            <p:ph idx="1"/>
+          </p:nvPr>
+        </p:nvSpPr>
+        <p:spPr>
+          <a:xfrm>
+            <a:off x="457200" y="1228194"/>
+            <a:ext cx="8229600" cy="4897970"/>
+          </a:xfrm>
+        </p:spPr>
+        <p:txBody>
+          <a:bodyPr>
+            <a:normAutofit/>
+          </a:bodyPr>
+          <a:lstStyle/>
+          <a:p>
+            <a:r>
+              <a:rPr lang="en-US" sz="2000" dirty="0" smtClean="0">
+                <a:latin typeface="Segoe Light"/>
+                <a:cs typeface="Segoe Light"/>
+              </a:rPr>
+              <a:t>Turbo King</a:t>
+            </a:r>
+          </a:p>
+          <a:p>
+            <a:pPr lvl="1"/>
+            <a:r>
+              <a:rPr lang="en-US" sz="1600" dirty="0" smtClean="0">
+                <a:latin typeface="Segoe Light"/>
+                <a:cs typeface="Segoe Light"/>
+              </a:rPr>
+              <a:t>13 Measurement Nodes (Planet Lab)</a:t>
+            </a:r>
+          </a:p>
+          <a:p>
+            <a:pPr lvl="1"/>
+            <a:r>
+              <a:rPr lang="en-US" sz="1600" dirty="0" smtClean="0">
+                <a:latin typeface="Segoe Light"/>
+                <a:cs typeface="Segoe Light"/>
+              </a:rPr>
+              <a:t>2 Central Name Servers (EC2)</a:t>
+            </a:r>
+          </a:p>
+          <a:p>
+            <a:pPr lvl="1"/>
+            <a:endParaRPr lang="en-US" sz="1600" dirty="0" smtClean="0">
+              <a:latin typeface="Segoe Light"/>
+              <a:cs typeface="Segoe Light"/>
+            </a:endParaRPr>
+          </a:p>
+          <a:p>
+            <a:r>
+              <a:rPr lang="en-US" sz="2000" dirty="0" smtClean="0">
+                <a:latin typeface="Segoe Light"/>
+                <a:cs typeface="Segoe Light"/>
+              </a:rPr>
+              <a:t>DC</a:t>
+            </a:r>
+          </a:p>
+          <a:p>
+            <a:pPr lvl="1"/>
+            <a:r>
+              <a:rPr lang="en-US" sz="1600" dirty="0" smtClean="0">
+                <a:latin typeface="Segoe Light"/>
+                <a:cs typeface="Segoe Light"/>
+              </a:rPr>
+              <a:t>To eliminate caching, we are considering query Google news/ads</a:t>
+            </a:r>
+          </a:p>
+          <a:p>
+            <a:pPr lvl="1"/>
+            <a:r>
+              <a:rPr lang="en-US" sz="1600" dirty="0" smtClean="0">
+                <a:latin typeface="Segoe Light"/>
+                <a:cs typeface="Segoe Light"/>
+              </a:rPr>
+              <a:t>Google provides a estimated time spent inside data center</a:t>
+            </a:r>
+          </a:p>
+          <a:p>
+            <a:pPr lvl="1"/>
+            <a:endParaRPr lang="en-US" sz="1600" dirty="0" smtClean="0">
+              <a:latin typeface="Segoe Light"/>
+              <a:cs typeface="Segoe Light"/>
+            </a:endParaRPr>
+          </a:p>
+          <a:p>
+            <a:r>
+              <a:rPr lang="en-US" sz="2000" dirty="0" smtClean="0">
+                <a:latin typeface="Segoe Light"/>
+                <a:cs typeface="Segoe Light"/>
+              </a:rPr>
+              <a:t>Cellular</a:t>
+            </a:r>
+          </a:p>
+          <a:p>
+            <a:pPr lvl="1"/>
+            <a:r>
+              <a:rPr lang="en-US" sz="1600" dirty="0" smtClean="0">
+                <a:latin typeface="Segoe Light"/>
+                <a:cs typeface="Segoe Light"/>
+              </a:rPr>
+              <a:t>Trick: use USB tethering so that various tools on PC can be used easily for measurement</a:t>
+            </a:r>
+          </a:p>
+          <a:p>
+            <a:pPr lvl="1"/>
+            <a:r>
+              <a:rPr lang="en-US" sz="1600" dirty="0" smtClean="0">
+                <a:latin typeface="Segoe Light"/>
+                <a:cs typeface="Segoe Light"/>
+              </a:rPr>
+              <a:t>Perform extensive measurement to achieve reverse engineering</a:t>
+            </a:r>
+            <a:endParaRPr lang="en-US" sz="1600" dirty="0" smtClean="0">
+              <a:latin typeface="Segoe Light"/>
+              <a:cs typeface="Segoe Light"/>
+            </a:endParaRPr>
+          </a:p>
+        </p:txBody>
+      </p:sp>
+    </p:spTree>
+    <p:extLst>
+      <p:ext uri="{BB962C8B-B14F-4D97-AF65-F5344CB8AC3E}">
+        <p14:creationId xmlns:p14="http://schemas.microsoft.com/office/powerpoint/2010/main" val="1051565092"/>
       </p:ext>
     </p:extLst>
   </p:cSld>

--- a/doc/MidTerm/MidTerm.pptx
+++ b/doc/MidTerm/MidTerm.pptx
@@ -5,7 +5,7 @@
     <p:sldMasterId id="2147483673" r:id="rId1"/>
   </p:sldMasterIdLst>
   <p:notesMasterIdLst>
-    <p:notesMasterId r:id="rId8"/>
+    <p:notesMasterId r:id="rId10"/>
   </p:notesMasterIdLst>
   <p:sldIdLst>
     <p:sldId id="256" r:id="rId2"/>
@@ -13,7 +13,9 @@
     <p:sldId id="258" r:id="rId4"/>
     <p:sldId id="259" r:id="rId5"/>
     <p:sldId id="260" r:id="rId6"/>
-    <p:sldId id="261" r:id="rId7"/>
+    <p:sldId id="263" r:id="rId7"/>
+    <p:sldId id="264" r:id="rId8"/>
+    <p:sldId id="265" r:id="rId9"/>
   </p:sldIdLst>
   <p:sldSz cx="9144000" cy="6858000" type="screen4x3"/>
   <p:notesSz cx="6858000" cy="9144000"/>
@@ -909,23 +911,6 @@
           <a:bodyPr/>
           <a:lstStyle/>
           <a:p>
-            <a:pPr marL="0" marR="0" indent="0" algn="l" defTabSz="457200" rtl="0" eaLnBrk="1" fontAlgn="auto" latinLnBrk="0" hangingPunct="1">
-              <a:lnSpc>
-                <a:spcPct val="100000"/>
-              </a:lnSpc>
-              <a:spcBef>
-                <a:spcPts val="0"/>
-              </a:spcBef>
-              <a:spcAft>
-                <a:spcPts val="0"/>
-              </a:spcAft>
-              <a:buClrTx/>
-              <a:buSzTx/>
-              <a:buFontTx/>
-              <a:buNone/>
-              <a:tabLst/>
-              <a:defRPr/>
-            </a:pPr>
             <a:r>
               <a:rPr lang="en-US" sz="1200" kern="1200" dirty="0" smtClean="0">
                 <a:solidFill>
@@ -935,11 +920,8 @@
                 <a:ea typeface="+mn-ea"/>
                 <a:cs typeface="+mn-cs"/>
               </a:rPr>
-              <a:t>Slide #4: Briefly discuss your technical approach. What are you (hopefully) new ideas for solving your problem? What will be your evaluation approach (e.g., what is the figure of merit for your project and how will you go about measuring it?).</a:t>
-            </a:r>
-            <a:endParaRPr lang="en-US" dirty="0" smtClean="0"/>
-          </a:p>
-          <a:p>
+              <a:t>Slide #2: Motivate your project by describing why its solution is important. Who would care if you are successful and why?</a:t>
+            </a:r>
             <a:endParaRPr lang="en-US" dirty="0"/>
           </a:p>
         </p:txBody>
@@ -962,6 +944,196 @@
             <a:fld id="{437C7616-B134-0047-ABFF-A95E6FAEFE2A}" type="slidenum">
               <a:rPr lang="en-US" smtClean="0"/>
               <a:t>6</a:t>
+            </a:fld>
+            <a:endParaRPr lang="en-US"/>
+          </a:p>
+        </p:txBody>
+      </p:sp>
+    </p:spTree>
+    <p:extLst>
+      <p:ext uri="{BB962C8B-B14F-4D97-AF65-F5344CB8AC3E}">
+        <p14:creationId xmlns:p14="http://schemas.microsoft.com/office/powerpoint/2010/main" val="274700957"/>
+      </p:ext>
+    </p:extLst>
+  </p:cSld>
+  <p:clrMapOvr>
+    <a:masterClrMapping/>
+  </p:clrMapOvr>
+</p:notes>
+</file>
+
+<file path=ppt/notesSlides/notesSlide6.xml><?xml version="1.0" encoding="utf-8"?>
+<p:notes xmlns:a="http://schemas.openxmlformats.org/drawingml/2006/main" xmlns:r="http://schemas.openxmlformats.org/officeDocument/2006/relationships" xmlns:p="http://schemas.openxmlformats.org/presentationml/2006/main">
+  <p:cSld>
+    <p:spTree>
+      <p:nvGrpSpPr>
+        <p:cNvPr id="1" name=""/>
+        <p:cNvGrpSpPr/>
+        <p:nvPr/>
+      </p:nvGrpSpPr>
+      <p:grpSpPr>
+        <a:xfrm>
+          <a:off x="0" y="0"/>
+          <a:ext cx="0" cy="0"/>
+          <a:chOff x="0" y="0"/>
+          <a:chExt cx="0" cy="0"/>
+        </a:xfrm>
+      </p:grpSpPr>
+      <p:sp>
+        <p:nvSpPr>
+          <p:cNvPr id="2" name="Slide Image Placeholder 1"/>
+          <p:cNvSpPr>
+            <a:spLocks noGrp="1" noRot="1" noChangeAspect="1"/>
+          </p:cNvSpPr>
+          <p:nvPr>
+            <p:ph type="sldImg"/>
+          </p:nvPr>
+        </p:nvSpPr>
+        <p:spPr/>
+      </p:sp>
+      <p:sp>
+        <p:nvSpPr>
+          <p:cNvPr id="3" name="Notes Placeholder 2"/>
+          <p:cNvSpPr>
+            <a:spLocks noGrp="1"/>
+          </p:cNvSpPr>
+          <p:nvPr>
+            <p:ph type="body" idx="1"/>
+          </p:nvPr>
+        </p:nvSpPr>
+        <p:spPr/>
+        <p:txBody>
+          <a:bodyPr/>
+          <a:lstStyle/>
+          <a:p>
+            <a:r>
+              <a:rPr lang="en-US" sz="1200" kern="1200" dirty="0" smtClean="0">
+                <a:solidFill>
+                  <a:schemeClr val="tx1"/>
+                </a:solidFill>
+                <a:latin typeface="+mn-lt"/>
+                <a:ea typeface="+mn-ea"/>
+                <a:cs typeface="+mn-cs"/>
+              </a:rPr>
+              <a:t>Slide #2: Motivate your project by describing why its solution is important. Who would care if you are successful and why?</a:t>
+            </a:r>
+            <a:endParaRPr lang="en-US" dirty="0"/>
+          </a:p>
+        </p:txBody>
+      </p:sp>
+      <p:sp>
+        <p:nvSpPr>
+          <p:cNvPr id="4" name="Slide Number Placeholder 3"/>
+          <p:cNvSpPr>
+            <a:spLocks noGrp="1"/>
+          </p:cNvSpPr>
+          <p:nvPr>
+            <p:ph type="sldNum" sz="quarter" idx="10"/>
+          </p:nvPr>
+        </p:nvSpPr>
+        <p:spPr/>
+        <p:txBody>
+          <a:bodyPr/>
+          <a:lstStyle/>
+          <a:p>
+            <a:fld id="{437C7616-B134-0047-ABFF-A95E6FAEFE2A}" type="slidenum">
+              <a:rPr lang="en-US" smtClean="0"/>
+              <a:t>7</a:t>
+            </a:fld>
+            <a:endParaRPr lang="en-US"/>
+          </a:p>
+        </p:txBody>
+      </p:sp>
+    </p:spTree>
+    <p:extLst>
+      <p:ext uri="{BB962C8B-B14F-4D97-AF65-F5344CB8AC3E}">
+        <p14:creationId xmlns:p14="http://schemas.microsoft.com/office/powerpoint/2010/main" val="274700957"/>
+      </p:ext>
+    </p:extLst>
+  </p:cSld>
+  <p:clrMapOvr>
+    <a:masterClrMapping/>
+  </p:clrMapOvr>
+</p:notes>
+</file>
+
+<file path=ppt/notesSlides/notesSlide7.xml><?xml version="1.0" encoding="utf-8"?>
+<p:notes xmlns:a="http://schemas.openxmlformats.org/drawingml/2006/main" xmlns:r="http://schemas.openxmlformats.org/officeDocument/2006/relationships" xmlns:p="http://schemas.openxmlformats.org/presentationml/2006/main">
+  <p:cSld>
+    <p:spTree>
+      <p:nvGrpSpPr>
+        <p:cNvPr id="1" name=""/>
+        <p:cNvGrpSpPr/>
+        <p:nvPr/>
+      </p:nvGrpSpPr>
+      <p:grpSpPr>
+        <a:xfrm>
+          <a:off x="0" y="0"/>
+          <a:ext cx="0" cy="0"/>
+          <a:chOff x="0" y="0"/>
+          <a:chExt cx="0" cy="0"/>
+        </a:xfrm>
+      </p:grpSpPr>
+      <p:sp>
+        <p:nvSpPr>
+          <p:cNvPr id="2" name="Slide Image Placeholder 1"/>
+          <p:cNvSpPr>
+            <a:spLocks noGrp="1" noRot="1" noChangeAspect="1"/>
+          </p:cNvSpPr>
+          <p:nvPr>
+            <p:ph type="sldImg"/>
+          </p:nvPr>
+        </p:nvSpPr>
+        <p:spPr/>
+      </p:sp>
+      <p:sp>
+        <p:nvSpPr>
+          <p:cNvPr id="3" name="Notes Placeholder 2"/>
+          <p:cNvSpPr>
+            <a:spLocks noGrp="1"/>
+          </p:cNvSpPr>
+          <p:nvPr>
+            <p:ph type="body" idx="1"/>
+          </p:nvPr>
+        </p:nvSpPr>
+        <p:spPr/>
+        <p:txBody>
+          <a:bodyPr/>
+          <a:lstStyle/>
+          <a:p>
+            <a:r>
+              <a:rPr lang="en-US" sz="1200" kern="1200" dirty="0" smtClean="0">
+                <a:solidFill>
+                  <a:schemeClr val="tx1"/>
+                </a:solidFill>
+                <a:latin typeface="+mn-lt"/>
+                <a:ea typeface="+mn-ea"/>
+                <a:cs typeface="+mn-cs"/>
+              </a:rPr>
+              <a:t>Slide #2: Motivate your project by describing why its solution is important. Who would care if you are successful and why?</a:t>
+            </a:r>
+            <a:endParaRPr lang="en-US" dirty="0"/>
+          </a:p>
+        </p:txBody>
+      </p:sp>
+      <p:sp>
+        <p:nvSpPr>
+          <p:cNvPr id="4" name="Slide Number Placeholder 3"/>
+          <p:cNvSpPr>
+            <a:spLocks noGrp="1"/>
+          </p:cNvSpPr>
+          <p:nvPr>
+            <p:ph type="sldNum" sz="quarter" idx="10"/>
+          </p:nvPr>
+        </p:nvSpPr>
+        <p:spPr/>
+        <p:txBody>
+          <a:bodyPr/>
+          <a:lstStyle/>
+          <a:p>
+            <a:fld id="{437C7616-B134-0047-ABFF-A95E6FAEFE2A}" type="slidenum">
+              <a:rPr lang="en-US" smtClean="0"/>
+              <a:t>8</a:t>
             </a:fld>
             <a:endParaRPr lang="en-US"/>
           </a:p>
@@ -3991,7 +4163,7 @@
         <p:spPr/>
         <p:txBody>
           <a:bodyPr>
-            <a:normAutofit fontScale="90000"/>
+            <a:normAutofit/>
           </a:bodyPr>
           <a:lstStyle/>
           <a:p>
@@ -4000,7 +4172,21 @@
                 <a:latin typeface="Segoe Light"/>
                 <a:cs typeface="Segoe Light"/>
               </a:rPr>
-              <a:t>A Latency Measurement Study in New Convergent Network</a:t>
+              <a:t>An Internet Latency </a:t>
+            </a:r>
+            <a:r>
+              <a:rPr lang="en-US" dirty="0" smtClean="0">
+                <a:latin typeface="Segoe Light"/>
+                <a:cs typeface="Segoe Light"/>
+              </a:rPr>
+              <a:t>Measurement </a:t>
+            </a:r>
+            <a:r>
+              <a:rPr lang="en-US" dirty="0" smtClean="0">
+                <a:latin typeface="Segoe Light"/>
+                <a:cs typeface="Segoe Light"/>
+              </a:rPr>
+              <a:t>Study</a:t>
             </a:r>
             <a:endParaRPr lang="en-US" dirty="0">
               <a:latin typeface="Segoe Light"/>
@@ -4143,8 +4329,19 @@
                 <a:latin typeface="Segoe Light"/>
                 <a:cs typeface="Segoe Light"/>
               </a:rPr>
-              <a:t>We seek to measure and characterize latency in the new convergent network</a:t>
-            </a:r>
+              <a:t>We seek to measure and characterize latency </a:t>
+            </a:r>
+            <a:r>
+              <a:rPr lang="en-US" dirty="0" smtClean="0">
+                <a:latin typeface="Segoe Light"/>
+                <a:cs typeface="Segoe Light"/>
+              </a:rPr>
+              <a:t>as it relates to:</a:t>
+            </a:r>
+            <a:endParaRPr lang="en-US" dirty="0" smtClean="0">
+              <a:latin typeface="Segoe Light"/>
+              <a:cs typeface="Segoe Light"/>
+            </a:endParaRPr>
           </a:p>
           <a:p>
             <a:pPr lvl="1"/>
@@ -4153,8 +4350,19 @@
                 <a:latin typeface="Segoe Light"/>
                 <a:cs typeface="Segoe Light"/>
               </a:rPr>
-              <a:t>Wide Area Network</a:t>
-            </a:r>
+              <a:t>Wide Area </a:t>
+            </a:r>
+            <a:r>
+              <a:rPr lang="en-US" dirty="0" smtClean="0">
+                <a:latin typeface="Segoe Light"/>
+                <a:cs typeface="Segoe Light"/>
+              </a:rPr>
+              <a:t>Networks</a:t>
+            </a:r>
+            <a:endParaRPr lang="en-US" dirty="0" smtClean="0">
+              <a:latin typeface="Segoe Light"/>
+              <a:cs typeface="Segoe Light"/>
+            </a:endParaRPr>
           </a:p>
           <a:p>
             <a:pPr lvl="1"/>
@@ -4163,8 +4371,12 @@
                 <a:latin typeface="Segoe Light"/>
                 <a:cs typeface="Segoe Light"/>
               </a:rPr>
-              <a:t>Data Center*</a:t>
-            </a:r>
+              <a:t>Data Centers*</a:t>
+            </a:r>
+            <a:endParaRPr lang="en-US" dirty="0" smtClean="0">
+              <a:latin typeface="Segoe Light"/>
+              <a:cs typeface="Segoe Light"/>
+            </a:endParaRPr>
           </a:p>
           <a:p>
             <a:pPr lvl="1"/>
@@ -4173,8 +4385,19 @@
                 <a:latin typeface="Segoe Light"/>
                 <a:cs typeface="Segoe Light"/>
               </a:rPr>
-              <a:t>Cellular Network</a:t>
-            </a:r>
+              <a:t>Cellular </a:t>
+            </a:r>
+            <a:r>
+              <a:rPr lang="en-US" dirty="0" smtClean="0">
+                <a:latin typeface="Segoe Light"/>
+                <a:cs typeface="Segoe Light"/>
+              </a:rPr>
+              <a:t>Networks</a:t>
+            </a:r>
+            <a:endParaRPr lang="en-US" dirty="0" smtClean="0">
+              <a:latin typeface="Segoe Light"/>
+              <a:cs typeface="Segoe Light"/>
+            </a:endParaRPr>
           </a:p>
         </p:txBody>
       </p:sp>
@@ -4434,7 +4657,7 @@
         </p:spPr>
         <p:txBody>
           <a:bodyPr>
-            <a:normAutofit lnSpcReduction="10000"/>
+            <a:normAutofit fontScale="92500" lnSpcReduction="10000"/>
           </a:bodyPr>
           <a:lstStyle/>
           <a:p>
@@ -4463,8 +4686,19 @@
                 <a:latin typeface="Segoe Light"/>
                 <a:cs typeface="Segoe Light"/>
               </a:rPr>
-              <a:t>Geographical correlation</a:t>
-            </a:r>
+              <a:t>Geographical </a:t>
+            </a:r>
+            <a:r>
+              <a:rPr lang="en-US" sz="2400" dirty="0" smtClean="0">
+                <a:latin typeface="Segoe Light"/>
+                <a:cs typeface="Segoe Light"/>
+              </a:rPr>
+              <a:t>correlation (Latency vs. Distance)</a:t>
+            </a:r>
+            <a:endParaRPr lang="en-US" sz="2400" dirty="0" smtClean="0">
+              <a:latin typeface="Segoe Light"/>
+              <a:cs typeface="Segoe Light"/>
+            </a:endParaRPr>
           </a:p>
           <a:p>
             <a:pPr lvl="1"/>
@@ -4473,8 +4707,19 @@
                 <a:latin typeface="Segoe Light"/>
                 <a:cs typeface="Segoe Light"/>
               </a:rPr>
-              <a:t>Time-series pattern</a:t>
-            </a:r>
+              <a:t>Time-series </a:t>
+            </a:r>
+            <a:r>
+              <a:rPr lang="en-US" sz="2400" dirty="0" smtClean="0">
+                <a:latin typeface="Segoe Light"/>
+                <a:cs typeface="Segoe Light"/>
+              </a:rPr>
+              <a:t>patterns</a:t>
+            </a:r>
+            <a:endParaRPr lang="en-US" sz="2400" dirty="0" smtClean="0">
+              <a:latin typeface="Segoe Light"/>
+              <a:cs typeface="Segoe Light"/>
+            </a:endParaRPr>
           </a:p>
           <a:p>
             <a:pPr lvl="1"/>
@@ -4499,8 +4744,29 @@
                 <a:latin typeface="Segoe Light"/>
                 <a:cs typeface="Segoe Light"/>
               </a:rPr>
-              <a:t>User ----&gt; WAN ----&gt; DC ----&gt; WAN ----&gt; User</a:t>
-            </a:r>
+              <a:t>User ----&gt; WAN ----&gt; DC ----&gt; WAN ----&gt; </a:t>
+            </a:r>
+            <a:r>
+              <a:rPr lang="en-US" sz="2000" dirty="0" smtClean="0">
+                <a:latin typeface="Segoe Light"/>
+                <a:cs typeface="Segoe Light"/>
+              </a:rPr>
+              <a:t>User</a:t>
+            </a:r>
+          </a:p>
+          <a:p>
+            <a:pPr lvl="1"/>
+            <a:r>
+              <a:rPr lang="en-US" sz="2000" dirty="0" smtClean="0">
+                <a:latin typeface="Segoe Light"/>
+                <a:cs typeface="Segoe Light"/>
+              </a:rPr>
+              <a:t>Discover the fraction of latency on WAN and inside DC</a:t>
+            </a:r>
+            <a:endParaRPr lang="en-US" sz="2000" dirty="0" smtClean="0">
+              <a:latin typeface="Segoe Light"/>
+              <a:cs typeface="Segoe Light"/>
+            </a:endParaRPr>
           </a:p>
           <a:p>
             <a:pPr marL="457200" lvl="1" indent="0">
@@ -4991,8 +5257,8 @@
         </p:nvSpPr>
         <p:spPr>
           <a:xfrm>
-            <a:off x="457200" y="1228194"/>
-            <a:ext cx="8229600" cy="4897970"/>
+            <a:off x="457200" y="1228193"/>
+            <a:ext cx="8229600" cy="5466591"/>
           </a:xfrm>
         </p:spPr>
         <p:txBody>
@@ -5016,7 +5282,21 @@
                 <a:latin typeface="Segoe Light"/>
                 <a:cs typeface="Segoe Light"/>
               </a:rPr>
-              <a:t>Measurement methodologies are based on King method (recursive DNS query)</a:t>
+              <a:t>Measurement methodologies are based </a:t>
+            </a:r>
+            <a:r>
+              <a:rPr lang="en-US" sz="1600" dirty="0" smtClean="0">
+                <a:latin typeface="Segoe Light"/>
+                <a:cs typeface="Segoe Light"/>
+              </a:rPr>
+              <a:t>on the King/T-King methods </a:t>
+            </a:r>
+            <a:r>
+              <a:rPr lang="en-US" sz="1600" dirty="0" smtClean="0">
+                <a:latin typeface="Segoe Light"/>
+                <a:cs typeface="Segoe Light"/>
+              </a:rPr>
+              <a:t>(recursive DNS query)</a:t>
             </a:r>
           </a:p>
           <a:p>
@@ -5041,6 +5321,30 @@
           </a:p>
           <a:p>
             <a:pPr lvl="1"/>
+            <a:r>
+              <a:rPr lang="en-US" sz="1600" dirty="0" smtClean="0">
+                <a:latin typeface="Segoe Light"/>
+                <a:cs typeface="Segoe Light"/>
+              </a:rPr>
+              <a:t>Filter out DNS forwarders tha</a:t>
+            </a:r>
+            <a:r>
+              <a:rPr lang="en-US" sz="1600" dirty="0" smtClean="0">
+                <a:latin typeface="Segoe Light"/>
+                <a:cs typeface="Segoe Light"/>
+              </a:rPr>
+              <a:t>t would otherwise skew results</a:t>
+            </a:r>
+          </a:p>
+          <a:p>
+            <a:pPr lvl="1"/>
+            <a:r>
+              <a:rPr lang="en-US" sz="1600" dirty="0" smtClean="0">
+                <a:latin typeface="Segoe Light"/>
+                <a:cs typeface="Segoe Light"/>
+              </a:rPr>
+              <a:t>Use Geo-IP to build latency vs. distance graph</a:t>
+            </a:r>
             <a:endParaRPr lang="en-US" sz="1600" dirty="0">
               <a:latin typeface="Segoe Light"/>
               <a:cs typeface="Segoe Light"/>
@@ -5062,22 +5366,22 @@
                 <a:latin typeface="Segoe Light"/>
                 <a:cs typeface="Segoe Light"/>
               </a:rPr>
-              <a:t>To eliminate caching, we are considering query </a:t>
-            </a:r>
-            <a:r>
-              <a:rPr lang="en-US" sz="1600" dirty="0">
-                <a:latin typeface="Segoe Light"/>
-                <a:cs typeface="Segoe Light"/>
-              </a:rPr>
-              <a:t>G</a:t>
-            </a:r>
+              <a:t>Use ping to get RTT</a:t>
+            </a:r>
+          </a:p>
+          <a:p>
+            <a:pPr lvl="1"/>
             <a:r>
               <a:rPr lang="en-US" sz="1600" dirty="0" smtClean="0">
                 <a:latin typeface="Segoe Light"/>
                 <a:cs typeface="Segoe Light"/>
               </a:rPr>
-              <a:t>oogle news/ads</a:t>
-            </a:r>
+              <a:t>Perform Query to determine DC time (Query Time – Ping RTT)</a:t>
+            </a:r>
+            <a:endParaRPr lang="en-US" sz="1600" dirty="0" smtClean="0">
+              <a:latin typeface="Segoe Light"/>
+              <a:cs typeface="Segoe Light"/>
+            </a:endParaRPr>
           </a:p>
           <a:p>
             <a:pPr lvl="1"/>
@@ -5086,11 +5390,52 @@
                 <a:latin typeface="Segoe Light"/>
                 <a:cs typeface="Segoe Light"/>
               </a:rPr>
-              <a:t>Google provides a estimated time spent inside data center</a:t>
-            </a:r>
-          </a:p>
-          <a:p>
-            <a:pPr lvl="1"/>
+              <a:t>To </a:t>
+            </a:r>
+            <a:r>
+              <a:rPr lang="en-US" sz="1600" dirty="0" smtClean="0">
+                <a:latin typeface="Segoe Light"/>
+                <a:cs typeface="Segoe Light"/>
+              </a:rPr>
+              <a:t>eliminate caching, we are </a:t>
+            </a:r>
+            <a:r>
+              <a:rPr lang="en-US" sz="1600" dirty="0" smtClean="0">
+                <a:latin typeface="Segoe Light"/>
+                <a:cs typeface="Segoe Light"/>
+              </a:rPr>
+              <a:t>considering (we would love feedback!)</a:t>
+            </a:r>
+          </a:p>
+          <a:p>
+            <a:pPr lvl="2"/>
+            <a:r>
+              <a:rPr lang="en-US" sz="1200" dirty="0" smtClean="0">
+                <a:latin typeface="Segoe Light"/>
+                <a:cs typeface="Segoe Light"/>
+              </a:rPr>
+              <a:t>Query News/Ads</a:t>
+            </a:r>
+          </a:p>
+          <a:p>
+            <a:pPr lvl="2"/>
+            <a:r>
+              <a:rPr lang="en-US" sz="1200" dirty="0" smtClean="0">
+                <a:latin typeface="Segoe Light"/>
+                <a:cs typeface="Segoe Light"/>
+              </a:rPr>
+              <a:t>Random Queries</a:t>
+            </a:r>
+          </a:p>
+          <a:p>
+            <a:pPr lvl="2"/>
+            <a:r>
+              <a:rPr lang="en-US" sz="1200" dirty="0" smtClean="0">
+                <a:latin typeface="Segoe Light"/>
+                <a:cs typeface="Segoe Light"/>
+              </a:rPr>
+              <a:t>Google’s provided estimated query time</a:t>
+            </a:r>
             <a:endParaRPr lang="en-US" sz="1600" dirty="0">
               <a:latin typeface="Segoe Light"/>
               <a:cs typeface="Segoe Light"/>
@@ -5102,8 +5447,12 @@
                 <a:latin typeface="Segoe Light"/>
                 <a:cs typeface="Segoe Light"/>
               </a:rPr>
-              <a:t>Cellular</a:t>
-            </a:r>
+              <a:t>Mobile</a:t>
+            </a:r>
+            <a:endParaRPr lang="en-US" sz="2000" dirty="0" smtClean="0">
+              <a:latin typeface="Segoe Light"/>
+              <a:cs typeface="Segoe Light"/>
+            </a:endParaRPr>
           </a:p>
           <a:p>
             <a:pPr lvl="1"/>
@@ -5122,8 +5471,26 @@
                 <a:latin typeface="Segoe Light"/>
                 <a:cs typeface="Segoe Light"/>
               </a:rPr>
-              <a:t>Perform extensive measurement to achieve reverse engineering</a:t>
-            </a:r>
+              <a:t>Use </a:t>
+            </a:r>
+            <a:r>
+              <a:rPr lang="en-US" sz="1600" dirty="0" err="1" smtClean="0">
+                <a:latin typeface="Segoe Light"/>
+                <a:cs typeface="Segoe Light"/>
+              </a:rPr>
+              <a:t>traceroute</a:t>
+            </a:r>
+            <a:r>
+              <a:rPr lang="en-US" sz="1600" dirty="0" smtClean="0">
+                <a:latin typeface="Segoe Light"/>
+                <a:cs typeface="Segoe Light"/>
+              </a:rPr>
+              <a:t> to reverse engineer network topology</a:t>
+            </a:r>
+            <a:endParaRPr lang="en-US" sz="1600" dirty="0" smtClean="0">
+              <a:latin typeface="Segoe Light"/>
+              <a:cs typeface="Segoe Light"/>
+            </a:endParaRPr>
           </a:p>
         </p:txBody>
       </p:sp>
@@ -5169,8 +5536,8 @@
         </p:nvSpPr>
         <p:spPr>
           <a:xfrm>
-            <a:off x="0" y="274638"/>
-            <a:ext cx="2749131" cy="744205"/>
+            <a:off x="23740" y="274638"/>
+            <a:ext cx="5056426" cy="744205"/>
           </a:xfrm>
         </p:spPr>
         <p:txBody>
@@ -5184,7 +5551,7 @@
                 <a:latin typeface="Segoe Light"/>
                 <a:cs typeface="Segoe Light"/>
               </a:rPr>
-              <a:t>Progress</a:t>
+              <a:t>Turbo King  (Modified)</a:t>
             </a:r>
             <a:endParaRPr lang="en-US" dirty="0">
               <a:latin typeface="Segoe Light"/>
@@ -5205,8 +5572,8 @@
         </p:nvSpPr>
         <p:spPr>
           <a:xfrm>
-            <a:off x="457200" y="1228194"/>
-            <a:ext cx="8229600" cy="4897970"/>
+            <a:off x="457200" y="1228193"/>
+            <a:ext cx="8229600" cy="5122129"/>
           </a:xfrm>
         </p:spPr>
         <p:txBody>
@@ -5215,116 +5582,329 @@
           </a:bodyPr>
           <a:lstStyle/>
           <a:p>
+            <a:endParaRPr lang="en-US" sz="2400" dirty="0" smtClean="0">
+              <a:latin typeface="Segoe Light"/>
+              <a:cs typeface="Segoe Light"/>
+            </a:endParaRPr>
+          </a:p>
+          <a:p>
+            <a:endParaRPr lang="en-US" sz="2400" dirty="0">
+              <a:latin typeface="Segoe Light"/>
+              <a:cs typeface="Segoe Light"/>
+            </a:endParaRPr>
+          </a:p>
+        </p:txBody>
+      </p:sp>
+    </p:spTree>
+    <p:extLst>
+      <p:ext uri="{BB962C8B-B14F-4D97-AF65-F5344CB8AC3E}">
+        <p14:creationId xmlns:p14="http://schemas.microsoft.com/office/powerpoint/2010/main" val="2380722694"/>
+      </p:ext>
+    </p:extLst>
+  </p:cSld>
+  <p:clrMapOvr>
+    <a:masterClrMapping/>
+  </p:clrMapOvr>
+</p:sld>
+</file>
+
+<file path=ppt/slides/slide7.xml><?xml version="1.0" encoding="utf-8"?>
+<p:sld xmlns:a="http://schemas.openxmlformats.org/drawingml/2006/main" xmlns:r="http://schemas.openxmlformats.org/officeDocument/2006/relationships" xmlns:p="http://schemas.openxmlformats.org/presentationml/2006/main">
+  <p:cSld>
+    <p:spTree>
+      <p:nvGrpSpPr>
+        <p:cNvPr id="1" name=""/>
+        <p:cNvGrpSpPr/>
+        <p:nvPr/>
+      </p:nvGrpSpPr>
+      <p:grpSpPr>
+        <a:xfrm>
+          <a:off x="0" y="0"/>
+          <a:ext cx="0" cy="0"/>
+          <a:chOff x="0" y="0"/>
+          <a:chExt cx="0" cy="0"/>
+        </a:xfrm>
+      </p:grpSpPr>
+      <p:sp>
+        <p:nvSpPr>
+          <p:cNvPr id="2" name="Title 1"/>
+          <p:cNvSpPr>
+            <a:spLocks noGrp="1"/>
+          </p:cNvSpPr>
+          <p:nvPr>
+            <p:ph type="title"/>
+          </p:nvPr>
+        </p:nvSpPr>
+        <p:spPr>
+          <a:xfrm>
+            <a:off x="0" y="274638"/>
+            <a:ext cx="5673642" cy="744205"/>
+          </a:xfrm>
+        </p:spPr>
+        <p:txBody>
+          <a:bodyPr>
+            <a:normAutofit fontScale="90000"/>
+          </a:bodyPr>
+          <a:lstStyle/>
+          <a:p>
+            <a:r>
+              <a:rPr lang="en-US" dirty="0" smtClean="0">
+                <a:latin typeface="Segoe Light"/>
+                <a:cs typeface="Segoe Light"/>
+              </a:rPr>
+              <a:t>Progress – Turbo King</a:t>
+            </a:r>
+            <a:endParaRPr lang="en-US" dirty="0">
+              <a:latin typeface="Segoe Light"/>
+              <a:cs typeface="Segoe Light"/>
+            </a:endParaRPr>
+          </a:p>
+        </p:txBody>
+      </p:sp>
+      <p:sp>
+        <p:nvSpPr>
+          <p:cNvPr id="3" name="Content Placeholder 2"/>
+          <p:cNvSpPr>
+            <a:spLocks noGrp="1"/>
+          </p:cNvSpPr>
+          <p:nvPr>
+            <p:ph idx="1"/>
+          </p:nvPr>
+        </p:nvSpPr>
+        <p:spPr>
+          <a:xfrm>
+            <a:off x="457200" y="1228193"/>
+            <a:ext cx="8229600" cy="5122129"/>
+          </a:xfrm>
+        </p:spPr>
+        <p:txBody>
+          <a:bodyPr>
+            <a:normAutofit/>
+          </a:bodyPr>
+          <a:lstStyle/>
+          <a:p>
+            <a:r>
+              <a:rPr lang="en-US" sz="2400" dirty="0" smtClean="0">
+                <a:latin typeface="Segoe Light"/>
+                <a:cs typeface="Segoe Light"/>
+              </a:rPr>
+              <a:t>Crawl of reverse DNS Tree</a:t>
+            </a:r>
+          </a:p>
+          <a:p>
+            <a:pPr lvl="1"/>
             <a:r>
               <a:rPr lang="en-US" sz="2000" dirty="0" smtClean="0">
                 <a:latin typeface="Segoe Light"/>
                 <a:cs typeface="Segoe Light"/>
               </a:rPr>
-              <a:t>Turbo King</a:t>
+              <a:t>236,000 DNS servers discovered</a:t>
             </a:r>
           </a:p>
           <a:p>
             <a:pPr lvl="1"/>
             <a:r>
+              <a:rPr lang="en-US" sz="2000" dirty="0" smtClean="0">
+                <a:latin typeface="Segoe Light"/>
+                <a:cs typeface="Segoe Light"/>
+              </a:rPr>
+              <a:t>Next Step: Determine Recursive Resolvers</a:t>
+            </a:r>
+          </a:p>
+          <a:p>
+            <a:pPr marL="457200" lvl="1" indent="0">
+              <a:buNone/>
+            </a:pPr>
+            <a:endParaRPr lang="en-US" sz="2000" dirty="0" smtClean="0">
+              <a:latin typeface="Segoe Light"/>
+              <a:cs typeface="Segoe Light"/>
+            </a:endParaRPr>
+          </a:p>
+          <a:p>
+            <a:r>
+              <a:rPr lang="en-US" sz="2400" dirty="0" smtClean="0">
+                <a:latin typeface="Segoe Light"/>
+                <a:cs typeface="Segoe Light"/>
+              </a:rPr>
+              <a:t>Turbo King Infrastructure</a:t>
+            </a:r>
+          </a:p>
+          <a:p>
+            <a:pPr lvl="1"/>
+            <a:r>
+              <a:rPr lang="en-US" sz="2000" dirty="0" smtClean="0">
+                <a:latin typeface="Segoe Light"/>
+                <a:cs typeface="Segoe Light"/>
+              </a:rPr>
+              <a:t>13 Measurement Nodes (Planet Lab)</a:t>
+            </a:r>
+          </a:p>
+          <a:p>
+            <a:pPr lvl="1"/>
+            <a:r>
+              <a:rPr lang="en-US" sz="2000" dirty="0" smtClean="0">
+                <a:latin typeface="Segoe Light"/>
+                <a:cs typeface="Segoe Light"/>
+              </a:rPr>
+              <a:t>2 Central Name Servers (EC2)</a:t>
+            </a:r>
+          </a:p>
+          <a:p>
+            <a:pPr lvl="1"/>
+            <a:r>
+              <a:rPr lang="en-US" sz="2000" dirty="0" smtClean="0">
+                <a:latin typeface="Segoe Light"/>
+                <a:cs typeface="Segoe Light"/>
+              </a:rPr>
+              <a:t>Measurement nodes controlled via RPCs</a:t>
+            </a:r>
+          </a:p>
+          <a:p>
+            <a:pPr lvl="2"/>
+            <a:r>
               <a:rPr lang="en-US" sz="1600" dirty="0" smtClean="0">
                 <a:latin typeface="Segoe Light"/>
                 <a:cs typeface="Segoe Light"/>
               </a:rPr>
-              <a:t>13 Measurement Nodes (Planet Lab)</a:t>
-            </a:r>
-          </a:p>
-          <a:p>
-            <a:pPr lvl="1"/>
+              <a:t>Issue command </a:t>
+            </a:r>
             <a:r>
               <a:rPr lang="en-US" sz="1600" dirty="0" smtClean="0">
                 <a:latin typeface="Segoe Light"/>
                 <a:cs typeface="Segoe Light"/>
               </a:rPr>
-              <a:t>2 Central Name Servers (EC2)</a:t>
-            </a:r>
-          </a:p>
-          <a:p>
-            <a:pPr lvl="1"/>
+              <a:t>measurement command (NS1, IP1, NS2, IP2)</a:t>
+            </a:r>
+          </a:p>
+          <a:p>
+            <a:pPr lvl="2"/>
+            <a:r>
+              <a:rPr lang="en-US" sz="1600" dirty="0" smtClean="0">
+                <a:latin typeface="Segoe Light"/>
+                <a:cs typeface="Segoe Light"/>
+              </a:rPr>
+              <a:t>Receive Latency Results and presence of DNS Forwarder</a:t>
+            </a:r>
+            <a:endParaRPr lang="en-US" sz="2000" dirty="0" smtClean="0">
+              <a:latin typeface="Segoe Light"/>
+              <a:cs typeface="Segoe Light"/>
+            </a:endParaRPr>
+          </a:p>
+          <a:p>
+            <a:pPr lvl="2"/>
             <a:endParaRPr lang="en-US" sz="1600" dirty="0" smtClean="0">
               <a:latin typeface="Segoe Light"/>
               <a:cs typeface="Segoe Light"/>
             </a:endParaRPr>
           </a:p>
-          <a:p>
-            <a:r>
-              <a:rPr lang="en-US" sz="2000" dirty="0" smtClean="0">
-                <a:latin typeface="Segoe Light"/>
-                <a:cs typeface="Segoe Light"/>
-              </a:rPr>
-              <a:t>DC</a:t>
-            </a:r>
-          </a:p>
-          <a:p>
-            <a:pPr lvl="1"/>
-            <a:r>
-              <a:rPr lang="en-US" sz="1600" dirty="0" smtClean="0">
-                <a:latin typeface="Segoe Light"/>
-                <a:cs typeface="Segoe Light"/>
-              </a:rPr>
-              <a:t>To eliminate caching, we are considering query Google news/ads</a:t>
-            </a:r>
-          </a:p>
-          <a:p>
-            <a:pPr lvl="1"/>
-            <a:r>
-              <a:rPr lang="en-US" sz="1600" dirty="0" smtClean="0">
-                <a:latin typeface="Segoe Light"/>
-                <a:cs typeface="Segoe Light"/>
-              </a:rPr>
-              <a:t>Google provides a estimated time spent inside data center</a:t>
-            </a:r>
-          </a:p>
-          <a:p>
-            <a:pPr lvl="1"/>
+        </p:txBody>
+      </p:sp>
+    </p:spTree>
+    <p:extLst>
+      <p:ext uri="{BB962C8B-B14F-4D97-AF65-F5344CB8AC3E}">
+        <p14:creationId xmlns:p14="http://schemas.microsoft.com/office/powerpoint/2010/main" val="1197110358"/>
+      </p:ext>
+    </p:extLst>
+  </p:cSld>
+  <p:clrMapOvr>
+    <a:masterClrMapping/>
+  </p:clrMapOvr>
+</p:sld>
+</file>
+
+<file path=ppt/slides/slide8.xml><?xml version="1.0" encoding="utf-8"?>
+<p:sld xmlns:a="http://schemas.openxmlformats.org/drawingml/2006/main" xmlns:r="http://schemas.openxmlformats.org/officeDocument/2006/relationships" xmlns:p="http://schemas.openxmlformats.org/presentationml/2006/main">
+  <p:cSld>
+    <p:spTree>
+      <p:nvGrpSpPr>
+        <p:cNvPr id="1" name=""/>
+        <p:cNvGrpSpPr/>
+        <p:nvPr/>
+      </p:nvGrpSpPr>
+      <p:grpSpPr>
+        <a:xfrm>
+          <a:off x="0" y="0"/>
+          <a:ext cx="0" cy="0"/>
+          <a:chOff x="0" y="0"/>
+          <a:chExt cx="0" cy="0"/>
+        </a:xfrm>
+      </p:grpSpPr>
+      <p:sp>
+        <p:nvSpPr>
+          <p:cNvPr id="2" name="Title 1"/>
+          <p:cNvSpPr>
+            <a:spLocks noGrp="1"/>
+          </p:cNvSpPr>
+          <p:nvPr>
+            <p:ph type="title"/>
+          </p:nvPr>
+        </p:nvSpPr>
+        <p:spPr>
+          <a:xfrm>
+            <a:off x="0" y="274638"/>
+            <a:ext cx="5673642" cy="744205"/>
+          </a:xfrm>
+        </p:spPr>
+        <p:txBody>
+          <a:bodyPr>
+            <a:normAutofit fontScale="90000"/>
+          </a:bodyPr>
+          <a:lstStyle/>
+          <a:p>
+            <a:r>
+              <a:rPr lang="en-US" dirty="0" smtClean="0">
+                <a:latin typeface="Segoe Light"/>
+                <a:cs typeface="Segoe Light"/>
+              </a:rPr>
+              <a:t>Progress – Mobile</a:t>
+            </a:r>
+            <a:endParaRPr lang="en-US" dirty="0">
+              <a:latin typeface="Segoe Light"/>
+              <a:cs typeface="Segoe Light"/>
+            </a:endParaRPr>
+          </a:p>
+        </p:txBody>
+      </p:sp>
+      <p:sp>
+        <p:nvSpPr>
+          <p:cNvPr id="3" name="Content Placeholder 2"/>
+          <p:cNvSpPr>
+            <a:spLocks noGrp="1"/>
+          </p:cNvSpPr>
+          <p:nvPr>
+            <p:ph idx="1"/>
+          </p:nvPr>
+        </p:nvSpPr>
+        <p:spPr>
+          <a:xfrm>
+            <a:off x="457200" y="1228193"/>
+            <a:ext cx="8229600" cy="5122129"/>
+          </a:xfrm>
+        </p:spPr>
+        <p:txBody>
+          <a:bodyPr>
+            <a:normAutofit/>
+          </a:bodyPr>
+          <a:lstStyle/>
+          <a:p>
+            <a:endParaRPr lang="en-US" sz="2000" dirty="0" smtClean="0">
+              <a:latin typeface="Segoe Light"/>
+              <a:cs typeface="Segoe Light"/>
+            </a:endParaRPr>
+          </a:p>
+          <a:p>
+            <a:pPr lvl="2"/>
             <a:endParaRPr lang="en-US" sz="1600" dirty="0" smtClean="0">
               <a:latin typeface="Segoe Light"/>
               <a:cs typeface="Segoe Light"/>
             </a:endParaRPr>
           </a:p>
-          <a:p>
-            <a:r>
-              <a:rPr lang="en-US" sz="2000" dirty="0" smtClean="0">
-                <a:latin typeface="Segoe Light"/>
-                <a:cs typeface="Segoe Light"/>
-              </a:rPr>
-              <a:t>Cellular</a:t>
-            </a:r>
-          </a:p>
-          <a:p>
-            <a:pPr lvl="1"/>
-            <a:r>
-              <a:rPr lang="en-US" sz="1600" dirty="0" smtClean="0">
-                <a:latin typeface="Segoe Light"/>
-                <a:cs typeface="Segoe Light"/>
-              </a:rPr>
-              <a:t>Trick: use USB tethering so that various tools on PC can be used easily for measurement</a:t>
-            </a:r>
-          </a:p>
-          <a:p>
-            <a:pPr lvl="1"/>
-            <a:r>
-              <a:rPr lang="en-US" sz="1600" dirty="0" smtClean="0">
-                <a:latin typeface="Segoe Light"/>
-                <a:cs typeface="Segoe Light"/>
-              </a:rPr>
-              <a:t>Perform extensive measurement to achieve reverse engineering</a:t>
-            </a:r>
-            <a:endParaRPr lang="en-US" sz="1600" dirty="0" smtClean="0">
-              <a:latin typeface="Segoe Light"/>
-              <a:cs typeface="Segoe Light"/>
-            </a:endParaRPr>
-          </a:p>
         </p:txBody>
       </p:sp>
     </p:spTree>
     <p:extLst>
       <p:ext uri="{BB962C8B-B14F-4D97-AF65-F5344CB8AC3E}">
-        <p14:creationId xmlns:p14="http://schemas.microsoft.com/office/powerpoint/2010/main" val="1051565092"/>
+        <p14:creationId xmlns:p14="http://schemas.microsoft.com/office/powerpoint/2010/main" val="2674779977"/>
       </p:ext>
     </p:extLst>
   </p:cSld>

--- a/doc/MidTerm/MidTerm.pptx
+++ b/doc/MidTerm/MidTerm.pptx
@@ -4172,21 +4172,7 @@
                 <a:latin typeface="Segoe Light"/>
                 <a:cs typeface="Segoe Light"/>
               </a:rPr>
-              <a:t>An Internet Latency </a:t>
-            </a:r>
-            <a:r>
-              <a:rPr lang="en-US" dirty="0" smtClean="0">
-                <a:latin typeface="Segoe Light"/>
-                <a:cs typeface="Segoe Light"/>
-              </a:rPr>
-              <a:t>Measurement </a:t>
-            </a:r>
-            <a:r>
-              <a:rPr lang="en-US" dirty="0" smtClean="0">
-                <a:latin typeface="Segoe Light"/>
-                <a:cs typeface="Segoe Light"/>
-              </a:rPr>
-              <a:t>Study</a:t>
+              <a:t>An Internet Latency Measurement Study</a:t>
             </a:r>
             <a:endParaRPr lang="en-US" dirty="0">
               <a:latin typeface="Segoe Light"/>
@@ -4248,6 +4234,13 @@
   <p:clrMapOvr>
     <a:masterClrMapping/>
   </p:clrMapOvr>
+  <p:timing>
+    <p:tnLst>
+      <p:par>
+        <p:cTn xmlns:p14="http://schemas.microsoft.com/office/powerpoint/2010/main" id="1" dur="indefinite" restart="never" nodeType="tmRoot"/>
+      </p:par>
+    </p:tnLst>
+  </p:timing>
 </p:sld>
 </file>
 
@@ -4329,19 +4322,18 @@
                 <a:latin typeface="Segoe Light"/>
                 <a:cs typeface="Segoe Light"/>
               </a:rPr>
-              <a:t>We seek to measure and characterize latency </a:t>
-            </a:r>
+              <a:t>We seek to measure and characterize latency as it relates to:</a:t>
+            </a:r>
+          </a:p>
+          <a:p>
+            <a:pPr lvl="1"/>
             <a:r>
               <a:rPr lang="en-US" dirty="0" smtClean="0">
                 <a:latin typeface="Segoe Light"/>
                 <a:cs typeface="Segoe Light"/>
               </a:rPr>
-              <a:t>as it relates to:</a:t>
-            </a:r>
-            <a:endParaRPr lang="en-US" dirty="0" smtClean="0">
-              <a:latin typeface="Segoe Light"/>
-              <a:cs typeface="Segoe Light"/>
-            </a:endParaRPr>
+              <a:t>Wide Area Networks</a:t>
+            </a:r>
           </a:p>
           <a:p>
             <a:pPr lvl="1"/>
@@ -4350,54 +4342,18 @@
                 <a:latin typeface="Segoe Light"/>
                 <a:cs typeface="Segoe Light"/>
               </a:rPr>
-              <a:t>Wide Area </a:t>
-            </a:r>
+              <a:t>Data Centers*</a:t>
+            </a:r>
+          </a:p>
+          <a:p>
+            <a:pPr lvl="1"/>
             <a:r>
               <a:rPr lang="en-US" dirty="0" smtClean="0">
                 <a:latin typeface="Segoe Light"/>
                 <a:cs typeface="Segoe Light"/>
               </a:rPr>
-              <a:t>Networks</a:t>
-            </a:r>
-            <a:endParaRPr lang="en-US" dirty="0" smtClean="0">
-              <a:latin typeface="Segoe Light"/>
-              <a:cs typeface="Segoe Light"/>
-            </a:endParaRPr>
-          </a:p>
-          <a:p>
-            <a:pPr lvl="1"/>
-            <a:r>
-              <a:rPr lang="en-US" dirty="0" smtClean="0">
-                <a:latin typeface="Segoe Light"/>
-                <a:cs typeface="Segoe Light"/>
-              </a:rPr>
-              <a:t>Data Centers*</a:t>
-            </a:r>
-            <a:endParaRPr lang="en-US" dirty="0" smtClean="0">
-              <a:latin typeface="Segoe Light"/>
-              <a:cs typeface="Segoe Light"/>
-            </a:endParaRPr>
-          </a:p>
-          <a:p>
-            <a:pPr lvl="1"/>
-            <a:r>
-              <a:rPr lang="en-US" dirty="0" smtClean="0">
-                <a:latin typeface="Segoe Light"/>
-                <a:cs typeface="Segoe Light"/>
-              </a:rPr>
-              <a:t>Cellular </a:t>
-            </a:r>
-            <a:r>
-              <a:rPr lang="en-US" dirty="0" smtClean="0">
-                <a:latin typeface="Segoe Light"/>
-                <a:cs typeface="Segoe Light"/>
-              </a:rPr>
-              <a:t>Networks</a:t>
-            </a:r>
-            <a:endParaRPr lang="en-US" dirty="0" smtClean="0">
-              <a:latin typeface="Segoe Light"/>
-              <a:cs typeface="Segoe Light"/>
-            </a:endParaRPr>
+              <a:t>Cellular Networks</a:t>
+            </a:r>
           </a:p>
         </p:txBody>
       </p:sp>
@@ -4583,6 +4539,13 @@
   <p:clrMapOvr>
     <a:masterClrMapping/>
   </p:clrMapOvr>
+  <p:timing>
+    <p:tnLst>
+      <p:par>
+        <p:cTn xmlns:p14="http://schemas.microsoft.com/office/powerpoint/2010/main" id="1" dur="indefinite" restart="never" nodeType="tmRoot"/>
+      </p:par>
+    </p:tnLst>
+  </p:timing>
 </p:sld>
 </file>
 
@@ -4686,40 +4649,18 @@
                 <a:latin typeface="Segoe Light"/>
                 <a:cs typeface="Segoe Light"/>
               </a:rPr>
-              <a:t>Geographical </a:t>
-            </a:r>
+              <a:t>Geographical correlation (Latency vs. Distance)</a:t>
+            </a:r>
+          </a:p>
+          <a:p>
+            <a:pPr lvl="1"/>
             <a:r>
               <a:rPr lang="en-US" sz="2400" dirty="0" smtClean="0">
                 <a:latin typeface="Segoe Light"/>
                 <a:cs typeface="Segoe Light"/>
               </a:rPr>
-              <a:t>correlation (Latency vs. Distance)</a:t>
-            </a:r>
-            <a:endParaRPr lang="en-US" sz="2400" dirty="0" smtClean="0">
-              <a:latin typeface="Segoe Light"/>
-              <a:cs typeface="Segoe Light"/>
-            </a:endParaRPr>
-          </a:p>
-          <a:p>
-            <a:pPr lvl="1"/>
-            <a:r>
-              <a:rPr lang="en-US" sz="2400" dirty="0" smtClean="0">
-                <a:latin typeface="Segoe Light"/>
-                <a:cs typeface="Segoe Light"/>
-              </a:rPr>
-              <a:t>Time-series </a:t>
-            </a:r>
-            <a:r>
-              <a:rPr lang="en-US" sz="2400" dirty="0" smtClean="0">
-                <a:latin typeface="Segoe Light"/>
-                <a:cs typeface="Segoe Light"/>
-              </a:rPr>
-              <a:t>patterns</a:t>
-            </a:r>
-            <a:endParaRPr lang="en-US" sz="2400" dirty="0" smtClean="0">
-              <a:latin typeface="Segoe Light"/>
-              <a:cs typeface="Segoe Light"/>
-            </a:endParaRPr>
+              <a:t>Time-series patterns</a:t>
+            </a:r>
           </a:p>
           <a:p>
             <a:pPr lvl="1"/>
@@ -4744,29 +4685,18 @@
                 <a:latin typeface="Segoe Light"/>
                 <a:cs typeface="Segoe Light"/>
               </a:rPr>
-              <a:t>User ----&gt; WAN ----&gt; DC ----&gt; WAN ----&gt; </a:t>
-            </a:r>
+              <a:t>User ----&gt; WAN ----&gt; DC ----&gt; WAN ----&gt; User</a:t>
+            </a:r>
+          </a:p>
+          <a:p>
+            <a:pPr lvl="1"/>
             <a:r>
               <a:rPr lang="en-US" sz="2000" dirty="0" smtClean="0">
                 <a:latin typeface="Segoe Light"/>
                 <a:cs typeface="Segoe Light"/>
               </a:rPr>
-              <a:t>User</a:t>
-            </a:r>
-          </a:p>
-          <a:p>
-            <a:pPr lvl="1"/>
-            <a:r>
-              <a:rPr lang="en-US" sz="2000" dirty="0" smtClean="0">
-                <a:latin typeface="Segoe Light"/>
-                <a:cs typeface="Segoe Light"/>
-              </a:rPr>
               <a:t>Discover the fraction of latency on WAN and inside DC</a:t>
             </a:r>
-            <a:endParaRPr lang="en-US" sz="2000" dirty="0" smtClean="0">
-              <a:latin typeface="Segoe Light"/>
-              <a:cs typeface="Segoe Light"/>
-            </a:endParaRPr>
           </a:p>
           <a:p>
             <a:pPr marL="457200" lvl="1" indent="0">
@@ -4845,6 +4775,13 @@
   <p:clrMapOvr>
     <a:masterClrMapping/>
   </p:clrMapOvr>
+  <p:timing>
+    <p:tnLst>
+      <p:par>
+        <p:cTn xmlns:p14="http://schemas.microsoft.com/office/powerpoint/2010/main" id="1" dur="indefinite" restart="never" nodeType="tmRoot"/>
+      </p:par>
+    </p:tnLst>
+  </p:timing>
 </p:sld>
 </file>
 
@@ -5189,6 +5126,13 @@
   <p:clrMapOvr>
     <a:masterClrMapping/>
   </p:clrMapOvr>
+  <p:timing>
+    <p:tnLst>
+      <p:par>
+        <p:cTn xmlns:p14="http://schemas.microsoft.com/office/powerpoint/2010/main" id="1" dur="indefinite" restart="never" nodeType="tmRoot"/>
+      </p:par>
+    </p:tnLst>
+  </p:timing>
 </p:sld>
 </file>
 
@@ -5282,21 +5226,27 @@
                 <a:latin typeface="Segoe Light"/>
                 <a:cs typeface="Segoe Light"/>
               </a:rPr>
-              <a:t>Measurement methodologies are based </a:t>
-            </a:r>
+              <a:t>Measurement methodologies are based on the King/T-King methods (recursive DNS query)</a:t>
+            </a:r>
+          </a:p>
+          <a:p>
+            <a:pPr lvl="1"/>
             <a:r>
               <a:rPr lang="en-US" sz="1600" dirty="0" smtClean="0">
                 <a:latin typeface="Segoe Light"/>
                 <a:cs typeface="Segoe Light"/>
               </a:rPr>
-              <a:t>on the King/T-King methods </a:t>
-            </a:r>
+              <a:t>Do a continuous study on a daily/weekly basis</a:t>
+            </a:r>
+          </a:p>
+          <a:p>
+            <a:pPr lvl="1"/>
             <a:r>
               <a:rPr lang="en-US" sz="1600" dirty="0" smtClean="0">
                 <a:latin typeface="Segoe Light"/>
                 <a:cs typeface="Segoe Light"/>
               </a:rPr>
-              <a:t>(recursive DNS query)</a:t>
+              <a:t>Use various techniques to infer DNS server locations and perform correlation</a:t>
             </a:r>
           </a:p>
           <a:p>
@@ -5306,34 +5256,7 @@
                 <a:latin typeface="Segoe Light"/>
                 <a:cs typeface="Segoe Light"/>
               </a:rPr>
-              <a:t>Do a continuous study on a daily/weekly basis</a:t>
-            </a:r>
-          </a:p>
-          <a:p>
-            <a:pPr lvl="1"/>
-            <a:r>
-              <a:rPr lang="en-US" sz="1600" dirty="0" smtClean="0">
-                <a:latin typeface="Segoe Light"/>
-                <a:cs typeface="Segoe Light"/>
-              </a:rPr>
-              <a:t>Use various techniques to infer DNS server locations and perform correlation</a:t>
-            </a:r>
-          </a:p>
-          <a:p>
-            <a:pPr lvl="1"/>
-            <a:r>
-              <a:rPr lang="en-US" sz="1600" dirty="0" smtClean="0">
-                <a:latin typeface="Segoe Light"/>
-                <a:cs typeface="Segoe Light"/>
-              </a:rPr>
-              <a:t>Filter out DNS forwarders tha</a:t>
-            </a:r>
-            <a:r>
-              <a:rPr lang="en-US" sz="1600" dirty="0" smtClean="0">
-                <a:latin typeface="Segoe Light"/>
-                <a:cs typeface="Segoe Light"/>
-              </a:rPr>
-              <a:t>t would otherwise skew results</a:t>
+              <a:t>Filter out DNS forwarders that would otherwise skew results</a:t>
             </a:r>
           </a:p>
           <a:p>
@@ -5378,10 +5301,6 @@
               </a:rPr>
               <a:t>Perform Query to determine DC time (Query Time – Ping RTT)</a:t>
             </a:r>
-            <a:endParaRPr lang="en-US" sz="1600" dirty="0" smtClean="0">
-              <a:latin typeface="Segoe Light"/>
-              <a:cs typeface="Segoe Light"/>
-            </a:endParaRPr>
           </a:p>
           <a:p>
             <a:pPr lvl="1"/>
@@ -5390,21 +5309,7 @@
                 <a:latin typeface="Segoe Light"/>
                 <a:cs typeface="Segoe Light"/>
               </a:rPr>
-              <a:t>To </a:t>
-            </a:r>
-            <a:r>
-              <a:rPr lang="en-US" sz="1600" dirty="0" smtClean="0">
-                <a:latin typeface="Segoe Light"/>
-                <a:cs typeface="Segoe Light"/>
-              </a:rPr>
-              <a:t>eliminate caching, we are </a:t>
-            </a:r>
-            <a:r>
-              <a:rPr lang="en-US" sz="1600" dirty="0" smtClean="0">
-                <a:latin typeface="Segoe Light"/>
-                <a:cs typeface="Segoe Light"/>
-              </a:rPr>
-              <a:t>considering (we would love feedback!)</a:t>
+              <a:t>To eliminate caching, we are considering (we would love feedback!)</a:t>
             </a:r>
           </a:p>
           <a:p>
@@ -5449,10 +5354,6 @@
               </a:rPr>
               <a:t>Mobile</a:t>
             </a:r>
-            <a:endParaRPr lang="en-US" sz="2000" dirty="0" smtClean="0">
-              <a:latin typeface="Segoe Light"/>
-              <a:cs typeface="Segoe Light"/>
-            </a:endParaRPr>
           </a:p>
           <a:p>
             <a:pPr lvl="1"/>
@@ -5487,10 +5388,6 @@
               </a:rPr>
               <a:t> to reverse engineer network topology</a:t>
             </a:r>
-            <a:endParaRPr lang="en-US" sz="1600" dirty="0" smtClean="0">
-              <a:latin typeface="Segoe Light"/>
-              <a:cs typeface="Segoe Light"/>
-            </a:endParaRPr>
           </a:p>
         </p:txBody>
       </p:sp>
@@ -5504,6 +5401,13 @@
   <p:clrMapOvr>
     <a:masterClrMapping/>
   </p:clrMapOvr>
+  <p:timing>
+    <p:tnLst>
+      <p:par>
+        <p:cTn xmlns:p14="http://schemas.microsoft.com/office/powerpoint/2010/main" id="1" dur="indefinite" restart="never" nodeType="tmRoot"/>
+      </p:par>
+    </p:tnLst>
+  </p:timing>
 </p:sld>
 </file>
 
@@ -5562,39 +5466,596 @@
       </p:sp>
       <p:sp>
         <p:nvSpPr>
-          <p:cNvPr id="3" name="Content Placeholder 2"/>
-          <p:cNvSpPr>
-            <a:spLocks noGrp="1"/>
-          </p:cNvSpPr>
-          <p:nvPr>
-            <p:ph idx="1"/>
-          </p:nvPr>
+          <p:cNvPr id="34" name="TextBox 33"/>
+          <p:cNvSpPr txBox="1"/>
+          <p:nvPr/>
         </p:nvSpPr>
         <p:spPr>
           <a:xfrm>
-            <a:off x="457200" y="1228193"/>
-            <a:ext cx="8229600" cy="5122129"/>
+            <a:off x="2124648" y="4380099"/>
+            <a:ext cx="184666" cy="369332"/>
           </a:xfrm>
+          <a:prstGeom prst="rect">
+            <a:avLst/>
+          </a:prstGeom>
+          <a:noFill/>
         </p:spPr>
         <p:txBody>
-          <a:bodyPr>
-            <a:normAutofit/>
+          <a:bodyPr wrap="none" rtlCol="0">
+            <a:spAutoFit/>
           </a:bodyPr>
           <a:lstStyle/>
           <a:p>
-            <a:endParaRPr lang="en-US" sz="2400" dirty="0" smtClean="0">
-              <a:latin typeface="Segoe Light"/>
-              <a:cs typeface="Segoe Light"/>
-            </a:endParaRPr>
-          </a:p>
-          <a:p>
-            <a:endParaRPr lang="en-US" sz="2400" dirty="0">
-              <a:latin typeface="Segoe Light"/>
-              <a:cs typeface="Segoe Light"/>
-            </a:endParaRPr>
-          </a:p>
-        </p:txBody>
-      </p:sp>
+            <a:endParaRPr lang="en-US" dirty="0"/>
+          </a:p>
+        </p:txBody>
+      </p:sp>
+      <p:grpSp>
+        <p:nvGrpSpPr>
+          <p:cNvPr id="25" name="Group 24"/>
+          <p:cNvGrpSpPr/>
+          <p:nvPr/>
+        </p:nvGrpSpPr>
+        <p:grpSpPr>
+          <a:xfrm>
+            <a:off x="617227" y="1556562"/>
+            <a:ext cx="1493070" cy="1921161"/>
+            <a:chOff x="427307" y="1449733"/>
+            <a:chExt cx="1364994" cy="1585419"/>
+          </a:xfrm>
+        </p:grpSpPr>
+        <p:sp>
+          <p:nvSpPr>
+            <p:cNvPr id="4" name="Rectangle 3"/>
+            <p:cNvSpPr/>
+            <p:nvPr/>
+          </p:nvSpPr>
+          <p:spPr>
+            <a:xfrm>
+              <a:off x="427307" y="1449733"/>
+              <a:ext cx="1364994" cy="1585419"/>
+            </a:xfrm>
+            <a:prstGeom prst="rect">
+              <a:avLst/>
+            </a:prstGeom>
+          </p:spPr>
+          <p:style>
+            <a:lnRef idx="1">
+              <a:schemeClr val="accent1"/>
+            </a:lnRef>
+            <a:fillRef idx="3">
+              <a:schemeClr val="accent1"/>
+            </a:fillRef>
+            <a:effectRef idx="2">
+              <a:schemeClr val="accent1"/>
+            </a:effectRef>
+            <a:fontRef idx="minor">
+              <a:schemeClr val="lt1"/>
+            </a:fontRef>
+          </p:style>
+          <p:txBody>
+            <a:bodyPr rtlCol="0" anchor="ctr"/>
+            <a:lstStyle/>
+            <a:p>
+              <a:pPr algn="ctr"/>
+              <a:endParaRPr lang="en-US" dirty="0"/>
+            </a:p>
+          </p:txBody>
+        </p:sp>
+        <p:sp>
+          <p:nvSpPr>
+            <p:cNvPr id="13" name="Rounded Rectangle 12"/>
+            <p:cNvSpPr/>
+            <p:nvPr/>
+          </p:nvSpPr>
+          <p:spPr>
+            <a:xfrm>
+              <a:off x="526831" y="1578727"/>
+              <a:ext cx="1165934" cy="557908"/>
+            </a:xfrm>
+            <a:prstGeom prst="roundRect">
+              <a:avLst/>
+            </a:prstGeom>
+            <a:ln/>
+          </p:spPr>
+          <p:style>
+            <a:lnRef idx="1">
+              <a:schemeClr val="accent6"/>
+            </a:lnRef>
+            <a:fillRef idx="3">
+              <a:schemeClr val="accent6"/>
+            </a:fillRef>
+            <a:effectRef idx="2">
+              <a:schemeClr val="accent6"/>
+            </a:effectRef>
+            <a:fontRef idx="minor">
+              <a:schemeClr val="lt1"/>
+            </a:fontRef>
+          </p:style>
+          <p:txBody>
+            <a:bodyPr rtlCol="0" anchor="ctr"/>
+            <a:lstStyle/>
+            <a:p>
+              <a:pPr algn="ctr"/>
+              <a:r>
+                <a:rPr lang="en-US" sz="1600" dirty="0" smtClean="0"/>
+                <a:t>DNS Client</a:t>
+              </a:r>
+              <a:endParaRPr lang="en-US" sz="1600" dirty="0"/>
+            </a:p>
+          </p:txBody>
+        </p:sp>
+        <p:sp>
+          <p:nvSpPr>
+            <p:cNvPr id="14" name="Rounded Rectangle 13"/>
+            <p:cNvSpPr/>
+            <p:nvPr/>
+          </p:nvSpPr>
+          <p:spPr>
+            <a:xfrm>
+              <a:off x="524543" y="2324627"/>
+              <a:ext cx="1165934" cy="559829"/>
+            </a:xfrm>
+            <a:prstGeom prst="roundRect">
+              <a:avLst/>
+            </a:prstGeom>
+          </p:spPr>
+          <p:style>
+            <a:lnRef idx="1">
+              <a:schemeClr val="accent6"/>
+            </a:lnRef>
+            <a:fillRef idx="3">
+              <a:schemeClr val="accent6"/>
+            </a:fillRef>
+            <a:effectRef idx="2">
+              <a:schemeClr val="accent6"/>
+            </a:effectRef>
+            <a:fontRef idx="minor">
+              <a:schemeClr val="lt1"/>
+            </a:fontRef>
+          </p:style>
+          <p:txBody>
+            <a:bodyPr rtlCol="0" anchor="ctr"/>
+            <a:lstStyle/>
+            <a:p>
+              <a:pPr algn="ctr"/>
+              <a:r>
+                <a:rPr lang="en-US" sz="1600" dirty="0" smtClean="0"/>
+                <a:t>DNS Server</a:t>
+              </a:r>
+              <a:endParaRPr lang="en-US" sz="1600" dirty="0"/>
+            </a:p>
+          </p:txBody>
+        </p:sp>
+      </p:grpSp>
+      <p:cxnSp>
+        <p:nvCxnSpPr>
+          <p:cNvPr id="6" name="Straight Arrow Connector 5"/>
+          <p:cNvCxnSpPr/>
+          <p:nvPr/>
+        </p:nvCxnSpPr>
+        <p:spPr>
+          <a:xfrm>
+            <a:off x="2058349" y="1842326"/>
+            <a:ext cx="1752764" cy="0"/>
+          </a:xfrm>
+          <a:prstGeom prst="straightConnector1">
+            <a:avLst/>
+          </a:prstGeom>
+          <a:ln>
+            <a:solidFill>
+              <a:schemeClr val="tx1"/>
+            </a:solidFill>
+            <a:tailEnd type="arrow"/>
+          </a:ln>
+        </p:spPr>
+        <p:style>
+          <a:lnRef idx="2">
+            <a:schemeClr val="accent1"/>
+          </a:lnRef>
+          <a:fillRef idx="0">
+            <a:schemeClr val="accent1"/>
+          </a:fillRef>
+          <a:effectRef idx="1">
+            <a:schemeClr val="accent1"/>
+          </a:effectRef>
+          <a:fontRef idx="minor">
+            <a:schemeClr val="tx1"/>
+          </a:fontRef>
+        </p:style>
+      </p:cxnSp>
+      <p:sp>
+        <p:nvSpPr>
+          <p:cNvPr id="19" name="Rectangle 18"/>
+          <p:cNvSpPr/>
+          <p:nvPr/>
+        </p:nvSpPr>
+        <p:spPr>
+          <a:xfrm>
+            <a:off x="3850047" y="1568607"/>
+            <a:ext cx="1493090" cy="1921161"/>
+          </a:xfrm>
+          <a:prstGeom prst="rect">
+            <a:avLst/>
+          </a:prstGeom>
+        </p:spPr>
+        <p:style>
+          <a:lnRef idx="1">
+            <a:schemeClr val="accent1"/>
+          </a:lnRef>
+          <a:fillRef idx="3">
+            <a:schemeClr val="accent1"/>
+          </a:fillRef>
+          <a:effectRef idx="2">
+            <a:schemeClr val="accent1"/>
+          </a:effectRef>
+          <a:fontRef idx="minor">
+            <a:schemeClr val="lt1"/>
+          </a:fontRef>
+        </p:style>
+        <p:txBody>
+          <a:bodyPr rtlCol="0" anchor="ctr"/>
+          <a:lstStyle/>
+          <a:p>
+            <a:pPr algn="ctr"/>
+            <a:r>
+              <a:rPr lang="en-US" sz="1500" dirty="0" smtClean="0"/>
+              <a:t>ns.target1.com</a:t>
+            </a:r>
+          </a:p>
+          <a:p>
+            <a:pPr algn="ctr"/>
+            <a:r>
+              <a:rPr lang="en-US" sz="1500" dirty="0" smtClean="0"/>
+              <a:t>(Recursive)</a:t>
+            </a:r>
+            <a:endParaRPr lang="en-US" sz="1500" dirty="0"/>
+          </a:p>
+        </p:txBody>
+      </p:sp>
+      <p:cxnSp>
+        <p:nvCxnSpPr>
+          <p:cNvPr id="22" name="Straight Arrow Connector 21"/>
+          <p:cNvCxnSpPr/>
+          <p:nvPr/>
+        </p:nvCxnSpPr>
+        <p:spPr>
+          <a:xfrm>
+            <a:off x="2071333" y="2774963"/>
+            <a:ext cx="1752764" cy="0"/>
+          </a:xfrm>
+          <a:prstGeom prst="straightConnector1">
+            <a:avLst/>
+          </a:prstGeom>
+          <a:ln>
+            <a:solidFill>
+              <a:schemeClr val="tx1"/>
+            </a:solidFill>
+            <a:tailEnd type="arrow"/>
+          </a:ln>
+        </p:spPr>
+        <p:style>
+          <a:lnRef idx="2">
+            <a:schemeClr val="accent1"/>
+          </a:lnRef>
+          <a:fillRef idx="0">
+            <a:schemeClr val="accent1"/>
+          </a:fillRef>
+          <a:effectRef idx="1">
+            <a:schemeClr val="accent1"/>
+          </a:effectRef>
+          <a:fontRef idx="minor">
+            <a:schemeClr val="tx1"/>
+          </a:fontRef>
+        </p:style>
+      </p:cxnSp>
+      <p:cxnSp>
+        <p:nvCxnSpPr>
+          <p:cNvPr id="23" name="Straight Arrow Connector 22"/>
+          <p:cNvCxnSpPr/>
+          <p:nvPr/>
+        </p:nvCxnSpPr>
+        <p:spPr>
+          <a:xfrm flipH="1">
+            <a:off x="2030292" y="3189775"/>
+            <a:ext cx="1752764" cy="0"/>
+          </a:xfrm>
+          <a:prstGeom prst="straightConnector1">
+            <a:avLst/>
+          </a:prstGeom>
+          <a:ln>
+            <a:solidFill>
+              <a:schemeClr val="tx1"/>
+            </a:solidFill>
+            <a:tailEnd type="arrow"/>
+          </a:ln>
+        </p:spPr>
+        <p:style>
+          <a:lnRef idx="2">
+            <a:schemeClr val="accent1"/>
+          </a:lnRef>
+          <a:fillRef idx="0">
+            <a:schemeClr val="accent1"/>
+          </a:fillRef>
+          <a:effectRef idx="1">
+            <a:schemeClr val="accent1"/>
+          </a:effectRef>
+          <a:fontRef idx="minor">
+            <a:schemeClr val="tx1"/>
+          </a:fontRef>
+        </p:style>
+      </p:cxnSp>
+      <p:cxnSp>
+        <p:nvCxnSpPr>
+          <p:cNvPr id="24" name="Straight Arrow Connector 23"/>
+          <p:cNvCxnSpPr/>
+          <p:nvPr/>
+        </p:nvCxnSpPr>
+        <p:spPr>
+          <a:xfrm flipH="1">
+            <a:off x="2045365" y="2252509"/>
+            <a:ext cx="1752764" cy="0"/>
+          </a:xfrm>
+          <a:prstGeom prst="straightConnector1">
+            <a:avLst/>
+          </a:prstGeom>
+          <a:ln>
+            <a:solidFill>
+              <a:schemeClr val="tx1"/>
+            </a:solidFill>
+            <a:tailEnd type="arrow"/>
+          </a:ln>
+        </p:spPr>
+        <p:style>
+          <a:lnRef idx="2">
+            <a:schemeClr val="accent1"/>
+          </a:lnRef>
+          <a:fillRef idx="0">
+            <a:schemeClr val="accent1"/>
+          </a:fillRef>
+          <a:effectRef idx="1">
+            <a:schemeClr val="accent1"/>
+          </a:effectRef>
+          <a:fontRef idx="minor">
+            <a:schemeClr val="tx1"/>
+          </a:fontRef>
+        </p:style>
+      </p:cxnSp>
+      <p:sp>
+        <p:nvSpPr>
+          <p:cNvPr id="26" name="Rectangle 25"/>
+          <p:cNvSpPr/>
+          <p:nvPr/>
+        </p:nvSpPr>
+        <p:spPr>
+          <a:xfrm>
+            <a:off x="7171670" y="1556562"/>
+            <a:ext cx="1493090" cy="1921161"/>
+          </a:xfrm>
+          <a:prstGeom prst="rect">
+            <a:avLst/>
+          </a:prstGeom>
+        </p:spPr>
+        <p:style>
+          <a:lnRef idx="1">
+            <a:schemeClr val="accent1"/>
+          </a:lnRef>
+          <a:fillRef idx="3">
+            <a:schemeClr val="accent1"/>
+          </a:fillRef>
+          <a:effectRef idx="2">
+            <a:schemeClr val="accent1"/>
+          </a:effectRef>
+          <a:fontRef idx="minor">
+            <a:schemeClr val="lt1"/>
+          </a:fontRef>
+        </p:style>
+        <p:txBody>
+          <a:bodyPr rtlCol="0" anchor="ctr"/>
+          <a:lstStyle/>
+          <a:p>
+            <a:pPr algn="ctr"/>
+            <a:r>
+              <a:rPr lang="en-US" sz="1500" dirty="0" smtClean="0"/>
+              <a:t>ns.target2.com</a:t>
+            </a:r>
+          </a:p>
+          <a:p>
+            <a:pPr algn="ctr"/>
+            <a:r>
+              <a:rPr lang="en-US" sz="1500" dirty="0" smtClean="0"/>
+              <a:t>(Recursive or Iterative)</a:t>
+            </a:r>
+            <a:endParaRPr lang="en-US" sz="1500" dirty="0"/>
+          </a:p>
+        </p:txBody>
+      </p:sp>
+      <p:cxnSp>
+        <p:nvCxnSpPr>
+          <p:cNvPr id="27" name="Straight Arrow Connector 26"/>
+          <p:cNvCxnSpPr/>
+          <p:nvPr/>
+        </p:nvCxnSpPr>
+        <p:spPr>
+          <a:xfrm flipH="1">
+            <a:off x="2110297" y="3477723"/>
+            <a:ext cx="1713799" cy="1575279"/>
+          </a:xfrm>
+          <a:prstGeom prst="straightConnector1">
+            <a:avLst/>
+          </a:prstGeom>
+          <a:ln>
+            <a:solidFill>
+              <a:schemeClr val="tx1"/>
+            </a:solidFill>
+            <a:tailEnd type="arrow"/>
+          </a:ln>
+        </p:spPr>
+        <p:style>
+          <a:lnRef idx="2">
+            <a:schemeClr val="accent1"/>
+          </a:lnRef>
+          <a:fillRef idx="0">
+            <a:schemeClr val="accent1"/>
+          </a:fillRef>
+          <a:effectRef idx="1">
+            <a:schemeClr val="accent1"/>
+          </a:effectRef>
+          <a:fontRef idx="minor">
+            <a:schemeClr val="tx1"/>
+          </a:fontRef>
+        </p:style>
+      </p:cxnSp>
+      <p:cxnSp>
+        <p:nvCxnSpPr>
+          <p:cNvPr id="31" name="Straight Arrow Connector 30"/>
+          <p:cNvCxnSpPr/>
+          <p:nvPr/>
+        </p:nvCxnSpPr>
+        <p:spPr>
+          <a:xfrm flipV="1">
+            <a:off x="2110297" y="3506490"/>
+            <a:ext cx="2375919" cy="2394429"/>
+          </a:xfrm>
+          <a:prstGeom prst="straightConnector1">
+            <a:avLst/>
+          </a:prstGeom>
+          <a:ln>
+            <a:solidFill>
+              <a:schemeClr val="tx1"/>
+            </a:solidFill>
+            <a:tailEnd type="arrow"/>
+          </a:ln>
+        </p:spPr>
+        <p:style>
+          <a:lnRef idx="2">
+            <a:schemeClr val="accent1"/>
+          </a:lnRef>
+          <a:fillRef idx="0">
+            <a:schemeClr val="accent1"/>
+          </a:fillRef>
+          <a:effectRef idx="1">
+            <a:schemeClr val="accent1"/>
+          </a:effectRef>
+          <a:fontRef idx="minor">
+            <a:schemeClr val="tx1"/>
+          </a:fontRef>
+        </p:style>
+      </p:cxnSp>
+      <p:sp>
+        <p:nvSpPr>
+          <p:cNvPr id="36" name="Rectangle 35"/>
+          <p:cNvSpPr/>
+          <p:nvPr/>
+        </p:nvSpPr>
+        <p:spPr>
+          <a:xfrm>
+            <a:off x="617227" y="4464998"/>
+            <a:ext cx="1493090" cy="1921161"/>
+          </a:xfrm>
+          <a:prstGeom prst="rect">
+            <a:avLst/>
+          </a:prstGeom>
+        </p:spPr>
+        <p:style>
+          <a:lnRef idx="1">
+            <a:schemeClr val="accent1"/>
+          </a:lnRef>
+          <a:fillRef idx="3">
+            <a:schemeClr val="accent1"/>
+          </a:fillRef>
+          <a:effectRef idx="2">
+            <a:schemeClr val="accent1"/>
+          </a:effectRef>
+          <a:fontRef idx="minor">
+            <a:schemeClr val="lt1"/>
+          </a:fontRef>
+        </p:style>
+        <p:txBody>
+          <a:bodyPr rtlCol="0" anchor="ctr"/>
+          <a:lstStyle/>
+          <a:p>
+            <a:pPr algn="ctr"/>
+            <a:r>
+              <a:rPr lang="en-US" sz="1500" dirty="0" smtClean="0"/>
+              <a:t>ns1.mydomain.com</a:t>
+            </a:r>
+            <a:endParaRPr lang="en-US" sz="1500" dirty="0"/>
+          </a:p>
+        </p:txBody>
+      </p:sp>
+      <p:cxnSp>
+        <p:nvCxnSpPr>
+          <p:cNvPr id="39" name="Straight Arrow Connector 38"/>
+          <p:cNvCxnSpPr/>
+          <p:nvPr/>
+        </p:nvCxnSpPr>
+        <p:spPr>
+          <a:xfrm>
+            <a:off x="5379976" y="1986163"/>
+            <a:ext cx="1752764" cy="0"/>
+          </a:xfrm>
+          <a:prstGeom prst="straightConnector1">
+            <a:avLst/>
+          </a:prstGeom>
+          <a:ln>
+            <a:solidFill>
+              <a:schemeClr val="tx1"/>
+            </a:solidFill>
+            <a:tailEnd type="arrow"/>
+          </a:ln>
+        </p:spPr>
+        <p:style>
+          <a:lnRef idx="2">
+            <a:schemeClr val="accent1"/>
+          </a:lnRef>
+          <a:fillRef idx="0">
+            <a:schemeClr val="accent1"/>
+          </a:fillRef>
+          <a:effectRef idx="1">
+            <a:schemeClr val="accent1"/>
+          </a:effectRef>
+          <a:fontRef idx="minor">
+            <a:schemeClr val="tx1"/>
+          </a:fontRef>
+        </p:style>
+      </p:cxnSp>
+      <p:cxnSp>
+        <p:nvCxnSpPr>
+          <p:cNvPr id="40" name="Straight Arrow Connector 39"/>
+          <p:cNvCxnSpPr/>
+          <p:nvPr/>
+        </p:nvCxnSpPr>
+        <p:spPr>
+          <a:xfrm flipH="1">
+            <a:off x="5377887" y="2976323"/>
+            <a:ext cx="1752764" cy="0"/>
+          </a:xfrm>
+          <a:prstGeom prst="straightConnector1">
+            <a:avLst/>
+          </a:prstGeom>
+          <a:ln>
+            <a:solidFill>
+              <a:schemeClr val="tx1"/>
+            </a:solidFill>
+            <a:tailEnd type="arrow"/>
+          </a:ln>
+        </p:spPr>
+        <p:style>
+          <a:lnRef idx="2">
+            <a:schemeClr val="accent1"/>
+          </a:lnRef>
+          <a:fillRef idx="0">
+            <a:schemeClr val="accent1"/>
+          </a:fillRef>
+          <a:effectRef idx="1">
+            <a:schemeClr val="accent1"/>
+          </a:effectRef>
+          <a:fontRef idx="minor">
+            <a:schemeClr val="tx1"/>
+          </a:fontRef>
+        </p:style>
+      </p:cxnSp>
     </p:spTree>
     <p:extLst>
       <p:ext uri="{BB962C8B-B14F-4D97-AF65-F5344CB8AC3E}">
@@ -5605,6 +6066,530 @@
   <p:clrMapOvr>
     <a:masterClrMapping/>
   </p:clrMapOvr>
+  <p:timing>
+    <p:tnLst>
+      <p:par>
+        <p:cTn xmlns:p14="http://schemas.microsoft.com/office/powerpoint/2010/main" id="1" dur="indefinite" restart="never" nodeType="tmRoot">
+          <p:childTnLst>
+            <p:seq concurrent="1" nextAc="seek">
+              <p:cTn id="2" dur="indefinite" nodeType="mainSeq">
+                <p:childTnLst>
+                  <p:par>
+                    <p:cTn id="3" fill="hold">
+                      <p:stCondLst>
+                        <p:cond delay="indefinite"/>
+                        <p:cond evt="onBegin" delay="0">
+                          <p:tn val="2"/>
+                        </p:cond>
+                      </p:stCondLst>
+                      <p:childTnLst>
+                        <p:par>
+                          <p:cTn id="4" fill="hold">
+                            <p:stCondLst>
+                              <p:cond delay="0"/>
+                            </p:stCondLst>
+                            <p:childTnLst>
+                              <p:par>
+                                <p:cTn id="5" presetID="1" presetClass="entr" presetSubtype="0" fill="hold" nodeType="afterEffect">
+                                  <p:stCondLst>
+                                    <p:cond delay="0"/>
+                                  </p:stCondLst>
+                                  <p:childTnLst>
+                                    <p:set>
+                                      <p:cBhvr>
+                                        <p:cTn id="6" dur="1" fill="hold">
+                                          <p:stCondLst>
+                                            <p:cond delay="9"/>
+                                          </p:stCondLst>
+                                        </p:cTn>
+                                        <p:tgtEl>
+                                          <p:spTgt spid="25"/>
+                                        </p:tgtEl>
+                                        <p:attrNameLst>
+                                          <p:attrName>style.visibility</p:attrName>
+                                        </p:attrNameLst>
+                                      </p:cBhvr>
+                                      <p:to>
+                                        <p:strVal val="visible"/>
+                                      </p:to>
+                                    </p:set>
+                                  </p:childTnLst>
+                                </p:cTn>
+                              </p:par>
+                            </p:childTnLst>
+                          </p:cTn>
+                        </p:par>
+                      </p:childTnLst>
+                    </p:cTn>
+                  </p:par>
+                  <p:par>
+                    <p:cTn id="7" fill="hold">
+                      <p:stCondLst>
+                        <p:cond delay="indefinite"/>
+                      </p:stCondLst>
+                      <p:childTnLst>
+                        <p:par>
+                          <p:cTn id="8" fill="hold">
+                            <p:stCondLst>
+                              <p:cond delay="0"/>
+                            </p:stCondLst>
+                            <p:childTnLst>
+                              <p:par>
+                                <p:cTn id="9" presetID="1" presetClass="entr" presetSubtype="0" fill="hold" nodeType="clickEffect">
+                                  <p:stCondLst>
+                                    <p:cond delay="0"/>
+                                  </p:stCondLst>
+                                  <p:childTnLst>
+                                    <p:set>
+                                      <p:cBhvr>
+                                        <p:cTn id="10" dur="1" fill="hold">
+                                          <p:stCondLst>
+                                            <p:cond delay="0"/>
+                                          </p:stCondLst>
+                                        </p:cTn>
+                                        <p:tgtEl>
+                                          <p:spTgt spid="6"/>
+                                        </p:tgtEl>
+                                        <p:attrNameLst>
+                                          <p:attrName>style.visibility</p:attrName>
+                                        </p:attrNameLst>
+                                      </p:cBhvr>
+                                      <p:to>
+                                        <p:strVal val="visible"/>
+                                      </p:to>
+                                    </p:set>
+                                  </p:childTnLst>
+                                </p:cTn>
+                              </p:par>
+                              <p:par>
+                                <p:cTn id="11" presetID="1" presetClass="entr" presetSubtype="0" fill="hold" grpId="0" nodeType="withEffect">
+                                  <p:stCondLst>
+                                    <p:cond delay="0"/>
+                                  </p:stCondLst>
+                                  <p:childTnLst>
+                                    <p:set>
+                                      <p:cBhvr>
+                                        <p:cTn id="12" dur="1" fill="hold">
+                                          <p:stCondLst>
+                                            <p:cond delay="0"/>
+                                          </p:stCondLst>
+                                        </p:cTn>
+                                        <p:tgtEl>
+                                          <p:spTgt spid="19"/>
+                                        </p:tgtEl>
+                                        <p:attrNameLst>
+                                          <p:attrName>style.visibility</p:attrName>
+                                        </p:attrNameLst>
+                                      </p:cBhvr>
+                                      <p:to>
+                                        <p:strVal val="visible"/>
+                                      </p:to>
+                                    </p:set>
+                                  </p:childTnLst>
+                                </p:cTn>
+                              </p:par>
+                            </p:childTnLst>
+                          </p:cTn>
+                        </p:par>
+                      </p:childTnLst>
+                    </p:cTn>
+                  </p:par>
+                  <p:par>
+                    <p:cTn id="13" fill="hold">
+                      <p:stCondLst>
+                        <p:cond delay="indefinite"/>
+                      </p:stCondLst>
+                      <p:childTnLst>
+                        <p:par>
+                          <p:cTn id="14" fill="hold">
+                            <p:stCondLst>
+                              <p:cond delay="0"/>
+                            </p:stCondLst>
+                            <p:childTnLst>
+                              <p:par>
+                                <p:cTn id="15" presetID="1" presetClass="entr" presetSubtype="0" fill="hold" nodeType="clickEffect">
+                                  <p:stCondLst>
+                                    <p:cond delay="0"/>
+                                  </p:stCondLst>
+                                  <p:childTnLst>
+                                    <p:set>
+                                      <p:cBhvr>
+                                        <p:cTn id="16" dur="1" fill="hold">
+                                          <p:stCondLst>
+                                            <p:cond delay="0"/>
+                                          </p:stCondLst>
+                                        </p:cTn>
+                                        <p:tgtEl>
+                                          <p:spTgt spid="27"/>
+                                        </p:tgtEl>
+                                        <p:attrNameLst>
+                                          <p:attrName>style.visibility</p:attrName>
+                                        </p:attrNameLst>
+                                      </p:cBhvr>
+                                      <p:to>
+                                        <p:strVal val="visible"/>
+                                      </p:to>
+                                    </p:set>
+                                  </p:childTnLst>
+                                </p:cTn>
+                              </p:par>
+                              <p:par>
+                                <p:cTn id="17" presetID="1" presetClass="entr" presetSubtype="0" fill="hold" grpId="0" nodeType="withEffect">
+                                  <p:stCondLst>
+                                    <p:cond delay="0"/>
+                                  </p:stCondLst>
+                                  <p:childTnLst>
+                                    <p:set>
+                                      <p:cBhvr>
+                                        <p:cTn id="18" dur="1" fill="hold">
+                                          <p:stCondLst>
+                                            <p:cond delay="0"/>
+                                          </p:stCondLst>
+                                        </p:cTn>
+                                        <p:tgtEl>
+                                          <p:spTgt spid="36"/>
+                                        </p:tgtEl>
+                                        <p:attrNameLst>
+                                          <p:attrName>style.visibility</p:attrName>
+                                        </p:attrNameLst>
+                                      </p:cBhvr>
+                                      <p:to>
+                                        <p:strVal val="visible"/>
+                                      </p:to>
+                                    </p:set>
+                                  </p:childTnLst>
+                                </p:cTn>
+                              </p:par>
+                            </p:childTnLst>
+                          </p:cTn>
+                        </p:par>
+                      </p:childTnLst>
+                    </p:cTn>
+                  </p:par>
+                  <p:par>
+                    <p:cTn id="19" fill="hold">
+                      <p:stCondLst>
+                        <p:cond delay="indefinite"/>
+                      </p:stCondLst>
+                      <p:childTnLst>
+                        <p:par>
+                          <p:cTn id="20" fill="hold">
+                            <p:stCondLst>
+                              <p:cond delay="0"/>
+                            </p:stCondLst>
+                            <p:childTnLst>
+                              <p:par>
+                                <p:cTn id="21" presetID="1" presetClass="entr" presetSubtype="0" fill="hold" nodeType="clickEffect">
+                                  <p:stCondLst>
+                                    <p:cond delay="0"/>
+                                  </p:stCondLst>
+                                  <p:childTnLst>
+                                    <p:set>
+                                      <p:cBhvr>
+                                        <p:cTn id="22" dur="1" fill="hold">
+                                          <p:stCondLst>
+                                            <p:cond delay="0"/>
+                                          </p:stCondLst>
+                                        </p:cTn>
+                                        <p:tgtEl>
+                                          <p:spTgt spid="31"/>
+                                        </p:tgtEl>
+                                        <p:attrNameLst>
+                                          <p:attrName>style.visibility</p:attrName>
+                                        </p:attrNameLst>
+                                      </p:cBhvr>
+                                      <p:to>
+                                        <p:strVal val="visible"/>
+                                      </p:to>
+                                    </p:set>
+                                  </p:childTnLst>
+                                </p:cTn>
+                              </p:par>
+                            </p:childTnLst>
+                          </p:cTn>
+                        </p:par>
+                      </p:childTnLst>
+                    </p:cTn>
+                  </p:par>
+                  <p:par>
+                    <p:cTn id="23" fill="hold">
+                      <p:stCondLst>
+                        <p:cond delay="indefinite"/>
+                      </p:stCondLst>
+                      <p:childTnLst>
+                        <p:par>
+                          <p:cTn id="24" fill="hold">
+                            <p:stCondLst>
+                              <p:cond delay="0"/>
+                            </p:stCondLst>
+                            <p:childTnLst>
+                              <p:par>
+                                <p:cTn id="25" presetID="1" presetClass="entr" presetSubtype="0" fill="hold" nodeType="clickEffect">
+                                  <p:stCondLst>
+                                    <p:cond delay="0"/>
+                                  </p:stCondLst>
+                                  <p:childTnLst>
+                                    <p:set>
+                                      <p:cBhvr>
+                                        <p:cTn id="26" dur="1" fill="hold">
+                                          <p:stCondLst>
+                                            <p:cond delay="0"/>
+                                          </p:stCondLst>
+                                        </p:cTn>
+                                        <p:tgtEl>
+                                          <p:spTgt spid="23"/>
+                                        </p:tgtEl>
+                                        <p:attrNameLst>
+                                          <p:attrName>style.visibility</p:attrName>
+                                        </p:attrNameLst>
+                                      </p:cBhvr>
+                                      <p:to>
+                                        <p:strVal val="visible"/>
+                                      </p:to>
+                                    </p:set>
+                                  </p:childTnLst>
+                                </p:cTn>
+                              </p:par>
+                            </p:childTnLst>
+                          </p:cTn>
+                        </p:par>
+                      </p:childTnLst>
+                    </p:cTn>
+                  </p:par>
+                  <p:par>
+                    <p:cTn id="27" fill="hold">
+                      <p:stCondLst>
+                        <p:cond delay="indefinite"/>
+                      </p:stCondLst>
+                      <p:childTnLst>
+                        <p:par>
+                          <p:cTn id="28" fill="hold">
+                            <p:stCondLst>
+                              <p:cond delay="0"/>
+                            </p:stCondLst>
+                            <p:childTnLst>
+                              <p:par>
+                                <p:cTn id="29" presetID="1" presetClass="entr" presetSubtype="0" fill="hold" nodeType="clickEffect">
+                                  <p:stCondLst>
+                                    <p:cond delay="0"/>
+                                  </p:stCondLst>
+                                  <p:childTnLst>
+                                    <p:set>
+                                      <p:cBhvr>
+                                        <p:cTn id="30" dur="1" fill="hold">
+                                          <p:stCondLst>
+                                            <p:cond delay="0"/>
+                                          </p:stCondLst>
+                                        </p:cTn>
+                                        <p:tgtEl>
+                                          <p:spTgt spid="22"/>
+                                        </p:tgtEl>
+                                        <p:attrNameLst>
+                                          <p:attrName>style.visibility</p:attrName>
+                                        </p:attrNameLst>
+                                      </p:cBhvr>
+                                      <p:to>
+                                        <p:strVal val="visible"/>
+                                      </p:to>
+                                    </p:set>
+                                  </p:childTnLst>
+                                </p:cTn>
+                              </p:par>
+                            </p:childTnLst>
+                          </p:cTn>
+                        </p:par>
+                      </p:childTnLst>
+                    </p:cTn>
+                  </p:par>
+                  <p:par>
+                    <p:cTn id="31" fill="hold">
+                      <p:stCondLst>
+                        <p:cond delay="indefinite"/>
+                      </p:stCondLst>
+                      <p:childTnLst>
+                        <p:par>
+                          <p:cTn id="32" fill="hold">
+                            <p:stCondLst>
+                              <p:cond delay="0"/>
+                            </p:stCondLst>
+                            <p:childTnLst>
+                              <p:par>
+                                <p:cTn id="33" presetID="1" presetClass="entr" presetSubtype="0" fill="hold" nodeType="clickEffect">
+                                  <p:stCondLst>
+                                    <p:cond delay="0"/>
+                                  </p:stCondLst>
+                                  <p:childTnLst>
+                                    <p:set>
+                                      <p:cBhvr>
+                                        <p:cTn id="34" dur="1" fill="hold">
+                                          <p:stCondLst>
+                                            <p:cond delay="0"/>
+                                          </p:stCondLst>
+                                        </p:cTn>
+                                        <p:tgtEl>
+                                          <p:spTgt spid="39"/>
+                                        </p:tgtEl>
+                                        <p:attrNameLst>
+                                          <p:attrName>style.visibility</p:attrName>
+                                        </p:attrNameLst>
+                                      </p:cBhvr>
+                                      <p:to>
+                                        <p:strVal val="visible"/>
+                                      </p:to>
+                                    </p:set>
+                                  </p:childTnLst>
+                                </p:cTn>
+                              </p:par>
+                              <p:par>
+                                <p:cTn id="35" presetID="1" presetClass="entr" presetSubtype="0" fill="hold" grpId="0" nodeType="withEffect">
+                                  <p:stCondLst>
+                                    <p:cond delay="0"/>
+                                  </p:stCondLst>
+                                  <p:childTnLst>
+                                    <p:set>
+                                      <p:cBhvr>
+                                        <p:cTn id="36" dur="1" fill="hold">
+                                          <p:stCondLst>
+                                            <p:cond delay="0"/>
+                                          </p:stCondLst>
+                                        </p:cTn>
+                                        <p:tgtEl>
+                                          <p:spTgt spid="26"/>
+                                        </p:tgtEl>
+                                        <p:attrNameLst>
+                                          <p:attrName>style.visibility</p:attrName>
+                                        </p:attrNameLst>
+                                      </p:cBhvr>
+                                      <p:to>
+                                        <p:strVal val="visible"/>
+                                      </p:to>
+                                    </p:set>
+                                  </p:childTnLst>
+                                </p:cTn>
+                              </p:par>
+                            </p:childTnLst>
+                          </p:cTn>
+                        </p:par>
+                      </p:childTnLst>
+                    </p:cTn>
+                  </p:par>
+                  <p:par>
+                    <p:cTn id="37" fill="hold">
+                      <p:stCondLst>
+                        <p:cond delay="indefinite"/>
+                      </p:stCondLst>
+                      <p:childTnLst>
+                        <p:par>
+                          <p:cTn id="38" fill="hold">
+                            <p:stCondLst>
+                              <p:cond delay="0"/>
+                            </p:stCondLst>
+                            <p:childTnLst>
+                              <p:par>
+                                <p:cTn id="39" presetID="1" presetClass="entr" presetSubtype="0" fill="hold" nodeType="clickEffect">
+                                  <p:stCondLst>
+                                    <p:cond delay="0"/>
+                                  </p:stCondLst>
+                                  <p:childTnLst>
+                                    <p:set>
+                                      <p:cBhvr>
+                                        <p:cTn id="40" dur="1" fill="hold">
+                                          <p:stCondLst>
+                                            <p:cond delay="0"/>
+                                          </p:stCondLst>
+                                        </p:cTn>
+                                        <p:tgtEl>
+                                          <p:spTgt spid="40"/>
+                                        </p:tgtEl>
+                                        <p:attrNameLst>
+                                          <p:attrName>style.visibility</p:attrName>
+                                        </p:attrNameLst>
+                                      </p:cBhvr>
+                                      <p:to>
+                                        <p:strVal val="visible"/>
+                                      </p:to>
+                                    </p:set>
+                                  </p:childTnLst>
+                                </p:cTn>
+                              </p:par>
+                            </p:childTnLst>
+                          </p:cTn>
+                        </p:par>
+                      </p:childTnLst>
+                    </p:cTn>
+                  </p:par>
+                  <p:par>
+                    <p:cTn id="41" fill="hold">
+                      <p:stCondLst>
+                        <p:cond delay="indefinite"/>
+                      </p:stCondLst>
+                      <p:childTnLst>
+                        <p:par>
+                          <p:cTn id="42" fill="hold">
+                            <p:stCondLst>
+                              <p:cond delay="0"/>
+                            </p:stCondLst>
+                            <p:childTnLst>
+                              <p:par>
+                                <p:cTn id="43" presetID="1" presetClass="entr" presetSubtype="0" fill="hold" nodeType="clickEffect">
+                                  <p:stCondLst>
+                                    <p:cond delay="0"/>
+                                  </p:stCondLst>
+                                  <p:childTnLst>
+                                    <p:set>
+                                      <p:cBhvr>
+                                        <p:cTn id="44" dur="1" fill="hold">
+                                          <p:stCondLst>
+                                            <p:cond delay="0"/>
+                                          </p:stCondLst>
+                                        </p:cTn>
+                                        <p:tgtEl>
+                                          <p:spTgt spid="24"/>
+                                        </p:tgtEl>
+                                        <p:attrNameLst>
+                                          <p:attrName>style.visibility</p:attrName>
+                                        </p:attrNameLst>
+                                      </p:cBhvr>
+                                      <p:to>
+                                        <p:strVal val="visible"/>
+                                      </p:to>
+                                    </p:set>
+                                  </p:childTnLst>
+                                </p:cTn>
+                              </p:par>
+                            </p:childTnLst>
+                          </p:cTn>
+                        </p:par>
+                      </p:childTnLst>
+                    </p:cTn>
+                  </p:par>
+                </p:childTnLst>
+              </p:cTn>
+              <p:prevCondLst>
+                <p:cond evt="onPrev" delay="0">
+                  <p:tgtEl>
+                    <p:sldTgt/>
+                  </p:tgtEl>
+                </p:cond>
+              </p:prevCondLst>
+              <p:nextCondLst>
+                <p:cond evt="onNext" delay="0">
+                  <p:tgtEl>
+                    <p:sldTgt/>
+                  </p:tgtEl>
+                </p:cond>
+              </p:nextCondLst>
+            </p:seq>
+          </p:childTnLst>
+        </p:cTn>
+      </p:par>
+    </p:tnLst>
+    <p:bldLst>
+      <p:bldP spid="19" grpId="0" animBg="1"/>
+      <p:bldP spid="26" grpId="0" animBg="1"/>
+      <p:bldP spid="36" grpId="0" animBg="1"/>
+    </p:bldLst>
+  </p:timing>
 </p:sld>
 </file>
 
@@ -5766,14 +6751,7 @@
                 <a:latin typeface="Segoe Light"/>
                 <a:cs typeface="Segoe Light"/>
               </a:rPr>
-              <a:t>Issue command </a:t>
-            </a:r>
-            <a:r>
-              <a:rPr lang="en-US" sz="1600" dirty="0" smtClean="0">
-                <a:latin typeface="Segoe Light"/>
-                <a:cs typeface="Segoe Light"/>
-              </a:rPr>
-              <a:t>measurement command (NS1, IP1, NS2, IP2)</a:t>
+              <a:t>Issue command measurement command (NS1, IP1, NS2, IP2)</a:t>
             </a:r>
           </a:p>
           <a:p>
@@ -5809,6 +6787,13 @@
   <p:clrMapOvr>
     <a:masterClrMapping/>
   </p:clrMapOvr>
+  <p:timing>
+    <p:tnLst>
+      <p:par>
+        <p:cTn xmlns:p14="http://schemas.microsoft.com/office/powerpoint/2010/main" id="1" dur="indefinite" restart="never" nodeType="tmRoot"/>
+      </p:par>
+    </p:tnLst>
+  </p:timing>
 </p:sld>
 </file>
 
@@ -5911,6 +6896,13 @@
   <p:clrMapOvr>
     <a:masterClrMapping/>
   </p:clrMapOvr>
+  <p:timing>
+    <p:tnLst>
+      <p:par>
+        <p:cTn xmlns:p14="http://schemas.microsoft.com/office/powerpoint/2010/main" id="1" dur="indefinite" restart="never" nodeType="tmRoot"/>
+      </p:par>
+    </p:tnLst>
+  </p:timing>
 </p:sld>
 </file>
 

--- a/doc/MidTerm/MidTerm.pptx
+++ b/doc/MidTerm/MidTerm.pptx
@@ -5472,8 +5472,8 @@
         </p:nvSpPr>
         <p:spPr>
           <a:xfrm>
-            <a:off x="2124648" y="4380099"/>
-            <a:ext cx="184666" cy="369332"/>
+            <a:off x="1896780" y="4339929"/>
+            <a:ext cx="196013" cy="392025"/>
           </a:xfrm>
           <a:prstGeom prst="rect">
             <a:avLst/>
@@ -5498,8 +5498,8 @@
         </p:nvGrpSpPr>
         <p:grpSpPr>
           <a:xfrm>
-            <a:off x="617227" y="1556562"/>
-            <a:ext cx="1493070" cy="1921161"/>
+            <a:off x="379827" y="1342902"/>
+            <a:ext cx="1270043" cy="2039205"/>
             <a:chOff x="427307" y="1449733"/>
             <a:chExt cx="1364994" cy="1585419"/>
           </a:xfrm>
@@ -5538,7 +5538,11 @@
             <a:lstStyle/>
             <a:p>
               <a:pPr algn="ctr"/>
-              <a:endParaRPr lang="en-US" dirty="0"/>
+              <a:r>
+                <a:rPr lang="en-US" sz="1600" dirty="0" err="1" smtClean="0"/>
+                <a:t>myAddr</a:t>
+              </a:r>
+              <a:endParaRPr lang="en-US" sz="1600" dirty="0"/>
             </a:p>
           </p:txBody>
         </p:sp>
@@ -5550,7 +5554,7 @@
           </p:nvSpPr>
           <p:spPr>
             <a:xfrm>
-              <a:off x="526831" y="1578727"/>
+              <a:off x="526831" y="1560270"/>
               <a:ext cx="1165934" cy="557908"/>
             </a:xfrm>
             <a:prstGeom prst="roundRect">
@@ -5593,7 +5597,7 @@
           </p:nvSpPr>
           <p:spPr>
             <a:xfrm>
-              <a:off x="524543" y="2324627"/>
+              <a:off x="524543" y="2379997"/>
               <a:ext cx="1165934" cy="559829"/>
             </a:xfrm>
             <a:prstGeom prst="roundRect">
@@ -5628,42 +5632,6 @@
           </p:txBody>
         </p:sp>
       </p:grpSp>
-      <p:cxnSp>
-        <p:nvCxnSpPr>
-          <p:cNvPr id="6" name="Straight Arrow Connector 5"/>
-          <p:cNvCxnSpPr/>
-          <p:nvPr/>
-        </p:nvCxnSpPr>
-        <p:spPr>
-          <a:xfrm>
-            <a:off x="2058349" y="1842326"/>
-            <a:ext cx="1752764" cy="0"/>
-          </a:xfrm>
-          <a:prstGeom prst="straightConnector1">
-            <a:avLst/>
-          </a:prstGeom>
-          <a:ln>
-            <a:solidFill>
-              <a:schemeClr val="tx1"/>
-            </a:solidFill>
-            <a:tailEnd type="arrow"/>
-          </a:ln>
-        </p:spPr>
-        <p:style>
-          <a:lnRef idx="2">
-            <a:schemeClr val="accent1"/>
-          </a:lnRef>
-          <a:fillRef idx="0">
-            <a:schemeClr val="accent1"/>
-          </a:fillRef>
-          <a:effectRef idx="1">
-            <a:schemeClr val="accent1"/>
-          </a:effectRef>
-          <a:fontRef idx="minor">
-            <a:schemeClr val="tx1"/>
-          </a:fontRef>
-        </p:style>
-      </p:cxnSp>
       <p:sp>
         <p:nvSpPr>
           <p:cNvPr id="19" name="Rectangle 18"/>
@@ -5672,8 +5640,8 @@
         </p:nvSpPr>
         <p:spPr>
           <a:xfrm>
-            <a:off x="3850047" y="1568607"/>
-            <a:ext cx="1493090" cy="1921161"/>
+            <a:off x="3728195" y="1355687"/>
+            <a:ext cx="1268883" cy="2039205"/>
           </a:xfrm>
           <a:prstGeom prst="rect">
             <a:avLst/>
@@ -5699,128 +5667,20 @@
           <a:p>
             <a:pPr algn="ctr"/>
             <a:r>
-              <a:rPr lang="en-US" sz="1500" dirty="0" smtClean="0"/>
+              <a:rPr lang="en-US" sz="1300" dirty="0" smtClean="0"/>
               <a:t>ns.target1.com</a:t>
             </a:r>
           </a:p>
           <a:p>
             <a:pPr algn="ctr"/>
             <a:r>
-              <a:rPr lang="en-US" sz="1500" dirty="0" smtClean="0"/>
+              <a:rPr lang="en-US" sz="1300" dirty="0" smtClean="0"/>
               <a:t>(Recursive)</a:t>
             </a:r>
-            <a:endParaRPr lang="en-US" sz="1500" dirty="0"/>
-          </a:p>
-        </p:txBody>
-      </p:sp>
-      <p:cxnSp>
-        <p:nvCxnSpPr>
-          <p:cNvPr id="22" name="Straight Arrow Connector 21"/>
-          <p:cNvCxnSpPr/>
-          <p:nvPr/>
-        </p:nvCxnSpPr>
-        <p:spPr>
-          <a:xfrm>
-            <a:off x="2071333" y="2774963"/>
-            <a:ext cx="1752764" cy="0"/>
-          </a:xfrm>
-          <a:prstGeom prst="straightConnector1">
-            <a:avLst/>
-          </a:prstGeom>
-          <a:ln>
-            <a:solidFill>
-              <a:schemeClr val="tx1"/>
-            </a:solidFill>
-            <a:tailEnd type="arrow"/>
-          </a:ln>
-        </p:spPr>
-        <p:style>
-          <a:lnRef idx="2">
-            <a:schemeClr val="accent1"/>
-          </a:lnRef>
-          <a:fillRef idx="0">
-            <a:schemeClr val="accent1"/>
-          </a:fillRef>
-          <a:effectRef idx="1">
-            <a:schemeClr val="accent1"/>
-          </a:effectRef>
-          <a:fontRef idx="minor">
-            <a:schemeClr val="tx1"/>
-          </a:fontRef>
-        </p:style>
-      </p:cxnSp>
-      <p:cxnSp>
-        <p:nvCxnSpPr>
-          <p:cNvPr id="23" name="Straight Arrow Connector 22"/>
-          <p:cNvCxnSpPr/>
-          <p:nvPr/>
-        </p:nvCxnSpPr>
-        <p:spPr>
-          <a:xfrm flipH="1">
-            <a:off x="2030292" y="3189775"/>
-            <a:ext cx="1752764" cy="0"/>
-          </a:xfrm>
-          <a:prstGeom prst="straightConnector1">
-            <a:avLst/>
-          </a:prstGeom>
-          <a:ln>
-            <a:solidFill>
-              <a:schemeClr val="tx1"/>
-            </a:solidFill>
-            <a:tailEnd type="arrow"/>
-          </a:ln>
-        </p:spPr>
-        <p:style>
-          <a:lnRef idx="2">
-            <a:schemeClr val="accent1"/>
-          </a:lnRef>
-          <a:fillRef idx="0">
-            <a:schemeClr val="accent1"/>
-          </a:fillRef>
-          <a:effectRef idx="1">
-            <a:schemeClr val="accent1"/>
-          </a:effectRef>
-          <a:fontRef idx="minor">
-            <a:schemeClr val="tx1"/>
-          </a:fontRef>
-        </p:style>
-      </p:cxnSp>
-      <p:cxnSp>
-        <p:nvCxnSpPr>
-          <p:cNvPr id="24" name="Straight Arrow Connector 23"/>
-          <p:cNvCxnSpPr/>
-          <p:nvPr/>
-        </p:nvCxnSpPr>
-        <p:spPr>
-          <a:xfrm flipH="1">
-            <a:off x="2045365" y="2252509"/>
-            <a:ext cx="1752764" cy="0"/>
-          </a:xfrm>
-          <a:prstGeom prst="straightConnector1">
-            <a:avLst/>
-          </a:prstGeom>
-          <a:ln>
-            <a:solidFill>
-              <a:schemeClr val="tx1"/>
-            </a:solidFill>
-            <a:tailEnd type="arrow"/>
-          </a:ln>
-        </p:spPr>
-        <p:style>
-          <a:lnRef idx="2">
-            <a:schemeClr val="accent1"/>
-          </a:lnRef>
-          <a:fillRef idx="0">
-            <a:schemeClr val="accent1"/>
-          </a:fillRef>
-          <a:effectRef idx="1">
-            <a:schemeClr val="accent1"/>
-          </a:effectRef>
-          <a:fontRef idx="minor">
-            <a:schemeClr val="tx1"/>
-          </a:fontRef>
-        </p:style>
-      </p:cxnSp>
+            <a:endParaRPr lang="en-US" sz="1300" dirty="0"/>
+          </a:p>
+        </p:txBody>
+      </p:sp>
       <p:sp>
         <p:nvSpPr>
           <p:cNvPr id="26" name="Rectangle 25"/>
@@ -5829,8 +5689,8 @@
         </p:nvSpPr>
         <p:spPr>
           <a:xfrm>
-            <a:off x="7171670" y="1556562"/>
-            <a:ext cx="1493090" cy="1921161"/>
+            <a:off x="7253912" y="1342902"/>
+            <a:ext cx="1268421" cy="2039205"/>
           </a:xfrm>
           <a:prstGeom prst="rect">
             <a:avLst/>
@@ -5856,92 +5716,20 @@
           <a:p>
             <a:pPr algn="ctr"/>
             <a:r>
-              <a:rPr lang="en-US" sz="1500" dirty="0" smtClean="0"/>
+              <a:rPr lang="en-US" sz="1300" dirty="0" smtClean="0"/>
               <a:t>ns.target2.com</a:t>
             </a:r>
           </a:p>
           <a:p>
             <a:pPr algn="ctr"/>
             <a:r>
-              <a:rPr lang="en-US" sz="1500" dirty="0" smtClean="0"/>
+              <a:rPr lang="en-US" sz="1300" dirty="0" smtClean="0"/>
               <a:t>(Recursive or Iterative)</a:t>
             </a:r>
-            <a:endParaRPr lang="en-US" sz="1500" dirty="0"/>
-          </a:p>
-        </p:txBody>
-      </p:sp>
-      <p:cxnSp>
-        <p:nvCxnSpPr>
-          <p:cNvPr id="27" name="Straight Arrow Connector 26"/>
-          <p:cNvCxnSpPr/>
-          <p:nvPr/>
-        </p:nvCxnSpPr>
-        <p:spPr>
-          <a:xfrm flipH="1">
-            <a:off x="2110297" y="3477723"/>
-            <a:ext cx="1713799" cy="1575279"/>
-          </a:xfrm>
-          <a:prstGeom prst="straightConnector1">
-            <a:avLst/>
-          </a:prstGeom>
-          <a:ln>
-            <a:solidFill>
-              <a:schemeClr val="tx1"/>
-            </a:solidFill>
-            <a:tailEnd type="arrow"/>
-          </a:ln>
-        </p:spPr>
-        <p:style>
-          <a:lnRef idx="2">
-            <a:schemeClr val="accent1"/>
-          </a:lnRef>
-          <a:fillRef idx="0">
-            <a:schemeClr val="accent1"/>
-          </a:fillRef>
-          <a:effectRef idx="1">
-            <a:schemeClr val="accent1"/>
-          </a:effectRef>
-          <a:fontRef idx="minor">
-            <a:schemeClr val="tx1"/>
-          </a:fontRef>
-        </p:style>
-      </p:cxnSp>
-      <p:cxnSp>
-        <p:nvCxnSpPr>
-          <p:cNvPr id="31" name="Straight Arrow Connector 30"/>
-          <p:cNvCxnSpPr/>
-          <p:nvPr/>
-        </p:nvCxnSpPr>
-        <p:spPr>
-          <a:xfrm flipV="1">
-            <a:off x="2110297" y="3506490"/>
-            <a:ext cx="2375919" cy="2394429"/>
-          </a:xfrm>
-          <a:prstGeom prst="straightConnector1">
-            <a:avLst/>
-          </a:prstGeom>
-          <a:ln>
-            <a:solidFill>
-              <a:schemeClr val="tx1"/>
-            </a:solidFill>
-            <a:tailEnd type="arrow"/>
-          </a:ln>
-        </p:spPr>
-        <p:style>
-          <a:lnRef idx="2">
-            <a:schemeClr val="accent1"/>
-          </a:lnRef>
-          <a:fillRef idx="0">
-            <a:schemeClr val="accent1"/>
-          </a:fillRef>
-          <a:effectRef idx="1">
-            <a:schemeClr val="accent1"/>
-          </a:effectRef>
-          <a:fontRef idx="minor">
-            <a:schemeClr val="tx1"/>
-          </a:fontRef>
-        </p:style>
-      </p:cxnSp>
+            <a:endParaRPr lang="en-US" sz="1300" dirty="0"/>
+          </a:p>
+        </p:txBody>
+      </p:sp>
       <p:sp>
         <p:nvSpPr>
           <p:cNvPr id="36" name="Rectangle 35"/>
@@ -5950,8 +5738,8 @@
         </p:nvSpPr>
         <p:spPr>
           <a:xfrm>
-            <a:off x="617227" y="4464998"/>
-            <a:ext cx="1493090" cy="1921161"/>
+            <a:off x="296737" y="4430044"/>
+            <a:ext cx="1270043" cy="2039205"/>
           </a:xfrm>
           <a:prstGeom prst="rect">
             <a:avLst/>
@@ -5977,85 +5765,801 @@
           <a:p>
             <a:pPr algn="ctr"/>
             <a:r>
-              <a:rPr lang="en-US" sz="1500" dirty="0" smtClean="0"/>
+              <a:rPr lang="en-US" sz="1400" dirty="0" smtClean="0"/>
               <a:t>ns1.mydomain.com</a:t>
             </a:r>
-            <a:endParaRPr lang="en-US" sz="1500" dirty="0"/>
-          </a:p>
-        </p:txBody>
-      </p:sp>
-      <p:cxnSp>
-        <p:nvCxnSpPr>
-          <p:cNvPr id="39" name="Straight Arrow Connector 38"/>
-          <p:cNvCxnSpPr/>
+            <a:endParaRPr lang="en-US" sz="1400" dirty="0"/>
+          </a:p>
+        </p:txBody>
+      </p:sp>
+      <p:grpSp>
+        <p:nvGrpSpPr>
+          <p:cNvPr id="9" name="Group 8"/>
+          <p:cNvGrpSpPr/>
           <p:nvPr/>
-        </p:nvCxnSpPr>
+        </p:nvGrpSpPr>
+        <p:grpSpPr>
+          <a:xfrm>
+            <a:off x="1572793" y="1356773"/>
+            <a:ext cx="2775188" cy="289451"/>
+            <a:chOff x="1572793" y="1356773"/>
+            <a:chExt cx="2775188" cy="289451"/>
+          </a:xfrm>
+        </p:grpSpPr>
+        <p:cxnSp>
+          <p:nvCxnSpPr>
+            <p:cNvPr id="6" name="Straight Arrow Connector 5"/>
+            <p:cNvCxnSpPr/>
+            <p:nvPr/>
+          </p:nvCxnSpPr>
+          <p:spPr>
+            <a:xfrm>
+              <a:off x="1600877" y="1646224"/>
+              <a:ext cx="2127318" cy="0"/>
+            </a:xfrm>
+            <a:prstGeom prst="straightConnector1">
+              <a:avLst/>
+            </a:prstGeom>
+            <a:ln>
+              <a:solidFill>
+                <a:schemeClr val="tx1"/>
+              </a:solidFill>
+              <a:tailEnd type="arrow"/>
+            </a:ln>
+          </p:spPr>
+          <p:style>
+            <a:lnRef idx="2">
+              <a:schemeClr val="accent1"/>
+            </a:lnRef>
+            <a:fillRef idx="0">
+              <a:schemeClr val="accent1"/>
+            </a:fillRef>
+            <a:effectRef idx="1">
+              <a:schemeClr val="accent1"/>
+            </a:effectRef>
+            <a:fontRef idx="minor">
+              <a:schemeClr val="tx1"/>
+            </a:fontRef>
+          </p:style>
+        </p:cxnSp>
+        <p:sp>
+          <p:nvSpPr>
+            <p:cNvPr id="3" name="TextBox 2"/>
+            <p:cNvSpPr txBox="1"/>
+            <p:nvPr/>
+          </p:nvSpPr>
+          <p:spPr>
+            <a:xfrm>
+              <a:off x="1572793" y="1356773"/>
+              <a:ext cx="2775188" cy="246221"/>
+            </a:xfrm>
+            <a:prstGeom prst="rect">
+              <a:avLst/>
+            </a:prstGeom>
+            <a:noFill/>
+          </p:spPr>
+          <p:txBody>
+            <a:bodyPr wrap="square" rtlCol="0">
+              <a:spAutoFit/>
+            </a:bodyPr>
+            <a:lstStyle/>
+            <a:p>
+              <a:r>
+                <a:rPr lang="en-US" sz="1000" dirty="0" smtClean="0"/>
+                <a:t>1) Resolve: </a:t>
+              </a:r>
+              <a:r>
+                <a:rPr lang="en-US" sz="1000" dirty="0" err="1" smtClean="0"/>
+                <a:t>qid.myAddr.mydomain.com</a:t>
+              </a:r>
+              <a:endParaRPr lang="en-US" sz="1000" dirty="0"/>
+            </a:p>
+          </p:txBody>
+        </p:sp>
+      </p:grpSp>
+      <p:grpSp>
+        <p:nvGrpSpPr>
+          <p:cNvPr id="30" name="Group 29"/>
+          <p:cNvGrpSpPr/>
+          <p:nvPr/>
+        </p:nvGrpSpPr>
+        <p:grpSpPr>
+          <a:xfrm>
+            <a:off x="1369116" y="3382107"/>
+            <a:ext cx="2775188" cy="1672071"/>
+            <a:chOff x="1369116" y="3382107"/>
+            <a:chExt cx="2775188" cy="1672071"/>
+          </a:xfrm>
+        </p:grpSpPr>
+        <p:cxnSp>
+          <p:nvCxnSpPr>
+            <p:cNvPr id="27" name="Straight Arrow Connector 26"/>
+            <p:cNvCxnSpPr/>
+            <p:nvPr/>
+          </p:nvCxnSpPr>
+          <p:spPr>
+            <a:xfrm flipH="1">
+              <a:off x="1572793" y="3382107"/>
+              <a:ext cx="2127856" cy="1672071"/>
+            </a:xfrm>
+            <a:prstGeom prst="straightConnector1">
+              <a:avLst/>
+            </a:prstGeom>
+            <a:ln>
+              <a:solidFill>
+                <a:schemeClr val="tx1"/>
+              </a:solidFill>
+              <a:tailEnd type="arrow"/>
+            </a:ln>
+          </p:spPr>
+          <p:style>
+            <a:lnRef idx="2">
+              <a:schemeClr val="accent1"/>
+            </a:lnRef>
+            <a:fillRef idx="0">
+              <a:schemeClr val="accent1"/>
+            </a:fillRef>
+            <a:effectRef idx="1">
+              <a:schemeClr val="accent1"/>
+            </a:effectRef>
+            <a:fontRef idx="minor">
+              <a:schemeClr val="tx1"/>
+            </a:fontRef>
+          </p:style>
+        </p:cxnSp>
+        <p:sp>
+          <p:nvSpPr>
+            <p:cNvPr id="35" name="TextBox 34"/>
+            <p:cNvSpPr txBox="1"/>
+            <p:nvPr/>
+          </p:nvSpPr>
+          <p:spPr>
+            <a:xfrm rot="19273781">
+              <a:off x="1369116" y="3817003"/>
+              <a:ext cx="2775188" cy="246221"/>
+            </a:xfrm>
+            <a:prstGeom prst="rect">
+              <a:avLst/>
+            </a:prstGeom>
+            <a:noFill/>
+          </p:spPr>
+          <p:txBody>
+            <a:bodyPr wrap="square" rtlCol="0">
+              <a:spAutoFit/>
+            </a:bodyPr>
+            <a:lstStyle/>
+            <a:p>
+              <a:r>
+                <a:rPr lang="en-US" sz="1000" dirty="0"/>
+                <a:t>2</a:t>
+              </a:r>
+              <a:r>
+                <a:rPr lang="en-US" sz="1000" dirty="0" smtClean="0"/>
+                <a:t>) Resolve: </a:t>
+              </a:r>
+              <a:r>
+                <a:rPr lang="en-US" sz="1000" dirty="0" err="1" smtClean="0"/>
+                <a:t>qid.myAddr.mydomain.com</a:t>
+              </a:r>
+              <a:endParaRPr lang="en-US" sz="1000" dirty="0"/>
+            </a:p>
+          </p:txBody>
+        </p:sp>
+      </p:grpSp>
+      <p:grpSp>
+        <p:nvGrpSpPr>
+          <p:cNvPr id="32" name="Group 31"/>
+          <p:cNvGrpSpPr/>
+          <p:nvPr/>
+        </p:nvGrpSpPr>
+        <p:grpSpPr>
+          <a:xfrm>
+            <a:off x="1533386" y="3412641"/>
+            <a:ext cx="2870066" cy="2415620"/>
+            <a:chOff x="1533386" y="3412641"/>
+            <a:chExt cx="2870066" cy="2415620"/>
+          </a:xfrm>
+        </p:grpSpPr>
+        <p:cxnSp>
+          <p:nvCxnSpPr>
+            <p:cNvPr id="31" name="Straight Arrow Connector 30"/>
+            <p:cNvCxnSpPr/>
+            <p:nvPr/>
+          </p:nvCxnSpPr>
+          <p:spPr>
+            <a:xfrm flipV="1">
+              <a:off x="1600878" y="3412641"/>
+              <a:ext cx="2802574" cy="2415620"/>
+            </a:xfrm>
+            <a:prstGeom prst="straightConnector1">
+              <a:avLst/>
+            </a:prstGeom>
+            <a:ln>
+              <a:solidFill>
+                <a:schemeClr val="tx1"/>
+              </a:solidFill>
+              <a:tailEnd type="arrow"/>
+            </a:ln>
+          </p:spPr>
+          <p:style>
+            <a:lnRef idx="2">
+              <a:schemeClr val="accent1"/>
+            </a:lnRef>
+            <a:fillRef idx="0">
+              <a:schemeClr val="accent1"/>
+            </a:fillRef>
+            <a:effectRef idx="1">
+              <a:schemeClr val="accent1"/>
+            </a:effectRef>
+            <a:fontRef idx="minor">
+              <a:schemeClr val="tx1"/>
+            </a:fontRef>
+          </p:style>
+        </p:cxnSp>
+        <p:sp>
+          <p:nvSpPr>
+            <p:cNvPr id="37" name="TextBox 36"/>
+            <p:cNvSpPr txBox="1"/>
+            <p:nvPr/>
+          </p:nvSpPr>
+          <p:spPr>
+            <a:xfrm rot="19055585">
+              <a:off x="1533386" y="4325503"/>
+              <a:ext cx="2775188" cy="246221"/>
+            </a:xfrm>
+            <a:prstGeom prst="rect">
+              <a:avLst/>
+            </a:prstGeom>
+            <a:noFill/>
+          </p:spPr>
+          <p:txBody>
+            <a:bodyPr wrap="square" rtlCol="0">
+              <a:spAutoFit/>
+            </a:bodyPr>
+            <a:lstStyle/>
+            <a:p>
+              <a:r>
+                <a:rPr lang="en-US" sz="1000" dirty="0" smtClean="0"/>
+                <a:t>3) Referral: </a:t>
+              </a:r>
+              <a:r>
+                <a:rPr lang="en-US" sz="1000" dirty="0" err="1" smtClean="0"/>
+                <a:t>myAddr</a:t>
+              </a:r>
+              <a:endParaRPr lang="en-US" sz="1000" dirty="0"/>
+            </a:p>
+          </p:txBody>
+        </p:sp>
+      </p:grpSp>
+      <p:grpSp>
+        <p:nvGrpSpPr>
+          <p:cNvPr id="33" name="Group 32"/>
+          <p:cNvGrpSpPr/>
+          <p:nvPr/>
+        </p:nvGrpSpPr>
+        <p:grpSpPr>
+          <a:xfrm>
+            <a:off x="1582753" y="2814873"/>
+            <a:ext cx="2775188" cy="261593"/>
+            <a:chOff x="1582753" y="2814873"/>
+            <a:chExt cx="2775188" cy="261593"/>
+          </a:xfrm>
+        </p:grpSpPr>
+        <p:cxnSp>
+          <p:nvCxnSpPr>
+            <p:cNvPr id="23" name="Straight Arrow Connector 22"/>
+            <p:cNvCxnSpPr/>
+            <p:nvPr/>
+          </p:nvCxnSpPr>
+          <p:spPr>
+            <a:xfrm flipH="1">
+              <a:off x="1600878" y="3076466"/>
+              <a:ext cx="2127317" cy="0"/>
+            </a:xfrm>
+            <a:prstGeom prst="straightConnector1">
+              <a:avLst/>
+            </a:prstGeom>
+            <a:ln>
+              <a:solidFill>
+                <a:schemeClr val="tx1"/>
+              </a:solidFill>
+              <a:tailEnd type="arrow"/>
+            </a:ln>
+          </p:spPr>
+          <p:style>
+            <a:lnRef idx="2">
+              <a:schemeClr val="accent1"/>
+            </a:lnRef>
+            <a:fillRef idx="0">
+              <a:schemeClr val="accent1"/>
+            </a:fillRef>
+            <a:effectRef idx="1">
+              <a:schemeClr val="accent1"/>
+            </a:effectRef>
+            <a:fontRef idx="minor">
+              <a:schemeClr val="tx1"/>
+            </a:fontRef>
+          </p:style>
+        </p:cxnSp>
+        <p:sp>
+          <p:nvSpPr>
+            <p:cNvPr id="44" name="TextBox 43"/>
+            <p:cNvSpPr txBox="1"/>
+            <p:nvPr/>
+          </p:nvSpPr>
+          <p:spPr>
+            <a:xfrm>
+              <a:off x="1582753" y="2814873"/>
+              <a:ext cx="2775188" cy="246221"/>
+            </a:xfrm>
+            <a:prstGeom prst="rect">
+              <a:avLst/>
+            </a:prstGeom>
+            <a:noFill/>
+          </p:spPr>
+          <p:txBody>
+            <a:bodyPr wrap="square" rtlCol="0">
+              <a:spAutoFit/>
+            </a:bodyPr>
+            <a:lstStyle/>
+            <a:p>
+              <a:r>
+                <a:rPr lang="en-US" sz="1000" dirty="0" smtClean="0"/>
+                <a:t>4) Resolve: </a:t>
+              </a:r>
+              <a:r>
+                <a:rPr lang="en-US" sz="1000" dirty="0" err="1" smtClean="0"/>
+                <a:t>qid.myAddr.mydomain.com</a:t>
+              </a:r>
+              <a:endParaRPr lang="en-US" sz="1000" dirty="0"/>
+            </a:p>
+          </p:txBody>
+        </p:sp>
+      </p:grpSp>
+      <p:grpSp>
+        <p:nvGrpSpPr>
+          <p:cNvPr id="51" name="Group 50"/>
+          <p:cNvGrpSpPr/>
+          <p:nvPr/>
+        </p:nvGrpSpPr>
+        <p:grpSpPr>
+          <a:xfrm>
+            <a:off x="1600877" y="2387553"/>
+            <a:ext cx="3101294" cy="248613"/>
+            <a:chOff x="1600877" y="2387553"/>
+            <a:chExt cx="3101294" cy="248613"/>
+          </a:xfrm>
+        </p:grpSpPr>
+        <p:cxnSp>
+          <p:nvCxnSpPr>
+            <p:cNvPr id="22" name="Straight Arrow Connector 21"/>
+            <p:cNvCxnSpPr/>
+            <p:nvPr/>
+          </p:nvCxnSpPr>
+          <p:spPr>
+            <a:xfrm>
+              <a:off x="1600877" y="2636166"/>
+              <a:ext cx="2123513" cy="0"/>
+            </a:xfrm>
+            <a:prstGeom prst="straightConnector1">
+              <a:avLst/>
+            </a:prstGeom>
+            <a:ln>
+              <a:solidFill>
+                <a:schemeClr val="tx1"/>
+              </a:solidFill>
+              <a:tailEnd type="arrow"/>
+            </a:ln>
+          </p:spPr>
+          <p:style>
+            <a:lnRef idx="2">
+              <a:schemeClr val="accent1"/>
+            </a:lnRef>
+            <a:fillRef idx="0">
+              <a:schemeClr val="accent1"/>
+            </a:fillRef>
+            <a:effectRef idx="1">
+              <a:schemeClr val="accent1"/>
+            </a:effectRef>
+            <a:fontRef idx="minor">
+              <a:schemeClr val="tx1"/>
+            </a:fontRef>
+          </p:style>
+        </p:cxnSp>
+        <p:sp>
+          <p:nvSpPr>
+            <p:cNvPr id="45" name="TextBox 44"/>
+            <p:cNvSpPr txBox="1"/>
+            <p:nvPr/>
+          </p:nvSpPr>
+          <p:spPr>
+            <a:xfrm>
+              <a:off x="1926983" y="2387553"/>
+              <a:ext cx="2775188" cy="246221"/>
+            </a:xfrm>
+            <a:prstGeom prst="rect">
+              <a:avLst/>
+            </a:prstGeom>
+            <a:noFill/>
+          </p:spPr>
+          <p:txBody>
+            <a:bodyPr wrap="square" rtlCol="0">
+              <a:spAutoFit/>
+            </a:bodyPr>
+            <a:lstStyle/>
+            <a:p>
+              <a:r>
+                <a:rPr lang="en-US" sz="1000" dirty="0"/>
+                <a:t>5</a:t>
+              </a:r>
+              <a:r>
+                <a:rPr lang="en-US" sz="1000" dirty="0" smtClean="0"/>
+                <a:t>) Referral: ns.target2.com</a:t>
+              </a:r>
+              <a:endParaRPr lang="en-US" sz="1000" dirty="0"/>
+            </a:p>
+          </p:txBody>
+        </p:sp>
+      </p:grpSp>
+      <p:grpSp>
+        <p:nvGrpSpPr>
+          <p:cNvPr id="38" name="Group 37"/>
+          <p:cNvGrpSpPr/>
+          <p:nvPr/>
+        </p:nvGrpSpPr>
+        <p:grpSpPr>
+          <a:xfrm>
+            <a:off x="4997078" y="1520687"/>
+            <a:ext cx="2777031" cy="278212"/>
+            <a:chOff x="4997078" y="1520687"/>
+            <a:chExt cx="2777031" cy="278212"/>
+          </a:xfrm>
+        </p:grpSpPr>
+        <p:cxnSp>
+          <p:nvCxnSpPr>
+            <p:cNvPr id="39" name="Straight Arrow Connector 38"/>
+            <p:cNvCxnSpPr/>
+            <p:nvPr/>
+          </p:nvCxnSpPr>
+          <p:spPr>
+            <a:xfrm>
+              <a:off x="4997078" y="1798899"/>
+              <a:ext cx="2215512" cy="0"/>
+            </a:xfrm>
+            <a:prstGeom prst="straightConnector1">
+              <a:avLst/>
+            </a:prstGeom>
+            <a:ln>
+              <a:solidFill>
+                <a:schemeClr val="tx1"/>
+              </a:solidFill>
+              <a:tailEnd type="arrow"/>
+            </a:ln>
+          </p:spPr>
+          <p:style>
+            <a:lnRef idx="2">
+              <a:schemeClr val="accent1"/>
+            </a:lnRef>
+            <a:fillRef idx="0">
+              <a:schemeClr val="accent1"/>
+            </a:fillRef>
+            <a:effectRef idx="1">
+              <a:schemeClr val="accent1"/>
+            </a:effectRef>
+            <a:fontRef idx="minor">
+              <a:schemeClr val="tx1"/>
+            </a:fontRef>
+          </p:style>
+        </p:cxnSp>
+        <p:sp>
+          <p:nvSpPr>
+            <p:cNvPr id="46" name="TextBox 45"/>
+            <p:cNvSpPr txBox="1"/>
+            <p:nvPr/>
+          </p:nvSpPr>
+          <p:spPr>
+            <a:xfrm>
+              <a:off x="4998921" y="1520687"/>
+              <a:ext cx="2775188" cy="246221"/>
+            </a:xfrm>
+            <a:prstGeom prst="rect">
+              <a:avLst/>
+            </a:prstGeom>
+            <a:noFill/>
+          </p:spPr>
+          <p:txBody>
+            <a:bodyPr wrap="square" rtlCol="0">
+              <a:spAutoFit/>
+            </a:bodyPr>
+            <a:lstStyle/>
+            <a:p>
+              <a:r>
+                <a:rPr lang="en-US" sz="1000" dirty="0"/>
+                <a:t>6</a:t>
+              </a:r>
+              <a:r>
+                <a:rPr lang="en-US" sz="1000" dirty="0" smtClean="0"/>
+                <a:t>) Resolve: </a:t>
+              </a:r>
+              <a:r>
+                <a:rPr lang="en-US" sz="1000" dirty="0" err="1" smtClean="0"/>
+                <a:t>qid.myAddr.mydomain.com</a:t>
+              </a:r>
+              <a:endParaRPr lang="en-US" sz="1000" dirty="0"/>
+            </a:p>
+          </p:txBody>
+        </p:sp>
+      </p:grpSp>
+      <p:grpSp>
+        <p:nvGrpSpPr>
+          <p:cNvPr id="48" name="Group 47"/>
+          <p:cNvGrpSpPr/>
+          <p:nvPr/>
+        </p:nvGrpSpPr>
+        <p:grpSpPr>
+          <a:xfrm>
+            <a:off x="4997078" y="2580522"/>
+            <a:ext cx="3346791" cy="269377"/>
+            <a:chOff x="4997078" y="2580522"/>
+            <a:chExt cx="3346791" cy="269377"/>
+          </a:xfrm>
+        </p:grpSpPr>
+        <p:cxnSp>
+          <p:nvCxnSpPr>
+            <p:cNvPr id="40" name="Straight Arrow Connector 39"/>
+            <p:cNvCxnSpPr/>
+            <p:nvPr/>
+          </p:nvCxnSpPr>
+          <p:spPr>
+            <a:xfrm flipH="1">
+              <a:off x="4997078" y="2849899"/>
+              <a:ext cx="2213295" cy="0"/>
+            </a:xfrm>
+            <a:prstGeom prst="straightConnector1">
+              <a:avLst/>
+            </a:prstGeom>
+            <a:ln>
+              <a:solidFill>
+                <a:schemeClr val="tx1"/>
+              </a:solidFill>
+              <a:tailEnd type="arrow"/>
+            </a:ln>
+          </p:spPr>
+          <p:style>
+            <a:lnRef idx="2">
+              <a:schemeClr val="accent1"/>
+            </a:lnRef>
+            <a:fillRef idx="0">
+              <a:schemeClr val="accent1"/>
+            </a:fillRef>
+            <a:effectRef idx="1">
+              <a:schemeClr val="accent1"/>
+            </a:effectRef>
+            <a:fontRef idx="minor">
+              <a:schemeClr val="tx1"/>
+            </a:fontRef>
+          </p:style>
+        </p:cxnSp>
+        <p:sp>
+          <p:nvSpPr>
+            <p:cNvPr id="47" name="TextBox 46"/>
+            <p:cNvSpPr txBox="1"/>
+            <p:nvPr/>
+          </p:nvSpPr>
+          <p:spPr>
+            <a:xfrm>
+              <a:off x="5568681" y="2580522"/>
+              <a:ext cx="2775188" cy="246221"/>
+            </a:xfrm>
+            <a:prstGeom prst="rect">
+              <a:avLst/>
+            </a:prstGeom>
+            <a:noFill/>
+          </p:spPr>
+          <p:txBody>
+            <a:bodyPr wrap="square" rtlCol="0">
+              <a:spAutoFit/>
+            </a:bodyPr>
+            <a:lstStyle/>
+            <a:p>
+              <a:r>
+                <a:rPr lang="en-US" sz="1000" dirty="0" smtClean="0"/>
+                <a:t>7) </a:t>
+              </a:r>
+              <a:r>
+                <a:rPr lang="en-US" sz="1000" dirty="0" err="1" smtClean="0"/>
+                <a:t>NXDomain</a:t>
+              </a:r>
+              <a:endParaRPr lang="en-US" sz="1000" dirty="0"/>
+            </a:p>
+          </p:txBody>
+        </p:sp>
+      </p:grpSp>
+      <p:grpSp>
+        <p:nvGrpSpPr>
+          <p:cNvPr id="50" name="Group 49"/>
+          <p:cNvGrpSpPr/>
+          <p:nvPr/>
+        </p:nvGrpSpPr>
+        <p:grpSpPr>
+          <a:xfrm>
+            <a:off x="1622707" y="1782183"/>
+            <a:ext cx="3435564" cy="280016"/>
+            <a:chOff x="1622707" y="1782183"/>
+            <a:chExt cx="3435564" cy="280016"/>
+          </a:xfrm>
+        </p:grpSpPr>
+        <p:cxnSp>
+          <p:nvCxnSpPr>
+            <p:cNvPr id="24" name="Straight Arrow Connector 23"/>
+            <p:cNvCxnSpPr/>
+            <p:nvPr/>
+          </p:nvCxnSpPr>
+          <p:spPr>
+            <a:xfrm flipH="1">
+              <a:off x="1622707" y="2062199"/>
+              <a:ext cx="2105488" cy="0"/>
+            </a:xfrm>
+            <a:prstGeom prst="straightConnector1">
+              <a:avLst/>
+            </a:prstGeom>
+            <a:ln>
+              <a:solidFill>
+                <a:schemeClr val="tx1"/>
+              </a:solidFill>
+              <a:tailEnd type="arrow"/>
+            </a:ln>
+          </p:spPr>
+          <p:style>
+            <a:lnRef idx="2">
+              <a:schemeClr val="accent1"/>
+            </a:lnRef>
+            <a:fillRef idx="0">
+              <a:schemeClr val="accent1"/>
+            </a:fillRef>
+            <a:effectRef idx="1">
+              <a:schemeClr val="accent1"/>
+            </a:effectRef>
+            <a:fontRef idx="minor">
+              <a:schemeClr val="tx1"/>
+            </a:fontRef>
+          </p:style>
+        </p:cxnSp>
+        <p:sp>
+          <p:nvSpPr>
+            <p:cNvPr id="49" name="TextBox 48"/>
+            <p:cNvSpPr txBox="1"/>
+            <p:nvPr/>
+          </p:nvSpPr>
+          <p:spPr>
+            <a:xfrm>
+              <a:off x="2283083" y="1782183"/>
+              <a:ext cx="2775188" cy="246221"/>
+            </a:xfrm>
+            <a:prstGeom prst="rect">
+              <a:avLst/>
+            </a:prstGeom>
+            <a:noFill/>
+          </p:spPr>
+          <p:txBody>
+            <a:bodyPr wrap="square" rtlCol="0">
+              <a:spAutoFit/>
+            </a:bodyPr>
+            <a:lstStyle/>
+            <a:p>
+              <a:r>
+                <a:rPr lang="en-US" sz="1000" dirty="0"/>
+                <a:t>8</a:t>
+              </a:r>
+              <a:r>
+                <a:rPr lang="en-US" sz="1000" dirty="0" smtClean="0"/>
+                <a:t>) </a:t>
+              </a:r>
+              <a:r>
+                <a:rPr lang="en-US" sz="1000" dirty="0" err="1" smtClean="0"/>
+                <a:t>NXDomain</a:t>
+              </a:r>
+              <a:endParaRPr lang="en-US" sz="1000" dirty="0"/>
+            </a:p>
+          </p:txBody>
+        </p:sp>
+      </p:grpSp>
+      <p:sp>
+        <p:nvSpPr>
+          <p:cNvPr id="52" name="TextBox 51"/>
+          <p:cNvSpPr txBox="1"/>
+          <p:nvPr/>
+        </p:nvSpPr>
         <p:spPr>
           <a:xfrm>
-            <a:off x="5379976" y="1986163"/>
-            <a:ext cx="1752764" cy="0"/>
+            <a:off x="4230358" y="4295644"/>
+            <a:ext cx="4837981" cy="1477328"/>
           </a:xfrm>
-          <a:prstGeom prst="straightConnector1">
+          <a:prstGeom prst="rect">
             <a:avLst/>
           </a:prstGeom>
-          <a:ln>
-            <a:solidFill>
-              <a:schemeClr val="tx1"/>
-            </a:solidFill>
-            <a:tailEnd type="arrow"/>
-          </a:ln>
+          <a:noFill/>
         </p:spPr>
-        <p:style>
-          <a:lnRef idx="2">
-            <a:schemeClr val="accent1"/>
-          </a:lnRef>
-          <a:fillRef idx="0">
-            <a:schemeClr val="accent1"/>
-          </a:fillRef>
-          <a:effectRef idx="1">
-            <a:schemeClr val="accent1"/>
-          </a:effectRef>
-          <a:fontRef idx="minor">
-            <a:schemeClr val="tx1"/>
-          </a:fontRef>
-        </p:style>
-      </p:cxnSp>
-      <p:cxnSp>
-        <p:nvCxnSpPr>
-          <p:cNvPr id="40" name="Straight Arrow Connector 39"/>
-          <p:cNvCxnSpPr/>
-          <p:nvPr/>
-        </p:nvCxnSpPr>
-        <p:spPr>
-          <a:xfrm flipH="1">
-            <a:off x="5377887" y="2976323"/>
-            <a:ext cx="1752764" cy="0"/>
-          </a:xfrm>
-          <a:prstGeom prst="straightConnector1">
-            <a:avLst/>
-          </a:prstGeom>
-          <a:ln>
-            <a:solidFill>
-              <a:schemeClr val="tx1"/>
-            </a:solidFill>
-            <a:tailEnd type="arrow"/>
-          </a:ln>
-        </p:spPr>
-        <p:style>
-          <a:lnRef idx="2">
-            <a:schemeClr val="accent1"/>
-          </a:lnRef>
-          <a:fillRef idx="0">
-            <a:schemeClr val="accent1"/>
-          </a:fillRef>
-          <a:effectRef idx="1">
-            <a:schemeClr val="accent1"/>
-          </a:effectRef>
-          <a:fontRef idx="minor">
-            <a:schemeClr val="tx1"/>
-          </a:fontRef>
-        </p:style>
-      </p:cxnSp>
+        <p:txBody>
+          <a:bodyPr wrap="square" rtlCol="0">
+            <a:spAutoFit/>
+          </a:bodyPr>
+          <a:lstStyle/>
+          <a:p>
+            <a:pPr marL="285750" indent="-285750">
+              <a:buFont typeface="Arial"/>
+              <a:buChar char="•"/>
+            </a:pPr>
+            <a:r>
+              <a:rPr lang="en-US" dirty="0" smtClean="0"/>
+              <a:t>Record time delta </a:t>
+            </a:r>
+            <a:r>
+              <a:rPr lang="en-US" b="1" i="1" dirty="0"/>
+              <a:t>T</a:t>
+            </a:r>
+            <a:r>
+              <a:rPr lang="en-US" dirty="0" smtClean="0"/>
+              <a:t> between (5) and (8)</a:t>
+            </a:r>
+          </a:p>
+          <a:p>
+            <a:pPr marL="285750" indent="-285750">
+              <a:buFont typeface="Arial"/>
+              <a:buChar char="•"/>
+            </a:pPr>
+            <a:r>
+              <a:rPr lang="en-US" dirty="0" smtClean="0"/>
+              <a:t>Determine </a:t>
+            </a:r>
+            <a:r>
+              <a:rPr lang="en-US" b="1" i="1" dirty="0" smtClean="0"/>
+              <a:t>RTT </a:t>
+            </a:r>
+            <a:r>
+              <a:rPr lang="en-US" dirty="0" smtClean="0"/>
+              <a:t>between </a:t>
+            </a:r>
+            <a:r>
+              <a:rPr lang="en-US" dirty="0" err="1" smtClean="0"/>
+              <a:t>myAddr</a:t>
+            </a:r>
+            <a:r>
+              <a:rPr lang="en-US" dirty="0" smtClean="0"/>
+              <a:t> and target1</a:t>
+            </a:r>
+          </a:p>
+          <a:p>
+            <a:pPr marL="285750" indent="-285750">
+              <a:buFont typeface="Arial"/>
+              <a:buChar char="•"/>
+            </a:pPr>
+            <a:r>
+              <a:rPr lang="en-US" dirty="0" smtClean="0"/>
+              <a:t>Latency target1 to target2 = </a:t>
+            </a:r>
+            <a:r>
+              <a:rPr lang="en-US" b="1" i="1" dirty="0" smtClean="0"/>
+              <a:t>T - RTT</a:t>
+            </a:r>
+            <a:endParaRPr lang="en-US" dirty="0" smtClean="0"/>
+          </a:p>
+          <a:p>
+            <a:pPr marL="285750" indent="-285750">
+              <a:buFont typeface="Arial"/>
+              <a:buChar char="•"/>
+            </a:pPr>
+            <a:endParaRPr lang="en-US" dirty="0" smtClean="0"/>
+          </a:p>
+          <a:p>
+            <a:pPr marL="285750" indent="-285750">
+              <a:buFont typeface="Arial"/>
+              <a:buChar char="•"/>
+            </a:pPr>
+            <a:endParaRPr lang="en-US" dirty="0"/>
+          </a:p>
+        </p:txBody>
+      </p:sp>
     </p:spTree>
     <p:extLst>
       <p:ext uri="{BB962C8B-B14F-4D97-AF65-F5344CB8AC3E}">
@@ -6078,9 +6582,6 @@
                     <p:cTn id="3" fill="hold">
                       <p:stCondLst>
                         <p:cond delay="indefinite"/>
-                        <p:cond evt="onBegin" delay="0">
-                          <p:tn val="2"/>
-                        </p:cond>
                       </p:stCondLst>
                       <p:childTnLst>
                         <p:par>
@@ -6090,7 +6591,7 @@
                             </p:stCondLst>
                             <p:childTnLst>
                               <p:par>
-                                <p:cTn id="5" presetID="1" presetClass="entr" presetSubtype="0" fill="hold" nodeType="afterEffect">
+                                <p:cTn id="5" presetID="1" presetClass="entr" presetSubtype="0" fill="hold" nodeType="clickEffect">
                                   <p:stCondLst>
                                     <p:cond delay="0"/>
                                   </p:stCondLst>
@@ -6099,56 +6600,11 @@
                                       <p:cBhvr>
                                         <p:cTn id="6" dur="1" fill="hold">
                                           <p:stCondLst>
-                                            <p:cond delay="9"/>
-                                          </p:stCondLst>
-                                        </p:cTn>
-                                        <p:tgtEl>
-                                          <p:spTgt spid="25"/>
-                                        </p:tgtEl>
-                                        <p:attrNameLst>
-                                          <p:attrName>style.visibility</p:attrName>
-                                        </p:attrNameLst>
-                                      </p:cBhvr>
-                                      <p:to>
-                                        <p:strVal val="visible"/>
-                                      </p:to>
-                                    </p:set>
-                                  </p:childTnLst>
-                                </p:cTn>
-                              </p:par>
-                            </p:childTnLst>
-                          </p:cTn>
-                        </p:par>
-                      </p:childTnLst>
-                    </p:cTn>
-                  </p:par>
-                  <p:par>
-                    <p:cTn id="7" fill="hold">
-                      <p:stCondLst>
-                        <p:cond delay="indefinite"/>
-                      </p:stCondLst>
-                      <p:childTnLst>
-                        <p:par>
-                          <p:cTn id="8" fill="hold">
-                            <p:stCondLst>
-                              <p:cond delay="0"/>
-                            </p:stCondLst>
-                            <p:childTnLst>
-                              <p:par>
-                                <p:cTn id="9" presetID="1" presetClass="entr" presetSubtype="0" fill="hold" nodeType="clickEffect">
-                                  <p:stCondLst>
-                                    <p:cond delay="0"/>
-                                  </p:stCondLst>
-                                  <p:childTnLst>
-                                    <p:set>
-                                      <p:cBhvr>
-                                        <p:cTn id="10" dur="1" fill="hold">
-                                          <p:stCondLst>
                                             <p:cond delay="0"/>
                                           </p:stCondLst>
                                         </p:cTn>
                                         <p:tgtEl>
-                                          <p:spTgt spid="6"/>
+                                          <p:spTgt spid="9"/>
                                         </p:tgtEl>
                                         <p:attrNameLst>
                                           <p:attrName>style.visibility</p:attrName>
@@ -6162,14 +6618,14 @@
                                 </p:cTn>
                               </p:par>
                               <p:par>
-                                <p:cTn id="11" presetID="1" presetClass="entr" presetSubtype="0" fill="hold" grpId="0" nodeType="withEffect">
+                                <p:cTn id="7" presetID="1" presetClass="entr" presetSubtype="0" fill="hold" grpId="0" nodeType="withEffect">
                                   <p:stCondLst>
                                     <p:cond delay="0"/>
                                   </p:stCondLst>
                                   <p:childTnLst>
                                     <p:set>
                                       <p:cBhvr>
-                                        <p:cTn id="12" dur="1" fill="hold">
+                                        <p:cTn id="8" dur="1" fill="hold">
                                           <p:stCondLst>
                                             <p:cond delay="0"/>
                                           </p:stCondLst>
@@ -6195,32 +6651,32 @@
                     </p:cTn>
                   </p:par>
                   <p:par>
-                    <p:cTn id="13" fill="hold">
+                    <p:cTn id="9" fill="hold">
                       <p:stCondLst>
                         <p:cond delay="indefinite"/>
                       </p:stCondLst>
                       <p:childTnLst>
                         <p:par>
-                          <p:cTn id="14" fill="hold">
+                          <p:cTn id="10" fill="hold">
                             <p:stCondLst>
                               <p:cond delay="0"/>
                             </p:stCondLst>
                             <p:childTnLst>
                               <p:par>
-                                <p:cTn id="15" presetID="1" presetClass="entr" presetSubtype="0" fill="hold" nodeType="clickEffect">
+                                <p:cTn id="11" presetID="1" presetClass="entr" presetSubtype="0" fill="hold" nodeType="clickEffect">
                                   <p:stCondLst>
                                     <p:cond delay="0"/>
                                   </p:stCondLst>
                                   <p:childTnLst>
                                     <p:set>
                                       <p:cBhvr>
-                                        <p:cTn id="16" dur="1" fill="hold">
+                                        <p:cTn id="12" dur="1" fill="hold">
                                           <p:stCondLst>
                                             <p:cond delay="0"/>
                                           </p:stCondLst>
                                         </p:cTn>
                                         <p:tgtEl>
-                                          <p:spTgt spid="27"/>
+                                          <p:spTgt spid="30"/>
                                         </p:tgtEl>
                                         <p:attrNameLst>
                                           <p:attrName>style.visibility</p:attrName>
@@ -6234,7 +6690,52 @@
                                 </p:cTn>
                               </p:par>
                               <p:par>
-                                <p:cTn id="17" presetID="1" presetClass="entr" presetSubtype="0" fill="hold" grpId="0" nodeType="withEffect">
+                                <p:cTn id="13" presetID="1" presetClass="entr" presetSubtype="0" fill="hold" grpId="0" nodeType="withEffect">
+                                  <p:stCondLst>
+                                    <p:cond delay="0"/>
+                                  </p:stCondLst>
+                                  <p:childTnLst>
+                                    <p:set>
+                                      <p:cBhvr>
+                                        <p:cTn id="14" dur="1" fill="hold">
+                                          <p:stCondLst>
+                                            <p:cond delay="0"/>
+                                          </p:stCondLst>
+                                        </p:cTn>
+                                        <p:tgtEl>
+                                          <p:spTgt spid="36"/>
+                                        </p:tgtEl>
+                                        <p:attrNameLst>
+                                          <p:attrName>style.visibility</p:attrName>
+                                        </p:attrNameLst>
+                                      </p:cBhvr>
+                                      <p:to>
+                                        <p:strVal val="visible"/>
+                                      </p:to>
+                                    </p:set>
+                                  </p:childTnLst>
+                                </p:cTn>
+                              </p:par>
+                            </p:childTnLst>
+                          </p:cTn>
+                        </p:par>
+                      </p:childTnLst>
+                    </p:cTn>
+                  </p:par>
+                  <p:par>
+                    <p:cTn id="15" fill="hold">
+                      <p:stCondLst>
+                        <p:cond delay="indefinite"/>
+                      </p:stCondLst>
+                      <p:childTnLst>
+                        <p:par>
+                          <p:cTn id="16" fill="hold">
+                            <p:stCondLst>
+                              <p:cond delay="0"/>
+                            </p:stCondLst>
+                            <p:childTnLst>
+                              <p:par>
+                                <p:cTn id="17" presetID="1" presetClass="entr" presetSubtype="0" fill="hold" nodeType="clickEffect">
                                   <p:stCondLst>
                                     <p:cond delay="0"/>
                                   </p:stCondLst>
@@ -6247,7 +6748,7 @@
                                           </p:stCondLst>
                                         </p:cTn>
                                         <p:tgtEl>
-                                          <p:spTgt spid="36"/>
+                                          <p:spTgt spid="32"/>
                                         </p:tgtEl>
                                         <p:attrNameLst>
                                           <p:attrName>style.visibility</p:attrName>
@@ -6292,7 +6793,7 @@
                                           </p:stCondLst>
                                         </p:cTn>
                                         <p:tgtEl>
-                                          <p:spTgt spid="31"/>
+                                          <p:spTgt spid="33"/>
                                         </p:tgtEl>
                                         <p:attrNameLst>
                                           <p:attrName>style.visibility</p:attrName>
@@ -6337,7 +6838,7 @@
                                           </p:stCondLst>
                                         </p:cTn>
                                         <p:tgtEl>
-                                          <p:spTgt spid="23"/>
+                                          <p:spTgt spid="51"/>
                                         </p:tgtEl>
                                         <p:attrNameLst>
                                           <p:attrName>style.visibility</p:attrName>
@@ -6382,7 +6883,34 @@
                                           </p:stCondLst>
                                         </p:cTn>
                                         <p:tgtEl>
-                                          <p:spTgt spid="22"/>
+                                          <p:spTgt spid="38"/>
+                                        </p:tgtEl>
+                                        <p:attrNameLst>
+                                          <p:attrName>style.visibility</p:attrName>
+                                        </p:attrNameLst>
+                                      </p:cBhvr>
+                                      <p:to>
+                                        <p:strVal val="visible"/>
+                                      </p:to>
+                                    </p:set>
+                                  </p:childTnLst>
+                                </p:cTn>
+                              </p:par>
+                              <p:par>
+                                <p:cTn id="31" presetID="1" presetClass="entr" presetSubtype="0" fill="hold" grpId="0" nodeType="withEffect">
+                                  <p:stCondLst>
+                                    <p:cond delay="0"/>
+                                  </p:stCondLst>
+                                  <p:childTnLst>
+                                    <p:set>
+                                      <p:cBhvr>
+                                        <p:cTn id="32" dur="1" fill="hold">
+                                          <p:stCondLst>
+                                            <p:cond delay="0"/>
+                                          </p:stCondLst>
+                                        </p:cTn>
+                                        <p:tgtEl>
+                                          <p:spTgt spid="26"/>
                                         </p:tgtEl>
                                         <p:attrNameLst>
                                           <p:attrName>style.visibility</p:attrName>
@@ -6402,46 +6930,19 @@
                     </p:cTn>
                   </p:par>
                   <p:par>
-                    <p:cTn id="31" fill="hold">
+                    <p:cTn id="33" fill="hold">
                       <p:stCondLst>
                         <p:cond delay="indefinite"/>
                       </p:stCondLst>
                       <p:childTnLst>
                         <p:par>
-                          <p:cTn id="32" fill="hold">
+                          <p:cTn id="34" fill="hold">
                             <p:stCondLst>
                               <p:cond delay="0"/>
                             </p:stCondLst>
                             <p:childTnLst>
                               <p:par>
-                                <p:cTn id="33" presetID="1" presetClass="entr" presetSubtype="0" fill="hold" nodeType="clickEffect">
-                                  <p:stCondLst>
-                                    <p:cond delay="0"/>
-                                  </p:stCondLst>
-                                  <p:childTnLst>
-                                    <p:set>
-                                      <p:cBhvr>
-                                        <p:cTn id="34" dur="1" fill="hold">
-                                          <p:stCondLst>
-                                            <p:cond delay="0"/>
-                                          </p:stCondLst>
-                                        </p:cTn>
-                                        <p:tgtEl>
-                                          <p:spTgt spid="39"/>
-                                        </p:tgtEl>
-                                        <p:attrNameLst>
-                                          <p:attrName>style.visibility</p:attrName>
-                                        </p:attrNameLst>
-                                      </p:cBhvr>
-                                      <p:to>
-                                        <p:strVal val="visible"/>
-                                      </p:to>
-                                    </p:set>
-                                  </p:childTnLst>
-                                </p:cTn>
-                              </p:par>
-                              <p:par>
-                                <p:cTn id="35" presetID="1" presetClass="entr" presetSubtype="0" fill="hold" grpId="0" nodeType="withEffect">
+                                <p:cTn id="35" presetID="1" presetClass="entr" presetSubtype="0" fill="hold" nodeType="clickEffect">
                                   <p:stCondLst>
                                     <p:cond delay="0"/>
                                   </p:stCondLst>
@@ -6454,7 +6955,7 @@
                                           </p:stCondLst>
                                         </p:cTn>
                                         <p:tgtEl>
-                                          <p:spTgt spid="26"/>
+                                          <p:spTgt spid="48"/>
                                         </p:tgtEl>
                                         <p:attrNameLst>
                                           <p:attrName>style.visibility</p:attrName>
@@ -6499,7 +7000,7 @@
                                           </p:stCondLst>
                                         </p:cTn>
                                         <p:tgtEl>
-                                          <p:spTgt spid="40"/>
+                                          <p:spTgt spid="50"/>
                                         </p:tgtEl>
                                         <p:attrNameLst>
                                           <p:attrName>style.visibility</p:attrName>
@@ -6531,7 +7032,7 @@
                             </p:stCondLst>
                             <p:childTnLst>
                               <p:par>
-                                <p:cTn id="43" presetID="1" presetClass="entr" presetSubtype="0" fill="hold" nodeType="clickEffect">
+                                <p:cTn id="43" presetID="1" presetClass="entr" presetSubtype="0" fill="hold" grpId="0" nodeType="clickEffect">
                                   <p:stCondLst>
                                     <p:cond delay="0"/>
                                   </p:stCondLst>
@@ -6544,7 +7045,7 @@
                                           </p:stCondLst>
                                         </p:cTn>
                                         <p:tgtEl>
-                                          <p:spTgt spid="24"/>
+                                          <p:spTgt spid="52"/>
                                         </p:tgtEl>
                                         <p:attrNameLst>
                                           <p:attrName>style.visibility</p:attrName>
@@ -6588,6 +7089,7 @@
       <p:bldP spid="19" grpId="0" animBg="1"/>
       <p:bldP spid="26" grpId="0" animBg="1"/>
       <p:bldP spid="36" grpId="0" animBg="1"/>
+      <p:bldP spid="52" grpId="0"/>
     </p:bldLst>
   </p:timing>
 </p:sld>

--- a/doc/MidTerm/MidTerm.pptx
+++ b/doc/MidTerm/MidTerm.pptx
@@ -5,7 +5,7 @@
     <p:sldMasterId id="2147483673" r:id="rId1"/>
   </p:sldMasterIdLst>
   <p:notesMasterIdLst>
-    <p:notesMasterId r:id="rId10"/>
+    <p:notesMasterId r:id="rId11"/>
   </p:notesMasterIdLst>
   <p:sldIdLst>
     <p:sldId id="256" r:id="rId2"/>
@@ -16,6 +16,7 @@
     <p:sldId id="263" r:id="rId7"/>
     <p:sldId id="264" r:id="rId8"/>
     <p:sldId id="265" r:id="rId9"/>
+    <p:sldId id="266" r:id="rId10"/>
   </p:sldIdLst>
   <p:sldSz cx="9144000" cy="6858000" type="screen4x3"/>
   <p:notesSz cx="6858000" cy="9144000"/>
@@ -1102,17 +1103,15 @@
           <a:lstStyle/>
           <a:p>
             <a:r>
-              <a:rPr lang="en-US" sz="1200" kern="1200" dirty="0" smtClean="0">
-                <a:solidFill>
-                  <a:schemeClr val="tx1"/>
-                </a:solidFill>
-                <a:latin typeface="+mn-lt"/>
-                <a:ea typeface="+mn-ea"/>
-                <a:cs typeface="+mn-cs"/>
-              </a:rPr>
-              <a:t>Slide #2: Motivate your project by describing why its solution is important. Who would care if you are successful and why?</a:t>
-            </a:r>
-            <a:endParaRPr lang="en-US" dirty="0"/>
+              <a:rPr lang="en-US" dirty="0" smtClean="0"/>
+              <a:t>RFC 1918</a:t>
+            </a:r>
+          </a:p>
+          <a:p>
+            <a:r>
+              <a:rPr lang="en-US" smtClean="0"/>
+              <a:t>172.16.0.0 - 172.31.255.255 (172.16/12 prefix)</a:t>
+            </a:r>
           </a:p>
         </p:txBody>
       </p:sp>
@@ -1134,6 +1133,90 @@
             <a:fld id="{437C7616-B134-0047-ABFF-A95E6FAEFE2A}" type="slidenum">
               <a:rPr lang="en-US" smtClean="0"/>
               <a:t>8</a:t>
+            </a:fld>
+            <a:endParaRPr lang="en-US"/>
+          </a:p>
+        </p:txBody>
+      </p:sp>
+    </p:spTree>
+    <p:extLst>
+      <p:ext uri="{BB962C8B-B14F-4D97-AF65-F5344CB8AC3E}">
+        <p14:creationId xmlns:p14="http://schemas.microsoft.com/office/powerpoint/2010/main" val="274700957"/>
+      </p:ext>
+    </p:extLst>
+  </p:cSld>
+  <p:clrMapOvr>
+    <a:masterClrMapping/>
+  </p:clrMapOvr>
+</p:notes>
+</file>
+
+<file path=ppt/notesSlides/notesSlide8.xml><?xml version="1.0" encoding="utf-8"?>
+<p:notes xmlns:a="http://schemas.openxmlformats.org/drawingml/2006/main" xmlns:r="http://schemas.openxmlformats.org/officeDocument/2006/relationships" xmlns:p="http://schemas.openxmlformats.org/presentationml/2006/main">
+  <p:cSld>
+    <p:spTree>
+      <p:nvGrpSpPr>
+        <p:cNvPr id="1" name=""/>
+        <p:cNvGrpSpPr/>
+        <p:nvPr/>
+      </p:nvGrpSpPr>
+      <p:grpSpPr>
+        <a:xfrm>
+          <a:off x="0" y="0"/>
+          <a:ext cx="0" cy="0"/>
+          <a:chOff x="0" y="0"/>
+          <a:chExt cx="0" cy="0"/>
+        </a:xfrm>
+      </p:grpSpPr>
+      <p:sp>
+        <p:nvSpPr>
+          <p:cNvPr id="2" name="Slide Image Placeholder 1"/>
+          <p:cNvSpPr>
+            <a:spLocks noGrp="1" noRot="1" noChangeAspect="1"/>
+          </p:cNvSpPr>
+          <p:nvPr>
+            <p:ph type="sldImg"/>
+          </p:nvPr>
+        </p:nvSpPr>
+        <p:spPr/>
+      </p:sp>
+      <p:sp>
+        <p:nvSpPr>
+          <p:cNvPr id="3" name="Notes Placeholder 2"/>
+          <p:cNvSpPr>
+            <a:spLocks noGrp="1"/>
+          </p:cNvSpPr>
+          <p:nvPr>
+            <p:ph type="body" idx="1"/>
+          </p:nvPr>
+        </p:nvSpPr>
+        <p:spPr/>
+        <p:txBody>
+          <a:bodyPr/>
+          <a:lstStyle/>
+          <a:p>
+            <a:endParaRPr lang="en-US" dirty="0" smtClean="0"/>
+          </a:p>
+        </p:txBody>
+      </p:sp>
+      <p:sp>
+        <p:nvSpPr>
+          <p:cNvPr id="4" name="Slide Number Placeholder 3"/>
+          <p:cNvSpPr>
+            <a:spLocks noGrp="1"/>
+          </p:cNvSpPr>
+          <p:nvPr>
+            <p:ph type="sldNum" sz="quarter" idx="10"/>
+          </p:nvPr>
+        </p:nvSpPr>
+        <p:spPr/>
+        <p:txBody>
+          <a:bodyPr/>
+          <a:lstStyle/>
+          <a:p>
+            <a:fld id="{437C7616-B134-0047-ABFF-A95E6FAEFE2A}" type="slidenum">
+              <a:rPr lang="en-US" smtClean="0"/>
+              <a:t>9</a:t>
             </a:fld>
             <a:endParaRPr lang="en-US"/>
           </a:p>
@@ -4273,8 +4356,8 @@
         </p:nvSpPr>
         <p:spPr>
           <a:xfrm>
-            <a:off x="0" y="274638"/>
-            <a:ext cx="2749131" cy="744205"/>
+            <a:off x="1" y="274638"/>
+            <a:ext cx="2513164" cy="744205"/>
           </a:xfrm>
         </p:spPr>
         <p:txBody>
@@ -5440,8 +5523,8 @@
         </p:nvSpPr>
         <p:spPr>
           <a:xfrm>
-            <a:off x="23740" y="274638"/>
-            <a:ext cx="5056426" cy="744205"/>
+            <a:off x="23739" y="274638"/>
+            <a:ext cx="5218775" cy="744205"/>
           </a:xfrm>
         </p:spPr>
         <p:txBody>
@@ -7125,7 +7208,7 @@
         <p:spPr>
           <a:xfrm>
             <a:off x="0" y="274638"/>
-            <a:ext cx="5673642" cy="744205"/>
+            <a:ext cx="5256027" cy="744205"/>
           </a:xfrm>
         </p:spPr>
         <p:txBody>
@@ -7328,8 +7411,8 @@
         </p:nvSpPr>
         <p:spPr>
           <a:xfrm>
-            <a:off x="0" y="274638"/>
-            <a:ext cx="5673642" cy="744205"/>
+            <a:off x="-1" y="274638"/>
+            <a:ext cx="4296701" cy="744205"/>
           </a:xfrm>
         </p:spPr>
         <p:txBody>
@@ -7364,8 +7447,8 @@
         </p:nvSpPr>
         <p:spPr>
           <a:xfrm>
-            <a:off x="457200" y="1228193"/>
-            <a:ext cx="8229600" cy="5122129"/>
+            <a:off x="457200" y="1228192"/>
+            <a:ext cx="4508075" cy="5274529"/>
           </a:xfrm>
         </p:spPr>
         <p:txBody>
@@ -7380,8 +7463,1756 @@
             </a:endParaRPr>
           </a:p>
           <a:p>
-            <a:pPr lvl="2"/>
-            <a:endParaRPr lang="en-US" sz="1600" dirty="0" smtClean="0">
+            <a:r>
+              <a:rPr lang="en-US" sz="2400" dirty="0" err="1" smtClean="0">
+                <a:latin typeface="Segoe Light"/>
+                <a:cs typeface="Segoe Light"/>
+              </a:rPr>
+              <a:t>Traceroute</a:t>
+            </a:r>
+            <a:r>
+              <a:rPr lang="en-US" sz="2400" dirty="0" smtClean="0">
+                <a:latin typeface="Segoe Light"/>
+                <a:cs typeface="Segoe Light"/>
+              </a:rPr>
+              <a:t> </a:t>
+            </a:r>
+          </a:p>
+          <a:p>
+            <a:pPr lvl="1"/>
+            <a:r>
+              <a:rPr lang="en-US" sz="2000" dirty="0" smtClean="0">
+                <a:latin typeface="Segoe Light"/>
+                <a:cs typeface="Segoe Light"/>
+              </a:rPr>
+              <a:t>From </a:t>
+            </a:r>
+            <a:r>
+              <a:rPr lang="en-US" sz="2000" dirty="0" err="1" smtClean="0">
+                <a:latin typeface="Segoe Light"/>
+                <a:cs typeface="Segoe Light"/>
+              </a:rPr>
+              <a:t>iphone</a:t>
+            </a:r>
+            <a:r>
+              <a:rPr lang="en-US" sz="2000" dirty="0" smtClean="0">
+                <a:latin typeface="Segoe Light"/>
+                <a:cs typeface="Segoe Light"/>
+              </a:rPr>
+              <a:t> (ATT LTE)</a:t>
+            </a:r>
+          </a:p>
+          <a:p>
+            <a:pPr lvl="1"/>
+            <a:r>
+              <a:rPr lang="en-US" sz="2000" dirty="0" smtClean="0">
+                <a:latin typeface="Segoe Light"/>
+                <a:cs typeface="Segoe Light"/>
+              </a:rPr>
+              <a:t>to top 943 websites</a:t>
+            </a:r>
+          </a:p>
+          <a:p>
+            <a:pPr lvl="1"/>
+            <a:r>
+              <a:rPr lang="en-US" sz="2000" dirty="0" smtClean="0">
+                <a:latin typeface="Segoe Light"/>
+                <a:cs typeface="Segoe Light"/>
+              </a:rPr>
+              <a:t>Raw logs/</a:t>
+            </a:r>
+            <a:r>
+              <a:rPr lang="en-US" sz="2000" dirty="0" err="1" smtClean="0">
+                <a:latin typeface="Segoe Light"/>
+                <a:cs typeface="Segoe Light"/>
+              </a:rPr>
+              <a:t>NoSQL</a:t>
+            </a:r>
+            <a:r>
+              <a:rPr lang="en-US" sz="2000" dirty="0" smtClean="0">
+                <a:latin typeface="Segoe Light"/>
+                <a:cs typeface="Segoe Light"/>
+              </a:rPr>
+              <a:t> </a:t>
+            </a:r>
+            <a:r>
+              <a:rPr lang="en-US" sz="2000" dirty="0" err="1" smtClean="0">
+                <a:latin typeface="Segoe Light"/>
+                <a:cs typeface="Segoe Light"/>
+              </a:rPr>
+              <a:t>db</a:t>
+            </a:r>
+            <a:endParaRPr lang="en-US" sz="2400" dirty="0" smtClean="0">
+              <a:latin typeface="Segoe Light"/>
+              <a:cs typeface="Segoe Light"/>
+            </a:endParaRPr>
+          </a:p>
+          <a:p>
+            <a:endParaRPr lang="en-US" sz="2400" dirty="0" smtClean="0">
+              <a:latin typeface="Segoe Light"/>
+              <a:cs typeface="Segoe Light"/>
+            </a:endParaRPr>
+          </a:p>
+        </p:txBody>
+      </p:sp>
+      <p:sp>
+        <p:nvSpPr>
+          <p:cNvPr id="4" name="Content Placeholder 2"/>
+          <p:cNvSpPr txBox="1">
+            <a:spLocks/>
+          </p:cNvSpPr>
+          <p:nvPr/>
+        </p:nvSpPr>
+        <p:spPr>
+          <a:xfrm>
+            <a:off x="609600" y="1380593"/>
+            <a:ext cx="8229600" cy="5122129"/>
+          </a:xfrm>
+          <a:prstGeom prst="rect">
+            <a:avLst/>
+          </a:prstGeom>
+        </p:spPr>
+        <p:txBody>
+          <a:bodyPr vert="horz" lIns="91440" tIns="45720" rIns="91440" bIns="45720" rtlCol="0">
+            <a:normAutofit/>
+          </a:bodyPr>
+          <a:lstStyle>
+            <a:lvl1pPr marL="342900" indent="-342900" algn="l" defTabSz="914400" rtl="0" eaLnBrk="1" latinLnBrk="0" hangingPunct="1">
+              <a:spcBef>
+                <a:spcPct val="20000"/>
+              </a:spcBef>
+              <a:buFont typeface="Arial" pitchFamily="34" charset="0"/>
+              <a:buChar char="•"/>
+              <a:defRPr sz="3200" kern="1200">
+                <a:solidFill>
+                  <a:schemeClr val="tx1"/>
+                </a:solidFill>
+                <a:latin typeface="+mn-lt"/>
+                <a:ea typeface="+mn-ea"/>
+                <a:cs typeface="+mn-cs"/>
+              </a:defRPr>
+            </a:lvl1pPr>
+            <a:lvl2pPr marL="742950" indent="-285750" algn="l" defTabSz="914400" rtl="0" eaLnBrk="1" latinLnBrk="0" hangingPunct="1">
+              <a:spcBef>
+                <a:spcPct val="20000"/>
+              </a:spcBef>
+              <a:buFont typeface="Arial" pitchFamily="34" charset="0"/>
+              <a:buChar char="–"/>
+              <a:defRPr sz="2800" kern="1200">
+                <a:solidFill>
+                  <a:schemeClr val="tx1"/>
+                </a:solidFill>
+                <a:latin typeface="+mn-lt"/>
+                <a:ea typeface="+mn-ea"/>
+                <a:cs typeface="+mn-cs"/>
+              </a:defRPr>
+            </a:lvl2pPr>
+            <a:lvl3pPr marL="1143000" indent="-228600" algn="l" defTabSz="914400" rtl="0" eaLnBrk="1" latinLnBrk="0" hangingPunct="1">
+              <a:spcBef>
+                <a:spcPct val="20000"/>
+              </a:spcBef>
+              <a:buFont typeface="Arial" pitchFamily="34" charset="0"/>
+              <a:buChar char="•"/>
+              <a:defRPr sz="2400" kern="1200">
+                <a:solidFill>
+                  <a:schemeClr val="tx1"/>
+                </a:solidFill>
+                <a:latin typeface="+mn-lt"/>
+                <a:ea typeface="+mn-ea"/>
+                <a:cs typeface="+mn-cs"/>
+              </a:defRPr>
+            </a:lvl3pPr>
+            <a:lvl4pPr marL="1600200" indent="-228600" algn="l" defTabSz="914400" rtl="0" eaLnBrk="1" latinLnBrk="0" hangingPunct="1">
+              <a:spcBef>
+                <a:spcPct val="20000"/>
+              </a:spcBef>
+              <a:buFont typeface="Arial" pitchFamily="34" charset="0"/>
+              <a:buChar char="–"/>
+              <a:defRPr sz="2000" kern="1200">
+                <a:solidFill>
+                  <a:schemeClr val="tx1"/>
+                </a:solidFill>
+                <a:latin typeface="+mn-lt"/>
+                <a:ea typeface="+mn-ea"/>
+                <a:cs typeface="+mn-cs"/>
+              </a:defRPr>
+            </a:lvl4pPr>
+            <a:lvl5pPr marL="2057400" indent="-228600" algn="l" defTabSz="914400" rtl="0" eaLnBrk="1" latinLnBrk="0" hangingPunct="1">
+              <a:spcBef>
+                <a:spcPct val="20000"/>
+              </a:spcBef>
+              <a:buFont typeface="Arial" pitchFamily="34" charset="0"/>
+              <a:buChar char="»"/>
+              <a:defRPr sz="2000" kern="1200">
+                <a:solidFill>
+                  <a:schemeClr val="tx1"/>
+                </a:solidFill>
+                <a:latin typeface="+mn-lt"/>
+                <a:ea typeface="+mn-ea"/>
+                <a:cs typeface="+mn-cs"/>
+              </a:defRPr>
+            </a:lvl5pPr>
+            <a:lvl6pPr marL="2514600" indent="-228600" algn="l" defTabSz="914400" rtl="0" eaLnBrk="1" latinLnBrk="0" hangingPunct="1">
+              <a:spcBef>
+                <a:spcPct val="20000"/>
+              </a:spcBef>
+              <a:buFont typeface="Arial" pitchFamily="34" charset="0"/>
+              <a:buChar char="•"/>
+              <a:defRPr sz="2000" kern="1200">
+                <a:solidFill>
+                  <a:schemeClr val="tx1"/>
+                </a:solidFill>
+                <a:latin typeface="+mn-lt"/>
+                <a:ea typeface="+mn-ea"/>
+                <a:cs typeface="+mn-cs"/>
+              </a:defRPr>
+            </a:lvl6pPr>
+            <a:lvl7pPr marL="2971800" indent="-228600" algn="l" defTabSz="914400" rtl="0" eaLnBrk="1" latinLnBrk="0" hangingPunct="1">
+              <a:spcBef>
+                <a:spcPct val="20000"/>
+              </a:spcBef>
+              <a:buFont typeface="Arial" pitchFamily="34" charset="0"/>
+              <a:buChar char="•"/>
+              <a:defRPr sz="2000" kern="1200">
+                <a:solidFill>
+                  <a:schemeClr val="tx1"/>
+                </a:solidFill>
+                <a:latin typeface="+mn-lt"/>
+                <a:ea typeface="+mn-ea"/>
+                <a:cs typeface="+mn-cs"/>
+              </a:defRPr>
+            </a:lvl7pPr>
+            <a:lvl8pPr marL="3429000" indent="-228600" algn="l" defTabSz="914400" rtl="0" eaLnBrk="1" latinLnBrk="0" hangingPunct="1">
+              <a:spcBef>
+                <a:spcPct val="20000"/>
+              </a:spcBef>
+              <a:buFont typeface="Arial" pitchFamily="34" charset="0"/>
+              <a:buChar char="•"/>
+              <a:defRPr sz="2000" kern="1200">
+                <a:solidFill>
+                  <a:schemeClr val="tx1"/>
+                </a:solidFill>
+                <a:latin typeface="+mn-lt"/>
+                <a:ea typeface="+mn-ea"/>
+                <a:cs typeface="+mn-cs"/>
+              </a:defRPr>
+            </a:lvl8pPr>
+            <a:lvl9pPr marL="3886200" indent="-228600" algn="l" defTabSz="914400" rtl="0" eaLnBrk="1" latinLnBrk="0" hangingPunct="1">
+              <a:spcBef>
+                <a:spcPct val="20000"/>
+              </a:spcBef>
+              <a:buFont typeface="Arial" pitchFamily="34" charset="0"/>
+              <a:buChar char="•"/>
+              <a:defRPr sz="2000" kern="1200">
+                <a:solidFill>
+                  <a:schemeClr val="tx1"/>
+                </a:solidFill>
+                <a:latin typeface="+mn-lt"/>
+                <a:ea typeface="+mn-ea"/>
+                <a:cs typeface="+mn-cs"/>
+              </a:defRPr>
+            </a:lvl9pPr>
+          </a:lstStyle>
+          <a:p>
+            <a:endParaRPr lang="en-US" sz="2400" dirty="0" smtClean="0">
+              <a:latin typeface="Segoe Light"/>
+              <a:cs typeface="Segoe Light"/>
+            </a:endParaRPr>
+          </a:p>
+        </p:txBody>
+      </p:sp>
+      <p:sp>
+        <p:nvSpPr>
+          <p:cNvPr id="5" name="TextBox 4"/>
+          <p:cNvSpPr txBox="1"/>
+          <p:nvPr/>
+        </p:nvSpPr>
+        <p:spPr>
+          <a:xfrm>
+            <a:off x="6422789" y="618676"/>
+            <a:ext cx="184666" cy="369332"/>
+          </a:xfrm>
+          <a:prstGeom prst="rect">
+            <a:avLst/>
+          </a:prstGeom>
+          <a:noFill/>
+        </p:spPr>
+        <p:txBody>
+          <a:bodyPr wrap="none" rtlCol="0">
+            <a:spAutoFit/>
+          </a:bodyPr>
+          <a:lstStyle/>
+          <a:p>
+            <a:endParaRPr lang="en-US" dirty="0"/>
+          </a:p>
+        </p:txBody>
+      </p:sp>
+      <p:sp>
+        <p:nvSpPr>
+          <p:cNvPr id="6" name="Rectangle 5"/>
+          <p:cNvSpPr/>
+          <p:nvPr/>
+        </p:nvSpPr>
+        <p:spPr>
+          <a:xfrm>
+            <a:off x="5069430" y="152083"/>
+            <a:ext cx="2827922" cy="384246"/>
+          </a:xfrm>
+          <a:prstGeom prst="rect">
+            <a:avLst/>
+          </a:prstGeom>
+          <a:solidFill>
+            <a:schemeClr val="bg1">
+              <a:lumMod val="65000"/>
+              <a:lumOff val="35000"/>
+            </a:schemeClr>
+          </a:solidFill>
+          <a:ln>
+            <a:noFill/>
+          </a:ln>
+        </p:spPr>
+        <p:style>
+          <a:lnRef idx="1">
+            <a:schemeClr val="accent1"/>
+          </a:lnRef>
+          <a:fillRef idx="3">
+            <a:schemeClr val="accent1"/>
+          </a:fillRef>
+          <a:effectRef idx="2">
+            <a:schemeClr val="accent1"/>
+          </a:effectRef>
+          <a:fontRef idx="minor">
+            <a:schemeClr val="lt1"/>
+          </a:fontRef>
+        </p:style>
+        <p:txBody>
+          <a:bodyPr rtlCol="0" anchor="ctr"/>
+          <a:lstStyle/>
+          <a:p>
+            <a:pPr algn="ctr"/>
+            <a:r>
+              <a:rPr lang="en-US" dirty="0">
+                <a:latin typeface="Segoe Light"/>
+                <a:cs typeface="Segoe Light"/>
+              </a:rPr>
+              <a:t>[AS0] </a:t>
+            </a:r>
+            <a:r>
+              <a:rPr lang="en-US" dirty="0" smtClean="0">
+                <a:latin typeface="Segoe Light"/>
+                <a:cs typeface="Segoe Light"/>
+              </a:rPr>
+              <a:t>172.20.10.1</a:t>
+            </a:r>
+            <a:endParaRPr lang="en-US" dirty="0">
+              <a:latin typeface="Segoe Light"/>
+              <a:cs typeface="Segoe Light"/>
+            </a:endParaRPr>
+          </a:p>
+        </p:txBody>
+      </p:sp>
+      <p:sp>
+        <p:nvSpPr>
+          <p:cNvPr id="28" name="Rectangle 27"/>
+          <p:cNvSpPr/>
+          <p:nvPr/>
+        </p:nvSpPr>
+        <p:spPr>
+          <a:xfrm>
+            <a:off x="5069429" y="1024641"/>
+            <a:ext cx="2827923" cy="384246"/>
+          </a:xfrm>
+          <a:prstGeom prst="rect">
+            <a:avLst/>
+          </a:prstGeom>
+          <a:solidFill>
+            <a:schemeClr val="bg1">
+              <a:lumMod val="65000"/>
+              <a:lumOff val="35000"/>
+            </a:schemeClr>
+          </a:solidFill>
+          <a:ln>
+            <a:noFill/>
+          </a:ln>
+        </p:spPr>
+        <p:style>
+          <a:lnRef idx="1">
+            <a:schemeClr val="accent1"/>
+          </a:lnRef>
+          <a:fillRef idx="3">
+            <a:schemeClr val="accent1"/>
+          </a:fillRef>
+          <a:effectRef idx="2">
+            <a:schemeClr val="accent1"/>
+          </a:effectRef>
+          <a:fontRef idx="minor">
+            <a:schemeClr val="lt1"/>
+          </a:fontRef>
+        </p:style>
+        <p:txBody>
+          <a:bodyPr rtlCol="0" anchor="ctr"/>
+          <a:lstStyle/>
+          <a:p>
+            <a:pPr algn="ctr"/>
+            <a:r>
+              <a:rPr lang="en-US" dirty="0" smtClean="0">
+                <a:latin typeface="Segoe Light"/>
+                <a:cs typeface="Segoe Light"/>
+              </a:rPr>
+              <a:t>[AS16509] 172.26.241.133</a:t>
+            </a:r>
+            <a:endParaRPr lang="en-US" dirty="0">
+              <a:latin typeface="Segoe Light"/>
+              <a:cs typeface="Segoe Light"/>
+            </a:endParaRPr>
+          </a:p>
+        </p:txBody>
+      </p:sp>
+      <p:sp>
+        <p:nvSpPr>
+          <p:cNvPr id="29" name="Rectangle 28"/>
+          <p:cNvSpPr/>
+          <p:nvPr/>
+        </p:nvSpPr>
+        <p:spPr>
+          <a:xfrm>
+            <a:off x="5069430" y="584944"/>
+            <a:ext cx="2827922" cy="384246"/>
+          </a:xfrm>
+          <a:prstGeom prst="rect">
+            <a:avLst/>
+          </a:prstGeom>
+          <a:solidFill>
+            <a:schemeClr val="bg1">
+              <a:lumMod val="65000"/>
+              <a:lumOff val="35000"/>
+            </a:schemeClr>
+          </a:solidFill>
+          <a:ln>
+            <a:noFill/>
+          </a:ln>
+        </p:spPr>
+        <p:style>
+          <a:lnRef idx="1">
+            <a:schemeClr val="accent1"/>
+          </a:lnRef>
+          <a:fillRef idx="3">
+            <a:schemeClr val="accent1"/>
+          </a:fillRef>
+          <a:effectRef idx="2">
+            <a:schemeClr val="accent1"/>
+          </a:effectRef>
+          <a:fontRef idx="minor">
+            <a:schemeClr val="lt1"/>
+          </a:fontRef>
+        </p:style>
+        <p:txBody>
+          <a:bodyPr rtlCol="0" anchor="ctr"/>
+          <a:lstStyle/>
+          <a:p>
+            <a:pPr algn="ctr"/>
+            <a:r>
+              <a:rPr lang="en-US" dirty="0" smtClean="0">
+                <a:latin typeface="Segoe Light"/>
+                <a:cs typeface="Segoe Light"/>
+              </a:rPr>
+              <a:t>[AS16509] 172.26.236.2</a:t>
+            </a:r>
+            <a:endParaRPr lang="en-US" dirty="0">
+              <a:latin typeface="Segoe Light"/>
+              <a:cs typeface="Segoe Light"/>
+            </a:endParaRPr>
+          </a:p>
+        </p:txBody>
+      </p:sp>
+      <p:sp>
+        <p:nvSpPr>
+          <p:cNvPr id="30" name="Rectangle 29"/>
+          <p:cNvSpPr/>
+          <p:nvPr/>
+        </p:nvSpPr>
+        <p:spPr>
+          <a:xfrm>
+            <a:off x="5069430" y="1462745"/>
+            <a:ext cx="2827923" cy="868599"/>
+          </a:xfrm>
+          <a:prstGeom prst="rect">
+            <a:avLst/>
+          </a:prstGeom>
+          <a:solidFill>
+            <a:schemeClr val="bg1">
+              <a:lumMod val="65000"/>
+              <a:lumOff val="35000"/>
+            </a:schemeClr>
+          </a:solidFill>
+          <a:ln>
+            <a:noFill/>
+          </a:ln>
+        </p:spPr>
+        <p:style>
+          <a:lnRef idx="1">
+            <a:schemeClr val="accent1"/>
+          </a:lnRef>
+          <a:fillRef idx="3">
+            <a:schemeClr val="accent1"/>
+          </a:fillRef>
+          <a:effectRef idx="2">
+            <a:schemeClr val="accent1"/>
+          </a:effectRef>
+          <a:fontRef idx="minor">
+            <a:schemeClr val="lt1"/>
+          </a:fontRef>
+        </p:style>
+        <p:txBody>
+          <a:bodyPr rtlCol="0" anchor="ctr"/>
+          <a:lstStyle/>
+          <a:p>
+            <a:pPr algn="ctr"/>
+            <a:r>
+              <a:rPr lang="en-US" dirty="0" smtClean="0">
+                <a:latin typeface="Segoe Light"/>
+                <a:cs typeface="Segoe Light"/>
+              </a:rPr>
+              <a:t>[AS0] 172.26.96.10/172.26.96.11</a:t>
+            </a:r>
+          </a:p>
+          <a:p>
+            <a:pPr algn="ctr"/>
+            <a:r>
+              <a:rPr lang="en-US" dirty="0">
+                <a:latin typeface="Segoe Light"/>
+                <a:cs typeface="Segoe Light"/>
+              </a:rPr>
+              <a:t>172.26.96.3/</a:t>
+            </a:r>
+            <a:r>
+              <a:rPr lang="en-US" dirty="0" smtClean="0">
+                <a:latin typeface="Segoe Light"/>
+                <a:cs typeface="Segoe Light"/>
+              </a:rPr>
+              <a:t>172.26.96.2</a:t>
+            </a:r>
+            <a:endParaRPr lang="en-US" dirty="0">
+              <a:latin typeface="Segoe Light"/>
+              <a:cs typeface="Segoe Light"/>
+            </a:endParaRPr>
+          </a:p>
+        </p:txBody>
+      </p:sp>
+      <p:sp>
+        <p:nvSpPr>
+          <p:cNvPr id="32" name="Rectangle 31"/>
+          <p:cNvSpPr/>
+          <p:nvPr/>
+        </p:nvSpPr>
+        <p:spPr>
+          <a:xfrm>
+            <a:off x="5069429" y="2389112"/>
+            <a:ext cx="2827923" cy="384246"/>
+          </a:xfrm>
+          <a:prstGeom prst="rect">
+            <a:avLst/>
+          </a:prstGeom>
+          <a:solidFill>
+            <a:schemeClr val="bg1">
+              <a:lumMod val="65000"/>
+              <a:lumOff val="35000"/>
+            </a:schemeClr>
+          </a:solidFill>
+          <a:ln>
+            <a:noFill/>
+          </a:ln>
+        </p:spPr>
+        <p:style>
+          <a:lnRef idx="1">
+            <a:schemeClr val="accent1"/>
+          </a:lnRef>
+          <a:fillRef idx="3">
+            <a:schemeClr val="accent1"/>
+          </a:fillRef>
+          <a:effectRef idx="2">
+            <a:schemeClr val="accent1"/>
+          </a:effectRef>
+          <a:fontRef idx="minor">
+            <a:schemeClr val="lt1"/>
+          </a:fontRef>
+        </p:style>
+        <p:txBody>
+          <a:bodyPr rtlCol="0" anchor="ctr"/>
+          <a:lstStyle/>
+          <a:p>
+            <a:pPr algn="ctr"/>
+            <a:r>
+              <a:rPr lang="en-US" dirty="0" smtClean="0">
+                <a:latin typeface="Segoe Light"/>
+                <a:cs typeface="Segoe Light"/>
+              </a:rPr>
+              <a:t>[AS0] 172.26.96.193</a:t>
+            </a:r>
+            <a:endParaRPr lang="en-US" dirty="0">
+              <a:latin typeface="Segoe Light"/>
+              <a:cs typeface="Segoe Light"/>
+            </a:endParaRPr>
+          </a:p>
+        </p:txBody>
+      </p:sp>
+      <p:sp>
+        <p:nvSpPr>
+          <p:cNvPr id="33" name="Rectangle 32"/>
+          <p:cNvSpPr/>
+          <p:nvPr/>
+        </p:nvSpPr>
+        <p:spPr>
+          <a:xfrm>
+            <a:off x="5069430" y="2836355"/>
+            <a:ext cx="2827923" cy="384246"/>
+          </a:xfrm>
+          <a:prstGeom prst="rect">
+            <a:avLst/>
+          </a:prstGeom>
+          <a:solidFill>
+            <a:schemeClr val="bg1">
+              <a:lumMod val="65000"/>
+              <a:lumOff val="35000"/>
+            </a:schemeClr>
+          </a:solidFill>
+          <a:ln>
+            <a:noFill/>
+          </a:ln>
+        </p:spPr>
+        <p:style>
+          <a:lnRef idx="1">
+            <a:schemeClr val="accent1"/>
+          </a:lnRef>
+          <a:fillRef idx="3">
+            <a:schemeClr val="accent1"/>
+          </a:fillRef>
+          <a:effectRef idx="2">
+            <a:schemeClr val="accent1"/>
+          </a:effectRef>
+          <a:fontRef idx="minor">
+            <a:schemeClr val="lt1"/>
+          </a:fontRef>
+        </p:style>
+        <p:txBody>
+          <a:bodyPr rtlCol="0" anchor="ctr"/>
+          <a:lstStyle/>
+          <a:p>
+            <a:pPr algn="ctr"/>
+            <a:r>
+              <a:rPr lang="en-US" dirty="0" smtClean="0">
+                <a:latin typeface="Segoe Light"/>
+                <a:cs typeface="Segoe Light"/>
+              </a:rPr>
+              <a:t>[AS0] 172.16.121.113</a:t>
+            </a:r>
+            <a:endParaRPr lang="en-US" dirty="0">
+              <a:latin typeface="Segoe Light"/>
+              <a:cs typeface="Segoe Light"/>
+            </a:endParaRPr>
+          </a:p>
+        </p:txBody>
+      </p:sp>
+      <p:sp>
+        <p:nvSpPr>
+          <p:cNvPr id="34" name="Rectangle 33"/>
+          <p:cNvSpPr/>
+          <p:nvPr/>
+        </p:nvSpPr>
+        <p:spPr>
+          <a:xfrm>
+            <a:off x="5069430" y="3286342"/>
+            <a:ext cx="2827923" cy="384246"/>
+          </a:xfrm>
+          <a:prstGeom prst="rect">
+            <a:avLst/>
+          </a:prstGeom>
+          <a:solidFill>
+            <a:schemeClr val="bg1">
+              <a:lumMod val="65000"/>
+              <a:lumOff val="35000"/>
+            </a:schemeClr>
+          </a:solidFill>
+          <a:ln>
+            <a:noFill/>
+          </a:ln>
+        </p:spPr>
+        <p:style>
+          <a:lnRef idx="1">
+            <a:schemeClr val="accent1"/>
+          </a:lnRef>
+          <a:fillRef idx="3">
+            <a:schemeClr val="accent1"/>
+          </a:fillRef>
+          <a:effectRef idx="2">
+            <a:schemeClr val="accent1"/>
+          </a:effectRef>
+          <a:fontRef idx="minor">
+            <a:schemeClr val="lt1"/>
+          </a:fontRef>
+        </p:style>
+        <p:txBody>
+          <a:bodyPr rtlCol="0" anchor="ctr"/>
+          <a:lstStyle/>
+          <a:p>
+            <a:pPr algn="ctr"/>
+            <a:r>
+              <a:rPr lang="en-US" dirty="0" smtClean="0">
+                <a:latin typeface="Segoe Light"/>
+                <a:cs typeface="Segoe Light"/>
+              </a:rPr>
+              <a:t>[AS7018] 12.249.2.49</a:t>
+            </a:r>
+            <a:endParaRPr lang="en-US" dirty="0">
+              <a:latin typeface="Segoe Light"/>
+              <a:cs typeface="Segoe Light"/>
+            </a:endParaRPr>
+          </a:p>
+        </p:txBody>
+      </p:sp>
+      <p:sp>
+        <p:nvSpPr>
+          <p:cNvPr id="35" name="Rectangle 34"/>
+          <p:cNvSpPr/>
+          <p:nvPr/>
+        </p:nvSpPr>
+        <p:spPr>
+          <a:xfrm>
+            <a:off x="5069430" y="3735576"/>
+            <a:ext cx="2827923" cy="384246"/>
+          </a:xfrm>
+          <a:prstGeom prst="rect">
+            <a:avLst/>
+          </a:prstGeom>
+          <a:solidFill>
+            <a:schemeClr val="bg1">
+              <a:lumMod val="65000"/>
+              <a:lumOff val="35000"/>
+            </a:schemeClr>
+          </a:solidFill>
+          <a:ln>
+            <a:noFill/>
+          </a:ln>
+        </p:spPr>
+        <p:style>
+          <a:lnRef idx="1">
+            <a:schemeClr val="accent1"/>
+          </a:lnRef>
+          <a:fillRef idx="3">
+            <a:schemeClr val="accent1"/>
+          </a:fillRef>
+          <a:effectRef idx="2">
+            <a:schemeClr val="accent1"/>
+          </a:effectRef>
+          <a:fontRef idx="minor">
+            <a:schemeClr val="lt1"/>
+          </a:fontRef>
+        </p:style>
+        <p:txBody>
+          <a:bodyPr rtlCol="0" anchor="ctr"/>
+          <a:lstStyle/>
+          <a:p>
+            <a:pPr algn="ctr"/>
+            <a:r>
+              <a:rPr lang="en-US" dirty="0">
+                <a:latin typeface="Segoe Light"/>
+                <a:cs typeface="Segoe Light"/>
+              </a:rPr>
+              <a:t>[AS7018] </a:t>
+            </a:r>
+            <a:r>
+              <a:rPr lang="en-US" dirty="0" smtClean="0">
+                <a:latin typeface="Segoe Light"/>
+                <a:cs typeface="Segoe Light"/>
+              </a:rPr>
+              <a:t>12.83.180.82</a:t>
+            </a:r>
+            <a:endParaRPr lang="en-US" dirty="0">
+              <a:latin typeface="Segoe Light"/>
+              <a:cs typeface="Segoe Light"/>
+            </a:endParaRPr>
+          </a:p>
+        </p:txBody>
+      </p:sp>
+      <p:sp>
+        <p:nvSpPr>
+          <p:cNvPr id="36" name="Rectangle 35"/>
+          <p:cNvSpPr/>
+          <p:nvPr/>
+        </p:nvSpPr>
+        <p:spPr>
+          <a:xfrm>
+            <a:off x="5069429" y="4169976"/>
+            <a:ext cx="2827923" cy="850358"/>
+          </a:xfrm>
+          <a:prstGeom prst="rect">
+            <a:avLst/>
+          </a:prstGeom>
+          <a:solidFill>
+            <a:schemeClr val="bg1">
+              <a:lumMod val="65000"/>
+              <a:lumOff val="35000"/>
+            </a:schemeClr>
+          </a:solidFill>
+          <a:ln>
+            <a:noFill/>
+          </a:ln>
+        </p:spPr>
+        <p:style>
+          <a:lnRef idx="1">
+            <a:schemeClr val="accent1"/>
+          </a:lnRef>
+          <a:fillRef idx="3">
+            <a:schemeClr val="accent1"/>
+          </a:fillRef>
+          <a:effectRef idx="2">
+            <a:schemeClr val="accent1"/>
+          </a:effectRef>
+          <a:fontRef idx="minor">
+            <a:schemeClr val="lt1"/>
+          </a:fontRef>
+        </p:style>
+        <p:txBody>
+          <a:bodyPr rtlCol="0" anchor="ctr"/>
+          <a:lstStyle/>
+          <a:p>
+            <a:pPr algn="ctr"/>
+            <a:r>
+              <a:rPr lang="en-US" dirty="0">
+                <a:latin typeface="Segoe Light"/>
+                <a:cs typeface="Segoe Light"/>
+              </a:rPr>
+              <a:t>[AS7018</a:t>
+            </a:r>
+            <a:r>
+              <a:rPr lang="en-US" dirty="0" smtClean="0">
+                <a:latin typeface="Segoe Light"/>
+                <a:cs typeface="Segoe Light"/>
+              </a:rPr>
+              <a:t>]</a:t>
+            </a:r>
+          </a:p>
+          <a:p>
+            <a:pPr algn="ctr"/>
+            <a:r>
+              <a:rPr lang="en-US" dirty="0">
+                <a:latin typeface="Segoe Light"/>
+                <a:cs typeface="Segoe Light"/>
+              </a:rPr>
+              <a:t>12.122.200.9/12.122.114.5</a:t>
+            </a:r>
+            <a:endParaRPr lang="en-US" dirty="0" smtClean="0">
+              <a:latin typeface="Segoe Light"/>
+              <a:cs typeface="Segoe Light"/>
+            </a:endParaRPr>
+          </a:p>
+          <a:p>
+            <a:pPr algn="ctr"/>
+            <a:r>
+              <a:rPr lang="en-US" dirty="0" smtClean="0">
+                <a:latin typeface="Segoe Light"/>
+                <a:cs typeface="Segoe Light"/>
+              </a:rPr>
+              <a:t>12.122.1.118/12.122.8.79…</a:t>
+            </a:r>
+            <a:endParaRPr lang="en-US" dirty="0">
+              <a:latin typeface="Segoe Light"/>
+              <a:cs typeface="Segoe Light"/>
+            </a:endParaRPr>
+          </a:p>
+        </p:txBody>
+      </p:sp>
+      <p:sp>
+        <p:nvSpPr>
+          <p:cNvPr id="37" name="Rectangle 36"/>
+          <p:cNvSpPr/>
+          <p:nvPr/>
+        </p:nvSpPr>
+        <p:spPr>
+          <a:xfrm>
+            <a:off x="5069430" y="5077542"/>
+            <a:ext cx="2827923" cy="1158303"/>
+          </a:xfrm>
+          <a:prstGeom prst="rect">
+            <a:avLst/>
+          </a:prstGeom>
+          <a:solidFill>
+            <a:schemeClr val="bg1">
+              <a:lumMod val="65000"/>
+              <a:lumOff val="35000"/>
+            </a:schemeClr>
+          </a:solidFill>
+          <a:ln>
+            <a:noFill/>
+          </a:ln>
+        </p:spPr>
+        <p:style>
+          <a:lnRef idx="1">
+            <a:schemeClr val="accent1"/>
+          </a:lnRef>
+          <a:fillRef idx="3">
+            <a:schemeClr val="accent1"/>
+          </a:fillRef>
+          <a:effectRef idx="2">
+            <a:schemeClr val="accent1"/>
+          </a:effectRef>
+          <a:fontRef idx="minor">
+            <a:schemeClr val="lt1"/>
+          </a:fontRef>
+        </p:style>
+        <p:txBody>
+          <a:bodyPr rtlCol="0" anchor="ctr"/>
+          <a:lstStyle/>
+          <a:p>
+            <a:pPr algn="ctr"/>
+            <a:r>
+              <a:rPr lang="en-US" dirty="0">
+                <a:latin typeface="Segoe Light"/>
+                <a:cs typeface="Segoe Light"/>
+              </a:rPr>
+              <a:t>[AS7018</a:t>
+            </a:r>
+            <a:r>
+              <a:rPr lang="en-US" dirty="0" smtClean="0">
+                <a:latin typeface="Segoe Light"/>
+                <a:cs typeface="Segoe Light"/>
+              </a:rPr>
+              <a:t>]</a:t>
+            </a:r>
+          </a:p>
+          <a:p>
+            <a:pPr algn="ctr"/>
+            <a:r>
+              <a:rPr lang="en-US" dirty="0">
+                <a:latin typeface="Segoe Light"/>
+                <a:cs typeface="Segoe Light"/>
+              </a:rPr>
+              <a:t>12.122.114.21/</a:t>
+            </a:r>
+            <a:r>
+              <a:rPr lang="en-US" dirty="0" smtClean="0">
+                <a:latin typeface="Segoe Light"/>
+                <a:cs typeface="Segoe Light"/>
+              </a:rPr>
+              <a:t>12.123.30.5 </a:t>
+            </a:r>
+            <a:endParaRPr lang="en-US" dirty="0">
+              <a:latin typeface="Segoe Light"/>
+              <a:cs typeface="Segoe Light"/>
+            </a:endParaRPr>
+          </a:p>
+          <a:p>
+            <a:pPr algn="ctr"/>
+            <a:r>
+              <a:rPr lang="en-US" dirty="0" smtClean="0">
+                <a:latin typeface="Segoe Light"/>
+                <a:cs typeface="Segoe Light"/>
+              </a:rPr>
+              <a:t>[AS0]</a:t>
+            </a:r>
+          </a:p>
+          <a:p>
+            <a:pPr algn="ctr"/>
+            <a:r>
+              <a:rPr lang="en-US" dirty="0" smtClean="0">
+                <a:latin typeface="Segoe Light"/>
+                <a:cs typeface="Segoe Light"/>
+              </a:rPr>
+              <a:t>192.205.33.46/…</a:t>
+            </a:r>
+            <a:endParaRPr lang="en-US" dirty="0">
+              <a:latin typeface="Segoe Light"/>
+              <a:cs typeface="Segoe Light"/>
+            </a:endParaRPr>
+          </a:p>
+        </p:txBody>
+      </p:sp>
+      <p:sp>
+        <p:nvSpPr>
+          <p:cNvPr id="43" name="TextBox 42"/>
+          <p:cNvSpPr txBox="1"/>
+          <p:nvPr/>
+        </p:nvSpPr>
+        <p:spPr>
+          <a:xfrm>
+            <a:off x="9373334" y="618676"/>
+            <a:ext cx="68186" cy="369332"/>
+          </a:xfrm>
+          <a:prstGeom prst="rect">
+            <a:avLst/>
+          </a:prstGeom>
+          <a:noFill/>
+        </p:spPr>
+        <p:txBody>
+          <a:bodyPr wrap="square" rtlCol="0">
+            <a:spAutoFit/>
+          </a:bodyPr>
+          <a:lstStyle/>
+          <a:p>
+            <a:endParaRPr lang="en-US" dirty="0"/>
+          </a:p>
+        </p:txBody>
+      </p:sp>
+      <p:sp>
+        <p:nvSpPr>
+          <p:cNvPr id="44" name="Rectangle 43"/>
+          <p:cNvSpPr/>
+          <p:nvPr/>
+        </p:nvSpPr>
+        <p:spPr>
+          <a:xfrm>
+            <a:off x="8019974" y="152083"/>
+            <a:ext cx="1044185" cy="384246"/>
+          </a:xfrm>
+          <a:prstGeom prst="rect">
+            <a:avLst/>
+          </a:prstGeom>
+          <a:solidFill>
+            <a:schemeClr val="bg1">
+              <a:lumMod val="65000"/>
+              <a:lumOff val="35000"/>
+            </a:schemeClr>
+          </a:solidFill>
+          <a:ln>
+            <a:noFill/>
+          </a:ln>
+        </p:spPr>
+        <p:style>
+          <a:lnRef idx="1">
+            <a:schemeClr val="accent1"/>
+          </a:lnRef>
+          <a:fillRef idx="3">
+            <a:schemeClr val="accent1"/>
+          </a:fillRef>
+          <a:effectRef idx="2">
+            <a:schemeClr val="accent1"/>
+          </a:effectRef>
+          <a:fontRef idx="minor">
+            <a:schemeClr val="lt1"/>
+          </a:fontRef>
+        </p:style>
+        <p:txBody>
+          <a:bodyPr rtlCol="0" anchor="ctr"/>
+          <a:lstStyle/>
+          <a:p>
+            <a:pPr algn="ctr"/>
+            <a:r>
+              <a:rPr lang="en-US" dirty="0" smtClean="0">
+                <a:latin typeface="Segoe Light"/>
+                <a:cs typeface="Segoe Light"/>
+              </a:rPr>
+              <a:t>~0.7 </a:t>
+            </a:r>
+            <a:r>
+              <a:rPr lang="en-US" dirty="0" err="1" smtClean="0">
+                <a:latin typeface="Segoe Light"/>
+                <a:cs typeface="Segoe Light"/>
+              </a:rPr>
+              <a:t>ms</a:t>
+            </a:r>
+            <a:endParaRPr lang="en-US" dirty="0">
+              <a:latin typeface="Segoe Light"/>
+              <a:cs typeface="Segoe Light"/>
+            </a:endParaRPr>
+          </a:p>
+        </p:txBody>
+      </p:sp>
+      <p:sp>
+        <p:nvSpPr>
+          <p:cNvPr id="45" name="Rectangle 44"/>
+          <p:cNvSpPr/>
+          <p:nvPr/>
+        </p:nvSpPr>
+        <p:spPr>
+          <a:xfrm>
+            <a:off x="8019974" y="1024641"/>
+            <a:ext cx="1044186" cy="384246"/>
+          </a:xfrm>
+          <a:prstGeom prst="rect">
+            <a:avLst/>
+          </a:prstGeom>
+          <a:solidFill>
+            <a:schemeClr val="bg1">
+              <a:lumMod val="65000"/>
+              <a:lumOff val="35000"/>
+            </a:schemeClr>
+          </a:solidFill>
+          <a:ln>
+            <a:noFill/>
+          </a:ln>
+        </p:spPr>
+        <p:style>
+          <a:lnRef idx="1">
+            <a:schemeClr val="accent1"/>
+          </a:lnRef>
+          <a:fillRef idx="3">
+            <a:schemeClr val="accent1"/>
+          </a:fillRef>
+          <a:effectRef idx="2">
+            <a:schemeClr val="accent1"/>
+          </a:effectRef>
+          <a:fontRef idx="minor">
+            <a:schemeClr val="lt1"/>
+          </a:fontRef>
+        </p:style>
+        <p:txBody>
+          <a:bodyPr rtlCol="0" anchor="ctr"/>
+          <a:lstStyle/>
+          <a:p>
+            <a:pPr algn="ctr"/>
+            <a:r>
+              <a:rPr lang="en-US" dirty="0" smtClean="0">
+                <a:latin typeface="Segoe Light"/>
+                <a:cs typeface="Segoe Light"/>
+              </a:rPr>
+              <a:t>~30 </a:t>
+            </a:r>
+            <a:r>
+              <a:rPr lang="en-US" dirty="0" err="1" smtClean="0">
+                <a:latin typeface="Segoe Light"/>
+                <a:cs typeface="Segoe Light"/>
+              </a:rPr>
+              <a:t>ms</a:t>
+            </a:r>
+            <a:endParaRPr lang="en-US" dirty="0">
+              <a:latin typeface="Segoe Light"/>
+              <a:cs typeface="Segoe Light"/>
+            </a:endParaRPr>
+          </a:p>
+        </p:txBody>
+      </p:sp>
+      <p:sp>
+        <p:nvSpPr>
+          <p:cNvPr id="46" name="Rectangle 45"/>
+          <p:cNvSpPr/>
+          <p:nvPr/>
+        </p:nvSpPr>
+        <p:spPr>
+          <a:xfrm>
+            <a:off x="8019974" y="584944"/>
+            <a:ext cx="1044185" cy="384246"/>
+          </a:xfrm>
+          <a:prstGeom prst="rect">
+            <a:avLst/>
+          </a:prstGeom>
+          <a:solidFill>
+            <a:schemeClr val="bg1">
+              <a:lumMod val="65000"/>
+              <a:lumOff val="35000"/>
+            </a:schemeClr>
+          </a:solidFill>
+          <a:ln>
+            <a:noFill/>
+          </a:ln>
+        </p:spPr>
+        <p:style>
+          <a:lnRef idx="1">
+            <a:schemeClr val="accent1"/>
+          </a:lnRef>
+          <a:fillRef idx="3">
+            <a:schemeClr val="accent1"/>
+          </a:fillRef>
+          <a:effectRef idx="2">
+            <a:schemeClr val="accent1"/>
+          </a:effectRef>
+          <a:fontRef idx="minor">
+            <a:schemeClr val="lt1"/>
+          </a:fontRef>
+        </p:style>
+        <p:txBody>
+          <a:bodyPr rtlCol="0" anchor="ctr"/>
+          <a:lstStyle/>
+          <a:p>
+            <a:pPr algn="ctr"/>
+            <a:r>
+              <a:rPr lang="en-US" dirty="0" smtClean="0">
+                <a:latin typeface="Segoe Light"/>
+                <a:cs typeface="Segoe Light"/>
+              </a:rPr>
+              <a:t>~30 </a:t>
+            </a:r>
+            <a:r>
+              <a:rPr lang="en-US" dirty="0" err="1" smtClean="0">
+                <a:latin typeface="Segoe Light"/>
+                <a:cs typeface="Segoe Light"/>
+              </a:rPr>
+              <a:t>ms</a:t>
+            </a:r>
+            <a:endParaRPr lang="en-US" dirty="0">
+              <a:latin typeface="Segoe Light"/>
+              <a:cs typeface="Segoe Light"/>
+            </a:endParaRPr>
+          </a:p>
+        </p:txBody>
+      </p:sp>
+      <p:sp>
+        <p:nvSpPr>
+          <p:cNvPr id="47" name="Rectangle 46"/>
+          <p:cNvSpPr/>
+          <p:nvPr/>
+        </p:nvSpPr>
+        <p:spPr>
+          <a:xfrm>
+            <a:off x="8019975" y="1462745"/>
+            <a:ext cx="1044186" cy="868599"/>
+          </a:xfrm>
+          <a:prstGeom prst="rect">
+            <a:avLst/>
+          </a:prstGeom>
+          <a:solidFill>
+            <a:schemeClr val="bg1">
+              <a:lumMod val="65000"/>
+              <a:lumOff val="35000"/>
+            </a:schemeClr>
+          </a:solidFill>
+          <a:ln>
+            <a:noFill/>
+          </a:ln>
+        </p:spPr>
+        <p:style>
+          <a:lnRef idx="1">
+            <a:schemeClr val="accent1"/>
+          </a:lnRef>
+          <a:fillRef idx="3">
+            <a:schemeClr val="accent1"/>
+          </a:fillRef>
+          <a:effectRef idx="2">
+            <a:schemeClr val="accent1"/>
+          </a:effectRef>
+          <a:fontRef idx="minor">
+            <a:schemeClr val="lt1"/>
+          </a:fontRef>
+        </p:style>
+        <p:txBody>
+          <a:bodyPr rtlCol="0" anchor="ctr"/>
+          <a:lstStyle/>
+          <a:p>
+            <a:pPr algn="ctr"/>
+            <a:r>
+              <a:rPr lang="en-US" dirty="0" smtClean="0">
+                <a:latin typeface="Segoe Light"/>
+                <a:cs typeface="Segoe Light"/>
+              </a:rPr>
+              <a:t>~30 </a:t>
+            </a:r>
+            <a:r>
+              <a:rPr lang="en-US" dirty="0" err="1" smtClean="0">
+                <a:latin typeface="Segoe Light"/>
+                <a:cs typeface="Segoe Light"/>
+              </a:rPr>
+              <a:t>ms</a:t>
+            </a:r>
+            <a:endParaRPr lang="en-US" dirty="0">
+              <a:latin typeface="Segoe Light"/>
+              <a:cs typeface="Segoe Light"/>
+            </a:endParaRPr>
+          </a:p>
+        </p:txBody>
+      </p:sp>
+      <p:sp>
+        <p:nvSpPr>
+          <p:cNvPr id="48" name="Rectangle 47"/>
+          <p:cNvSpPr/>
+          <p:nvPr/>
+        </p:nvSpPr>
+        <p:spPr>
+          <a:xfrm>
+            <a:off x="8019974" y="2389112"/>
+            <a:ext cx="1044186" cy="384246"/>
+          </a:xfrm>
+          <a:prstGeom prst="rect">
+            <a:avLst/>
+          </a:prstGeom>
+          <a:solidFill>
+            <a:schemeClr val="bg1">
+              <a:lumMod val="65000"/>
+              <a:lumOff val="35000"/>
+            </a:schemeClr>
+          </a:solidFill>
+          <a:ln>
+            <a:noFill/>
+          </a:ln>
+        </p:spPr>
+        <p:style>
+          <a:lnRef idx="1">
+            <a:schemeClr val="accent1"/>
+          </a:lnRef>
+          <a:fillRef idx="3">
+            <a:schemeClr val="accent1"/>
+          </a:fillRef>
+          <a:effectRef idx="2">
+            <a:schemeClr val="accent1"/>
+          </a:effectRef>
+          <a:fontRef idx="minor">
+            <a:schemeClr val="lt1"/>
+          </a:fontRef>
+        </p:style>
+        <p:txBody>
+          <a:bodyPr rtlCol="0" anchor="ctr"/>
+          <a:lstStyle/>
+          <a:p>
+            <a:pPr algn="ctr"/>
+            <a:r>
+              <a:rPr lang="en-US" dirty="0" smtClean="0">
+                <a:latin typeface="Segoe Light"/>
+                <a:cs typeface="Segoe Light"/>
+              </a:rPr>
+              <a:t>~30 </a:t>
+            </a:r>
+            <a:r>
+              <a:rPr lang="en-US" dirty="0" err="1" smtClean="0">
+                <a:latin typeface="Segoe Light"/>
+                <a:cs typeface="Segoe Light"/>
+              </a:rPr>
+              <a:t>ms</a:t>
+            </a:r>
+            <a:endParaRPr lang="en-US" dirty="0">
+              <a:latin typeface="Segoe Light"/>
+              <a:cs typeface="Segoe Light"/>
+            </a:endParaRPr>
+          </a:p>
+        </p:txBody>
+      </p:sp>
+      <p:sp>
+        <p:nvSpPr>
+          <p:cNvPr id="49" name="Rectangle 48"/>
+          <p:cNvSpPr/>
+          <p:nvPr/>
+        </p:nvSpPr>
+        <p:spPr>
+          <a:xfrm>
+            <a:off x="8019975" y="2836355"/>
+            <a:ext cx="1044186" cy="384246"/>
+          </a:xfrm>
+          <a:prstGeom prst="rect">
+            <a:avLst/>
+          </a:prstGeom>
+          <a:solidFill>
+            <a:schemeClr val="bg1">
+              <a:lumMod val="65000"/>
+              <a:lumOff val="35000"/>
+            </a:schemeClr>
+          </a:solidFill>
+          <a:ln>
+            <a:noFill/>
+          </a:ln>
+        </p:spPr>
+        <p:style>
+          <a:lnRef idx="1">
+            <a:schemeClr val="accent1"/>
+          </a:lnRef>
+          <a:fillRef idx="3">
+            <a:schemeClr val="accent1"/>
+          </a:fillRef>
+          <a:effectRef idx="2">
+            <a:schemeClr val="accent1"/>
+          </a:effectRef>
+          <a:fontRef idx="minor">
+            <a:schemeClr val="lt1"/>
+          </a:fontRef>
+        </p:style>
+        <p:txBody>
+          <a:bodyPr rtlCol="0" anchor="ctr"/>
+          <a:lstStyle/>
+          <a:p>
+            <a:pPr algn="ctr"/>
+            <a:r>
+              <a:rPr lang="en-US" dirty="0" smtClean="0">
+                <a:latin typeface="Segoe Light"/>
+                <a:cs typeface="Segoe Light"/>
+              </a:rPr>
+              <a:t>~30 </a:t>
+            </a:r>
+            <a:r>
+              <a:rPr lang="en-US" dirty="0" err="1" smtClean="0">
+                <a:latin typeface="Segoe Light"/>
+                <a:cs typeface="Segoe Light"/>
+              </a:rPr>
+              <a:t>ms</a:t>
+            </a:r>
+            <a:endParaRPr lang="en-US" dirty="0">
+              <a:latin typeface="Segoe Light"/>
+              <a:cs typeface="Segoe Light"/>
+            </a:endParaRPr>
+          </a:p>
+        </p:txBody>
+      </p:sp>
+      <p:sp>
+        <p:nvSpPr>
+          <p:cNvPr id="50" name="Rectangle 49"/>
+          <p:cNvSpPr/>
+          <p:nvPr/>
+        </p:nvSpPr>
+        <p:spPr>
+          <a:xfrm>
+            <a:off x="8019975" y="3286342"/>
+            <a:ext cx="1044186" cy="384246"/>
+          </a:xfrm>
+          <a:prstGeom prst="rect">
+            <a:avLst/>
+          </a:prstGeom>
+          <a:solidFill>
+            <a:schemeClr val="bg1">
+              <a:lumMod val="65000"/>
+              <a:lumOff val="35000"/>
+            </a:schemeClr>
+          </a:solidFill>
+          <a:ln>
+            <a:noFill/>
+          </a:ln>
+        </p:spPr>
+        <p:style>
+          <a:lnRef idx="1">
+            <a:schemeClr val="accent1"/>
+          </a:lnRef>
+          <a:fillRef idx="3">
+            <a:schemeClr val="accent1"/>
+          </a:fillRef>
+          <a:effectRef idx="2">
+            <a:schemeClr val="accent1"/>
+          </a:effectRef>
+          <a:fontRef idx="minor">
+            <a:schemeClr val="lt1"/>
+          </a:fontRef>
+        </p:style>
+        <p:txBody>
+          <a:bodyPr rtlCol="0" anchor="ctr"/>
+          <a:lstStyle/>
+          <a:p>
+            <a:pPr algn="ctr"/>
+            <a:r>
+              <a:rPr lang="en-US" dirty="0" smtClean="0">
+                <a:latin typeface="Segoe Light"/>
+                <a:cs typeface="Segoe Light"/>
+              </a:rPr>
+              <a:t>~30 </a:t>
+            </a:r>
+            <a:r>
+              <a:rPr lang="en-US" dirty="0" err="1" smtClean="0">
+                <a:latin typeface="Segoe Light"/>
+                <a:cs typeface="Segoe Light"/>
+              </a:rPr>
+              <a:t>ms</a:t>
+            </a:r>
+            <a:endParaRPr lang="en-US" dirty="0">
+              <a:latin typeface="Segoe Light"/>
+              <a:cs typeface="Segoe Light"/>
+            </a:endParaRPr>
+          </a:p>
+        </p:txBody>
+      </p:sp>
+      <p:sp>
+        <p:nvSpPr>
+          <p:cNvPr id="51" name="Rectangle 50"/>
+          <p:cNvSpPr/>
+          <p:nvPr/>
+        </p:nvSpPr>
+        <p:spPr>
+          <a:xfrm>
+            <a:off x="8019975" y="3735576"/>
+            <a:ext cx="1044186" cy="384246"/>
+          </a:xfrm>
+          <a:prstGeom prst="rect">
+            <a:avLst/>
+          </a:prstGeom>
+          <a:solidFill>
+            <a:schemeClr val="bg1">
+              <a:lumMod val="65000"/>
+              <a:lumOff val="35000"/>
+            </a:schemeClr>
+          </a:solidFill>
+          <a:ln>
+            <a:noFill/>
+          </a:ln>
+        </p:spPr>
+        <p:style>
+          <a:lnRef idx="1">
+            <a:schemeClr val="accent1"/>
+          </a:lnRef>
+          <a:fillRef idx="3">
+            <a:schemeClr val="accent1"/>
+          </a:fillRef>
+          <a:effectRef idx="2">
+            <a:schemeClr val="accent1"/>
+          </a:effectRef>
+          <a:fontRef idx="minor">
+            <a:schemeClr val="lt1"/>
+          </a:fontRef>
+        </p:style>
+        <p:txBody>
+          <a:bodyPr rtlCol="0" anchor="ctr"/>
+          <a:lstStyle/>
+          <a:p>
+            <a:pPr algn="ctr"/>
+            <a:r>
+              <a:rPr lang="en-US" dirty="0" smtClean="0">
+                <a:latin typeface="Segoe Light"/>
+                <a:cs typeface="Segoe Light"/>
+              </a:rPr>
+              <a:t>~40 </a:t>
+            </a:r>
+            <a:r>
+              <a:rPr lang="en-US" dirty="0" err="1" smtClean="0">
+                <a:latin typeface="Segoe Light"/>
+                <a:cs typeface="Segoe Light"/>
+              </a:rPr>
+              <a:t>ms</a:t>
+            </a:r>
+            <a:endParaRPr lang="en-US" dirty="0">
+              <a:latin typeface="Segoe Light"/>
+              <a:cs typeface="Segoe Light"/>
+            </a:endParaRPr>
+          </a:p>
+        </p:txBody>
+      </p:sp>
+      <p:sp>
+        <p:nvSpPr>
+          <p:cNvPr id="52" name="Rectangle 51"/>
+          <p:cNvSpPr/>
+          <p:nvPr/>
+        </p:nvSpPr>
+        <p:spPr>
+          <a:xfrm>
+            <a:off x="8019974" y="4169976"/>
+            <a:ext cx="1044186" cy="850358"/>
+          </a:xfrm>
+          <a:prstGeom prst="rect">
+            <a:avLst/>
+          </a:prstGeom>
+          <a:solidFill>
+            <a:schemeClr val="bg1">
+              <a:lumMod val="65000"/>
+              <a:lumOff val="35000"/>
+            </a:schemeClr>
+          </a:solidFill>
+          <a:ln>
+            <a:noFill/>
+          </a:ln>
+        </p:spPr>
+        <p:style>
+          <a:lnRef idx="1">
+            <a:schemeClr val="accent1"/>
+          </a:lnRef>
+          <a:fillRef idx="3">
+            <a:schemeClr val="accent1"/>
+          </a:fillRef>
+          <a:effectRef idx="2">
+            <a:schemeClr val="accent1"/>
+          </a:effectRef>
+          <a:fontRef idx="minor">
+            <a:schemeClr val="lt1"/>
+          </a:fontRef>
+        </p:style>
+        <p:txBody>
+          <a:bodyPr rtlCol="0" anchor="ctr"/>
+          <a:lstStyle/>
+          <a:p>
+            <a:pPr algn="ctr"/>
+            <a:r>
+              <a:rPr lang="en-US" dirty="0">
+                <a:latin typeface="Segoe Light"/>
+                <a:cs typeface="Segoe Light"/>
+              </a:rPr>
+              <a:t>40 </a:t>
+            </a:r>
+            <a:r>
+              <a:rPr lang="en-US" dirty="0" err="1">
+                <a:latin typeface="Segoe Light"/>
+                <a:cs typeface="Segoe Light"/>
+              </a:rPr>
+              <a:t>ms</a:t>
+            </a:r>
+            <a:r>
+              <a:rPr lang="en-US" dirty="0">
+                <a:latin typeface="Segoe Light"/>
+                <a:cs typeface="Segoe Light"/>
+              </a:rPr>
+              <a:t> -</a:t>
+            </a:r>
+          </a:p>
+          <a:p>
+            <a:pPr algn="ctr"/>
+            <a:r>
+              <a:rPr lang="en-US" dirty="0">
+                <a:latin typeface="Segoe Light"/>
+                <a:cs typeface="Segoe Light"/>
+              </a:rPr>
+              <a:t>100 </a:t>
+            </a:r>
+            <a:r>
+              <a:rPr lang="en-US" dirty="0" err="1">
+                <a:latin typeface="Segoe Light"/>
+                <a:cs typeface="Segoe Light"/>
+              </a:rPr>
+              <a:t>ms</a:t>
+            </a:r>
+            <a:endParaRPr lang="en-US" dirty="0">
+              <a:latin typeface="Segoe Light"/>
+              <a:cs typeface="Segoe Light"/>
+            </a:endParaRPr>
+          </a:p>
+        </p:txBody>
+      </p:sp>
+      <p:sp>
+        <p:nvSpPr>
+          <p:cNvPr id="53" name="Rectangle 52"/>
+          <p:cNvSpPr/>
+          <p:nvPr/>
+        </p:nvSpPr>
+        <p:spPr>
+          <a:xfrm>
+            <a:off x="8019975" y="5077542"/>
+            <a:ext cx="1044186" cy="1158303"/>
+          </a:xfrm>
+          <a:prstGeom prst="rect">
+            <a:avLst/>
+          </a:prstGeom>
+          <a:solidFill>
+            <a:schemeClr val="bg1">
+              <a:lumMod val="65000"/>
+              <a:lumOff val="35000"/>
+            </a:schemeClr>
+          </a:solidFill>
+          <a:ln>
+            <a:noFill/>
+          </a:ln>
+        </p:spPr>
+        <p:style>
+          <a:lnRef idx="1">
+            <a:schemeClr val="accent1"/>
+          </a:lnRef>
+          <a:fillRef idx="3">
+            <a:schemeClr val="accent1"/>
+          </a:fillRef>
+          <a:effectRef idx="2">
+            <a:schemeClr val="accent1"/>
+          </a:effectRef>
+          <a:fontRef idx="minor">
+            <a:schemeClr val="lt1"/>
+          </a:fontRef>
+        </p:style>
+        <p:txBody>
+          <a:bodyPr rtlCol="0" anchor="ctr"/>
+          <a:lstStyle/>
+          <a:p>
+            <a:pPr algn="ctr"/>
+            <a:r>
+              <a:rPr lang="en-US" dirty="0" smtClean="0">
+                <a:latin typeface="Segoe Light"/>
+                <a:cs typeface="Segoe Light"/>
+              </a:rPr>
+              <a:t>40 </a:t>
+            </a:r>
+            <a:r>
+              <a:rPr lang="en-US" dirty="0" err="1" smtClean="0">
+                <a:latin typeface="Segoe Light"/>
+                <a:cs typeface="Segoe Light"/>
+              </a:rPr>
+              <a:t>ms</a:t>
+            </a:r>
+            <a:r>
+              <a:rPr lang="en-US" dirty="0" smtClean="0">
+                <a:latin typeface="Segoe Light"/>
+                <a:cs typeface="Segoe Light"/>
+              </a:rPr>
+              <a:t> -</a:t>
+            </a:r>
+          </a:p>
+          <a:p>
+            <a:pPr algn="ctr"/>
+            <a:r>
+              <a:rPr lang="en-US" dirty="0" smtClean="0">
+                <a:latin typeface="Segoe Light"/>
+                <a:cs typeface="Segoe Light"/>
+              </a:rPr>
+              <a:t>100 </a:t>
+            </a:r>
+            <a:r>
+              <a:rPr lang="en-US" dirty="0" err="1" smtClean="0">
+                <a:latin typeface="Segoe Light"/>
+                <a:cs typeface="Segoe Light"/>
+              </a:rPr>
+              <a:t>ms</a:t>
+            </a:r>
+            <a:endParaRPr lang="en-US" dirty="0">
+              <a:latin typeface="Segoe Light"/>
+              <a:cs typeface="Segoe Light"/>
+            </a:endParaRPr>
+          </a:p>
+        </p:txBody>
+      </p:sp>
+      <p:sp>
+        <p:nvSpPr>
+          <p:cNvPr id="55" name="Rectangle 54"/>
+          <p:cNvSpPr/>
+          <p:nvPr/>
+        </p:nvSpPr>
+        <p:spPr>
+          <a:xfrm>
+            <a:off x="5069430" y="6305292"/>
+            <a:ext cx="3994729" cy="407270"/>
+          </a:xfrm>
+          <a:prstGeom prst="rect">
+            <a:avLst/>
+          </a:prstGeom>
+          <a:solidFill>
+            <a:schemeClr val="bg1">
+              <a:lumMod val="65000"/>
+              <a:lumOff val="35000"/>
+            </a:schemeClr>
+          </a:solidFill>
+          <a:ln>
+            <a:noFill/>
+          </a:ln>
+        </p:spPr>
+        <p:style>
+          <a:lnRef idx="1">
+            <a:schemeClr val="accent1"/>
+          </a:lnRef>
+          <a:fillRef idx="3">
+            <a:schemeClr val="accent1"/>
+          </a:fillRef>
+          <a:effectRef idx="2">
+            <a:schemeClr val="accent1"/>
+          </a:effectRef>
+          <a:fontRef idx="minor">
+            <a:schemeClr val="lt1"/>
+          </a:fontRef>
+        </p:style>
+        <p:txBody>
+          <a:bodyPr rtlCol="0" anchor="ctr"/>
+          <a:lstStyle/>
+          <a:p>
+            <a:pPr algn="ctr"/>
+            <a:r>
+              <a:rPr lang="en-US" dirty="0" smtClean="0">
+                <a:latin typeface="Segoe Light"/>
+                <a:cs typeface="Segoe Light"/>
+              </a:rPr>
+              <a:t>Possibly Internet….  50 </a:t>
+            </a:r>
+            <a:r>
+              <a:rPr lang="en-US" dirty="0" err="1" smtClean="0">
+                <a:latin typeface="Segoe Light"/>
+                <a:cs typeface="Segoe Light"/>
+              </a:rPr>
+              <a:t>ms</a:t>
+            </a:r>
+            <a:r>
+              <a:rPr lang="en-US" dirty="0" smtClean="0">
+                <a:latin typeface="Segoe Light"/>
+                <a:cs typeface="Segoe Light"/>
+              </a:rPr>
+              <a:t> – 200 </a:t>
+            </a:r>
+            <a:r>
+              <a:rPr lang="en-US" dirty="0" err="1" smtClean="0">
+                <a:latin typeface="Segoe Light"/>
+                <a:cs typeface="Segoe Light"/>
+              </a:rPr>
+              <a:t>ms</a:t>
+            </a:r>
+            <a:endParaRPr lang="en-US" dirty="0">
               <a:latin typeface="Segoe Light"/>
               <a:cs typeface="Segoe Light"/>
             </a:endParaRPr>
@@ -7392,6 +9223,278 @@
     <p:extLst>
       <p:ext uri="{BB962C8B-B14F-4D97-AF65-F5344CB8AC3E}">
         <p14:creationId xmlns:p14="http://schemas.microsoft.com/office/powerpoint/2010/main" val="2674779977"/>
+      </p:ext>
+    </p:extLst>
+  </p:cSld>
+  <p:clrMapOvr>
+    <a:masterClrMapping/>
+  </p:clrMapOvr>
+  <p:timing>
+    <p:tnLst>
+      <p:par>
+        <p:cTn xmlns:p14="http://schemas.microsoft.com/office/powerpoint/2010/main" id="1" dur="indefinite" restart="never" nodeType="tmRoot"/>
+      </p:par>
+    </p:tnLst>
+  </p:timing>
+</p:sld>
+</file>
+
+<file path=ppt/slides/slide9.xml><?xml version="1.0" encoding="utf-8"?>
+<p:sld xmlns:a="http://schemas.openxmlformats.org/drawingml/2006/main" xmlns:r="http://schemas.openxmlformats.org/officeDocument/2006/relationships" xmlns:p="http://schemas.openxmlformats.org/presentationml/2006/main">
+  <p:cSld>
+    <p:spTree>
+      <p:nvGrpSpPr>
+        <p:cNvPr id="1" name=""/>
+        <p:cNvGrpSpPr/>
+        <p:nvPr/>
+      </p:nvGrpSpPr>
+      <p:grpSpPr>
+        <a:xfrm>
+          <a:off x="0" y="0"/>
+          <a:ext cx="0" cy="0"/>
+          <a:chOff x="0" y="0"/>
+          <a:chExt cx="0" cy="0"/>
+        </a:xfrm>
+      </p:grpSpPr>
+      <p:sp>
+        <p:nvSpPr>
+          <p:cNvPr id="3" name="Content Placeholder 2"/>
+          <p:cNvSpPr>
+            <a:spLocks noGrp="1"/>
+          </p:cNvSpPr>
+          <p:nvPr>
+            <p:ph idx="1"/>
+          </p:nvPr>
+        </p:nvSpPr>
+        <p:spPr>
+          <a:xfrm>
+            <a:off x="457200" y="2588731"/>
+            <a:ext cx="8164722" cy="1843860"/>
+          </a:xfrm>
+        </p:spPr>
+        <p:txBody>
+          <a:bodyPr>
+            <a:normAutofit/>
+          </a:bodyPr>
+          <a:lstStyle/>
+          <a:p>
+            <a:pPr marL="0" indent="0" algn="ctr">
+              <a:buNone/>
+            </a:pPr>
+            <a:r>
+              <a:rPr lang="en-US" dirty="0" smtClean="0">
+                <a:latin typeface="Segoe Light"/>
+                <a:cs typeface="Segoe Light"/>
+              </a:rPr>
+              <a:t>Question</a:t>
+            </a:r>
+            <a:r>
+              <a:rPr lang="en-US" altLang="zh-CN" dirty="0" smtClean="0">
+                <a:latin typeface="Segoe Light"/>
+                <a:cs typeface="Segoe Light"/>
+              </a:rPr>
+              <a:t>s</a:t>
+            </a:r>
+            <a:r>
+              <a:rPr lang="en-US" dirty="0" smtClean="0">
+                <a:latin typeface="Segoe Light"/>
+                <a:cs typeface="Segoe Light"/>
+              </a:rPr>
+              <a:t> &amp; Feedback?</a:t>
+            </a:r>
+            <a:endParaRPr lang="en-US" sz="5500" dirty="0" smtClean="0">
+              <a:latin typeface="Segoe Light"/>
+              <a:cs typeface="Segoe Light"/>
+            </a:endParaRPr>
+          </a:p>
+          <a:p>
+            <a:pPr marL="0" indent="0" algn="ctr">
+              <a:buNone/>
+            </a:pPr>
+            <a:r>
+              <a:rPr lang="en-US" sz="6700" dirty="0" smtClean="0">
+                <a:latin typeface="Segoe Light"/>
+                <a:cs typeface="Segoe Light"/>
+              </a:rPr>
+              <a:t>Thank you!</a:t>
+            </a:r>
+            <a:endParaRPr lang="en-US" sz="6700" dirty="0">
+              <a:latin typeface="Segoe Light"/>
+              <a:cs typeface="Segoe Light"/>
+            </a:endParaRPr>
+          </a:p>
+        </p:txBody>
+      </p:sp>
+      <p:sp>
+        <p:nvSpPr>
+          <p:cNvPr id="4" name="Content Placeholder 2"/>
+          <p:cNvSpPr txBox="1">
+            <a:spLocks/>
+          </p:cNvSpPr>
+          <p:nvPr/>
+        </p:nvSpPr>
+        <p:spPr>
+          <a:xfrm>
+            <a:off x="609600" y="1380593"/>
+            <a:ext cx="8229600" cy="5122129"/>
+          </a:xfrm>
+          <a:prstGeom prst="rect">
+            <a:avLst/>
+          </a:prstGeom>
+        </p:spPr>
+        <p:txBody>
+          <a:bodyPr vert="horz" lIns="91440" tIns="45720" rIns="91440" bIns="45720" rtlCol="0">
+            <a:normAutofit/>
+          </a:bodyPr>
+          <a:lstStyle>
+            <a:lvl1pPr marL="342900" indent="-342900" algn="l" defTabSz="914400" rtl="0" eaLnBrk="1" latinLnBrk="0" hangingPunct="1">
+              <a:spcBef>
+                <a:spcPct val="20000"/>
+              </a:spcBef>
+              <a:buFont typeface="Arial" pitchFamily="34" charset="0"/>
+              <a:buChar char="•"/>
+              <a:defRPr sz="3200" kern="1200">
+                <a:solidFill>
+                  <a:schemeClr val="tx1"/>
+                </a:solidFill>
+                <a:latin typeface="+mn-lt"/>
+                <a:ea typeface="+mn-ea"/>
+                <a:cs typeface="+mn-cs"/>
+              </a:defRPr>
+            </a:lvl1pPr>
+            <a:lvl2pPr marL="742950" indent="-285750" algn="l" defTabSz="914400" rtl="0" eaLnBrk="1" latinLnBrk="0" hangingPunct="1">
+              <a:spcBef>
+                <a:spcPct val="20000"/>
+              </a:spcBef>
+              <a:buFont typeface="Arial" pitchFamily="34" charset="0"/>
+              <a:buChar char="–"/>
+              <a:defRPr sz="2800" kern="1200">
+                <a:solidFill>
+                  <a:schemeClr val="tx1"/>
+                </a:solidFill>
+                <a:latin typeface="+mn-lt"/>
+                <a:ea typeface="+mn-ea"/>
+                <a:cs typeface="+mn-cs"/>
+              </a:defRPr>
+            </a:lvl2pPr>
+            <a:lvl3pPr marL="1143000" indent="-228600" algn="l" defTabSz="914400" rtl="0" eaLnBrk="1" latinLnBrk="0" hangingPunct="1">
+              <a:spcBef>
+                <a:spcPct val="20000"/>
+              </a:spcBef>
+              <a:buFont typeface="Arial" pitchFamily="34" charset="0"/>
+              <a:buChar char="•"/>
+              <a:defRPr sz="2400" kern="1200">
+                <a:solidFill>
+                  <a:schemeClr val="tx1"/>
+                </a:solidFill>
+                <a:latin typeface="+mn-lt"/>
+                <a:ea typeface="+mn-ea"/>
+                <a:cs typeface="+mn-cs"/>
+              </a:defRPr>
+            </a:lvl3pPr>
+            <a:lvl4pPr marL="1600200" indent="-228600" algn="l" defTabSz="914400" rtl="0" eaLnBrk="1" latinLnBrk="0" hangingPunct="1">
+              <a:spcBef>
+                <a:spcPct val="20000"/>
+              </a:spcBef>
+              <a:buFont typeface="Arial" pitchFamily="34" charset="0"/>
+              <a:buChar char="–"/>
+              <a:defRPr sz="2000" kern="1200">
+                <a:solidFill>
+                  <a:schemeClr val="tx1"/>
+                </a:solidFill>
+                <a:latin typeface="+mn-lt"/>
+                <a:ea typeface="+mn-ea"/>
+                <a:cs typeface="+mn-cs"/>
+              </a:defRPr>
+            </a:lvl4pPr>
+            <a:lvl5pPr marL="2057400" indent="-228600" algn="l" defTabSz="914400" rtl="0" eaLnBrk="1" latinLnBrk="0" hangingPunct="1">
+              <a:spcBef>
+                <a:spcPct val="20000"/>
+              </a:spcBef>
+              <a:buFont typeface="Arial" pitchFamily="34" charset="0"/>
+              <a:buChar char="»"/>
+              <a:defRPr sz="2000" kern="1200">
+                <a:solidFill>
+                  <a:schemeClr val="tx1"/>
+                </a:solidFill>
+                <a:latin typeface="+mn-lt"/>
+                <a:ea typeface="+mn-ea"/>
+                <a:cs typeface="+mn-cs"/>
+              </a:defRPr>
+            </a:lvl5pPr>
+            <a:lvl6pPr marL="2514600" indent="-228600" algn="l" defTabSz="914400" rtl="0" eaLnBrk="1" latinLnBrk="0" hangingPunct="1">
+              <a:spcBef>
+                <a:spcPct val="20000"/>
+              </a:spcBef>
+              <a:buFont typeface="Arial" pitchFamily="34" charset="0"/>
+              <a:buChar char="•"/>
+              <a:defRPr sz="2000" kern="1200">
+                <a:solidFill>
+                  <a:schemeClr val="tx1"/>
+                </a:solidFill>
+                <a:latin typeface="+mn-lt"/>
+                <a:ea typeface="+mn-ea"/>
+                <a:cs typeface="+mn-cs"/>
+              </a:defRPr>
+            </a:lvl6pPr>
+            <a:lvl7pPr marL="2971800" indent="-228600" algn="l" defTabSz="914400" rtl="0" eaLnBrk="1" latinLnBrk="0" hangingPunct="1">
+              <a:spcBef>
+                <a:spcPct val="20000"/>
+              </a:spcBef>
+              <a:buFont typeface="Arial" pitchFamily="34" charset="0"/>
+              <a:buChar char="•"/>
+              <a:defRPr sz="2000" kern="1200">
+                <a:solidFill>
+                  <a:schemeClr val="tx1"/>
+                </a:solidFill>
+                <a:latin typeface="+mn-lt"/>
+                <a:ea typeface="+mn-ea"/>
+                <a:cs typeface="+mn-cs"/>
+              </a:defRPr>
+            </a:lvl7pPr>
+            <a:lvl8pPr marL="3429000" indent="-228600" algn="l" defTabSz="914400" rtl="0" eaLnBrk="1" latinLnBrk="0" hangingPunct="1">
+              <a:spcBef>
+                <a:spcPct val="20000"/>
+              </a:spcBef>
+              <a:buFont typeface="Arial" pitchFamily="34" charset="0"/>
+              <a:buChar char="•"/>
+              <a:defRPr sz="2000" kern="1200">
+                <a:solidFill>
+                  <a:schemeClr val="tx1"/>
+                </a:solidFill>
+                <a:latin typeface="+mn-lt"/>
+                <a:ea typeface="+mn-ea"/>
+                <a:cs typeface="+mn-cs"/>
+              </a:defRPr>
+            </a:lvl8pPr>
+            <a:lvl9pPr marL="3886200" indent="-228600" algn="l" defTabSz="914400" rtl="0" eaLnBrk="1" latinLnBrk="0" hangingPunct="1">
+              <a:spcBef>
+                <a:spcPct val="20000"/>
+              </a:spcBef>
+              <a:buFont typeface="Arial" pitchFamily="34" charset="0"/>
+              <a:buChar char="•"/>
+              <a:defRPr sz="2000" kern="1200">
+                <a:solidFill>
+                  <a:schemeClr val="tx1"/>
+                </a:solidFill>
+                <a:latin typeface="+mn-lt"/>
+                <a:ea typeface="+mn-ea"/>
+                <a:cs typeface="+mn-cs"/>
+              </a:defRPr>
+            </a:lvl9pPr>
+          </a:lstStyle>
+          <a:p>
+            <a:endParaRPr lang="en-US" sz="2400" dirty="0" smtClean="0">
+              <a:latin typeface="Segoe Light"/>
+              <a:cs typeface="Segoe Light"/>
+            </a:endParaRPr>
+          </a:p>
+        </p:txBody>
+      </p:sp>
+    </p:spTree>
+    <p:extLst>
+      <p:ext uri="{BB962C8B-B14F-4D97-AF65-F5344CB8AC3E}">
+        <p14:creationId xmlns:p14="http://schemas.microsoft.com/office/powerpoint/2010/main" val="3997919413"/>
       </p:ext>
     </p:extLst>
   </p:cSld>

--- a/doc/MidTerm/MidTerm.pptx
+++ b/doc/MidTerm/MidTerm.pptx
@@ -200,7 +200,7 @@
           <a:p>
             <a:fld id="{A6609C19-3333-F748-BFA8-3DC416911B5B}" type="datetimeFigureOut">
               <a:rPr lang="en-US" smtClean="0"/>
-              <a:t>3/31/13</a:t>
+              <a:t>4/1/13</a:t>
             </a:fld>
             <a:endParaRPr lang="en-US"/>
           </a:p>
@@ -1416,7 +1416,7 @@
           <a:p>
             <a:fld id="{6B35E7C1-0930-394A-BB48-132AAC6FC298}" type="datetimeFigureOut">
               <a:rPr lang="en-US" smtClean="0"/>
-              <a:t>3/31/13</a:t>
+              <a:t>4/1/13</a:t>
             </a:fld>
             <a:endParaRPr lang="en-US"/>
           </a:p>
@@ -1586,7 +1586,7 @@
           <a:p>
             <a:fld id="{6B35E7C1-0930-394A-BB48-132AAC6FC298}" type="datetimeFigureOut">
               <a:rPr lang="en-US" smtClean="0"/>
-              <a:t>3/31/13</a:t>
+              <a:t>4/1/13</a:t>
             </a:fld>
             <a:endParaRPr lang="en-US"/>
           </a:p>
@@ -1766,7 +1766,7 @@
           <a:p>
             <a:fld id="{6B35E7C1-0930-394A-BB48-132AAC6FC298}" type="datetimeFigureOut">
               <a:rPr lang="en-US" smtClean="0"/>
-              <a:t>3/31/13</a:t>
+              <a:t>4/1/13</a:t>
             </a:fld>
             <a:endParaRPr lang="en-US"/>
           </a:p>
@@ -1936,7 +1936,7 @@
           <a:p>
             <a:fld id="{6B35E7C1-0930-394A-BB48-132AAC6FC298}" type="datetimeFigureOut">
               <a:rPr lang="en-US" smtClean="0"/>
-              <a:t>3/31/13</a:t>
+              <a:t>4/1/13</a:t>
             </a:fld>
             <a:endParaRPr lang="en-US"/>
           </a:p>
@@ -2182,7 +2182,7 @@
           <a:p>
             <a:fld id="{6B35E7C1-0930-394A-BB48-132AAC6FC298}" type="datetimeFigureOut">
               <a:rPr lang="en-US" smtClean="0"/>
-              <a:t>3/31/13</a:t>
+              <a:t>4/1/13</a:t>
             </a:fld>
             <a:endParaRPr lang="en-US"/>
           </a:p>
@@ -2470,7 +2470,7 @@
           <a:p>
             <a:fld id="{6B35E7C1-0930-394A-BB48-132AAC6FC298}" type="datetimeFigureOut">
               <a:rPr lang="en-US" smtClean="0"/>
-              <a:t>3/31/13</a:t>
+              <a:t>4/1/13</a:t>
             </a:fld>
             <a:endParaRPr lang="en-US"/>
           </a:p>
@@ -2892,7 +2892,7 @@
           <a:p>
             <a:fld id="{6B35E7C1-0930-394A-BB48-132AAC6FC298}" type="datetimeFigureOut">
               <a:rPr lang="en-US" smtClean="0"/>
-              <a:t>3/31/13</a:t>
+              <a:t>4/1/13</a:t>
             </a:fld>
             <a:endParaRPr lang="en-US"/>
           </a:p>
@@ -3010,7 +3010,7 @@
           <a:p>
             <a:fld id="{6B35E7C1-0930-394A-BB48-132AAC6FC298}" type="datetimeFigureOut">
               <a:rPr lang="en-US" smtClean="0"/>
-              <a:t>3/31/13</a:t>
+              <a:t>4/1/13</a:t>
             </a:fld>
             <a:endParaRPr lang="en-US"/>
           </a:p>
@@ -3105,7 +3105,7 @@
           <a:p>
             <a:fld id="{6B35E7C1-0930-394A-BB48-132AAC6FC298}" type="datetimeFigureOut">
               <a:rPr lang="en-US" smtClean="0"/>
-              <a:t>3/31/13</a:t>
+              <a:t>4/1/13</a:t>
             </a:fld>
             <a:endParaRPr lang="en-US"/>
           </a:p>
@@ -3382,7 +3382,7 @@
           <a:p>
             <a:fld id="{6B35E7C1-0930-394A-BB48-132AAC6FC298}" type="datetimeFigureOut">
               <a:rPr lang="en-US" smtClean="0"/>
-              <a:t>3/31/13</a:t>
+              <a:t>4/1/13</a:t>
             </a:fld>
             <a:endParaRPr lang="en-US"/>
           </a:p>
@@ -3639,7 +3639,7 @@
           <a:p>
             <a:fld id="{6B35E7C1-0930-394A-BB48-132AAC6FC298}" type="datetimeFigureOut">
               <a:rPr lang="en-US" smtClean="0"/>
-              <a:t>3/31/13</a:t>
+              <a:t>4/1/13</a:t>
             </a:fld>
             <a:endParaRPr lang="en-US"/>
           </a:p>
@@ -3858,7 +3858,7 @@
           <a:p>
             <a:fld id="{6B35E7C1-0930-394A-BB48-132AAC6FC298}" type="datetimeFigureOut">
               <a:rPr lang="en-US" smtClean="0"/>
-              <a:t>3/31/13</a:t>
+              <a:t>4/1/13</a:t>
             </a:fld>
             <a:endParaRPr lang="en-US"/>
           </a:p>
@@ -4405,7 +4405,24 @@
                 <a:latin typeface="Segoe Light"/>
                 <a:cs typeface="Segoe Light"/>
               </a:rPr>
-              <a:t>We seek to measure and characterize latency as it relates to:</a:t>
+              <a:t>We seek to measure and characterize </a:t>
+            </a:r>
+            <a:r>
+              <a:rPr lang="en-US" dirty="0" smtClean="0">
+                <a:solidFill>
+                  <a:srgbClr val="FF0000"/>
+                </a:solidFill>
+                <a:latin typeface="Segoe Light"/>
+                <a:cs typeface="Segoe Light"/>
+              </a:rPr>
+              <a:t>latency</a:t>
+            </a:r>
+            <a:r>
+              <a:rPr lang="en-US" dirty="0" smtClean="0">
+                <a:latin typeface="Segoe Light"/>
+                <a:cs typeface="Segoe Light"/>
+              </a:rPr>
+              <a:t> as it relates to:</a:t>
             </a:r>
           </a:p>
           <a:p>
@@ -4966,11 +4983,39 @@
           <a:p>
             <a:pPr lvl="1"/>
             <a:r>
-              <a:rPr lang="en-US" sz="1600" dirty="0" smtClean="0">
-                <a:latin typeface="Segoe Light"/>
-                <a:cs typeface="Segoe Light"/>
-              </a:rPr>
-              <a:t>King, Turbo-King methods for arbitrary two hosts (use DNS recursive query)</a:t>
+              <a:rPr lang="en-US" sz="2000" dirty="0" smtClean="0">
+                <a:latin typeface="Segoe Light"/>
+                <a:cs typeface="Segoe Light"/>
+              </a:rPr>
+              <a:t>King, </a:t>
+            </a:r>
+            <a:r>
+              <a:rPr lang="en-US" sz="2000" dirty="0" smtClean="0">
+                <a:latin typeface="Segoe Light"/>
+                <a:cs typeface="Segoe Light"/>
+              </a:rPr>
+              <a:t>T-King </a:t>
+            </a:r>
+            <a:r>
+              <a:rPr lang="en-US" sz="2000" dirty="0" smtClean="0">
+                <a:latin typeface="Segoe Light"/>
+                <a:cs typeface="Segoe Light"/>
+              </a:rPr>
+              <a:t>methods for arbitrary two hosts </a:t>
+            </a:r>
+            <a:r>
+              <a:rPr lang="en-US" sz="2000" dirty="0" smtClean="0">
+                <a:latin typeface="Segoe Light"/>
+                <a:cs typeface="Segoe Light"/>
+              </a:rPr>
+              <a:t>(DNS </a:t>
+            </a:r>
+            <a:r>
+              <a:rPr lang="en-US" sz="2000" dirty="0" smtClean="0">
+                <a:latin typeface="Segoe Light"/>
+                <a:cs typeface="Segoe Light"/>
+              </a:rPr>
+              <a:t>recursive query)</a:t>
             </a:r>
           </a:p>
           <a:p>
@@ -4980,8 +5025,19 @@
                 <a:latin typeface="Segoe Light"/>
                 <a:cs typeface="Segoe Light"/>
               </a:rPr>
-              <a:t>Vern’s work on end-to-end dynamics</a:t>
-            </a:r>
+              <a:t>Vern’s work on end-to-end </a:t>
+            </a:r>
+            <a:r>
+              <a:rPr lang="en-US" sz="2000" dirty="0" smtClean="0">
+                <a:latin typeface="Segoe Light"/>
+                <a:cs typeface="Segoe Light"/>
+              </a:rPr>
+              <a:t>dynamics (~1995)</a:t>
+            </a:r>
+            <a:endParaRPr lang="en-US" sz="2000" dirty="0" smtClean="0">
+              <a:latin typeface="Segoe Light"/>
+              <a:cs typeface="Segoe Light"/>
+            </a:endParaRPr>
           </a:p>
           <a:p>
             <a:pPr lvl="1"/>

--- a/doc/MidTerm/MidTerm.pptx
+++ b/doc/MidTerm/MidTerm.pptx
@@ -200,7 +200,7 @@
           <a:p>
             <a:fld id="{A6609C19-3333-F748-BFA8-3DC416911B5B}" type="datetimeFigureOut">
               <a:rPr lang="en-US" smtClean="0"/>
-              <a:t>4/1/13</a:t>
+              <a:t>4/2/13</a:t>
             </a:fld>
             <a:endParaRPr lang="en-US"/>
           </a:p>
@@ -1416,7 +1416,7 @@
           <a:p>
             <a:fld id="{6B35E7C1-0930-394A-BB48-132AAC6FC298}" type="datetimeFigureOut">
               <a:rPr lang="en-US" smtClean="0"/>
-              <a:t>4/1/13</a:t>
+              <a:t>4/2/13</a:t>
             </a:fld>
             <a:endParaRPr lang="en-US"/>
           </a:p>
@@ -1586,7 +1586,7 @@
           <a:p>
             <a:fld id="{6B35E7C1-0930-394A-BB48-132AAC6FC298}" type="datetimeFigureOut">
               <a:rPr lang="en-US" smtClean="0"/>
-              <a:t>4/1/13</a:t>
+              <a:t>4/2/13</a:t>
             </a:fld>
             <a:endParaRPr lang="en-US"/>
           </a:p>
@@ -1766,7 +1766,7 @@
           <a:p>
             <a:fld id="{6B35E7C1-0930-394A-BB48-132AAC6FC298}" type="datetimeFigureOut">
               <a:rPr lang="en-US" smtClean="0"/>
-              <a:t>4/1/13</a:t>
+              <a:t>4/2/13</a:t>
             </a:fld>
             <a:endParaRPr lang="en-US"/>
           </a:p>
@@ -1936,7 +1936,7 @@
           <a:p>
             <a:fld id="{6B35E7C1-0930-394A-BB48-132AAC6FC298}" type="datetimeFigureOut">
               <a:rPr lang="en-US" smtClean="0"/>
-              <a:t>4/1/13</a:t>
+              <a:t>4/2/13</a:t>
             </a:fld>
             <a:endParaRPr lang="en-US"/>
           </a:p>
@@ -2182,7 +2182,7 @@
           <a:p>
             <a:fld id="{6B35E7C1-0930-394A-BB48-132AAC6FC298}" type="datetimeFigureOut">
               <a:rPr lang="en-US" smtClean="0"/>
-              <a:t>4/1/13</a:t>
+              <a:t>4/2/13</a:t>
             </a:fld>
             <a:endParaRPr lang="en-US"/>
           </a:p>
@@ -2470,7 +2470,7 @@
           <a:p>
             <a:fld id="{6B35E7C1-0930-394A-BB48-132AAC6FC298}" type="datetimeFigureOut">
               <a:rPr lang="en-US" smtClean="0"/>
-              <a:t>4/1/13</a:t>
+              <a:t>4/2/13</a:t>
             </a:fld>
             <a:endParaRPr lang="en-US"/>
           </a:p>
@@ -2892,7 +2892,7 @@
           <a:p>
             <a:fld id="{6B35E7C1-0930-394A-BB48-132AAC6FC298}" type="datetimeFigureOut">
               <a:rPr lang="en-US" smtClean="0"/>
-              <a:t>4/1/13</a:t>
+              <a:t>4/2/13</a:t>
             </a:fld>
             <a:endParaRPr lang="en-US"/>
           </a:p>
@@ -3010,7 +3010,7 @@
           <a:p>
             <a:fld id="{6B35E7C1-0930-394A-BB48-132AAC6FC298}" type="datetimeFigureOut">
               <a:rPr lang="en-US" smtClean="0"/>
-              <a:t>4/1/13</a:t>
+              <a:t>4/2/13</a:t>
             </a:fld>
             <a:endParaRPr lang="en-US"/>
           </a:p>
@@ -3105,7 +3105,7 @@
           <a:p>
             <a:fld id="{6B35E7C1-0930-394A-BB48-132AAC6FC298}" type="datetimeFigureOut">
               <a:rPr lang="en-US" smtClean="0"/>
-              <a:t>4/1/13</a:t>
+              <a:t>4/2/13</a:t>
             </a:fld>
             <a:endParaRPr lang="en-US"/>
           </a:p>
@@ -3382,7 +3382,7 @@
           <a:p>
             <a:fld id="{6B35E7C1-0930-394A-BB48-132AAC6FC298}" type="datetimeFigureOut">
               <a:rPr lang="en-US" smtClean="0"/>
-              <a:t>4/1/13</a:t>
+              <a:t>4/2/13</a:t>
             </a:fld>
             <a:endParaRPr lang="en-US"/>
           </a:p>
@@ -3639,7 +3639,7 @@
           <a:p>
             <a:fld id="{6B35E7C1-0930-394A-BB48-132AAC6FC298}" type="datetimeFigureOut">
               <a:rPr lang="en-US" smtClean="0"/>
-              <a:t>4/1/13</a:t>
+              <a:t>4/2/13</a:t>
             </a:fld>
             <a:endParaRPr lang="en-US"/>
           </a:p>
@@ -3858,7 +3858,7 @@
           <a:p>
             <a:fld id="{6B35E7C1-0930-394A-BB48-132AAC6FC298}" type="datetimeFigureOut">
               <a:rPr lang="en-US" smtClean="0"/>
-              <a:t>4/1/13</a:t>
+              <a:t>4/2/13</a:t>
             </a:fld>
             <a:endParaRPr lang="en-US"/>
           </a:p>
@@ -4987,57 +4987,18 @@
                 <a:latin typeface="Segoe Light"/>
                 <a:cs typeface="Segoe Light"/>
               </a:rPr>
-              <a:t>King, </a:t>
-            </a:r>
+              <a:t>King, T-King methods for arbitrary two hosts (DNS recursive query)</a:t>
+            </a:r>
+          </a:p>
+          <a:p>
+            <a:pPr lvl="1"/>
             <a:r>
               <a:rPr lang="en-US" sz="2000" dirty="0" smtClean="0">
                 <a:latin typeface="Segoe Light"/>
                 <a:cs typeface="Segoe Light"/>
               </a:rPr>
-              <a:t>T-King </a:t>
-            </a:r>
-            <a:r>
-              <a:rPr lang="en-US" sz="2000" dirty="0" smtClean="0">
-                <a:latin typeface="Segoe Light"/>
-                <a:cs typeface="Segoe Light"/>
-              </a:rPr>
-              <a:t>methods for arbitrary two hosts </a:t>
-            </a:r>
-            <a:r>
-              <a:rPr lang="en-US" sz="2000" dirty="0" smtClean="0">
-                <a:latin typeface="Segoe Light"/>
-                <a:cs typeface="Segoe Light"/>
-              </a:rPr>
-              <a:t>(DNS </a:t>
-            </a:r>
-            <a:r>
-              <a:rPr lang="en-US" sz="2000" dirty="0" smtClean="0">
-                <a:latin typeface="Segoe Light"/>
-                <a:cs typeface="Segoe Light"/>
-              </a:rPr>
-              <a:t>recursive query)</a:t>
-            </a:r>
-          </a:p>
-          <a:p>
-            <a:pPr lvl="1"/>
-            <a:r>
-              <a:rPr lang="en-US" sz="2000" dirty="0" smtClean="0">
-                <a:latin typeface="Segoe Light"/>
-                <a:cs typeface="Segoe Light"/>
-              </a:rPr>
-              <a:t>Vern’s work on end-to-end </a:t>
-            </a:r>
-            <a:r>
-              <a:rPr lang="en-US" sz="2000" dirty="0" smtClean="0">
-                <a:latin typeface="Segoe Light"/>
-                <a:cs typeface="Segoe Light"/>
-              </a:rPr>
-              <a:t>dynamics (~1995)</a:t>
-            </a:r>
-            <a:endParaRPr lang="en-US" sz="2000" dirty="0" smtClean="0">
-              <a:latin typeface="Segoe Light"/>
-              <a:cs typeface="Segoe Light"/>
-            </a:endParaRPr>
+              <a:t>Vern’s work on end-to-end dynamics (~1995)</a:t>
+            </a:r>
           </a:p>
           <a:p>
             <a:pPr lvl="1"/>
@@ -7777,1504 +7738,1577 @@
           </a:p>
         </p:txBody>
       </p:sp>
-      <p:sp>
-        <p:nvSpPr>
-          <p:cNvPr id="5" name="TextBox 4"/>
-          <p:cNvSpPr txBox="1"/>
+      <p:grpSp>
+        <p:nvGrpSpPr>
+          <p:cNvPr id="8" name="Group 7"/>
+          <p:cNvGrpSpPr/>
           <p:nvPr/>
-        </p:nvSpPr>
+        </p:nvGrpSpPr>
+        <p:grpSpPr>
+          <a:xfrm>
+            <a:off x="5069429" y="152083"/>
+            <a:ext cx="4372091" cy="6560479"/>
+            <a:chOff x="5069429" y="152083"/>
+            <a:chExt cx="4372091" cy="6560479"/>
+          </a:xfrm>
+        </p:grpSpPr>
+        <p:sp>
+          <p:nvSpPr>
+            <p:cNvPr id="5" name="TextBox 4"/>
+            <p:cNvSpPr txBox="1"/>
+            <p:nvPr/>
+          </p:nvSpPr>
+          <p:spPr>
+            <a:xfrm>
+              <a:off x="6422789" y="618676"/>
+              <a:ext cx="184666" cy="369332"/>
+            </a:xfrm>
+            <a:prstGeom prst="rect">
+              <a:avLst/>
+            </a:prstGeom>
+            <a:noFill/>
+          </p:spPr>
+          <p:txBody>
+            <a:bodyPr wrap="none" rtlCol="0">
+              <a:spAutoFit/>
+            </a:bodyPr>
+            <a:lstStyle/>
+            <a:p>
+              <a:endParaRPr lang="en-US" dirty="0"/>
+            </a:p>
+          </p:txBody>
+        </p:sp>
+        <p:sp>
+          <p:nvSpPr>
+            <p:cNvPr id="6" name="Rectangle 5"/>
+            <p:cNvSpPr/>
+            <p:nvPr/>
+          </p:nvSpPr>
+          <p:spPr>
+            <a:xfrm>
+              <a:off x="5069430" y="152083"/>
+              <a:ext cx="2827922" cy="384246"/>
+            </a:xfrm>
+            <a:prstGeom prst="rect">
+              <a:avLst/>
+            </a:prstGeom>
+            <a:solidFill>
+              <a:schemeClr val="bg1">
+                <a:lumMod val="65000"/>
+                <a:lumOff val="35000"/>
+              </a:schemeClr>
+            </a:solidFill>
+            <a:ln>
+              <a:noFill/>
+            </a:ln>
+          </p:spPr>
+          <p:style>
+            <a:lnRef idx="1">
+              <a:schemeClr val="accent1"/>
+            </a:lnRef>
+            <a:fillRef idx="3">
+              <a:schemeClr val="accent1"/>
+            </a:fillRef>
+            <a:effectRef idx="2">
+              <a:schemeClr val="accent1"/>
+            </a:effectRef>
+            <a:fontRef idx="minor">
+              <a:schemeClr val="lt1"/>
+            </a:fontRef>
+          </p:style>
+          <p:txBody>
+            <a:bodyPr rtlCol="0" anchor="ctr"/>
+            <a:lstStyle/>
+            <a:p>
+              <a:pPr algn="ctr"/>
+              <a:r>
+                <a:rPr lang="en-US" dirty="0">
+                  <a:latin typeface="Segoe Light"/>
+                  <a:cs typeface="Segoe Light"/>
+                </a:rPr>
+                <a:t>[AS0] </a:t>
+              </a:r>
+              <a:r>
+                <a:rPr lang="en-US" dirty="0" smtClean="0">
+                  <a:latin typeface="Segoe Light"/>
+                  <a:cs typeface="Segoe Light"/>
+                </a:rPr>
+                <a:t>172.20.10.1</a:t>
+              </a:r>
+              <a:endParaRPr lang="en-US" dirty="0">
+                <a:latin typeface="Segoe Light"/>
+                <a:cs typeface="Segoe Light"/>
+              </a:endParaRPr>
+            </a:p>
+          </p:txBody>
+        </p:sp>
+        <p:sp>
+          <p:nvSpPr>
+            <p:cNvPr id="28" name="Rectangle 27"/>
+            <p:cNvSpPr/>
+            <p:nvPr/>
+          </p:nvSpPr>
+          <p:spPr>
+            <a:xfrm>
+              <a:off x="5069429" y="1024641"/>
+              <a:ext cx="2827923" cy="384246"/>
+            </a:xfrm>
+            <a:prstGeom prst="rect">
+              <a:avLst/>
+            </a:prstGeom>
+            <a:solidFill>
+              <a:schemeClr val="bg1">
+                <a:lumMod val="65000"/>
+                <a:lumOff val="35000"/>
+              </a:schemeClr>
+            </a:solidFill>
+            <a:ln>
+              <a:noFill/>
+            </a:ln>
+          </p:spPr>
+          <p:style>
+            <a:lnRef idx="1">
+              <a:schemeClr val="accent1"/>
+            </a:lnRef>
+            <a:fillRef idx="3">
+              <a:schemeClr val="accent1"/>
+            </a:fillRef>
+            <a:effectRef idx="2">
+              <a:schemeClr val="accent1"/>
+            </a:effectRef>
+            <a:fontRef idx="minor">
+              <a:schemeClr val="lt1"/>
+            </a:fontRef>
+          </p:style>
+          <p:txBody>
+            <a:bodyPr rtlCol="0" anchor="ctr"/>
+            <a:lstStyle/>
+            <a:p>
+              <a:pPr algn="ctr"/>
+              <a:r>
+                <a:rPr lang="en-US" dirty="0" smtClean="0">
+                  <a:latin typeface="Segoe Light"/>
+                  <a:cs typeface="Segoe Light"/>
+                </a:rPr>
+                <a:t>[AS16509] 172.26.241.133</a:t>
+              </a:r>
+              <a:endParaRPr lang="en-US" dirty="0">
+                <a:latin typeface="Segoe Light"/>
+                <a:cs typeface="Segoe Light"/>
+              </a:endParaRPr>
+            </a:p>
+          </p:txBody>
+        </p:sp>
+        <p:sp>
+          <p:nvSpPr>
+            <p:cNvPr id="29" name="Rectangle 28"/>
+            <p:cNvSpPr/>
+            <p:nvPr/>
+          </p:nvSpPr>
+          <p:spPr>
+            <a:xfrm>
+              <a:off x="5069430" y="584944"/>
+              <a:ext cx="2827922" cy="384246"/>
+            </a:xfrm>
+            <a:prstGeom prst="rect">
+              <a:avLst/>
+            </a:prstGeom>
+            <a:solidFill>
+              <a:schemeClr val="bg1">
+                <a:lumMod val="65000"/>
+                <a:lumOff val="35000"/>
+              </a:schemeClr>
+            </a:solidFill>
+            <a:ln>
+              <a:noFill/>
+            </a:ln>
+          </p:spPr>
+          <p:style>
+            <a:lnRef idx="1">
+              <a:schemeClr val="accent1"/>
+            </a:lnRef>
+            <a:fillRef idx="3">
+              <a:schemeClr val="accent1"/>
+            </a:fillRef>
+            <a:effectRef idx="2">
+              <a:schemeClr val="accent1"/>
+            </a:effectRef>
+            <a:fontRef idx="minor">
+              <a:schemeClr val="lt1"/>
+            </a:fontRef>
+          </p:style>
+          <p:txBody>
+            <a:bodyPr rtlCol="0" anchor="ctr"/>
+            <a:lstStyle/>
+            <a:p>
+              <a:pPr algn="ctr"/>
+              <a:r>
+                <a:rPr lang="en-US" dirty="0" smtClean="0">
+                  <a:latin typeface="Segoe Light"/>
+                  <a:cs typeface="Segoe Light"/>
+                </a:rPr>
+                <a:t>[AS16509] 172.26.236.2</a:t>
+              </a:r>
+              <a:endParaRPr lang="en-US" dirty="0">
+                <a:latin typeface="Segoe Light"/>
+                <a:cs typeface="Segoe Light"/>
+              </a:endParaRPr>
+            </a:p>
+          </p:txBody>
+        </p:sp>
+        <p:sp>
+          <p:nvSpPr>
+            <p:cNvPr id="30" name="Rectangle 29"/>
+            <p:cNvSpPr/>
+            <p:nvPr/>
+          </p:nvSpPr>
+          <p:spPr>
+            <a:xfrm>
+              <a:off x="5069430" y="1462745"/>
+              <a:ext cx="2827923" cy="868599"/>
+            </a:xfrm>
+            <a:prstGeom prst="rect">
+              <a:avLst/>
+            </a:prstGeom>
+            <a:solidFill>
+              <a:schemeClr val="bg1">
+                <a:lumMod val="65000"/>
+                <a:lumOff val="35000"/>
+              </a:schemeClr>
+            </a:solidFill>
+            <a:ln>
+              <a:noFill/>
+            </a:ln>
+          </p:spPr>
+          <p:style>
+            <a:lnRef idx="1">
+              <a:schemeClr val="accent1"/>
+            </a:lnRef>
+            <a:fillRef idx="3">
+              <a:schemeClr val="accent1"/>
+            </a:fillRef>
+            <a:effectRef idx="2">
+              <a:schemeClr val="accent1"/>
+            </a:effectRef>
+            <a:fontRef idx="minor">
+              <a:schemeClr val="lt1"/>
+            </a:fontRef>
+          </p:style>
+          <p:txBody>
+            <a:bodyPr rtlCol="0" anchor="ctr"/>
+            <a:lstStyle/>
+            <a:p>
+              <a:pPr algn="ctr"/>
+              <a:r>
+                <a:rPr lang="en-US" dirty="0" smtClean="0">
+                  <a:latin typeface="Segoe Light"/>
+                  <a:cs typeface="Segoe Light"/>
+                </a:rPr>
+                <a:t>[AS0] 172.26.96.10/172.26.96.11</a:t>
+              </a:r>
+            </a:p>
+            <a:p>
+              <a:pPr algn="ctr"/>
+              <a:r>
+                <a:rPr lang="en-US" dirty="0">
+                  <a:latin typeface="Segoe Light"/>
+                  <a:cs typeface="Segoe Light"/>
+                </a:rPr>
+                <a:t>172.26.96.3/</a:t>
+              </a:r>
+              <a:r>
+                <a:rPr lang="en-US" dirty="0" smtClean="0">
+                  <a:latin typeface="Segoe Light"/>
+                  <a:cs typeface="Segoe Light"/>
+                </a:rPr>
+                <a:t>172.26.96.2</a:t>
+              </a:r>
+              <a:endParaRPr lang="en-US" dirty="0">
+                <a:latin typeface="Segoe Light"/>
+                <a:cs typeface="Segoe Light"/>
+              </a:endParaRPr>
+            </a:p>
+          </p:txBody>
+        </p:sp>
+        <p:sp>
+          <p:nvSpPr>
+            <p:cNvPr id="32" name="Rectangle 31"/>
+            <p:cNvSpPr/>
+            <p:nvPr/>
+          </p:nvSpPr>
+          <p:spPr>
+            <a:xfrm>
+              <a:off x="5069429" y="2389112"/>
+              <a:ext cx="2827923" cy="384246"/>
+            </a:xfrm>
+            <a:prstGeom prst="rect">
+              <a:avLst/>
+            </a:prstGeom>
+            <a:solidFill>
+              <a:schemeClr val="bg1">
+                <a:lumMod val="65000"/>
+                <a:lumOff val="35000"/>
+              </a:schemeClr>
+            </a:solidFill>
+            <a:ln>
+              <a:noFill/>
+            </a:ln>
+          </p:spPr>
+          <p:style>
+            <a:lnRef idx="1">
+              <a:schemeClr val="accent1"/>
+            </a:lnRef>
+            <a:fillRef idx="3">
+              <a:schemeClr val="accent1"/>
+            </a:fillRef>
+            <a:effectRef idx="2">
+              <a:schemeClr val="accent1"/>
+            </a:effectRef>
+            <a:fontRef idx="minor">
+              <a:schemeClr val="lt1"/>
+            </a:fontRef>
+          </p:style>
+          <p:txBody>
+            <a:bodyPr rtlCol="0" anchor="ctr"/>
+            <a:lstStyle/>
+            <a:p>
+              <a:pPr algn="ctr"/>
+              <a:r>
+                <a:rPr lang="en-US" dirty="0" smtClean="0">
+                  <a:latin typeface="Segoe Light"/>
+                  <a:cs typeface="Segoe Light"/>
+                </a:rPr>
+                <a:t>[AS0] 172.26.96.193</a:t>
+              </a:r>
+              <a:endParaRPr lang="en-US" dirty="0">
+                <a:latin typeface="Segoe Light"/>
+                <a:cs typeface="Segoe Light"/>
+              </a:endParaRPr>
+            </a:p>
+          </p:txBody>
+        </p:sp>
+        <p:sp>
+          <p:nvSpPr>
+            <p:cNvPr id="33" name="Rectangle 32"/>
+            <p:cNvSpPr/>
+            <p:nvPr/>
+          </p:nvSpPr>
+          <p:spPr>
+            <a:xfrm>
+              <a:off x="5069430" y="2836355"/>
+              <a:ext cx="2827923" cy="384246"/>
+            </a:xfrm>
+            <a:prstGeom prst="rect">
+              <a:avLst/>
+            </a:prstGeom>
+            <a:solidFill>
+              <a:schemeClr val="bg1">
+                <a:lumMod val="65000"/>
+                <a:lumOff val="35000"/>
+              </a:schemeClr>
+            </a:solidFill>
+            <a:ln>
+              <a:noFill/>
+            </a:ln>
+          </p:spPr>
+          <p:style>
+            <a:lnRef idx="1">
+              <a:schemeClr val="accent1"/>
+            </a:lnRef>
+            <a:fillRef idx="3">
+              <a:schemeClr val="accent1"/>
+            </a:fillRef>
+            <a:effectRef idx="2">
+              <a:schemeClr val="accent1"/>
+            </a:effectRef>
+            <a:fontRef idx="minor">
+              <a:schemeClr val="lt1"/>
+            </a:fontRef>
+          </p:style>
+          <p:txBody>
+            <a:bodyPr rtlCol="0" anchor="ctr"/>
+            <a:lstStyle/>
+            <a:p>
+              <a:pPr algn="ctr"/>
+              <a:r>
+                <a:rPr lang="en-US" dirty="0" smtClean="0">
+                  <a:latin typeface="Segoe Light"/>
+                  <a:cs typeface="Segoe Light"/>
+                </a:rPr>
+                <a:t>[AS0] 172.16.121.113</a:t>
+              </a:r>
+              <a:endParaRPr lang="en-US" dirty="0">
+                <a:latin typeface="Segoe Light"/>
+                <a:cs typeface="Segoe Light"/>
+              </a:endParaRPr>
+            </a:p>
+          </p:txBody>
+        </p:sp>
+        <p:sp>
+          <p:nvSpPr>
+            <p:cNvPr id="34" name="Rectangle 33"/>
+            <p:cNvSpPr/>
+            <p:nvPr/>
+          </p:nvSpPr>
+          <p:spPr>
+            <a:xfrm>
+              <a:off x="5069430" y="3286342"/>
+              <a:ext cx="2827923" cy="384246"/>
+            </a:xfrm>
+            <a:prstGeom prst="rect">
+              <a:avLst/>
+            </a:prstGeom>
+            <a:solidFill>
+              <a:schemeClr val="bg1">
+                <a:lumMod val="65000"/>
+                <a:lumOff val="35000"/>
+              </a:schemeClr>
+            </a:solidFill>
+            <a:ln>
+              <a:noFill/>
+            </a:ln>
+          </p:spPr>
+          <p:style>
+            <a:lnRef idx="1">
+              <a:schemeClr val="accent1"/>
+            </a:lnRef>
+            <a:fillRef idx="3">
+              <a:schemeClr val="accent1"/>
+            </a:fillRef>
+            <a:effectRef idx="2">
+              <a:schemeClr val="accent1"/>
+            </a:effectRef>
+            <a:fontRef idx="minor">
+              <a:schemeClr val="lt1"/>
+            </a:fontRef>
+          </p:style>
+          <p:txBody>
+            <a:bodyPr rtlCol="0" anchor="ctr"/>
+            <a:lstStyle/>
+            <a:p>
+              <a:pPr algn="ctr"/>
+              <a:r>
+                <a:rPr lang="en-US" dirty="0" smtClean="0">
+                  <a:latin typeface="Segoe Light"/>
+                  <a:cs typeface="Segoe Light"/>
+                </a:rPr>
+                <a:t>[AS7018] 12.249.2.49</a:t>
+              </a:r>
+              <a:endParaRPr lang="en-US" dirty="0">
+                <a:latin typeface="Segoe Light"/>
+                <a:cs typeface="Segoe Light"/>
+              </a:endParaRPr>
+            </a:p>
+          </p:txBody>
+        </p:sp>
+        <p:sp>
+          <p:nvSpPr>
+            <p:cNvPr id="35" name="Rectangle 34"/>
+            <p:cNvSpPr/>
+            <p:nvPr/>
+          </p:nvSpPr>
+          <p:spPr>
+            <a:xfrm>
+              <a:off x="5069430" y="3735576"/>
+              <a:ext cx="2827923" cy="384246"/>
+            </a:xfrm>
+            <a:prstGeom prst="rect">
+              <a:avLst/>
+            </a:prstGeom>
+            <a:solidFill>
+              <a:schemeClr val="bg1">
+                <a:lumMod val="65000"/>
+                <a:lumOff val="35000"/>
+              </a:schemeClr>
+            </a:solidFill>
+            <a:ln>
+              <a:noFill/>
+            </a:ln>
+          </p:spPr>
+          <p:style>
+            <a:lnRef idx="1">
+              <a:schemeClr val="accent1"/>
+            </a:lnRef>
+            <a:fillRef idx="3">
+              <a:schemeClr val="accent1"/>
+            </a:fillRef>
+            <a:effectRef idx="2">
+              <a:schemeClr val="accent1"/>
+            </a:effectRef>
+            <a:fontRef idx="minor">
+              <a:schemeClr val="lt1"/>
+            </a:fontRef>
+          </p:style>
+          <p:txBody>
+            <a:bodyPr rtlCol="0" anchor="ctr"/>
+            <a:lstStyle/>
+            <a:p>
+              <a:pPr algn="ctr"/>
+              <a:r>
+                <a:rPr lang="en-US" dirty="0">
+                  <a:latin typeface="Segoe Light"/>
+                  <a:cs typeface="Segoe Light"/>
+                </a:rPr>
+                <a:t>[AS7018] </a:t>
+              </a:r>
+              <a:r>
+                <a:rPr lang="en-US" dirty="0" smtClean="0">
+                  <a:latin typeface="Segoe Light"/>
+                  <a:cs typeface="Segoe Light"/>
+                </a:rPr>
+                <a:t>12.83.180.82</a:t>
+              </a:r>
+              <a:endParaRPr lang="en-US" dirty="0">
+                <a:latin typeface="Segoe Light"/>
+                <a:cs typeface="Segoe Light"/>
+              </a:endParaRPr>
+            </a:p>
+          </p:txBody>
+        </p:sp>
+        <p:sp>
+          <p:nvSpPr>
+            <p:cNvPr id="36" name="Rectangle 35"/>
+            <p:cNvSpPr/>
+            <p:nvPr/>
+          </p:nvSpPr>
+          <p:spPr>
+            <a:xfrm>
+              <a:off x="5069429" y="4169976"/>
+              <a:ext cx="2827923" cy="850358"/>
+            </a:xfrm>
+            <a:prstGeom prst="rect">
+              <a:avLst/>
+            </a:prstGeom>
+            <a:solidFill>
+              <a:schemeClr val="bg1">
+                <a:lumMod val="65000"/>
+                <a:lumOff val="35000"/>
+              </a:schemeClr>
+            </a:solidFill>
+            <a:ln>
+              <a:noFill/>
+            </a:ln>
+          </p:spPr>
+          <p:style>
+            <a:lnRef idx="1">
+              <a:schemeClr val="accent1"/>
+            </a:lnRef>
+            <a:fillRef idx="3">
+              <a:schemeClr val="accent1"/>
+            </a:fillRef>
+            <a:effectRef idx="2">
+              <a:schemeClr val="accent1"/>
+            </a:effectRef>
+            <a:fontRef idx="minor">
+              <a:schemeClr val="lt1"/>
+            </a:fontRef>
+          </p:style>
+          <p:txBody>
+            <a:bodyPr rtlCol="0" anchor="ctr"/>
+            <a:lstStyle/>
+            <a:p>
+              <a:pPr algn="ctr"/>
+              <a:r>
+                <a:rPr lang="en-US" dirty="0">
+                  <a:latin typeface="Segoe Light"/>
+                  <a:cs typeface="Segoe Light"/>
+                </a:rPr>
+                <a:t>[AS7018</a:t>
+              </a:r>
+              <a:r>
+                <a:rPr lang="en-US" dirty="0" smtClean="0">
+                  <a:latin typeface="Segoe Light"/>
+                  <a:cs typeface="Segoe Light"/>
+                </a:rPr>
+                <a:t>]</a:t>
+              </a:r>
+            </a:p>
+            <a:p>
+              <a:pPr algn="ctr"/>
+              <a:r>
+                <a:rPr lang="en-US" dirty="0">
+                  <a:latin typeface="Segoe Light"/>
+                  <a:cs typeface="Segoe Light"/>
+                </a:rPr>
+                <a:t>12.122.200.9/12.122.114.5</a:t>
+              </a:r>
+              <a:endParaRPr lang="en-US" dirty="0" smtClean="0">
+                <a:latin typeface="Segoe Light"/>
+                <a:cs typeface="Segoe Light"/>
+              </a:endParaRPr>
+            </a:p>
+            <a:p>
+              <a:pPr algn="ctr"/>
+              <a:r>
+                <a:rPr lang="en-US" dirty="0" smtClean="0">
+                  <a:latin typeface="Segoe Light"/>
+                  <a:cs typeface="Segoe Light"/>
+                </a:rPr>
+                <a:t>12.122.1.118/12.122.8.79…</a:t>
+              </a:r>
+              <a:endParaRPr lang="en-US" dirty="0">
+                <a:latin typeface="Segoe Light"/>
+                <a:cs typeface="Segoe Light"/>
+              </a:endParaRPr>
+            </a:p>
+          </p:txBody>
+        </p:sp>
+        <p:sp>
+          <p:nvSpPr>
+            <p:cNvPr id="37" name="Rectangle 36"/>
+            <p:cNvSpPr/>
+            <p:nvPr/>
+          </p:nvSpPr>
+          <p:spPr>
+            <a:xfrm>
+              <a:off x="5069430" y="5077542"/>
+              <a:ext cx="2827923" cy="1158303"/>
+            </a:xfrm>
+            <a:prstGeom prst="rect">
+              <a:avLst/>
+            </a:prstGeom>
+            <a:solidFill>
+              <a:schemeClr val="bg1">
+                <a:lumMod val="65000"/>
+                <a:lumOff val="35000"/>
+              </a:schemeClr>
+            </a:solidFill>
+            <a:ln>
+              <a:noFill/>
+            </a:ln>
+          </p:spPr>
+          <p:style>
+            <a:lnRef idx="1">
+              <a:schemeClr val="accent1"/>
+            </a:lnRef>
+            <a:fillRef idx="3">
+              <a:schemeClr val="accent1"/>
+            </a:fillRef>
+            <a:effectRef idx="2">
+              <a:schemeClr val="accent1"/>
+            </a:effectRef>
+            <a:fontRef idx="minor">
+              <a:schemeClr val="lt1"/>
+            </a:fontRef>
+          </p:style>
+          <p:txBody>
+            <a:bodyPr rtlCol="0" anchor="ctr"/>
+            <a:lstStyle/>
+            <a:p>
+              <a:pPr algn="ctr"/>
+              <a:r>
+                <a:rPr lang="en-US" dirty="0">
+                  <a:latin typeface="Segoe Light"/>
+                  <a:cs typeface="Segoe Light"/>
+                </a:rPr>
+                <a:t>[AS7018</a:t>
+              </a:r>
+              <a:r>
+                <a:rPr lang="en-US" dirty="0" smtClean="0">
+                  <a:latin typeface="Segoe Light"/>
+                  <a:cs typeface="Segoe Light"/>
+                </a:rPr>
+                <a:t>]</a:t>
+              </a:r>
+            </a:p>
+            <a:p>
+              <a:pPr algn="ctr"/>
+              <a:r>
+                <a:rPr lang="en-US" dirty="0">
+                  <a:latin typeface="Segoe Light"/>
+                  <a:cs typeface="Segoe Light"/>
+                </a:rPr>
+                <a:t>12.122.114.21/</a:t>
+              </a:r>
+              <a:r>
+                <a:rPr lang="en-US" dirty="0" smtClean="0">
+                  <a:latin typeface="Segoe Light"/>
+                  <a:cs typeface="Segoe Light"/>
+                </a:rPr>
+                <a:t>12.123.30.5 </a:t>
+              </a:r>
+              <a:endParaRPr lang="en-US" dirty="0">
+                <a:latin typeface="Segoe Light"/>
+                <a:cs typeface="Segoe Light"/>
+              </a:endParaRPr>
+            </a:p>
+            <a:p>
+              <a:pPr algn="ctr"/>
+              <a:r>
+                <a:rPr lang="en-US" dirty="0" smtClean="0">
+                  <a:latin typeface="Segoe Light"/>
+                  <a:cs typeface="Segoe Light"/>
+                </a:rPr>
+                <a:t>[AS0]</a:t>
+              </a:r>
+            </a:p>
+            <a:p>
+              <a:pPr algn="ctr"/>
+              <a:r>
+                <a:rPr lang="en-US" dirty="0" smtClean="0">
+                  <a:latin typeface="Segoe Light"/>
+                  <a:cs typeface="Segoe Light"/>
+                </a:rPr>
+                <a:t>192.205.33.46/…</a:t>
+              </a:r>
+              <a:endParaRPr lang="en-US" dirty="0">
+                <a:latin typeface="Segoe Light"/>
+                <a:cs typeface="Segoe Light"/>
+              </a:endParaRPr>
+            </a:p>
+          </p:txBody>
+        </p:sp>
+        <p:sp>
+          <p:nvSpPr>
+            <p:cNvPr id="43" name="TextBox 42"/>
+            <p:cNvSpPr txBox="1"/>
+            <p:nvPr/>
+          </p:nvSpPr>
+          <p:spPr>
+            <a:xfrm>
+              <a:off x="9373334" y="618676"/>
+              <a:ext cx="68186" cy="369332"/>
+            </a:xfrm>
+            <a:prstGeom prst="rect">
+              <a:avLst/>
+            </a:prstGeom>
+            <a:noFill/>
+          </p:spPr>
+          <p:txBody>
+            <a:bodyPr wrap="square" rtlCol="0">
+              <a:spAutoFit/>
+            </a:bodyPr>
+            <a:lstStyle/>
+            <a:p>
+              <a:endParaRPr lang="en-US" dirty="0"/>
+            </a:p>
+          </p:txBody>
+        </p:sp>
+        <p:sp>
+          <p:nvSpPr>
+            <p:cNvPr id="44" name="Rectangle 43"/>
+            <p:cNvSpPr/>
+            <p:nvPr/>
+          </p:nvSpPr>
+          <p:spPr>
+            <a:xfrm>
+              <a:off x="8019974" y="152083"/>
+              <a:ext cx="1044185" cy="384246"/>
+            </a:xfrm>
+            <a:prstGeom prst="rect">
+              <a:avLst/>
+            </a:prstGeom>
+            <a:solidFill>
+              <a:schemeClr val="bg1">
+                <a:lumMod val="65000"/>
+                <a:lumOff val="35000"/>
+              </a:schemeClr>
+            </a:solidFill>
+            <a:ln>
+              <a:noFill/>
+            </a:ln>
+          </p:spPr>
+          <p:style>
+            <a:lnRef idx="1">
+              <a:schemeClr val="accent1"/>
+            </a:lnRef>
+            <a:fillRef idx="3">
+              <a:schemeClr val="accent1"/>
+            </a:fillRef>
+            <a:effectRef idx="2">
+              <a:schemeClr val="accent1"/>
+            </a:effectRef>
+            <a:fontRef idx="minor">
+              <a:schemeClr val="lt1"/>
+            </a:fontRef>
+          </p:style>
+          <p:txBody>
+            <a:bodyPr rtlCol="0" anchor="ctr"/>
+            <a:lstStyle/>
+            <a:p>
+              <a:pPr algn="ctr"/>
+              <a:r>
+                <a:rPr lang="en-US" dirty="0" smtClean="0">
+                  <a:latin typeface="Segoe Light"/>
+                  <a:cs typeface="Segoe Light"/>
+                </a:rPr>
+                <a:t>~0.7 </a:t>
+              </a:r>
+              <a:r>
+                <a:rPr lang="en-US" dirty="0" err="1" smtClean="0">
+                  <a:latin typeface="Segoe Light"/>
+                  <a:cs typeface="Segoe Light"/>
+                </a:rPr>
+                <a:t>ms</a:t>
+              </a:r>
+              <a:endParaRPr lang="en-US" dirty="0">
+                <a:latin typeface="Segoe Light"/>
+                <a:cs typeface="Segoe Light"/>
+              </a:endParaRPr>
+            </a:p>
+          </p:txBody>
+        </p:sp>
+        <p:sp>
+          <p:nvSpPr>
+            <p:cNvPr id="45" name="Rectangle 44"/>
+            <p:cNvSpPr/>
+            <p:nvPr/>
+          </p:nvSpPr>
+          <p:spPr>
+            <a:xfrm>
+              <a:off x="8019974" y="1024641"/>
+              <a:ext cx="1044186" cy="384246"/>
+            </a:xfrm>
+            <a:prstGeom prst="rect">
+              <a:avLst/>
+            </a:prstGeom>
+            <a:solidFill>
+              <a:schemeClr val="bg1">
+                <a:lumMod val="65000"/>
+                <a:lumOff val="35000"/>
+              </a:schemeClr>
+            </a:solidFill>
+            <a:ln>
+              <a:noFill/>
+            </a:ln>
+          </p:spPr>
+          <p:style>
+            <a:lnRef idx="1">
+              <a:schemeClr val="accent1"/>
+            </a:lnRef>
+            <a:fillRef idx="3">
+              <a:schemeClr val="accent1"/>
+            </a:fillRef>
+            <a:effectRef idx="2">
+              <a:schemeClr val="accent1"/>
+            </a:effectRef>
+            <a:fontRef idx="minor">
+              <a:schemeClr val="lt1"/>
+            </a:fontRef>
+          </p:style>
+          <p:txBody>
+            <a:bodyPr rtlCol="0" anchor="ctr"/>
+            <a:lstStyle/>
+            <a:p>
+              <a:pPr algn="ctr"/>
+              <a:r>
+                <a:rPr lang="en-US" dirty="0" smtClean="0">
+                  <a:latin typeface="Segoe Light"/>
+                  <a:cs typeface="Segoe Light"/>
+                </a:rPr>
+                <a:t>~</a:t>
+              </a:r>
+              <a:r>
+                <a:rPr lang="en-US" dirty="0" smtClean="0">
+                  <a:latin typeface="Segoe Light"/>
+                  <a:cs typeface="Segoe Light"/>
+                </a:rPr>
+                <a:t>35 </a:t>
+              </a:r>
+              <a:r>
+                <a:rPr lang="en-US" dirty="0" err="1" smtClean="0">
+                  <a:latin typeface="Segoe Light"/>
+                  <a:cs typeface="Segoe Light"/>
+                </a:rPr>
+                <a:t>ms</a:t>
+              </a:r>
+              <a:endParaRPr lang="en-US" dirty="0">
+                <a:latin typeface="Segoe Light"/>
+                <a:cs typeface="Segoe Light"/>
+              </a:endParaRPr>
+            </a:p>
+          </p:txBody>
+        </p:sp>
+        <p:sp>
+          <p:nvSpPr>
+            <p:cNvPr id="46" name="Rectangle 45"/>
+            <p:cNvSpPr/>
+            <p:nvPr/>
+          </p:nvSpPr>
+          <p:spPr>
+            <a:xfrm>
+              <a:off x="8019974" y="584944"/>
+              <a:ext cx="1044185" cy="384246"/>
+            </a:xfrm>
+            <a:prstGeom prst="rect">
+              <a:avLst/>
+            </a:prstGeom>
+            <a:solidFill>
+              <a:schemeClr val="bg1">
+                <a:lumMod val="65000"/>
+                <a:lumOff val="35000"/>
+              </a:schemeClr>
+            </a:solidFill>
+            <a:ln>
+              <a:noFill/>
+            </a:ln>
+          </p:spPr>
+          <p:style>
+            <a:lnRef idx="1">
+              <a:schemeClr val="accent1"/>
+            </a:lnRef>
+            <a:fillRef idx="3">
+              <a:schemeClr val="accent1"/>
+            </a:fillRef>
+            <a:effectRef idx="2">
+              <a:schemeClr val="accent1"/>
+            </a:effectRef>
+            <a:fontRef idx="minor">
+              <a:schemeClr val="lt1"/>
+            </a:fontRef>
+          </p:style>
+          <p:txBody>
+            <a:bodyPr rtlCol="0" anchor="ctr"/>
+            <a:lstStyle/>
+            <a:p>
+              <a:pPr algn="ctr"/>
+              <a:r>
+                <a:rPr lang="en-US" dirty="0" smtClean="0">
+                  <a:latin typeface="Segoe Light"/>
+                  <a:cs typeface="Segoe Light"/>
+                </a:rPr>
+                <a:t>~</a:t>
+              </a:r>
+              <a:r>
+                <a:rPr lang="en-US" dirty="0" smtClean="0">
+                  <a:latin typeface="Segoe Light"/>
+                  <a:cs typeface="Segoe Light"/>
+                </a:rPr>
+                <a:t>35 </a:t>
+              </a:r>
+              <a:r>
+                <a:rPr lang="en-US" dirty="0" err="1" smtClean="0">
+                  <a:latin typeface="Segoe Light"/>
+                  <a:cs typeface="Segoe Light"/>
+                </a:rPr>
+                <a:t>ms</a:t>
+              </a:r>
+              <a:endParaRPr lang="en-US" dirty="0">
+                <a:latin typeface="Segoe Light"/>
+                <a:cs typeface="Segoe Light"/>
+              </a:endParaRPr>
+            </a:p>
+          </p:txBody>
+        </p:sp>
+        <p:sp>
+          <p:nvSpPr>
+            <p:cNvPr id="47" name="Rectangle 46"/>
+            <p:cNvSpPr/>
+            <p:nvPr/>
+          </p:nvSpPr>
+          <p:spPr>
+            <a:xfrm>
+              <a:off x="8019975" y="1462745"/>
+              <a:ext cx="1044186" cy="868599"/>
+            </a:xfrm>
+            <a:prstGeom prst="rect">
+              <a:avLst/>
+            </a:prstGeom>
+            <a:solidFill>
+              <a:schemeClr val="bg1">
+                <a:lumMod val="65000"/>
+                <a:lumOff val="35000"/>
+              </a:schemeClr>
+            </a:solidFill>
+            <a:ln>
+              <a:noFill/>
+            </a:ln>
+          </p:spPr>
+          <p:style>
+            <a:lnRef idx="1">
+              <a:schemeClr val="accent1"/>
+            </a:lnRef>
+            <a:fillRef idx="3">
+              <a:schemeClr val="accent1"/>
+            </a:fillRef>
+            <a:effectRef idx="2">
+              <a:schemeClr val="accent1"/>
+            </a:effectRef>
+            <a:fontRef idx="minor">
+              <a:schemeClr val="lt1"/>
+            </a:fontRef>
+          </p:style>
+          <p:txBody>
+            <a:bodyPr rtlCol="0" anchor="ctr"/>
+            <a:lstStyle/>
+            <a:p>
+              <a:pPr algn="ctr"/>
+              <a:r>
+                <a:rPr lang="en-US" dirty="0" smtClean="0">
+                  <a:latin typeface="Segoe Light"/>
+                  <a:cs typeface="Segoe Light"/>
+                </a:rPr>
+                <a:t>~</a:t>
+              </a:r>
+              <a:r>
+                <a:rPr lang="en-US" dirty="0" smtClean="0">
+                  <a:latin typeface="Segoe Light"/>
+                  <a:cs typeface="Segoe Light"/>
+                </a:rPr>
+                <a:t>35 </a:t>
+              </a:r>
+              <a:r>
+                <a:rPr lang="en-US" dirty="0" err="1" smtClean="0">
+                  <a:latin typeface="Segoe Light"/>
+                  <a:cs typeface="Segoe Light"/>
+                </a:rPr>
+                <a:t>ms</a:t>
+              </a:r>
+              <a:endParaRPr lang="en-US" dirty="0">
+                <a:latin typeface="Segoe Light"/>
+                <a:cs typeface="Segoe Light"/>
+              </a:endParaRPr>
+            </a:p>
+          </p:txBody>
+        </p:sp>
+        <p:sp>
+          <p:nvSpPr>
+            <p:cNvPr id="48" name="Rectangle 47"/>
+            <p:cNvSpPr/>
+            <p:nvPr/>
+          </p:nvSpPr>
+          <p:spPr>
+            <a:xfrm>
+              <a:off x="8019974" y="2389112"/>
+              <a:ext cx="1044186" cy="384246"/>
+            </a:xfrm>
+            <a:prstGeom prst="rect">
+              <a:avLst/>
+            </a:prstGeom>
+            <a:solidFill>
+              <a:schemeClr val="bg1">
+                <a:lumMod val="65000"/>
+                <a:lumOff val="35000"/>
+              </a:schemeClr>
+            </a:solidFill>
+            <a:ln>
+              <a:noFill/>
+            </a:ln>
+          </p:spPr>
+          <p:style>
+            <a:lnRef idx="1">
+              <a:schemeClr val="accent1"/>
+            </a:lnRef>
+            <a:fillRef idx="3">
+              <a:schemeClr val="accent1"/>
+            </a:fillRef>
+            <a:effectRef idx="2">
+              <a:schemeClr val="accent1"/>
+            </a:effectRef>
+            <a:fontRef idx="minor">
+              <a:schemeClr val="lt1"/>
+            </a:fontRef>
+          </p:style>
+          <p:txBody>
+            <a:bodyPr rtlCol="0" anchor="ctr"/>
+            <a:lstStyle/>
+            <a:p>
+              <a:pPr algn="ctr"/>
+              <a:r>
+                <a:rPr lang="en-US" dirty="0" smtClean="0">
+                  <a:latin typeface="Segoe Light"/>
+                  <a:cs typeface="Segoe Light"/>
+                </a:rPr>
+                <a:t>~</a:t>
+              </a:r>
+              <a:r>
+                <a:rPr lang="en-US" dirty="0" smtClean="0">
+                  <a:latin typeface="Segoe Light"/>
+                  <a:cs typeface="Segoe Light"/>
+                </a:rPr>
+                <a:t>35 </a:t>
+              </a:r>
+              <a:r>
+                <a:rPr lang="en-US" dirty="0" err="1" smtClean="0">
+                  <a:latin typeface="Segoe Light"/>
+                  <a:cs typeface="Segoe Light"/>
+                </a:rPr>
+                <a:t>ms</a:t>
+              </a:r>
+              <a:endParaRPr lang="en-US" dirty="0">
+                <a:latin typeface="Segoe Light"/>
+                <a:cs typeface="Segoe Light"/>
+              </a:endParaRPr>
+            </a:p>
+          </p:txBody>
+        </p:sp>
+        <p:sp>
+          <p:nvSpPr>
+            <p:cNvPr id="49" name="Rectangle 48"/>
+            <p:cNvSpPr/>
+            <p:nvPr/>
+          </p:nvSpPr>
+          <p:spPr>
+            <a:xfrm>
+              <a:off x="8019975" y="2836355"/>
+              <a:ext cx="1044186" cy="384246"/>
+            </a:xfrm>
+            <a:prstGeom prst="rect">
+              <a:avLst/>
+            </a:prstGeom>
+            <a:solidFill>
+              <a:schemeClr val="bg1">
+                <a:lumMod val="65000"/>
+                <a:lumOff val="35000"/>
+              </a:schemeClr>
+            </a:solidFill>
+            <a:ln>
+              <a:noFill/>
+            </a:ln>
+          </p:spPr>
+          <p:style>
+            <a:lnRef idx="1">
+              <a:schemeClr val="accent1"/>
+            </a:lnRef>
+            <a:fillRef idx="3">
+              <a:schemeClr val="accent1"/>
+            </a:fillRef>
+            <a:effectRef idx="2">
+              <a:schemeClr val="accent1"/>
+            </a:effectRef>
+            <a:fontRef idx="minor">
+              <a:schemeClr val="lt1"/>
+            </a:fontRef>
+          </p:style>
+          <p:txBody>
+            <a:bodyPr rtlCol="0" anchor="ctr"/>
+            <a:lstStyle/>
+            <a:p>
+              <a:pPr algn="ctr"/>
+              <a:r>
+                <a:rPr lang="en-US" dirty="0" smtClean="0">
+                  <a:latin typeface="Segoe Light"/>
+                  <a:cs typeface="Segoe Light"/>
+                </a:rPr>
+                <a:t>~50 </a:t>
+              </a:r>
+              <a:r>
+                <a:rPr lang="en-US" dirty="0" err="1" smtClean="0">
+                  <a:latin typeface="Segoe Light"/>
+                  <a:cs typeface="Segoe Light"/>
+                </a:rPr>
+                <a:t>ms</a:t>
+              </a:r>
+              <a:endParaRPr lang="en-US" dirty="0">
+                <a:latin typeface="Segoe Light"/>
+                <a:cs typeface="Segoe Light"/>
+              </a:endParaRPr>
+            </a:p>
+          </p:txBody>
+        </p:sp>
+        <p:sp>
+          <p:nvSpPr>
+            <p:cNvPr id="50" name="Rectangle 49"/>
+            <p:cNvSpPr/>
+            <p:nvPr/>
+          </p:nvSpPr>
+          <p:spPr>
+            <a:xfrm>
+              <a:off x="8019975" y="3286342"/>
+              <a:ext cx="1044186" cy="384246"/>
+            </a:xfrm>
+            <a:prstGeom prst="rect">
+              <a:avLst/>
+            </a:prstGeom>
+            <a:solidFill>
+              <a:schemeClr val="bg1">
+                <a:lumMod val="65000"/>
+                <a:lumOff val="35000"/>
+              </a:schemeClr>
+            </a:solidFill>
+            <a:ln>
+              <a:noFill/>
+            </a:ln>
+          </p:spPr>
+          <p:style>
+            <a:lnRef idx="1">
+              <a:schemeClr val="accent1"/>
+            </a:lnRef>
+            <a:fillRef idx="3">
+              <a:schemeClr val="accent1"/>
+            </a:fillRef>
+            <a:effectRef idx="2">
+              <a:schemeClr val="accent1"/>
+            </a:effectRef>
+            <a:fontRef idx="minor">
+              <a:schemeClr val="lt1"/>
+            </a:fontRef>
+          </p:style>
+          <p:txBody>
+            <a:bodyPr rtlCol="0" anchor="ctr"/>
+            <a:lstStyle/>
+            <a:p>
+              <a:pPr algn="ctr"/>
+              <a:r>
+                <a:rPr lang="en-US" dirty="0" smtClean="0">
+                  <a:latin typeface="Segoe Light"/>
+                  <a:cs typeface="Segoe Light"/>
+                </a:rPr>
+                <a:t>~60 </a:t>
+              </a:r>
+              <a:r>
+                <a:rPr lang="en-US" dirty="0" err="1" smtClean="0">
+                  <a:latin typeface="Segoe Light"/>
+                  <a:cs typeface="Segoe Light"/>
+                </a:rPr>
+                <a:t>ms</a:t>
+              </a:r>
+              <a:endParaRPr lang="en-US" dirty="0">
+                <a:latin typeface="Segoe Light"/>
+                <a:cs typeface="Segoe Light"/>
+              </a:endParaRPr>
+            </a:p>
+          </p:txBody>
+        </p:sp>
+        <p:sp>
+          <p:nvSpPr>
+            <p:cNvPr id="51" name="Rectangle 50"/>
+            <p:cNvSpPr/>
+            <p:nvPr/>
+          </p:nvSpPr>
+          <p:spPr>
+            <a:xfrm>
+              <a:off x="8019975" y="3735576"/>
+              <a:ext cx="1044186" cy="384246"/>
+            </a:xfrm>
+            <a:prstGeom prst="rect">
+              <a:avLst/>
+            </a:prstGeom>
+            <a:solidFill>
+              <a:schemeClr val="bg1">
+                <a:lumMod val="65000"/>
+                <a:lumOff val="35000"/>
+              </a:schemeClr>
+            </a:solidFill>
+            <a:ln>
+              <a:noFill/>
+            </a:ln>
+          </p:spPr>
+          <p:style>
+            <a:lnRef idx="1">
+              <a:schemeClr val="accent1"/>
+            </a:lnRef>
+            <a:fillRef idx="3">
+              <a:schemeClr val="accent1"/>
+            </a:fillRef>
+            <a:effectRef idx="2">
+              <a:schemeClr val="accent1"/>
+            </a:effectRef>
+            <a:fontRef idx="minor">
+              <a:schemeClr val="lt1"/>
+            </a:fontRef>
+          </p:style>
+          <p:txBody>
+            <a:bodyPr rtlCol="0" anchor="ctr"/>
+            <a:lstStyle/>
+            <a:p>
+              <a:pPr algn="ctr"/>
+              <a:r>
+                <a:rPr lang="en-US" dirty="0" smtClean="0">
+                  <a:latin typeface="Segoe Light"/>
+                  <a:cs typeface="Segoe Light"/>
+                </a:rPr>
+                <a:t>~50 </a:t>
+              </a:r>
+              <a:r>
+                <a:rPr lang="en-US" dirty="0" err="1" smtClean="0">
+                  <a:latin typeface="Segoe Light"/>
+                  <a:cs typeface="Segoe Light"/>
+                </a:rPr>
+                <a:t>ms</a:t>
+              </a:r>
+              <a:endParaRPr lang="en-US" dirty="0">
+                <a:latin typeface="Segoe Light"/>
+                <a:cs typeface="Segoe Light"/>
+              </a:endParaRPr>
+            </a:p>
+          </p:txBody>
+        </p:sp>
+        <p:sp>
+          <p:nvSpPr>
+            <p:cNvPr id="52" name="Rectangle 51"/>
+            <p:cNvSpPr/>
+            <p:nvPr/>
+          </p:nvSpPr>
+          <p:spPr>
+            <a:xfrm>
+              <a:off x="8019974" y="4169976"/>
+              <a:ext cx="1044186" cy="850358"/>
+            </a:xfrm>
+            <a:prstGeom prst="rect">
+              <a:avLst/>
+            </a:prstGeom>
+            <a:solidFill>
+              <a:schemeClr val="bg1">
+                <a:lumMod val="65000"/>
+                <a:lumOff val="35000"/>
+              </a:schemeClr>
+            </a:solidFill>
+            <a:ln>
+              <a:noFill/>
+            </a:ln>
+          </p:spPr>
+          <p:style>
+            <a:lnRef idx="1">
+              <a:schemeClr val="accent1"/>
+            </a:lnRef>
+            <a:fillRef idx="3">
+              <a:schemeClr val="accent1"/>
+            </a:fillRef>
+            <a:effectRef idx="2">
+              <a:schemeClr val="accent1"/>
+            </a:effectRef>
+            <a:fontRef idx="minor">
+              <a:schemeClr val="lt1"/>
+            </a:fontRef>
+          </p:style>
+          <p:txBody>
+            <a:bodyPr rtlCol="0" anchor="ctr"/>
+            <a:lstStyle/>
+            <a:p>
+              <a:pPr algn="ctr"/>
+              <a:r>
+                <a:rPr lang="en-US" dirty="0">
+                  <a:latin typeface="Segoe Light"/>
+                  <a:cs typeface="Segoe Light"/>
+                </a:rPr>
+                <a:t>40 </a:t>
+              </a:r>
+              <a:r>
+                <a:rPr lang="en-US" dirty="0" err="1">
+                  <a:latin typeface="Segoe Light"/>
+                  <a:cs typeface="Segoe Light"/>
+                </a:rPr>
+                <a:t>ms</a:t>
+              </a:r>
+              <a:r>
+                <a:rPr lang="en-US" dirty="0">
+                  <a:latin typeface="Segoe Light"/>
+                  <a:cs typeface="Segoe Light"/>
+                </a:rPr>
+                <a:t> -</a:t>
+              </a:r>
+            </a:p>
+            <a:p>
+              <a:pPr algn="ctr"/>
+              <a:r>
+                <a:rPr lang="en-US" dirty="0">
+                  <a:latin typeface="Segoe Light"/>
+                  <a:cs typeface="Segoe Light"/>
+                </a:rPr>
+                <a:t>100 </a:t>
+              </a:r>
+              <a:r>
+                <a:rPr lang="en-US" dirty="0" err="1">
+                  <a:latin typeface="Segoe Light"/>
+                  <a:cs typeface="Segoe Light"/>
+                </a:rPr>
+                <a:t>ms</a:t>
+              </a:r>
+              <a:endParaRPr lang="en-US" dirty="0">
+                <a:latin typeface="Segoe Light"/>
+                <a:cs typeface="Segoe Light"/>
+              </a:endParaRPr>
+            </a:p>
+          </p:txBody>
+        </p:sp>
+        <p:sp>
+          <p:nvSpPr>
+            <p:cNvPr id="53" name="Rectangle 52"/>
+            <p:cNvSpPr/>
+            <p:nvPr/>
+          </p:nvSpPr>
+          <p:spPr>
+            <a:xfrm>
+              <a:off x="8019975" y="5077542"/>
+              <a:ext cx="1044186" cy="1158303"/>
+            </a:xfrm>
+            <a:prstGeom prst="rect">
+              <a:avLst/>
+            </a:prstGeom>
+            <a:solidFill>
+              <a:schemeClr val="bg1">
+                <a:lumMod val="65000"/>
+                <a:lumOff val="35000"/>
+              </a:schemeClr>
+            </a:solidFill>
+            <a:ln>
+              <a:noFill/>
+            </a:ln>
+          </p:spPr>
+          <p:style>
+            <a:lnRef idx="1">
+              <a:schemeClr val="accent1"/>
+            </a:lnRef>
+            <a:fillRef idx="3">
+              <a:schemeClr val="accent1"/>
+            </a:fillRef>
+            <a:effectRef idx="2">
+              <a:schemeClr val="accent1"/>
+            </a:effectRef>
+            <a:fontRef idx="minor">
+              <a:schemeClr val="lt1"/>
+            </a:fontRef>
+          </p:style>
+          <p:txBody>
+            <a:bodyPr rtlCol="0" anchor="ctr"/>
+            <a:lstStyle/>
+            <a:p>
+              <a:pPr algn="ctr"/>
+              <a:r>
+                <a:rPr lang="en-US" dirty="0" smtClean="0">
+                  <a:latin typeface="Segoe Light"/>
+                  <a:cs typeface="Segoe Light"/>
+                </a:rPr>
+                <a:t>40 </a:t>
+              </a:r>
+              <a:r>
+                <a:rPr lang="en-US" dirty="0" err="1" smtClean="0">
+                  <a:latin typeface="Segoe Light"/>
+                  <a:cs typeface="Segoe Light"/>
+                </a:rPr>
+                <a:t>ms</a:t>
+              </a:r>
+              <a:r>
+                <a:rPr lang="en-US" dirty="0" smtClean="0">
+                  <a:latin typeface="Segoe Light"/>
+                  <a:cs typeface="Segoe Light"/>
+                </a:rPr>
+                <a:t> -</a:t>
+              </a:r>
+            </a:p>
+            <a:p>
+              <a:pPr algn="ctr"/>
+              <a:r>
+                <a:rPr lang="en-US" dirty="0" smtClean="0">
+                  <a:latin typeface="Segoe Light"/>
+                  <a:cs typeface="Segoe Light"/>
+                </a:rPr>
+                <a:t>100 </a:t>
+              </a:r>
+              <a:r>
+                <a:rPr lang="en-US" dirty="0" err="1" smtClean="0">
+                  <a:latin typeface="Segoe Light"/>
+                  <a:cs typeface="Segoe Light"/>
+                </a:rPr>
+                <a:t>ms</a:t>
+              </a:r>
+              <a:endParaRPr lang="en-US" dirty="0">
+                <a:latin typeface="Segoe Light"/>
+                <a:cs typeface="Segoe Light"/>
+              </a:endParaRPr>
+            </a:p>
+          </p:txBody>
+        </p:sp>
+        <p:sp>
+          <p:nvSpPr>
+            <p:cNvPr id="55" name="Rectangle 54"/>
+            <p:cNvSpPr/>
+            <p:nvPr/>
+          </p:nvSpPr>
+          <p:spPr>
+            <a:xfrm>
+              <a:off x="5069430" y="6305292"/>
+              <a:ext cx="3994729" cy="407270"/>
+            </a:xfrm>
+            <a:prstGeom prst="rect">
+              <a:avLst/>
+            </a:prstGeom>
+            <a:solidFill>
+              <a:schemeClr val="bg1">
+                <a:lumMod val="65000"/>
+                <a:lumOff val="35000"/>
+              </a:schemeClr>
+            </a:solidFill>
+            <a:ln>
+              <a:noFill/>
+            </a:ln>
+          </p:spPr>
+          <p:style>
+            <a:lnRef idx="1">
+              <a:schemeClr val="accent1"/>
+            </a:lnRef>
+            <a:fillRef idx="3">
+              <a:schemeClr val="accent1"/>
+            </a:fillRef>
+            <a:effectRef idx="2">
+              <a:schemeClr val="accent1"/>
+            </a:effectRef>
+            <a:fontRef idx="minor">
+              <a:schemeClr val="lt1"/>
+            </a:fontRef>
+          </p:style>
+          <p:txBody>
+            <a:bodyPr rtlCol="0" anchor="ctr"/>
+            <a:lstStyle/>
+            <a:p>
+              <a:pPr algn="ctr"/>
+              <a:r>
+                <a:rPr lang="en-US" dirty="0" smtClean="0">
+                  <a:latin typeface="Segoe Light"/>
+                  <a:cs typeface="Segoe Light"/>
+                </a:rPr>
+                <a:t>Possibly Internet….  50 </a:t>
+              </a:r>
+              <a:r>
+                <a:rPr lang="en-US" dirty="0" err="1" smtClean="0">
+                  <a:latin typeface="Segoe Light"/>
+                  <a:cs typeface="Segoe Light"/>
+                </a:rPr>
+                <a:t>ms</a:t>
+              </a:r>
+              <a:r>
+                <a:rPr lang="en-US" dirty="0" smtClean="0">
+                  <a:latin typeface="Segoe Light"/>
+                  <a:cs typeface="Segoe Light"/>
+                </a:rPr>
+                <a:t> – 200 </a:t>
+              </a:r>
+              <a:r>
+                <a:rPr lang="en-US" dirty="0" err="1" smtClean="0">
+                  <a:latin typeface="Segoe Light"/>
+                  <a:cs typeface="Segoe Light"/>
+                </a:rPr>
+                <a:t>ms</a:t>
+              </a:r>
+              <a:endParaRPr lang="en-US" dirty="0">
+                <a:latin typeface="Segoe Light"/>
+                <a:cs typeface="Segoe Light"/>
+              </a:endParaRPr>
+            </a:p>
+          </p:txBody>
+        </p:sp>
+      </p:grpSp>
+      <p:pic>
+        <p:nvPicPr>
+          <p:cNvPr id="7" name="Picture 6" descr="barplot.png"/>
+          <p:cNvPicPr>
+            <a:picLocks noChangeAspect="1"/>
+          </p:cNvPicPr>
+          <p:nvPr/>
+        </p:nvPicPr>
+        <p:blipFill>
+          <a:blip r:embed="rId3">
+            <a:extLst>
+              <a:ext uri="{28A0092B-C50C-407E-A947-70E740481C1C}">
+                <a14:useLocalDpi xmlns:a14="http://schemas.microsoft.com/office/drawing/2010/main" val="0"/>
+              </a:ext>
+            </a:extLst>
+          </a:blip>
+          <a:stretch>
+            <a:fillRect/>
+          </a:stretch>
+        </p:blipFill>
         <p:spPr>
           <a:xfrm>
-            <a:off x="6422789" y="618676"/>
-            <a:ext cx="184666" cy="369332"/>
+            <a:off x="457200" y="3512676"/>
+            <a:ext cx="4196564" cy="3139929"/>
           </a:xfrm>
           <a:prstGeom prst="rect">
             <a:avLst/>
           </a:prstGeom>
-          <a:noFill/>
         </p:spPr>
-        <p:txBody>
-          <a:bodyPr wrap="none" rtlCol="0">
-            <a:spAutoFit/>
-          </a:bodyPr>
-          <a:lstStyle/>
-          <a:p>
-            <a:endParaRPr lang="en-US" dirty="0"/>
-          </a:p>
-        </p:txBody>
-      </p:sp>
-      <p:sp>
-        <p:nvSpPr>
-          <p:cNvPr id="6" name="Rectangle 5"/>
-          <p:cNvSpPr/>
-          <p:nvPr/>
-        </p:nvSpPr>
-        <p:spPr>
-          <a:xfrm>
-            <a:off x="5069430" y="152083"/>
-            <a:ext cx="2827922" cy="384246"/>
-          </a:xfrm>
-          <a:prstGeom prst="rect">
-            <a:avLst/>
-          </a:prstGeom>
-          <a:solidFill>
-            <a:schemeClr val="bg1">
-              <a:lumMod val="65000"/>
-              <a:lumOff val="35000"/>
-            </a:schemeClr>
-          </a:solidFill>
-          <a:ln>
-            <a:noFill/>
-          </a:ln>
-        </p:spPr>
-        <p:style>
-          <a:lnRef idx="1">
-            <a:schemeClr val="accent1"/>
-          </a:lnRef>
-          <a:fillRef idx="3">
-            <a:schemeClr val="accent1"/>
-          </a:fillRef>
-          <a:effectRef idx="2">
-            <a:schemeClr val="accent1"/>
-          </a:effectRef>
-          <a:fontRef idx="minor">
-            <a:schemeClr val="lt1"/>
-          </a:fontRef>
-        </p:style>
-        <p:txBody>
-          <a:bodyPr rtlCol="0" anchor="ctr"/>
-          <a:lstStyle/>
-          <a:p>
-            <a:pPr algn="ctr"/>
-            <a:r>
-              <a:rPr lang="en-US" dirty="0">
-                <a:latin typeface="Segoe Light"/>
-                <a:cs typeface="Segoe Light"/>
-              </a:rPr>
-              <a:t>[AS0] </a:t>
-            </a:r>
-            <a:r>
-              <a:rPr lang="en-US" dirty="0" smtClean="0">
-                <a:latin typeface="Segoe Light"/>
-                <a:cs typeface="Segoe Light"/>
-              </a:rPr>
-              <a:t>172.20.10.1</a:t>
-            </a:r>
-            <a:endParaRPr lang="en-US" dirty="0">
-              <a:latin typeface="Segoe Light"/>
-              <a:cs typeface="Segoe Light"/>
-            </a:endParaRPr>
-          </a:p>
-        </p:txBody>
-      </p:sp>
-      <p:sp>
-        <p:nvSpPr>
-          <p:cNvPr id="28" name="Rectangle 27"/>
-          <p:cNvSpPr/>
-          <p:nvPr/>
-        </p:nvSpPr>
-        <p:spPr>
-          <a:xfrm>
-            <a:off x="5069429" y="1024641"/>
-            <a:ext cx="2827923" cy="384246"/>
-          </a:xfrm>
-          <a:prstGeom prst="rect">
-            <a:avLst/>
-          </a:prstGeom>
-          <a:solidFill>
-            <a:schemeClr val="bg1">
-              <a:lumMod val="65000"/>
-              <a:lumOff val="35000"/>
-            </a:schemeClr>
-          </a:solidFill>
-          <a:ln>
-            <a:noFill/>
-          </a:ln>
-        </p:spPr>
-        <p:style>
-          <a:lnRef idx="1">
-            <a:schemeClr val="accent1"/>
-          </a:lnRef>
-          <a:fillRef idx="3">
-            <a:schemeClr val="accent1"/>
-          </a:fillRef>
-          <a:effectRef idx="2">
-            <a:schemeClr val="accent1"/>
-          </a:effectRef>
-          <a:fontRef idx="minor">
-            <a:schemeClr val="lt1"/>
-          </a:fontRef>
-        </p:style>
-        <p:txBody>
-          <a:bodyPr rtlCol="0" anchor="ctr"/>
-          <a:lstStyle/>
-          <a:p>
-            <a:pPr algn="ctr"/>
-            <a:r>
-              <a:rPr lang="en-US" dirty="0" smtClean="0">
-                <a:latin typeface="Segoe Light"/>
-                <a:cs typeface="Segoe Light"/>
-              </a:rPr>
-              <a:t>[AS16509] 172.26.241.133</a:t>
-            </a:r>
-            <a:endParaRPr lang="en-US" dirty="0">
-              <a:latin typeface="Segoe Light"/>
-              <a:cs typeface="Segoe Light"/>
-            </a:endParaRPr>
-          </a:p>
-        </p:txBody>
-      </p:sp>
-      <p:sp>
-        <p:nvSpPr>
-          <p:cNvPr id="29" name="Rectangle 28"/>
-          <p:cNvSpPr/>
-          <p:nvPr/>
-        </p:nvSpPr>
-        <p:spPr>
-          <a:xfrm>
-            <a:off x="5069430" y="584944"/>
-            <a:ext cx="2827922" cy="384246"/>
-          </a:xfrm>
-          <a:prstGeom prst="rect">
-            <a:avLst/>
-          </a:prstGeom>
-          <a:solidFill>
-            <a:schemeClr val="bg1">
-              <a:lumMod val="65000"/>
-              <a:lumOff val="35000"/>
-            </a:schemeClr>
-          </a:solidFill>
-          <a:ln>
-            <a:noFill/>
-          </a:ln>
-        </p:spPr>
-        <p:style>
-          <a:lnRef idx="1">
-            <a:schemeClr val="accent1"/>
-          </a:lnRef>
-          <a:fillRef idx="3">
-            <a:schemeClr val="accent1"/>
-          </a:fillRef>
-          <a:effectRef idx="2">
-            <a:schemeClr val="accent1"/>
-          </a:effectRef>
-          <a:fontRef idx="minor">
-            <a:schemeClr val="lt1"/>
-          </a:fontRef>
-        </p:style>
-        <p:txBody>
-          <a:bodyPr rtlCol="0" anchor="ctr"/>
-          <a:lstStyle/>
-          <a:p>
-            <a:pPr algn="ctr"/>
-            <a:r>
-              <a:rPr lang="en-US" dirty="0" smtClean="0">
-                <a:latin typeface="Segoe Light"/>
-                <a:cs typeface="Segoe Light"/>
-              </a:rPr>
-              <a:t>[AS16509] 172.26.236.2</a:t>
-            </a:r>
-            <a:endParaRPr lang="en-US" dirty="0">
-              <a:latin typeface="Segoe Light"/>
-              <a:cs typeface="Segoe Light"/>
-            </a:endParaRPr>
-          </a:p>
-        </p:txBody>
-      </p:sp>
-      <p:sp>
-        <p:nvSpPr>
-          <p:cNvPr id="30" name="Rectangle 29"/>
-          <p:cNvSpPr/>
-          <p:nvPr/>
-        </p:nvSpPr>
-        <p:spPr>
-          <a:xfrm>
-            <a:off x="5069430" y="1462745"/>
-            <a:ext cx="2827923" cy="868599"/>
-          </a:xfrm>
-          <a:prstGeom prst="rect">
-            <a:avLst/>
-          </a:prstGeom>
-          <a:solidFill>
-            <a:schemeClr val="bg1">
-              <a:lumMod val="65000"/>
-              <a:lumOff val="35000"/>
-            </a:schemeClr>
-          </a:solidFill>
-          <a:ln>
-            <a:noFill/>
-          </a:ln>
-        </p:spPr>
-        <p:style>
-          <a:lnRef idx="1">
-            <a:schemeClr val="accent1"/>
-          </a:lnRef>
-          <a:fillRef idx="3">
-            <a:schemeClr val="accent1"/>
-          </a:fillRef>
-          <a:effectRef idx="2">
-            <a:schemeClr val="accent1"/>
-          </a:effectRef>
-          <a:fontRef idx="minor">
-            <a:schemeClr val="lt1"/>
-          </a:fontRef>
-        </p:style>
-        <p:txBody>
-          <a:bodyPr rtlCol="0" anchor="ctr"/>
-          <a:lstStyle/>
-          <a:p>
-            <a:pPr algn="ctr"/>
-            <a:r>
-              <a:rPr lang="en-US" dirty="0" smtClean="0">
-                <a:latin typeface="Segoe Light"/>
-                <a:cs typeface="Segoe Light"/>
-              </a:rPr>
-              <a:t>[AS0] 172.26.96.10/172.26.96.11</a:t>
-            </a:r>
-          </a:p>
-          <a:p>
-            <a:pPr algn="ctr"/>
-            <a:r>
-              <a:rPr lang="en-US" dirty="0">
-                <a:latin typeface="Segoe Light"/>
-                <a:cs typeface="Segoe Light"/>
-              </a:rPr>
-              <a:t>172.26.96.3/</a:t>
-            </a:r>
-            <a:r>
-              <a:rPr lang="en-US" dirty="0" smtClean="0">
-                <a:latin typeface="Segoe Light"/>
-                <a:cs typeface="Segoe Light"/>
-              </a:rPr>
-              <a:t>172.26.96.2</a:t>
-            </a:r>
-            <a:endParaRPr lang="en-US" dirty="0">
-              <a:latin typeface="Segoe Light"/>
-              <a:cs typeface="Segoe Light"/>
-            </a:endParaRPr>
-          </a:p>
-        </p:txBody>
-      </p:sp>
-      <p:sp>
-        <p:nvSpPr>
-          <p:cNvPr id="32" name="Rectangle 31"/>
-          <p:cNvSpPr/>
-          <p:nvPr/>
-        </p:nvSpPr>
-        <p:spPr>
-          <a:xfrm>
-            <a:off x="5069429" y="2389112"/>
-            <a:ext cx="2827923" cy="384246"/>
-          </a:xfrm>
-          <a:prstGeom prst="rect">
-            <a:avLst/>
-          </a:prstGeom>
-          <a:solidFill>
-            <a:schemeClr val="bg1">
-              <a:lumMod val="65000"/>
-              <a:lumOff val="35000"/>
-            </a:schemeClr>
-          </a:solidFill>
-          <a:ln>
-            <a:noFill/>
-          </a:ln>
-        </p:spPr>
-        <p:style>
-          <a:lnRef idx="1">
-            <a:schemeClr val="accent1"/>
-          </a:lnRef>
-          <a:fillRef idx="3">
-            <a:schemeClr val="accent1"/>
-          </a:fillRef>
-          <a:effectRef idx="2">
-            <a:schemeClr val="accent1"/>
-          </a:effectRef>
-          <a:fontRef idx="minor">
-            <a:schemeClr val="lt1"/>
-          </a:fontRef>
-        </p:style>
-        <p:txBody>
-          <a:bodyPr rtlCol="0" anchor="ctr"/>
-          <a:lstStyle/>
-          <a:p>
-            <a:pPr algn="ctr"/>
-            <a:r>
-              <a:rPr lang="en-US" dirty="0" smtClean="0">
-                <a:latin typeface="Segoe Light"/>
-                <a:cs typeface="Segoe Light"/>
-              </a:rPr>
-              <a:t>[AS0] 172.26.96.193</a:t>
-            </a:r>
-            <a:endParaRPr lang="en-US" dirty="0">
-              <a:latin typeface="Segoe Light"/>
-              <a:cs typeface="Segoe Light"/>
-            </a:endParaRPr>
-          </a:p>
-        </p:txBody>
-      </p:sp>
-      <p:sp>
-        <p:nvSpPr>
-          <p:cNvPr id="33" name="Rectangle 32"/>
-          <p:cNvSpPr/>
-          <p:nvPr/>
-        </p:nvSpPr>
-        <p:spPr>
-          <a:xfrm>
-            <a:off x="5069430" y="2836355"/>
-            <a:ext cx="2827923" cy="384246"/>
-          </a:xfrm>
-          <a:prstGeom prst="rect">
-            <a:avLst/>
-          </a:prstGeom>
-          <a:solidFill>
-            <a:schemeClr val="bg1">
-              <a:lumMod val="65000"/>
-              <a:lumOff val="35000"/>
-            </a:schemeClr>
-          </a:solidFill>
-          <a:ln>
-            <a:noFill/>
-          </a:ln>
-        </p:spPr>
-        <p:style>
-          <a:lnRef idx="1">
-            <a:schemeClr val="accent1"/>
-          </a:lnRef>
-          <a:fillRef idx="3">
-            <a:schemeClr val="accent1"/>
-          </a:fillRef>
-          <a:effectRef idx="2">
-            <a:schemeClr val="accent1"/>
-          </a:effectRef>
-          <a:fontRef idx="minor">
-            <a:schemeClr val="lt1"/>
-          </a:fontRef>
-        </p:style>
-        <p:txBody>
-          <a:bodyPr rtlCol="0" anchor="ctr"/>
-          <a:lstStyle/>
-          <a:p>
-            <a:pPr algn="ctr"/>
-            <a:r>
-              <a:rPr lang="en-US" dirty="0" smtClean="0">
-                <a:latin typeface="Segoe Light"/>
-                <a:cs typeface="Segoe Light"/>
-              </a:rPr>
-              <a:t>[AS0] 172.16.121.113</a:t>
-            </a:r>
-            <a:endParaRPr lang="en-US" dirty="0">
-              <a:latin typeface="Segoe Light"/>
-              <a:cs typeface="Segoe Light"/>
-            </a:endParaRPr>
-          </a:p>
-        </p:txBody>
-      </p:sp>
-      <p:sp>
-        <p:nvSpPr>
-          <p:cNvPr id="34" name="Rectangle 33"/>
-          <p:cNvSpPr/>
-          <p:nvPr/>
-        </p:nvSpPr>
-        <p:spPr>
-          <a:xfrm>
-            <a:off x="5069430" y="3286342"/>
-            <a:ext cx="2827923" cy="384246"/>
-          </a:xfrm>
-          <a:prstGeom prst="rect">
-            <a:avLst/>
-          </a:prstGeom>
-          <a:solidFill>
-            <a:schemeClr val="bg1">
-              <a:lumMod val="65000"/>
-              <a:lumOff val="35000"/>
-            </a:schemeClr>
-          </a:solidFill>
-          <a:ln>
-            <a:noFill/>
-          </a:ln>
-        </p:spPr>
-        <p:style>
-          <a:lnRef idx="1">
-            <a:schemeClr val="accent1"/>
-          </a:lnRef>
-          <a:fillRef idx="3">
-            <a:schemeClr val="accent1"/>
-          </a:fillRef>
-          <a:effectRef idx="2">
-            <a:schemeClr val="accent1"/>
-          </a:effectRef>
-          <a:fontRef idx="minor">
-            <a:schemeClr val="lt1"/>
-          </a:fontRef>
-        </p:style>
-        <p:txBody>
-          <a:bodyPr rtlCol="0" anchor="ctr"/>
-          <a:lstStyle/>
-          <a:p>
-            <a:pPr algn="ctr"/>
-            <a:r>
-              <a:rPr lang="en-US" dirty="0" smtClean="0">
-                <a:latin typeface="Segoe Light"/>
-                <a:cs typeface="Segoe Light"/>
-              </a:rPr>
-              <a:t>[AS7018] 12.249.2.49</a:t>
-            </a:r>
-            <a:endParaRPr lang="en-US" dirty="0">
-              <a:latin typeface="Segoe Light"/>
-              <a:cs typeface="Segoe Light"/>
-            </a:endParaRPr>
-          </a:p>
-        </p:txBody>
-      </p:sp>
-      <p:sp>
-        <p:nvSpPr>
-          <p:cNvPr id="35" name="Rectangle 34"/>
-          <p:cNvSpPr/>
-          <p:nvPr/>
-        </p:nvSpPr>
-        <p:spPr>
-          <a:xfrm>
-            <a:off x="5069430" y="3735576"/>
-            <a:ext cx="2827923" cy="384246"/>
-          </a:xfrm>
-          <a:prstGeom prst="rect">
-            <a:avLst/>
-          </a:prstGeom>
-          <a:solidFill>
-            <a:schemeClr val="bg1">
-              <a:lumMod val="65000"/>
-              <a:lumOff val="35000"/>
-            </a:schemeClr>
-          </a:solidFill>
-          <a:ln>
-            <a:noFill/>
-          </a:ln>
-        </p:spPr>
-        <p:style>
-          <a:lnRef idx="1">
-            <a:schemeClr val="accent1"/>
-          </a:lnRef>
-          <a:fillRef idx="3">
-            <a:schemeClr val="accent1"/>
-          </a:fillRef>
-          <a:effectRef idx="2">
-            <a:schemeClr val="accent1"/>
-          </a:effectRef>
-          <a:fontRef idx="minor">
-            <a:schemeClr val="lt1"/>
-          </a:fontRef>
-        </p:style>
-        <p:txBody>
-          <a:bodyPr rtlCol="0" anchor="ctr"/>
-          <a:lstStyle/>
-          <a:p>
-            <a:pPr algn="ctr"/>
-            <a:r>
-              <a:rPr lang="en-US" dirty="0">
-                <a:latin typeface="Segoe Light"/>
-                <a:cs typeface="Segoe Light"/>
-              </a:rPr>
-              <a:t>[AS7018] </a:t>
-            </a:r>
-            <a:r>
-              <a:rPr lang="en-US" dirty="0" smtClean="0">
-                <a:latin typeface="Segoe Light"/>
-                <a:cs typeface="Segoe Light"/>
-              </a:rPr>
-              <a:t>12.83.180.82</a:t>
-            </a:r>
-            <a:endParaRPr lang="en-US" dirty="0">
-              <a:latin typeface="Segoe Light"/>
-              <a:cs typeface="Segoe Light"/>
-            </a:endParaRPr>
-          </a:p>
-        </p:txBody>
-      </p:sp>
-      <p:sp>
-        <p:nvSpPr>
-          <p:cNvPr id="36" name="Rectangle 35"/>
-          <p:cNvSpPr/>
-          <p:nvPr/>
-        </p:nvSpPr>
-        <p:spPr>
-          <a:xfrm>
-            <a:off x="5069429" y="4169976"/>
-            <a:ext cx="2827923" cy="850358"/>
-          </a:xfrm>
-          <a:prstGeom prst="rect">
-            <a:avLst/>
-          </a:prstGeom>
-          <a:solidFill>
-            <a:schemeClr val="bg1">
-              <a:lumMod val="65000"/>
-              <a:lumOff val="35000"/>
-            </a:schemeClr>
-          </a:solidFill>
-          <a:ln>
-            <a:noFill/>
-          </a:ln>
-        </p:spPr>
-        <p:style>
-          <a:lnRef idx="1">
-            <a:schemeClr val="accent1"/>
-          </a:lnRef>
-          <a:fillRef idx="3">
-            <a:schemeClr val="accent1"/>
-          </a:fillRef>
-          <a:effectRef idx="2">
-            <a:schemeClr val="accent1"/>
-          </a:effectRef>
-          <a:fontRef idx="minor">
-            <a:schemeClr val="lt1"/>
-          </a:fontRef>
-        </p:style>
-        <p:txBody>
-          <a:bodyPr rtlCol="0" anchor="ctr"/>
-          <a:lstStyle/>
-          <a:p>
-            <a:pPr algn="ctr"/>
-            <a:r>
-              <a:rPr lang="en-US" dirty="0">
-                <a:latin typeface="Segoe Light"/>
-                <a:cs typeface="Segoe Light"/>
-              </a:rPr>
-              <a:t>[AS7018</a:t>
-            </a:r>
-            <a:r>
-              <a:rPr lang="en-US" dirty="0" smtClean="0">
-                <a:latin typeface="Segoe Light"/>
-                <a:cs typeface="Segoe Light"/>
-              </a:rPr>
-              <a:t>]</a:t>
-            </a:r>
-          </a:p>
-          <a:p>
-            <a:pPr algn="ctr"/>
-            <a:r>
-              <a:rPr lang="en-US" dirty="0">
-                <a:latin typeface="Segoe Light"/>
-                <a:cs typeface="Segoe Light"/>
-              </a:rPr>
-              <a:t>12.122.200.9/12.122.114.5</a:t>
-            </a:r>
-            <a:endParaRPr lang="en-US" dirty="0" smtClean="0">
-              <a:latin typeface="Segoe Light"/>
-              <a:cs typeface="Segoe Light"/>
-            </a:endParaRPr>
-          </a:p>
-          <a:p>
-            <a:pPr algn="ctr"/>
-            <a:r>
-              <a:rPr lang="en-US" dirty="0" smtClean="0">
-                <a:latin typeface="Segoe Light"/>
-                <a:cs typeface="Segoe Light"/>
-              </a:rPr>
-              <a:t>12.122.1.118/12.122.8.79…</a:t>
-            </a:r>
-            <a:endParaRPr lang="en-US" dirty="0">
-              <a:latin typeface="Segoe Light"/>
-              <a:cs typeface="Segoe Light"/>
-            </a:endParaRPr>
-          </a:p>
-        </p:txBody>
-      </p:sp>
-      <p:sp>
-        <p:nvSpPr>
-          <p:cNvPr id="37" name="Rectangle 36"/>
-          <p:cNvSpPr/>
-          <p:nvPr/>
-        </p:nvSpPr>
-        <p:spPr>
-          <a:xfrm>
-            <a:off x="5069430" y="5077542"/>
-            <a:ext cx="2827923" cy="1158303"/>
-          </a:xfrm>
-          <a:prstGeom prst="rect">
-            <a:avLst/>
-          </a:prstGeom>
-          <a:solidFill>
-            <a:schemeClr val="bg1">
-              <a:lumMod val="65000"/>
-              <a:lumOff val="35000"/>
-            </a:schemeClr>
-          </a:solidFill>
-          <a:ln>
-            <a:noFill/>
-          </a:ln>
-        </p:spPr>
-        <p:style>
-          <a:lnRef idx="1">
-            <a:schemeClr val="accent1"/>
-          </a:lnRef>
-          <a:fillRef idx="3">
-            <a:schemeClr val="accent1"/>
-          </a:fillRef>
-          <a:effectRef idx="2">
-            <a:schemeClr val="accent1"/>
-          </a:effectRef>
-          <a:fontRef idx="minor">
-            <a:schemeClr val="lt1"/>
-          </a:fontRef>
-        </p:style>
-        <p:txBody>
-          <a:bodyPr rtlCol="0" anchor="ctr"/>
-          <a:lstStyle/>
-          <a:p>
-            <a:pPr algn="ctr"/>
-            <a:r>
-              <a:rPr lang="en-US" dirty="0">
-                <a:latin typeface="Segoe Light"/>
-                <a:cs typeface="Segoe Light"/>
-              </a:rPr>
-              <a:t>[AS7018</a:t>
-            </a:r>
-            <a:r>
-              <a:rPr lang="en-US" dirty="0" smtClean="0">
-                <a:latin typeface="Segoe Light"/>
-                <a:cs typeface="Segoe Light"/>
-              </a:rPr>
-              <a:t>]</a:t>
-            </a:r>
-          </a:p>
-          <a:p>
-            <a:pPr algn="ctr"/>
-            <a:r>
-              <a:rPr lang="en-US" dirty="0">
-                <a:latin typeface="Segoe Light"/>
-                <a:cs typeface="Segoe Light"/>
-              </a:rPr>
-              <a:t>12.122.114.21/</a:t>
-            </a:r>
-            <a:r>
-              <a:rPr lang="en-US" dirty="0" smtClean="0">
-                <a:latin typeface="Segoe Light"/>
-                <a:cs typeface="Segoe Light"/>
-              </a:rPr>
-              <a:t>12.123.30.5 </a:t>
-            </a:r>
-            <a:endParaRPr lang="en-US" dirty="0">
-              <a:latin typeface="Segoe Light"/>
-              <a:cs typeface="Segoe Light"/>
-            </a:endParaRPr>
-          </a:p>
-          <a:p>
-            <a:pPr algn="ctr"/>
-            <a:r>
-              <a:rPr lang="en-US" dirty="0" smtClean="0">
-                <a:latin typeface="Segoe Light"/>
-                <a:cs typeface="Segoe Light"/>
-              </a:rPr>
-              <a:t>[AS0]</a:t>
-            </a:r>
-          </a:p>
-          <a:p>
-            <a:pPr algn="ctr"/>
-            <a:r>
-              <a:rPr lang="en-US" dirty="0" smtClean="0">
-                <a:latin typeface="Segoe Light"/>
-                <a:cs typeface="Segoe Light"/>
-              </a:rPr>
-              <a:t>192.205.33.46/…</a:t>
-            </a:r>
-            <a:endParaRPr lang="en-US" dirty="0">
-              <a:latin typeface="Segoe Light"/>
-              <a:cs typeface="Segoe Light"/>
-            </a:endParaRPr>
-          </a:p>
-        </p:txBody>
-      </p:sp>
-      <p:sp>
-        <p:nvSpPr>
-          <p:cNvPr id="43" name="TextBox 42"/>
-          <p:cNvSpPr txBox="1"/>
-          <p:nvPr/>
-        </p:nvSpPr>
-        <p:spPr>
-          <a:xfrm>
-            <a:off x="9373334" y="618676"/>
-            <a:ext cx="68186" cy="369332"/>
-          </a:xfrm>
-          <a:prstGeom prst="rect">
-            <a:avLst/>
-          </a:prstGeom>
-          <a:noFill/>
-        </p:spPr>
-        <p:txBody>
-          <a:bodyPr wrap="square" rtlCol="0">
-            <a:spAutoFit/>
-          </a:bodyPr>
-          <a:lstStyle/>
-          <a:p>
-            <a:endParaRPr lang="en-US" dirty="0"/>
-          </a:p>
-        </p:txBody>
-      </p:sp>
-      <p:sp>
-        <p:nvSpPr>
-          <p:cNvPr id="44" name="Rectangle 43"/>
-          <p:cNvSpPr/>
-          <p:nvPr/>
-        </p:nvSpPr>
-        <p:spPr>
-          <a:xfrm>
-            <a:off x="8019974" y="152083"/>
-            <a:ext cx="1044185" cy="384246"/>
-          </a:xfrm>
-          <a:prstGeom prst="rect">
-            <a:avLst/>
-          </a:prstGeom>
-          <a:solidFill>
-            <a:schemeClr val="bg1">
-              <a:lumMod val="65000"/>
-              <a:lumOff val="35000"/>
-            </a:schemeClr>
-          </a:solidFill>
-          <a:ln>
-            <a:noFill/>
-          </a:ln>
-        </p:spPr>
-        <p:style>
-          <a:lnRef idx="1">
-            <a:schemeClr val="accent1"/>
-          </a:lnRef>
-          <a:fillRef idx="3">
-            <a:schemeClr val="accent1"/>
-          </a:fillRef>
-          <a:effectRef idx="2">
-            <a:schemeClr val="accent1"/>
-          </a:effectRef>
-          <a:fontRef idx="minor">
-            <a:schemeClr val="lt1"/>
-          </a:fontRef>
-        </p:style>
-        <p:txBody>
-          <a:bodyPr rtlCol="0" anchor="ctr"/>
-          <a:lstStyle/>
-          <a:p>
-            <a:pPr algn="ctr"/>
-            <a:r>
-              <a:rPr lang="en-US" dirty="0" smtClean="0">
-                <a:latin typeface="Segoe Light"/>
-                <a:cs typeface="Segoe Light"/>
-              </a:rPr>
-              <a:t>~0.7 </a:t>
-            </a:r>
-            <a:r>
-              <a:rPr lang="en-US" dirty="0" err="1" smtClean="0">
-                <a:latin typeface="Segoe Light"/>
-                <a:cs typeface="Segoe Light"/>
-              </a:rPr>
-              <a:t>ms</a:t>
-            </a:r>
-            <a:endParaRPr lang="en-US" dirty="0">
-              <a:latin typeface="Segoe Light"/>
-              <a:cs typeface="Segoe Light"/>
-            </a:endParaRPr>
-          </a:p>
-        </p:txBody>
-      </p:sp>
-      <p:sp>
-        <p:nvSpPr>
-          <p:cNvPr id="45" name="Rectangle 44"/>
-          <p:cNvSpPr/>
-          <p:nvPr/>
-        </p:nvSpPr>
-        <p:spPr>
-          <a:xfrm>
-            <a:off x="8019974" y="1024641"/>
-            <a:ext cx="1044186" cy="384246"/>
-          </a:xfrm>
-          <a:prstGeom prst="rect">
-            <a:avLst/>
-          </a:prstGeom>
-          <a:solidFill>
-            <a:schemeClr val="bg1">
-              <a:lumMod val="65000"/>
-              <a:lumOff val="35000"/>
-            </a:schemeClr>
-          </a:solidFill>
-          <a:ln>
-            <a:noFill/>
-          </a:ln>
-        </p:spPr>
-        <p:style>
-          <a:lnRef idx="1">
-            <a:schemeClr val="accent1"/>
-          </a:lnRef>
-          <a:fillRef idx="3">
-            <a:schemeClr val="accent1"/>
-          </a:fillRef>
-          <a:effectRef idx="2">
-            <a:schemeClr val="accent1"/>
-          </a:effectRef>
-          <a:fontRef idx="minor">
-            <a:schemeClr val="lt1"/>
-          </a:fontRef>
-        </p:style>
-        <p:txBody>
-          <a:bodyPr rtlCol="0" anchor="ctr"/>
-          <a:lstStyle/>
-          <a:p>
-            <a:pPr algn="ctr"/>
-            <a:r>
-              <a:rPr lang="en-US" dirty="0" smtClean="0">
-                <a:latin typeface="Segoe Light"/>
-                <a:cs typeface="Segoe Light"/>
-              </a:rPr>
-              <a:t>~30 </a:t>
-            </a:r>
-            <a:r>
-              <a:rPr lang="en-US" dirty="0" err="1" smtClean="0">
-                <a:latin typeface="Segoe Light"/>
-                <a:cs typeface="Segoe Light"/>
-              </a:rPr>
-              <a:t>ms</a:t>
-            </a:r>
-            <a:endParaRPr lang="en-US" dirty="0">
-              <a:latin typeface="Segoe Light"/>
-              <a:cs typeface="Segoe Light"/>
-            </a:endParaRPr>
-          </a:p>
-        </p:txBody>
-      </p:sp>
-      <p:sp>
-        <p:nvSpPr>
-          <p:cNvPr id="46" name="Rectangle 45"/>
-          <p:cNvSpPr/>
-          <p:nvPr/>
-        </p:nvSpPr>
-        <p:spPr>
-          <a:xfrm>
-            <a:off x="8019974" y="584944"/>
-            <a:ext cx="1044185" cy="384246"/>
-          </a:xfrm>
-          <a:prstGeom prst="rect">
-            <a:avLst/>
-          </a:prstGeom>
-          <a:solidFill>
-            <a:schemeClr val="bg1">
-              <a:lumMod val="65000"/>
-              <a:lumOff val="35000"/>
-            </a:schemeClr>
-          </a:solidFill>
-          <a:ln>
-            <a:noFill/>
-          </a:ln>
-        </p:spPr>
-        <p:style>
-          <a:lnRef idx="1">
-            <a:schemeClr val="accent1"/>
-          </a:lnRef>
-          <a:fillRef idx="3">
-            <a:schemeClr val="accent1"/>
-          </a:fillRef>
-          <a:effectRef idx="2">
-            <a:schemeClr val="accent1"/>
-          </a:effectRef>
-          <a:fontRef idx="minor">
-            <a:schemeClr val="lt1"/>
-          </a:fontRef>
-        </p:style>
-        <p:txBody>
-          <a:bodyPr rtlCol="0" anchor="ctr"/>
-          <a:lstStyle/>
-          <a:p>
-            <a:pPr algn="ctr"/>
-            <a:r>
-              <a:rPr lang="en-US" dirty="0" smtClean="0">
-                <a:latin typeface="Segoe Light"/>
-                <a:cs typeface="Segoe Light"/>
-              </a:rPr>
-              <a:t>~30 </a:t>
-            </a:r>
-            <a:r>
-              <a:rPr lang="en-US" dirty="0" err="1" smtClean="0">
-                <a:latin typeface="Segoe Light"/>
-                <a:cs typeface="Segoe Light"/>
-              </a:rPr>
-              <a:t>ms</a:t>
-            </a:r>
-            <a:endParaRPr lang="en-US" dirty="0">
-              <a:latin typeface="Segoe Light"/>
-              <a:cs typeface="Segoe Light"/>
-            </a:endParaRPr>
-          </a:p>
-        </p:txBody>
-      </p:sp>
-      <p:sp>
-        <p:nvSpPr>
-          <p:cNvPr id="47" name="Rectangle 46"/>
-          <p:cNvSpPr/>
-          <p:nvPr/>
-        </p:nvSpPr>
-        <p:spPr>
-          <a:xfrm>
-            <a:off x="8019975" y="1462745"/>
-            <a:ext cx="1044186" cy="868599"/>
-          </a:xfrm>
-          <a:prstGeom prst="rect">
-            <a:avLst/>
-          </a:prstGeom>
-          <a:solidFill>
-            <a:schemeClr val="bg1">
-              <a:lumMod val="65000"/>
-              <a:lumOff val="35000"/>
-            </a:schemeClr>
-          </a:solidFill>
-          <a:ln>
-            <a:noFill/>
-          </a:ln>
-        </p:spPr>
-        <p:style>
-          <a:lnRef idx="1">
-            <a:schemeClr val="accent1"/>
-          </a:lnRef>
-          <a:fillRef idx="3">
-            <a:schemeClr val="accent1"/>
-          </a:fillRef>
-          <a:effectRef idx="2">
-            <a:schemeClr val="accent1"/>
-          </a:effectRef>
-          <a:fontRef idx="minor">
-            <a:schemeClr val="lt1"/>
-          </a:fontRef>
-        </p:style>
-        <p:txBody>
-          <a:bodyPr rtlCol="0" anchor="ctr"/>
-          <a:lstStyle/>
-          <a:p>
-            <a:pPr algn="ctr"/>
-            <a:r>
-              <a:rPr lang="en-US" dirty="0" smtClean="0">
-                <a:latin typeface="Segoe Light"/>
-                <a:cs typeface="Segoe Light"/>
-              </a:rPr>
-              <a:t>~30 </a:t>
-            </a:r>
-            <a:r>
-              <a:rPr lang="en-US" dirty="0" err="1" smtClean="0">
-                <a:latin typeface="Segoe Light"/>
-                <a:cs typeface="Segoe Light"/>
-              </a:rPr>
-              <a:t>ms</a:t>
-            </a:r>
-            <a:endParaRPr lang="en-US" dirty="0">
-              <a:latin typeface="Segoe Light"/>
-              <a:cs typeface="Segoe Light"/>
-            </a:endParaRPr>
-          </a:p>
-        </p:txBody>
-      </p:sp>
-      <p:sp>
-        <p:nvSpPr>
-          <p:cNvPr id="48" name="Rectangle 47"/>
-          <p:cNvSpPr/>
-          <p:nvPr/>
-        </p:nvSpPr>
-        <p:spPr>
-          <a:xfrm>
-            <a:off x="8019974" y="2389112"/>
-            <a:ext cx="1044186" cy="384246"/>
-          </a:xfrm>
-          <a:prstGeom prst="rect">
-            <a:avLst/>
-          </a:prstGeom>
-          <a:solidFill>
-            <a:schemeClr val="bg1">
-              <a:lumMod val="65000"/>
-              <a:lumOff val="35000"/>
-            </a:schemeClr>
-          </a:solidFill>
-          <a:ln>
-            <a:noFill/>
-          </a:ln>
-        </p:spPr>
-        <p:style>
-          <a:lnRef idx="1">
-            <a:schemeClr val="accent1"/>
-          </a:lnRef>
-          <a:fillRef idx="3">
-            <a:schemeClr val="accent1"/>
-          </a:fillRef>
-          <a:effectRef idx="2">
-            <a:schemeClr val="accent1"/>
-          </a:effectRef>
-          <a:fontRef idx="minor">
-            <a:schemeClr val="lt1"/>
-          </a:fontRef>
-        </p:style>
-        <p:txBody>
-          <a:bodyPr rtlCol="0" anchor="ctr"/>
-          <a:lstStyle/>
-          <a:p>
-            <a:pPr algn="ctr"/>
-            <a:r>
-              <a:rPr lang="en-US" dirty="0" smtClean="0">
-                <a:latin typeface="Segoe Light"/>
-                <a:cs typeface="Segoe Light"/>
-              </a:rPr>
-              <a:t>~30 </a:t>
-            </a:r>
-            <a:r>
-              <a:rPr lang="en-US" dirty="0" err="1" smtClean="0">
-                <a:latin typeface="Segoe Light"/>
-                <a:cs typeface="Segoe Light"/>
-              </a:rPr>
-              <a:t>ms</a:t>
-            </a:r>
-            <a:endParaRPr lang="en-US" dirty="0">
-              <a:latin typeface="Segoe Light"/>
-              <a:cs typeface="Segoe Light"/>
-            </a:endParaRPr>
-          </a:p>
-        </p:txBody>
-      </p:sp>
-      <p:sp>
-        <p:nvSpPr>
-          <p:cNvPr id="49" name="Rectangle 48"/>
-          <p:cNvSpPr/>
-          <p:nvPr/>
-        </p:nvSpPr>
-        <p:spPr>
-          <a:xfrm>
-            <a:off x="8019975" y="2836355"/>
-            <a:ext cx="1044186" cy="384246"/>
-          </a:xfrm>
-          <a:prstGeom prst="rect">
-            <a:avLst/>
-          </a:prstGeom>
-          <a:solidFill>
-            <a:schemeClr val="bg1">
-              <a:lumMod val="65000"/>
-              <a:lumOff val="35000"/>
-            </a:schemeClr>
-          </a:solidFill>
-          <a:ln>
-            <a:noFill/>
-          </a:ln>
-        </p:spPr>
-        <p:style>
-          <a:lnRef idx="1">
-            <a:schemeClr val="accent1"/>
-          </a:lnRef>
-          <a:fillRef idx="3">
-            <a:schemeClr val="accent1"/>
-          </a:fillRef>
-          <a:effectRef idx="2">
-            <a:schemeClr val="accent1"/>
-          </a:effectRef>
-          <a:fontRef idx="minor">
-            <a:schemeClr val="lt1"/>
-          </a:fontRef>
-        </p:style>
-        <p:txBody>
-          <a:bodyPr rtlCol="0" anchor="ctr"/>
-          <a:lstStyle/>
-          <a:p>
-            <a:pPr algn="ctr"/>
-            <a:r>
-              <a:rPr lang="en-US" dirty="0" smtClean="0">
-                <a:latin typeface="Segoe Light"/>
-                <a:cs typeface="Segoe Light"/>
-              </a:rPr>
-              <a:t>~30 </a:t>
-            </a:r>
-            <a:r>
-              <a:rPr lang="en-US" dirty="0" err="1" smtClean="0">
-                <a:latin typeface="Segoe Light"/>
-                <a:cs typeface="Segoe Light"/>
-              </a:rPr>
-              <a:t>ms</a:t>
-            </a:r>
-            <a:endParaRPr lang="en-US" dirty="0">
-              <a:latin typeface="Segoe Light"/>
-              <a:cs typeface="Segoe Light"/>
-            </a:endParaRPr>
-          </a:p>
-        </p:txBody>
-      </p:sp>
-      <p:sp>
-        <p:nvSpPr>
-          <p:cNvPr id="50" name="Rectangle 49"/>
-          <p:cNvSpPr/>
-          <p:nvPr/>
-        </p:nvSpPr>
-        <p:spPr>
-          <a:xfrm>
-            <a:off x="8019975" y="3286342"/>
-            <a:ext cx="1044186" cy="384246"/>
-          </a:xfrm>
-          <a:prstGeom prst="rect">
-            <a:avLst/>
-          </a:prstGeom>
-          <a:solidFill>
-            <a:schemeClr val="bg1">
-              <a:lumMod val="65000"/>
-              <a:lumOff val="35000"/>
-            </a:schemeClr>
-          </a:solidFill>
-          <a:ln>
-            <a:noFill/>
-          </a:ln>
-        </p:spPr>
-        <p:style>
-          <a:lnRef idx="1">
-            <a:schemeClr val="accent1"/>
-          </a:lnRef>
-          <a:fillRef idx="3">
-            <a:schemeClr val="accent1"/>
-          </a:fillRef>
-          <a:effectRef idx="2">
-            <a:schemeClr val="accent1"/>
-          </a:effectRef>
-          <a:fontRef idx="minor">
-            <a:schemeClr val="lt1"/>
-          </a:fontRef>
-        </p:style>
-        <p:txBody>
-          <a:bodyPr rtlCol="0" anchor="ctr"/>
-          <a:lstStyle/>
-          <a:p>
-            <a:pPr algn="ctr"/>
-            <a:r>
-              <a:rPr lang="en-US" dirty="0" smtClean="0">
-                <a:latin typeface="Segoe Light"/>
-                <a:cs typeface="Segoe Light"/>
-              </a:rPr>
-              <a:t>~30 </a:t>
-            </a:r>
-            <a:r>
-              <a:rPr lang="en-US" dirty="0" err="1" smtClean="0">
-                <a:latin typeface="Segoe Light"/>
-                <a:cs typeface="Segoe Light"/>
-              </a:rPr>
-              <a:t>ms</a:t>
-            </a:r>
-            <a:endParaRPr lang="en-US" dirty="0">
-              <a:latin typeface="Segoe Light"/>
-              <a:cs typeface="Segoe Light"/>
-            </a:endParaRPr>
-          </a:p>
-        </p:txBody>
-      </p:sp>
-      <p:sp>
-        <p:nvSpPr>
-          <p:cNvPr id="51" name="Rectangle 50"/>
-          <p:cNvSpPr/>
-          <p:nvPr/>
-        </p:nvSpPr>
-        <p:spPr>
-          <a:xfrm>
-            <a:off x="8019975" y="3735576"/>
-            <a:ext cx="1044186" cy="384246"/>
-          </a:xfrm>
-          <a:prstGeom prst="rect">
-            <a:avLst/>
-          </a:prstGeom>
-          <a:solidFill>
-            <a:schemeClr val="bg1">
-              <a:lumMod val="65000"/>
-              <a:lumOff val="35000"/>
-            </a:schemeClr>
-          </a:solidFill>
-          <a:ln>
-            <a:noFill/>
-          </a:ln>
-        </p:spPr>
-        <p:style>
-          <a:lnRef idx="1">
-            <a:schemeClr val="accent1"/>
-          </a:lnRef>
-          <a:fillRef idx="3">
-            <a:schemeClr val="accent1"/>
-          </a:fillRef>
-          <a:effectRef idx="2">
-            <a:schemeClr val="accent1"/>
-          </a:effectRef>
-          <a:fontRef idx="minor">
-            <a:schemeClr val="lt1"/>
-          </a:fontRef>
-        </p:style>
-        <p:txBody>
-          <a:bodyPr rtlCol="0" anchor="ctr"/>
-          <a:lstStyle/>
-          <a:p>
-            <a:pPr algn="ctr"/>
-            <a:r>
-              <a:rPr lang="en-US" dirty="0" smtClean="0">
-                <a:latin typeface="Segoe Light"/>
-                <a:cs typeface="Segoe Light"/>
-              </a:rPr>
-              <a:t>~40 </a:t>
-            </a:r>
-            <a:r>
-              <a:rPr lang="en-US" dirty="0" err="1" smtClean="0">
-                <a:latin typeface="Segoe Light"/>
-                <a:cs typeface="Segoe Light"/>
-              </a:rPr>
-              <a:t>ms</a:t>
-            </a:r>
-            <a:endParaRPr lang="en-US" dirty="0">
-              <a:latin typeface="Segoe Light"/>
-              <a:cs typeface="Segoe Light"/>
-            </a:endParaRPr>
-          </a:p>
-        </p:txBody>
-      </p:sp>
-      <p:sp>
-        <p:nvSpPr>
-          <p:cNvPr id="52" name="Rectangle 51"/>
-          <p:cNvSpPr/>
-          <p:nvPr/>
-        </p:nvSpPr>
-        <p:spPr>
-          <a:xfrm>
-            <a:off x="8019974" y="4169976"/>
-            <a:ext cx="1044186" cy="850358"/>
-          </a:xfrm>
-          <a:prstGeom prst="rect">
-            <a:avLst/>
-          </a:prstGeom>
-          <a:solidFill>
-            <a:schemeClr val="bg1">
-              <a:lumMod val="65000"/>
-              <a:lumOff val="35000"/>
-            </a:schemeClr>
-          </a:solidFill>
-          <a:ln>
-            <a:noFill/>
-          </a:ln>
-        </p:spPr>
-        <p:style>
-          <a:lnRef idx="1">
-            <a:schemeClr val="accent1"/>
-          </a:lnRef>
-          <a:fillRef idx="3">
-            <a:schemeClr val="accent1"/>
-          </a:fillRef>
-          <a:effectRef idx="2">
-            <a:schemeClr val="accent1"/>
-          </a:effectRef>
-          <a:fontRef idx="minor">
-            <a:schemeClr val="lt1"/>
-          </a:fontRef>
-        </p:style>
-        <p:txBody>
-          <a:bodyPr rtlCol="0" anchor="ctr"/>
-          <a:lstStyle/>
-          <a:p>
-            <a:pPr algn="ctr"/>
-            <a:r>
-              <a:rPr lang="en-US" dirty="0">
-                <a:latin typeface="Segoe Light"/>
-                <a:cs typeface="Segoe Light"/>
-              </a:rPr>
-              <a:t>40 </a:t>
-            </a:r>
-            <a:r>
-              <a:rPr lang="en-US" dirty="0" err="1">
-                <a:latin typeface="Segoe Light"/>
-                <a:cs typeface="Segoe Light"/>
-              </a:rPr>
-              <a:t>ms</a:t>
-            </a:r>
-            <a:r>
-              <a:rPr lang="en-US" dirty="0">
-                <a:latin typeface="Segoe Light"/>
-                <a:cs typeface="Segoe Light"/>
-              </a:rPr>
-              <a:t> -</a:t>
-            </a:r>
-          </a:p>
-          <a:p>
-            <a:pPr algn="ctr"/>
-            <a:r>
-              <a:rPr lang="en-US" dirty="0">
-                <a:latin typeface="Segoe Light"/>
-                <a:cs typeface="Segoe Light"/>
-              </a:rPr>
-              <a:t>100 </a:t>
-            </a:r>
-            <a:r>
-              <a:rPr lang="en-US" dirty="0" err="1">
-                <a:latin typeface="Segoe Light"/>
-                <a:cs typeface="Segoe Light"/>
-              </a:rPr>
-              <a:t>ms</a:t>
-            </a:r>
-            <a:endParaRPr lang="en-US" dirty="0">
-              <a:latin typeface="Segoe Light"/>
-              <a:cs typeface="Segoe Light"/>
-            </a:endParaRPr>
-          </a:p>
-        </p:txBody>
-      </p:sp>
-      <p:sp>
-        <p:nvSpPr>
-          <p:cNvPr id="53" name="Rectangle 52"/>
-          <p:cNvSpPr/>
-          <p:nvPr/>
-        </p:nvSpPr>
-        <p:spPr>
-          <a:xfrm>
-            <a:off x="8019975" y="5077542"/>
-            <a:ext cx="1044186" cy="1158303"/>
-          </a:xfrm>
-          <a:prstGeom prst="rect">
-            <a:avLst/>
-          </a:prstGeom>
-          <a:solidFill>
-            <a:schemeClr val="bg1">
-              <a:lumMod val="65000"/>
-              <a:lumOff val="35000"/>
-            </a:schemeClr>
-          </a:solidFill>
-          <a:ln>
-            <a:noFill/>
-          </a:ln>
-        </p:spPr>
-        <p:style>
-          <a:lnRef idx="1">
-            <a:schemeClr val="accent1"/>
-          </a:lnRef>
-          <a:fillRef idx="3">
-            <a:schemeClr val="accent1"/>
-          </a:fillRef>
-          <a:effectRef idx="2">
-            <a:schemeClr val="accent1"/>
-          </a:effectRef>
-          <a:fontRef idx="minor">
-            <a:schemeClr val="lt1"/>
-          </a:fontRef>
-        </p:style>
-        <p:txBody>
-          <a:bodyPr rtlCol="0" anchor="ctr"/>
-          <a:lstStyle/>
-          <a:p>
-            <a:pPr algn="ctr"/>
-            <a:r>
-              <a:rPr lang="en-US" dirty="0" smtClean="0">
-                <a:latin typeface="Segoe Light"/>
-                <a:cs typeface="Segoe Light"/>
-              </a:rPr>
-              <a:t>40 </a:t>
-            </a:r>
-            <a:r>
-              <a:rPr lang="en-US" dirty="0" err="1" smtClean="0">
-                <a:latin typeface="Segoe Light"/>
-                <a:cs typeface="Segoe Light"/>
-              </a:rPr>
-              <a:t>ms</a:t>
-            </a:r>
-            <a:r>
-              <a:rPr lang="en-US" dirty="0" smtClean="0">
-                <a:latin typeface="Segoe Light"/>
-                <a:cs typeface="Segoe Light"/>
-              </a:rPr>
-              <a:t> -</a:t>
-            </a:r>
-          </a:p>
-          <a:p>
-            <a:pPr algn="ctr"/>
-            <a:r>
-              <a:rPr lang="en-US" dirty="0" smtClean="0">
-                <a:latin typeface="Segoe Light"/>
-                <a:cs typeface="Segoe Light"/>
-              </a:rPr>
-              <a:t>100 </a:t>
-            </a:r>
-            <a:r>
-              <a:rPr lang="en-US" dirty="0" err="1" smtClean="0">
-                <a:latin typeface="Segoe Light"/>
-                <a:cs typeface="Segoe Light"/>
-              </a:rPr>
-              <a:t>ms</a:t>
-            </a:r>
-            <a:endParaRPr lang="en-US" dirty="0">
-              <a:latin typeface="Segoe Light"/>
-              <a:cs typeface="Segoe Light"/>
-            </a:endParaRPr>
-          </a:p>
-        </p:txBody>
-      </p:sp>
-      <p:sp>
-        <p:nvSpPr>
-          <p:cNvPr id="55" name="Rectangle 54"/>
-          <p:cNvSpPr/>
-          <p:nvPr/>
-        </p:nvSpPr>
-        <p:spPr>
-          <a:xfrm>
-            <a:off x="5069430" y="6305292"/>
-            <a:ext cx="3994729" cy="407270"/>
-          </a:xfrm>
-          <a:prstGeom prst="rect">
-            <a:avLst/>
-          </a:prstGeom>
-          <a:solidFill>
-            <a:schemeClr val="bg1">
-              <a:lumMod val="65000"/>
-              <a:lumOff val="35000"/>
-            </a:schemeClr>
-          </a:solidFill>
-          <a:ln>
-            <a:noFill/>
-          </a:ln>
-        </p:spPr>
-        <p:style>
-          <a:lnRef idx="1">
-            <a:schemeClr val="accent1"/>
-          </a:lnRef>
-          <a:fillRef idx="3">
-            <a:schemeClr val="accent1"/>
-          </a:fillRef>
-          <a:effectRef idx="2">
-            <a:schemeClr val="accent1"/>
-          </a:effectRef>
-          <a:fontRef idx="minor">
-            <a:schemeClr val="lt1"/>
-          </a:fontRef>
-        </p:style>
-        <p:txBody>
-          <a:bodyPr rtlCol="0" anchor="ctr"/>
-          <a:lstStyle/>
-          <a:p>
-            <a:pPr algn="ctr"/>
-            <a:r>
-              <a:rPr lang="en-US" dirty="0" smtClean="0">
-                <a:latin typeface="Segoe Light"/>
-                <a:cs typeface="Segoe Light"/>
-              </a:rPr>
-              <a:t>Possibly Internet….  50 </a:t>
-            </a:r>
-            <a:r>
-              <a:rPr lang="en-US" dirty="0" err="1" smtClean="0">
-                <a:latin typeface="Segoe Light"/>
-                <a:cs typeface="Segoe Light"/>
-              </a:rPr>
-              <a:t>ms</a:t>
-            </a:r>
-            <a:r>
-              <a:rPr lang="en-US" dirty="0" smtClean="0">
-                <a:latin typeface="Segoe Light"/>
-                <a:cs typeface="Segoe Light"/>
-              </a:rPr>
-              <a:t> – 200 </a:t>
-            </a:r>
-            <a:r>
-              <a:rPr lang="en-US" dirty="0" err="1" smtClean="0">
-                <a:latin typeface="Segoe Light"/>
-                <a:cs typeface="Segoe Light"/>
-              </a:rPr>
-              <a:t>ms</a:t>
-            </a:r>
-            <a:endParaRPr lang="en-US" dirty="0">
-              <a:latin typeface="Segoe Light"/>
-              <a:cs typeface="Segoe Light"/>
-            </a:endParaRPr>
-          </a:p>
-        </p:txBody>
-      </p:sp>
+      </p:pic>
     </p:spTree>
     <p:extLst>
       <p:ext uri="{BB962C8B-B14F-4D97-AF65-F5344CB8AC3E}">
@@ -9288,7 +9322,120 @@
   <p:timing>
     <p:tnLst>
       <p:par>
-        <p:cTn xmlns:p14="http://schemas.microsoft.com/office/powerpoint/2010/main" id="1" dur="indefinite" restart="never" nodeType="tmRoot"/>
+        <p:cTn xmlns:p14="http://schemas.microsoft.com/office/powerpoint/2010/main" id="1" dur="indefinite" restart="never" nodeType="tmRoot">
+          <p:childTnLst>
+            <p:seq concurrent="1" nextAc="seek">
+              <p:cTn id="2" dur="indefinite" nodeType="mainSeq">
+                <p:childTnLst>
+                  <p:par>
+                    <p:cTn id="3" fill="hold">
+                      <p:stCondLst>
+                        <p:cond delay="indefinite"/>
+                      </p:stCondLst>
+                      <p:childTnLst>
+                        <p:par>
+                          <p:cTn id="4" fill="hold">
+                            <p:stCondLst>
+                              <p:cond delay="0"/>
+                            </p:stCondLst>
+                            <p:childTnLst>
+                              <p:par>
+                                <p:cTn id="5" presetID="1" presetClass="entr" presetSubtype="0" fill="hold" nodeType="clickEffect">
+                                  <p:stCondLst>
+                                    <p:cond delay="0"/>
+                                  </p:stCondLst>
+                                  <p:childTnLst>
+                                    <p:set>
+                                      <p:cBhvr>
+                                        <p:cTn id="6" dur="1" fill="hold">
+                                          <p:stCondLst>
+                                            <p:cond delay="0"/>
+                                          </p:stCondLst>
+                                        </p:cTn>
+                                        <p:tgtEl>
+                                          <p:spTgt spid="8"/>
+                                        </p:tgtEl>
+                                        <p:attrNameLst>
+                                          <p:attrName>style.visibility</p:attrName>
+                                        </p:attrNameLst>
+                                      </p:cBhvr>
+                                      <p:to>
+                                        <p:strVal val="visible"/>
+                                      </p:to>
+                                    </p:set>
+                                  </p:childTnLst>
+                                </p:cTn>
+                              </p:par>
+                            </p:childTnLst>
+                          </p:cTn>
+                        </p:par>
+                      </p:childTnLst>
+                    </p:cTn>
+                  </p:par>
+                  <p:par>
+                    <p:cTn id="7" fill="hold">
+                      <p:stCondLst>
+                        <p:cond delay="indefinite"/>
+                      </p:stCondLst>
+                      <p:childTnLst>
+                        <p:par>
+                          <p:cTn id="8" fill="hold">
+                            <p:stCondLst>
+                              <p:cond delay="0"/>
+                            </p:stCondLst>
+                            <p:childTnLst>
+                              <p:par>
+                                <p:cTn id="9" presetID="1" presetClass="entr" presetSubtype="0" fill="hold" nodeType="clickEffect">
+                                  <p:stCondLst>
+                                    <p:cond delay="0"/>
+                                  </p:stCondLst>
+                                  <p:childTnLst>
+                                    <p:set>
+                                      <p:cBhvr>
+                                        <p:cTn id="10" dur="1" fill="hold">
+                                          <p:stCondLst>
+                                            <p:cond delay="0"/>
+                                          </p:stCondLst>
+                                        </p:cTn>
+                                        <p:tgtEl>
+                                          <p:spTgt spid="7"/>
+                                        </p:tgtEl>
+                                        <p:attrNameLst>
+                                          <p:attrName>style.visibility</p:attrName>
+                                        </p:attrNameLst>
+                                      </p:cBhvr>
+                                      <p:to>
+                                        <p:strVal val="visible"/>
+                                      </p:to>
+                                    </p:set>
+                                  </p:childTnLst>
+                                </p:cTn>
+                              </p:par>
+                            </p:childTnLst>
+                          </p:cTn>
+                        </p:par>
+                      </p:childTnLst>
+                    </p:cTn>
+                  </p:par>
+                </p:childTnLst>
+              </p:cTn>
+              <p:prevCondLst>
+                <p:cond evt="onPrev" delay="0">
+                  <p:tgtEl>
+                    <p:sldTgt/>
+                  </p:tgtEl>
+                </p:cond>
+              </p:prevCondLst>
+              <p:nextCondLst>
+                <p:cond evt="onNext" delay="0">
+                  <p:tgtEl>
+                    <p:sldTgt/>
+                  </p:tgtEl>
+                </p:cond>
+              </p:nextCondLst>
+            </p:seq>
+          </p:childTnLst>
+        </p:cTn>
       </p:par>
     </p:tnLst>
   </p:timing>

--- a/doc/MidTerm/MidTerm.pptx
+++ b/doc/MidTerm/MidTerm.pptx
@@ -200,7 +200,7 @@
           <a:p>
             <a:fld id="{A6609C19-3333-F748-BFA8-3DC416911B5B}" type="datetimeFigureOut">
               <a:rPr lang="en-US" smtClean="0"/>
-              <a:t>4/2/13</a:t>
+              <a:t>4/3/13</a:t>
             </a:fld>
             <a:endParaRPr lang="en-US"/>
           </a:p>
@@ -830,6 +830,39 @@
           <a:p>
             <a:endParaRPr lang="en-US" dirty="0"/>
           </a:p>
+          <a:p>
+            <a:r>
+              <a:rPr lang="en-US" dirty="0"/>
+              <a:t>----- Meeting Notes (4/3/13 13:22) -----</a:t>
+            </a:r>
+          </a:p>
+          <a:p>
+            <a:r>
+              <a:rPr lang="en-US" dirty="0"/>
+              <a:t>WAN</a:t>
+            </a:r>
+          </a:p>
+          <a:p>
+            <a:r>
+              <a:rPr lang="en-US" dirty="0"/>
+              <a:t>Use Turbo king to test a wide range of networks</a:t>
+            </a:r>
+          </a:p>
+          <a:p>
+            <a:endParaRPr lang="en-US" dirty="0"/>
+          </a:p>
+          <a:p>
+            <a:r>
+              <a:rPr lang="en-US" dirty="0"/>
+              <a:t>Mobile</a:t>
+            </a:r>
+          </a:p>
+          <a:p>
+            <a:r>
+              <a:rPr lang="en-US" dirty="0"/>
+              <a:t>We are limited by the fact there there is not a distributed network of wireless nodes that we can use for testing. So instead we are looking to better understand the latency of the networks we have access</a:t>
+            </a:r>
+          </a:p>
         </p:txBody>
       </p:sp>
       <p:sp>
@@ -1416,7 +1449,7 @@
           <a:p>
             <a:fld id="{6B35E7C1-0930-394A-BB48-132AAC6FC298}" type="datetimeFigureOut">
               <a:rPr lang="en-US" smtClean="0"/>
-              <a:t>4/2/13</a:t>
+              <a:t>4/3/13</a:t>
             </a:fld>
             <a:endParaRPr lang="en-US"/>
           </a:p>
@@ -1586,7 +1619,7 @@
           <a:p>
             <a:fld id="{6B35E7C1-0930-394A-BB48-132AAC6FC298}" type="datetimeFigureOut">
               <a:rPr lang="en-US" smtClean="0"/>
-              <a:t>4/2/13</a:t>
+              <a:t>4/3/13</a:t>
             </a:fld>
             <a:endParaRPr lang="en-US"/>
           </a:p>
@@ -1766,7 +1799,7 @@
           <a:p>
             <a:fld id="{6B35E7C1-0930-394A-BB48-132AAC6FC298}" type="datetimeFigureOut">
               <a:rPr lang="en-US" smtClean="0"/>
-              <a:t>4/2/13</a:t>
+              <a:t>4/3/13</a:t>
             </a:fld>
             <a:endParaRPr lang="en-US"/>
           </a:p>
@@ -1936,7 +1969,7 @@
           <a:p>
             <a:fld id="{6B35E7C1-0930-394A-BB48-132AAC6FC298}" type="datetimeFigureOut">
               <a:rPr lang="en-US" smtClean="0"/>
-              <a:t>4/2/13</a:t>
+              <a:t>4/3/13</a:t>
             </a:fld>
             <a:endParaRPr lang="en-US"/>
           </a:p>
@@ -2182,7 +2215,7 @@
           <a:p>
             <a:fld id="{6B35E7C1-0930-394A-BB48-132AAC6FC298}" type="datetimeFigureOut">
               <a:rPr lang="en-US" smtClean="0"/>
-              <a:t>4/2/13</a:t>
+              <a:t>4/3/13</a:t>
             </a:fld>
             <a:endParaRPr lang="en-US"/>
           </a:p>
@@ -2470,7 +2503,7 @@
           <a:p>
             <a:fld id="{6B35E7C1-0930-394A-BB48-132AAC6FC298}" type="datetimeFigureOut">
               <a:rPr lang="en-US" smtClean="0"/>
-              <a:t>4/2/13</a:t>
+              <a:t>4/3/13</a:t>
             </a:fld>
             <a:endParaRPr lang="en-US"/>
           </a:p>
@@ -2892,7 +2925,7 @@
           <a:p>
             <a:fld id="{6B35E7C1-0930-394A-BB48-132AAC6FC298}" type="datetimeFigureOut">
               <a:rPr lang="en-US" smtClean="0"/>
-              <a:t>4/2/13</a:t>
+              <a:t>4/3/13</a:t>
             </a:fld>
             <a:endParaRPr lang="en-US"/>
           </a:p>
@@ -3010,7 +3043,7 @@
           <a:p>
             <a:fld id="{6B35E7C1-0930-394A-BB48-132AAC6FC298}" type="datetimeFigureOut">
               <a:rPr lang="en-US" smtClean="0"/>
-              <a:t>4/2/13</a:t>
+              <a:t>4/3/13</a:t>
             </a:fld>
             <a:endParaRPr lang="en-US"/>
           </a:p>
@@ -3105,7 +3138,7 @@
           <a:p>
             <a:fld id="{6B35E7C1-0930-394A-BB48-132AAC6FC298}" type="datetimeFigureOut">
               <a:rPr lang="en-US" smtClean="0"/>
-              <a:t>4/2/13</a:t>
+              <a:t>4/3/13</a:t>
             </a:fld>
             <a:endParaRPr lang="en-US"/>
           </a:p>
@@ -3382,7 +3415,7 @@
           <a:p>
             <a:fld id="{6B35E7C1-0930-394A-BB48-132AAC6FC298}" type="datetimeFigureOut">
               <a:rPr lang="en-US" smtClean="0"/>
-              <a:t>4/2/13</a:t>
+              <a:t>4/3/13</a:t>
             </a:fld>
             <a:endParaRPr lang="en-US"/>
           </a:p>
@@ -3639,7 +3672,7 @@
           <a:p>
             <a:fld id="{6B35E7C1-0930-394A-BB48-132AAC6FC298}" type="datetimeFigureOut">
               <a:rPr lang="en-US" smtClean="0"/>
-              <a:t>4/2/13</a:t>
+              <a:t>4/3/13</a:t>
             </a:fld>
             <a:endParaRPr lang="en-US"/>
           </a:p>
@@ -3858,7 +3891,7 @@
           <a:p>
             <a:fld id="{6B35E7C1-0930-394A-BB48-132AAC6FC298}" type="datetimeFigureOut">
               <a:rPr lang="en-US" smtClean="0"/>
-              <a:t>4/2/13</a:t>
+              <a:t>4/3/13</a:t>
             </a:fld>
             <a:endParaRPr lang="en-US"/>
           </a:p>
@@ -8596,14 +8629,7 @@
                   <a:latin typeface="Segoe Light"/>
                   <a:cs typeface="Segoe Light"/>
                 </a:rPr>
-                <a:t>~</a:t>
-              </a:r>
-              <a:r>
-                <a:rPr lang="en-US" dirty="0" smtClean="0">
-                  <a:latin typeface="Segoe Light"/>
-                  <a:cs typeface="Segoe Light"/>
-                </a:rPr>
-                <a:t>35 </a:t>
+                <a:t>~35 </a:t>
               </a:r>
               <a:r>
                 <a:rPr lang="en-US" dirty="0" err="1" smtClean="0">
@@ -8667,14 +8693,7 @@
                   <a:latin typeface="Segoe Light"/>
                   <a:cs typeface="Segoe Light"/>
                 </a:rPr>
-                <a:t>~</a:t>
-              </a:r>
-              <a:r>
-                <a:rPr lang="en-US" dirty="0" smtClean="0">
-                  <a:latin typeface="Segoe Light"/>
-                  <a:cs typeface="Segoe Light"/>
-                </a:rPr>
-                <a:t>35 </a:t>
+                <a:t>~35 </a:t>
               </a:r>
               <a:r>
                 <a:rPr lang="en-US" dirty="0" err="1" smtClean="0">
@@ -8738,14 +8757,7 @@
                   <a:latin typeface="Segoe Light"/>
                   <a:cs typeface="Segoe Light"/>
                 </a:rPr>
-                <a:t>~</a:t>
-              </a:r>
-              <a:r>
-                <a:rPr lang="en-US" dirty="0" smtClean="0">
-                  <a:latin typeface="Segoe Light"/>
-                  <a:cs typeface="Segoe Light"/>
-                </a:rPr>
-                <a:t>35 </a:t>
+                <a:t>~35 </a:t>
               </a:r>
               <a:r>
                 <a:rPr lang="en-US" dirty="0" err="1" smtClean="0">
@@ -8809,14 +8821,7 @@
                   <a:latin typeface="Segoe Light"/>
                   <a:cs typeface="Segoe Light"/>
                 </a:rPr>
-                <a:t>~</a:t>
-              </a:r>
-              <a:r>
-                <a:rPr lang="en-US" dirty="0" smtClean="0">
-                  <a:latin typeface="Segoe Light"/>
-                  <a:cs typeface="Segoe Light"/>
-                </a:rPr>
-                <a:t>35 </a:t>
+                <a:t>~35 </a:t>
               </a:r>
               <a:r>
                 <a:rPr lang="en-US" dirty="0" err="1" smtClean="0">
